--- a/Group 9 - Facebook News Article Analysis.pptx
+++ b/Group 9 - Facebook News Article Analysis.pptx
@@ -6,16 +6,15 @@
     <p:sldMasterId id="2147483660" r:id="rId2"/>
   </p:sldMasterIdLst>
   <p:notesMasterIdLst>
-    <p:notesMasterId r:id="rId10"/>
+    <p:notesMasterId r:id="rId9"/>
   </p:notesMasterIdLst>
   <p:sldIdLst>
-    <p:sldId id="256" r:id="rId3"/>
+    <p:sldId id="258" r:id="rId3"/>
     <p:sldId id="257" r:id="rId4"/>
-    <p:sldId id="258" r:id="rId5"/>
-    <p:sldId id="259" r:id="rId6"/>
-    <p:sldId id="262" r:id="rId7"/>
-    <p:sldId id="263" r:id="rId8"/>
-    <p:sldId id="264" r:id="rId9"/>
+    <p:sldId id="259" r:id="rId5"/>
+    <p:sldId id="262" r:id="rId6"/>
+    <p:sldId id="263" r:id="rId7"/>
+    <p:sldId id="264" r:id="rId8"/>
   </p:sldIdLst>
   <p:sldSz cx="12192000" cy="6858000"/>
   <p:notesSz cx="6858000" cy="9144000"/>
@@ -469,96 +468,6 @@
     </a:lvl9pPr>
   </p:notesStyle>
 </p:notesMaster>
-</file>
-
-<file path=ppt/notesSlides/notesSlide1.xml><?xml version="1.0" encoding="utf-8"?>
-<p:notes xmlns:a="http://schemas.openxmlformats.org/drawingml/2006/main" xmlns:r="http://schemas.openxmlformats.org/officeDocument/2006/relationships" xmlns:p="http://schemas.openxmlformats.org/presentationml/2006/main">
-  <p:cSld>
-    <p:spTree>
-      <p:nvGrpSpPr>
-        <p:cNvPr id="1" name=""/>
-        <p:cNvGrpSpPr/>
-        <p:nvPr/>
-      </p:nvGrpSpPr>
-      <p:grpSpPr>
-        <a:xfrm>
-          <a:off x="0" y="0"/>
-          <a:ext cx="0" cy="0"/>
-          <a:chOff x="0" y="0"/>
-          <a:chExt cx="0" cy="0"/>
-        </a:xfrm>
-      </p:grpSpPr>
-      <p:sp>
-        <p:nvSpPr>
-          <p:cNvPr id="2" name="Slide Image Placeholder 1"/>
-          <p:cNvSpPr>
-            <a:spLocks noGrp="1" noRot="1" noChangeAspect="1"/>
-          </p:cNvSpPr>
-          <p:nvPr>
-            <p:ph type="sldImg"/>
-          </p:nvPr>
-        </p:nvSpPr>
-        <p:spPr/>
-      </p:sp>
-      <p:sp>
-        <p:nvSpPr>
-          <p:cNvPr id="3" name="Notes Placeholder 2"/>
-          <p:cNvSpPr>
-            <a:spLocks noGrp="1"/>
-          </p:cNvSpPr>
-          <p:nvPr>
-            <p:ph type="body" idx="1"/>
-          </p:nvPr>
-        </p:nvSpPr>
-        <p:spPr/>
-        <p:txBody>
-          <a:bodyPr/>
-          <a:lstStyle/>
-          <a:p>
-            <a:r>
-              <a:rPr lang="en-US" dirty="0"/>
-              <a:t>QuickStarter has created an outline to help you get started on your presentation. Some slides include information here in the notes to provide additional topics for you to research.</a:t>
-            </a:r>
-          </a:p>
-          <a:p>
-            <a:endParaRPr lang="en-US" dirty="0"/>
-          </a:p>
-        </p:txBody>
-      </p:sp>
-      <p:sp>
-        <p:nvSpPr>
-          <p:cNvPr id="4" name="Slide Number Placeholder 3"/>
-          <p:cNvSpPr>
-            <a:spLocks noGrp="1"/>
-          </p:cNvSpPr>
-          <p:nvPr>
-            <p:ph type="sldNum" sz="quarter" idx="10"/>
-          </p:nvPr>
-        </p:nvSpPr>
-        <p:spPr/>
-        <p:txBody>
-          <a:bodyPr/>
-          <a:lstStyle/>
-          <a:p>
-            <a:fld id="{E0746DE6-3336-457D-A091-FA20AC1C536E}" type="slidenum">
-              <a:rPr lang="en-US" smtClean="0"/>
-              <a:t>1</a:t>
-            </a:fld>
-            <a:endParaRPr lang="en-US"/>
-          </a:p>
-        </p:txBody>
-      </p:sp>
-    </p:spTree>
-    <p:extLst>
-      <p:ext uri="{BB962C8B-B14F-4D97-AF65-F5344CB8AC3E}">
-        <p14:creationId xmlns:p14="http://schemas.microsoft.com/office/powerpoint/2010/main" val="842729153"/>
-      </p:ext>
-    </p:extLst>
-  </p:cSld>
-  <p:clrMapOvr>
-    <a:masterClrMapping/>
-  </p:clrMapOvr>
-</p:notes>
 </file>
 
 <file path=ppt/slideLayouts/slideLayout1.xml><?xml version="1.0" encoding="utf-8"?>
@@ -5119,8 +5028,16 @@
 </file>
 
 <file path=ppt/slides/slide1.xml><?xml version="1.0" encoding="utf-8"?>
-<p:sld xmlns:a="http://schemas.openxmlformats.org/drawingml/2006/main" xmlns:r="http://schemas.openxmlformats.org/officeDocument/2006/relationships" xmlns:p="http://schemas.openxmlformats.org/presentationml/2006/main" show="0">
+<p:sld xmlns:a="http://schemas.openxmlformats.org/drawingml/2006/main" xmlns:r="http://schemas.openxmlformats.org/officeDocument/2006/relationships" xmlns:p="http://schemas.openxmlformats.org/presentationml/2006/main">
   <p:cSld>
+    <p:bg>
+      <p:bgPr>
+        <a:solidFill>
+          <a:srgbClr val="0070C0"/>
+        </a:solidFill>
+        <a:effectLst/>
+      </p:bgPr>
+    </p:bg>
     <p:spTree>
       <p:nvGrpSpPr>
         <p:cNvPr id="1" name=""/>
@@ -5135,391 +5052,349 @@
           <a:chExt cx="0" cy="0"/>
         </a:xfrm>
       </p:grpSpPr>
-      <p:sp>
-        <p:nvSpPr>
-          <p:cNvPr id="2" name="Title 1">
+      <p:sp useBgFill="1">
+        <p:nvSpPr>
+          <p:cNvPr id="47" name="Rectangle 30">
             <a:extLst>
               <a:ext uri="{FF2B5EF4-FFF2-40B4-BE49-F238E27FC236}">
-                <a16:creationId xmlns:a16="http://schemas.microsoft.com/office/drawing/2014/main" id="{326B76E6-8E55-4532-B4C9-362459A30A05}"/>
+                <a16:creationId xmlns:a16="http://schemas.microsoft.com/office/drawing/2014/main" id="{39171204-6A50-40E1-B631-84CEDFC9396A}"/>
+              </a:ext>
+              <a:ext uri="{C183D7F6-B498-43B3-948B-1728B52AA6E4}">
+                <adec:decorative xmlns:adec="http://schemas.microsoft.com/office/drawing/2017/decorative" val="1"/>
               </a:ext>
             </a:extLst>
           </p:cNvPr>
           <p:cNvSpPr>
-            <a:spLocks noGrp="1"/>
-          </p:cNvSpPr>
-          <p:nvPr>
-            <p:ph type="title"/>
-          </p:nvPr>
-        </p:nvSpPr>
-        <p:spPr/>
-        <p:txBody>
-          <a:bodyPr/>
-          <a:lstStyle/>
-          <a:p>
-            <a:r>
-              <a:rPr lang="en-US" dirty="0">
-                <a:latin typeface="Segoe UI Light" panose="020B0702040204020203" pitchFamily="34" charset="0"/>
-                <a:ea typeface="Segoe UI Light" panose="020B0702040204020203" pitchFamily="34" charset="0"/>
-                <a:cs typeface="Segoe UI" panose="020B0502040204020203" pitchFamily="34" charset="0"/>
-              </a:rPr>
-              <a:t>Analysis of Facebook News Articles by Category </a:t>
-            </a:r>
-          </a:p>
-        </p:txBody>
-      </p:sp>
-      <p:sp>
-        <p:nvSpPr>
-          <p:cNvPr id="20" name="Text 2"/>
-          <p:cNvSpPr/>
-          <p:nvPr/>
-        </p:nvSpPr>
-        <p:spPr>
-          <a:xfrm>
-            <a:off x="838200" y="1461299"/>
-            <a:ext cx="10462846" cy="415498"/>
+            <a:spLocks noGrp="1" noRot="1" noChangeAspect="1" noMove="1" noResize="1" noEditPoints="1" noAdjustHandles="1" noChangeArrowheads="1" noChangeShapeType="1" noTextEdit="1"/>
+          </p:cNvSpPr>
+          <p:nvPr>
+            <p:extLst>
+              <p:ext uri="{386F3935-93C4-4BCD-93E2-E3B085C9AB24}">
+                <p16:designElem xmlns:p16="http://schemas.microsoft.com/office/powerpoint/2015/main" val="1"/>
+              </p:ext>
+            </p:extLst>
+          </p:nvPr>
+        </p:nvSpPr>
+        <p:spPr>
+          <a:xfrm>
+            <a:off x="0" y="0"/>
+            <a:ext cx="12192000" cy="6858000"/>
           </a:xfrm>
           <a:prstGeom prst="rect">
             <a:avLst/>
           </a:prstGeom>
-        </p:spPr>
-        <p:txBody>
-          <a:bodyPr wrap="square">
-            <a:spAutoFit/>
-          </a:bodyPr>
+          <a:ln>
+            <a:noFill/>
+          </a:ln>
+        </p:spPr>
+        <p:style>
+          <a:lnRef idx="2">
+            <a:schemeClr val="accent1">
+              <a:shade val="50000"/>
+            </a:schemeClr>
+          </a:lnRef>
+          <a:fillRef idx="1">
+            <a:schemeClr val="accent1"/>
+          </a:fillRef>
+          <a:effectRef idx="0">
+            <a:schemeClr val="accent1"/>
+          </a:effectRef>
+          <a:fontRef idx="minor">
+            <a:schemeClr val="lt1"/>
+          </a:fontRef>
+        </p:style>
+        <p:txBody>
+          <a:bodyPr rtlCol="0" anchor="ctr"/>
           <a:lstStyle/>
           <a:p>
-            <a:pPr>
-              <a:lnSpc>
-                <a:spcPct val="150000"/>
-              </a:lnSpc>
-            </a:pPr>
-            <a:r>
-              <a:rPr lang="en-US" sz="1400" dirty="0">
-                <a:solidFill>
-                  <a:srgbClr val="D24726"/>
-                </a:solidFill>
-                <a:latin typeface="Segoe UI Semibold" panose="020B0702040204020203" pitchFamily="34" charset="0"/>
-                <a:ea typeface="Segoe UI Semibold" panose="020B0702040204020203" pitchFamily="34" charset="0"/>
-                <a:cs typeface="Segoe UI" panose="020B0502040204020203" pitchFamily="34" charset="0"/>
-              </a:rPr>
-              <a:t>Key facts about your topic</a:t>
-            </a:r>
-          </a:p>
-        </p:txBody>
-      </p:sp>
-      <p:sp>
-        <p:nvSpPr>
-          <p:cNvPr id="21" name="Content Placeholder 2"/>
-          <p:cNvSpPr txBox="1">
-            <a:spLocks/>
-          </p:cNvSpPr>
-          <p:nvPr/>
-        </p:nvSpPr>
-        <p:spPr>
-          <a:xfrm>
-            <a:off x="850250" y="1876798"/>
-            <a:ext cx="10465450" cy="4000000"/>
+            <a:pPr algn="ctr"/>
+            <a:endParaRPr lang="en-US"/>
+          </a:p>
+        </p:txBody>
+      </p:sp>
+      <p:sp>
+        <p:nvSpPr>
+          <p:cNvPr id="48" name="Rectangle 32">
+            <a:extLst>
+              <a:ext uri="{FF2B5EF4-FFF2-40B4-BE49-F238E27FC236}">
+                <a16:creationId xmlns:a16="http://schemas.microsoft.com/office/drawing/2014/main" id="{06C973F6-5187-412F-AACC-6E3FF8A6A12C}"/>
+              </a:ext>
+              <a:ext uri="{C183D7F6-B498-43B3-948B-1728B52AA6E4}">
+                <adec:decorative xmlns:adec="http://schemas.microsoft.com/office/drawing/2017/decorative" val="1"/>
+              </a:ext>
+            </a:extLst>
+          </p:cNvPr>
+          <p:cNvSpPr>
+            <a:spLocks noGrp="1" noRot="1" noChangeAspect="1" noMove="1" noResize="1" noEditPoints="1" noAdjustHandles="1" noChangeArrowheads="1" noChangeShapeType="1" noTextEdit="1"/>
+          </p:cNvSpPr>
+          <p:nvPr>
+            <p:extLst>
+              <p:ext uri="{386F3935-93C4-4BCD-93E2-E3B085C9AB24}">
+                <p16:designElem xmlns:p16="http://schemas.microsoft.com/office/powerpoint/2015/main" val="1"/>
+              </p:ext>
+            </p:extLst>
+          </p:nvPr>
+        </p:nvSpPr>
+        <p:spPr>
+          <a:xfrm>
+            <a:off x="581191" y="457201"/>
+            <a:ext cx="1106164" cy="5859735"/>
           </a:xfrm>
           <a:prstGeom prst="rect">
             <a:avLst/>
           </a:prstGeom>
-          <a:ln w="57150">
+          <a:solidFill>
+            <a:schemeClr val="accent1"/>
+          </a:solidFill>
+          <a:ln>
             <a:noFill/>
           </a:ln>
-        </p:spPr>
-        <p:txBody>
-          <a:bodyPr vert="horz" lIns="91440" tIns="45720" rIns="91440" bIns="45720" numCol="1" rtlCol="0" anchor="t">
+          <a:effectLst/>
+        </p:spPr>
+        <p:style>
+          <a:lnRef idx="1">
+            <a:schemeClr val="accent1"/>
+          </a:lnRef>
+          <a:fillRef idx="3">
+            <a:schemeClr val="accent1"/>
+          </a:fillRef>
+          <a:effectRef idx="2">
+            <a:schemeClr val="accent1"/>
+          </a:effectRef>
+          <a:fontRef idx="minor">
+            <a:schemeClr val="lt1"/>
+          </a:fontRef>
+        </p:style>
+      </p:sp>
+      <p:sp>
+        <p:nvSpPr>
+          <p:cNvPr id="49" name="Rectangle 34">
+            <a:extLst>
+              <a:ext uri="{FF2B5EF4-FFF2-40B4-BE49-F238E27FC236}">
+                <a16:creationId xmlns:a16="http://schemas.microsoft.com/office/drawing/2014/main" id="{D11AE14F-1B7E-41E6-B579-2F71D135036C}"/>
+              </a:ext>
+              <a:ext uri="{C183D7F6-B498-43B3-948B-1728B52AA6E4}">
+                <adec:decorative xmlns:adec="http://schemas.microsoft.com/office/drawing/2017/decorative" val="1"/>
+              </a:ext>
+            </a:extLst>
+          </p:cNvPr>
+          <p:cNvSpPr>
+            <a:spLocks noGrp="1" noRot="1" noChangeAspect="1" noMove="1" noResize="1" noEditPoints="1" noAdjustHandles="1" noChangeArrowheads="1" noChangeShapeType="1" noTextEdit="1"/>
+          </p:cNvSpPr>
+          <p:nvPr>
+            <p:extLst>
+              <p:ext uri="{386F3935-93C4-4BCD-93E2-E3B085C9AB24}">
+                <p16:designElem xmlns:p16="http://schemas.microsoft.com/office/powerpoint/2015/main" val="1"/>
+              </p:ext>
+            </p:extLst>
+          </p:nvPr>
+        </p:nvSpPr>
+        <p:spPr>
+          <a:xfrm>
+            <a:off x="1784419" y="457200"/>
+            <a:ext cx="9961047" cy="3678072"/>
+          </a:xfrm>
+          <a:prstGeom prst="rect">
+            <a:avLst/>
+          </a:prstGeom>
+          <a:solidFill>
+            <a:schemeClr val="accent2"/>
+          </a:solidFill>
+          <a:ln>
+            <a:noFill/>
+          </a:ln>
+          <a:effectLst/>
+        </p:spPr>
+        <p:style>
+          <a:lnRef idx="1">
+            <a:schemeClr val="accent1"/>
+          </a:lnRef>
+          <a:fillRef idx="3">
+            <a:schemeClr val="accent1"/>
+          </a:fillRef>
+          <a:effectRef idx="2">
+            <a:schemeClr val="accent1"/>
+          </a:effectRef>
+          <a:fontRef idx="minor">
+            <a:schemeClr val="lt1"/>
+          </a:fontRef>
+        </p:style>
+      </p:sp>
+      <p:sp>
+        <p:nvSpPr>
+          <p:cNvPr id="2" name="Title 1"/>
+          <p:cNvSpPr>
+            <a:spLocks noGrp="1"/>
+          </p:cNvSpPr>
+          <p:nvPr>
+            <p:ph type="ctrTitle"/>
+          </p:nvPr>
+        </p:nvSpPr>
+        <p:spPr>
+          <a:xfrm>
+            <a:off x="1965278" y="668740"/>
+            <a:ext cx="7574507" cy="3330055"/>
+          </a:xfrm>
+        </p:spPr>
+        <p:txBody>
+          <a:bodyPr anchor="ctr">
             <a:normAutofit/>
           </a:bodyPr>
           <a:lstStyle/>
           <a:p>
-            <a:pPr marL="0" indent="0">
+            <a:pPr>
               <a:lnSpc>
-                <a:spcPct val="150000"/>
+                <a:spcPct val="90000"/>
               </a:lnSpc>
-              <a:spcBef>
-                <a:spcPts val="0"/>
-              </a:spcBef>
-              <a:buFont typeface="Arial" panose="020B0604020202020204" pitchFamily="34" charset="0"/>
-              <a:buNone/>
             </a:pPr>
             <a:r>
-              <a:rPr lang="en-US" sz="1400" dirty="0">
+              <a:rPr lang="en-US" sz="5600">
                 <a:solidFill>
-                  <a:schemeClr val="tx1">
-                    <a:lumMod val="65000"/>
-                    <a:lumOff val="35000"/>
-                  </a:schemeClr>
+                  <a:srgbClr val="FFFFFF"/>
                 </a:solidFill>
-                <a:latin typeface="Segoe UI Semilight" panose="020B0402040204020203" pitchFamily="34" charset="0"/>
-                <a:ea typeface="Segoe UI" panose="020B0502040204020203" pitchFamily="34" charset="0"/>
-                <a:cs typeface="Segoe UI Semilight" panose="020B0402040204020203" pitchFamily="34" charset="0"/>
               </a:rPr>
-              <a:t>Criticism of Facebook has led to international media coverage and significant reporting of its legal troubles and the outsize influence it has on the lives and health of its users and employees, as well on its influence on the way media, specifically news, is reported and distributed. Notable issues include Internet privacy, such as use of a widespread "like" button on third-party websites tracking users, possible indefinite records of user information, automatic facial recognition software, and its role in the workplace, including employer-employee account disclosure.</a:t>
-            </a:r>
-          </a:p>
-        </p:txBody>
-      </p:sp>
-      <p:sp>
-        <p:nvSpPr>
-          <p:cNvPr id="22" name="Footer Placeholder 2"/>
-          <p:cNvSpPr>
-            <a:spLocks noGrp="1"/>
-          </p:cNvSpPr>
-          <p:nvPr>
-            <p:ph type="ftr" sz="quarter" idx="11"/>
-          </p:nvPr>
-        </p:nvSpPr>
-        <p:spPr>
-          <a:xfrm>
-            <a:off x="838199" y="6229028"/>
-            <a:ext cx="5779169" cy="365125"/>
-          </a:xfrm>
-        </p:spPr>
-        <p:txBody>
-          <a:bodyPr/>
-          <a:lstStyle/>
-          <a:p>
-            <a:pPr algn="l"/>
-            <a:r>
-              <a:rPr lang="en-US" dirty="0">
-                <a:solidFill>
-                  <a:schemeClr val="tx2"/>
-                </a:solidFill>
-                <a:latin typeface="Segoe UI" panose="020B0502040204020203" pitchFamily="34" charset="0"/>
-                <a:ea typeface="Segoe UI" panose="020B0502040204020203" pitchFamily="34" charset="0"/>
-                <a:cs typeface="Segoe UI" panose="020B0502040204020203" pitchFamily="34" charset="0"/>
-                <a:hlinkClick r:id="rId3"/>
-              </a:rPr>
-              <a:t>en.wikipedia.org</a:t>
-            </a:r>
-            <a:r>
-              <a:rPr lang="en-US" dirty="0">
-                <a:solidFill>
-                  <a:schemeClr val="tx2"/>
-                </a:solidFill>
-                <a:latin typeface="Segoe UI" panose="020B0502040204020203" pitchFamily="34" charset="0"/>
-                <a:ea typeface="Segoe UI" panose="020B0502040204020203" pitchFamily="34" charset="0"/>
-                <a:cs typeface="Segoe UI" panose="020B0502040204020203" pitchFamily="34" charset="0"/>
-              </a:rPr>
-              <a:t> - Text under </a:t>
-            </a:r>
-            <a:r>
-              <a:rPr lang="en-US" dirty="0">
-                <a:solidFill>
-                  <a:schemeClr val="tx2"/>
-                </a:solidFill>
-                <a:latin typeface="Segoe UI" panose="020B0502040204020203" pitchFamily="34" charset="0"/>
-                <a:ea typeface="Segoe UI" panose="020B0502040204020203" pitchFamily="34" charset="0"/>
-                <a:cs typeface="Segoe UI" panose="020B0502040204020203" pitchFamily="34" charset="0"/>
-                <a:hlinkClick r:id="rId4"/>
-              </a:rPr>
-              <a:t>CC-BY-SA license</a:t>
-            </a:r>
-            <a:endParaRPr lang="en-US" dirty="0"/>
-          </a:p>
-        </p:txBody>
-      </p:sp>
-      <p:grpSp>
-        <p:nvGrpSpPr>
-          <p:cNvPr id="4" name="Group 3">
+              <a:t>Facebook News Article analysis by Category for the first half of 2020.</a:t>
+            </a:r>
+            <a:endParaRPr lang="en-US" sz="5600" dirty="0">
+              <a:solidFill>
+                <a:srgbClr val="FFFFFF"/>
+              </a:solidFill>
+            </a:endParaRPr>
+          </a:p>
+        </p:txBody>
+      </p:sp>
+      <p:sp>
+        <p:nvSpPr>
+          <p:cNvPr id="50" name="Rectangle 36">
             <a:extLst>
               <a:ext uri="{FF2B5EF4-FFF2-40B4-BE49-F238E27FC236}">
-                <a16:creationId xmlns:a16="http://schemas.microsoft.com/office/drawing/2014/main" id="{E07FEDDE-7BE3-4AF0-89AC-8212D722B9B0}"/>
+                <a16:creationId xmlns:a16="http://schemas.microsoft.com/office/drawing/2014/main" id="{752BB805-F7B7-4B80-A1C5-385D4DAF74D0}"/>
+              </a:ext>
+              <a:ext uri="{C183D7F6-B498-43B3-948B-1728B52AA6E4}">
+                <adec:decorative xmlns:adec="http://schemas.microsoft.com/office/drawing/2017/decorative" val="1"/>
               </a:ext>
             </a:extLst>
           </p:cNvPr>
-          <p:cNvGrpSpPr/>
-          <p:nvPr/>
-        </p:nvGrpSpPr>
-        <p:grpSpPr>
-          <a:xfrm>
-            <a:off x="6211661" y="5810971"/>
-            <a:ext cx="5188481" cy="1174603"/>
-            <a:chOff x="6211661" y="5810971"/>
-            <a:chExt cx="5188481" cy="1174603"/>
-          </a:xfrm>
-        </p:grpSpPr>
-        <p:sp>
-          <p:nvSpPr>
-            <p:cNvPr id="5" name="Rectangle 8">
-              <a:extLst>
-                <a:ext uri="{FF2B5EF4-FFF2-40B4-BE49-F238E27FC236}">
-                  <a16:creationId xmlns:a16="http://schemas.microsoft.com/office/drawing/2014/main" id="{184C5845-0FFB-4734-A9BE-3E8CEA8008D3}"/>
-                </a:ext>
-              </a:extLst>
-            </p:cNvPr>
-            <p:cNvSpPr/>
-            <p:nvPr/>
-          </p:nvSpPr>
-          <p:spPr>
-            <a:xfrm>
-              <a:off x="6211661" y="6042093"/>
-              <a:ext cx="5138199" cy="630783"/>
-            </a:xfrm>
-            <a:prstGeom prst="rect">
-              <a:avLst/>
-            </a:prstGeom>
-            <a:solidFill>
-              <a:srgbClr val="F2F2F2"/>
-            </a:solidFill>
-            <a:ln>
-              <a:noFill/>
-            </a:ln>
-          </p:spPr>
-          <p:style>
-            <a:lnRef idx="2">
-              <a:schemeClr val="accent1">
-                <a:shade val="50000"/>
-              </a:schemeClr>
-            </a:lnRef>
-            <a:fillRef idx="1">
-              <a:schemeClr val="accent1"/>
-            </a:fillRef>
-            <a:effectRef idx="0">
-              <a:schemeClr val="accent1"/>
-            </a:effectRef>
-            <a:fontRef idx="minor">
-              <a:schemeClr val="lt1"/>
-            </a:fontRef>
-          </p:style>
-          <p:txBody>
-            <a:bodyPr rtlCol="0" anchor="b" anchorCtr="0"/>
-            <a:lstStyle/>
-            <a:p>
-              <a:pPr algn="ctr"/>
-              <a:endParaRPr lang="en-US" sz="1800" dirty="0"/>
-            </a:p>
-          </p:txBody>
-        </p:sp>
-        <p:sp>
-          <p:nvSpPr>
-            <p:cNvPr id="6" name="TextBox 7">
-              <a:extLst>
-                <a:ext uri="{FF2B5EF4-FFF2-40B4-BE49-F238E27FC236}">
-                  <a16:creationId xmlns:a16="http://schemas.microsoft.com/office/drawing/2014/main" id="{33CDDC14-D7C0-4FC6-8360-4E6E50174088}"/>
-                </a:ext>
-              </a:extLst>
-            </p:cNvPr>
-            <p:cNvSpPr txBox="1"/>
-            <p:nvPr/>
-          </p:nvSpPr>
-          <p:spPr>
-            <a:xfrm>
-              <a:off x="6289102" y="6139278"/>
-              <a:ext cx="2303691" cy="451406"/>
-            </a:xfrm>
-            <a:prstGeom prst="rect">
-              <a:avLst/>
-            </a:prstGeom>
+          <p:cNvSpPr>
+            <a:spLocks noGrp="1" noRot="1" noChangeAspect="1" noMove="1" noResize="1" noEditPoints="1" noAdjustHandles="1" noChangeArrowheads="1" noChangeShapeType="1" noTextEdit="1"/>
+          </p:cNvSpPr>
+          <p:nvPr>
+            <p:extLst>
+              <p:ext uri="{386F3935-93C4-4BCD-93E2-E3B085C9AB24}">
+                <p16:designElem xmlns:p16="http://schemas.microsoft.com/office/powerpoint/2015/main" val="1"/>
+              </p:ext>
+            </p:extLst>
+          </p:nvPr>
+        </p:nvSpPr>
+        <p:spPr>
+          <a:xfrm>
+            <a:off x="1784352" y="4244454"/>
+            <a:ext cx="9961115" cy="2072481"/>
+          </a:xfrm>
+          <a:prstGeom prst="rect">
+            <a:avLst/>
+          </a:prstGeom>
+          <a:solidFill>
+            <a:schemeClr val="accent4"/>
+          </a:solidFill>
+          <a:ln>
             <a:noFill/>
-          </p:spPr>
-          <p:txBody>
-            <a:bodyPr wrap="square" rtlCol="0">
-              <a:spAutoFit/>
-            </a:bodyPr>
-            <a:lstStyle/>
-            <a:p>
-              <a:pPr>
-                <a:lnSpc>
-                  <a:spcPts val="1400"/>
-                </a:lnSpc>
-              </a:pPr>
-              <a:r>
-                <a:rPr lang="en-US" sz="1200" dirty="0">
-                  <a:solidFill>
-                    <a:srgbClr val="D24726"/>
-                  </a:solidFill>
-                  <a:cs typeface="Segoe UI Semibold" panose="020B0702040204020203" pitchFamily="34" charset="0"/>
-                </a:rPr>
-                <a:t>See more: </a:t>
-              </a:r>
-              <a:r>
-                <a:rPr lang="en-US" sz="1200" dirty="0">
-                  <a:solidFill>
-                    <a:schemeClr val="tx1">
-                      <a:lumMod val="65000"/>
-                      <a:lumOff val="35000"/>
-                    </a:schemeClr>
-                  </a:solidFill>
-                  <a:latin typeface="Segoe UI Semilight" panose="020B0402040204020203" pitchFamily="34" charset="0"/>
-                  <a:ea typeface="Segoe UI Symbol" panose="020B0502040204020203" pitchFamily="34" charset="0"/>
-                  <a:cs typeface="Segoe UI Semilight" panose="020B0402040204020203" pitchFamily="34" charset="0"/>
-                </a:rPr>
-                <a:t>Open the Notes below for more information.</a:t>
-              </a:r>
-            </a:p>
-          </p:txBody>
-        </p:sp>
-        <p:pic>
-          <p:nvPicPr>
-            <p:cNvPr id="7" name="Picture 11" descr="Curved arrow">
-              <a:extLst>
-                <a:ext uri="{FF2B5EF4-FFF2-40B4-BE49-F238E27FC236}">
-                  <a16:creationId xmlns:a16="http://schemas.microsoft.com/office/drawing/2014/main" id="{A3DA137E-6B53-4403-B00B-B734CA13A906}"/>
-                </a:ext>
-              </a:extLst>
-            </p:cNvPr>
-            <p:cNvPicPr/>
-            <p:nvPr/>
-          </p:nvPicPr>
-          <p:blipFill>
-            <a:blip r:embed="rId5" cstate="print">
-              <a:extLst>
-                <a:ext uri="{28A0092B-C50C-407E-A947-70E740481C1C}">
-                  <a14:useLocalDpi xmlns:a14="http://schemas.microsoft.com/office/drawing/2010/main" val="0"/>
-                </a:ext>
-              </a:extLst>
-            </a:blip>
-            <a:stretch>
-              <a:fillRect/>
-            </a:stretch>
-          </p:blipFill>
-          <p:spPr>
-            <a:xfrm rot="10354591">
-              <a:off x="8375339" y="6310072"/>
-              <a:ext cx="712427" cy="504018"/>
-            </a:xfrm>
-            <a:prstGeom prst="rect">
-              <a:avLst/>
-            </a:prstGeom>
-          </p:spPr>
-        </p:pic>
-        <p:pic>
-          <p:nvPicPr>
-            <p:cNvPr id="8" name="Picture 6" descr="Notes button in status bar">
-              <a:extLst>
-                <a:ext uri="{FF2B5EF4-FFF2-40B4-BE49-F238E27FC236}">
-                  <a16:creationId xmlns:a16="http://schemas.microsoft.com/office/drawing/2014/main" id="{225180E8-0FE3-47A7-AA6D-1109075B6765}"/>
-                </a:ext>
-              </a:extLst>
-            </p:cNvPr>
-            <p:cNvPicPr>
-              <a:picLocks noChangeAspect="1"/>
-            </p:cNvPicPr>
-            <p:nvPr/>
-          </p:nvPicPr>
-          <p:blipFill>
-            <a:blip r:embed="rId6"/>
-            <a:stretch>
-              <a:fillRect/>
-            </a:stretch>
-          </p:blipFill>
-          <p:spPr>
-            <a:xfrm>
-              <a:off x="9025539" y="5810971"/>
-              <a:ext cx="2374603" cy="1174603"/>
-            </a:xfrm>
-            <a:prstGeom prst="rect">
-              <a:avLst/>
-            </a:prstGeom>
-          </p:spPr>
-        </p:pic>
-      </p:grpSp>
+          </a:ln>
+          <a:effectLst/>
+        </p:spPr>
+        <p:style>
+          <a:lnRef idx="1">
+            <a:schemeClr val="accent1"/>
+          </a:lnRef>
+          <a:fillRef idx="3">
+            <a:schemeClr val="accent1"/>
+          </a:fillRef>
+          <a:effectRef idx="2">
+            <a:schemeClr val="accent1"/>
+          </a:effectRef>
+          <a:fontRef idx="minor">
+            <a:schemeClr val="lt1"/>
+          </a:fontRef>
+        </p:style>
+      </p:sp>
+      <p:sp>
+        <p:nvSpPr>
+          <p:cNvPr id="3" name="Content Placeholder 2"/>
+          <p:cNvSpPr>
+            <a:spLocks noGrp="1"/>
+          </p:cNvSpPr>
+          <p:nvPr>
+            <p:ph type="subTitle" idx="1"/>
+          </p:nvPr>
+        </p:nvSpPr>
+        <p:spPr>
+          <a:xfrm>
+            <a:off x="1965278" y="4462818"/>
+            <a:ext cx="7574507" cy="1640983"/>
+          </a:xfrm>
+        </p:spPr>
+        <p:txBody>
+          <a:bodyPr anchor="t">
+            <a:normAutofit/>
+          </a:bodyPr>
+          <a:lstStyle/>
+          <a:p>
+            <a:pPr marL="457200" indent="-457200">
+              <a:lnSpc>
+                <a:spcPct val="90000"/>
+              </a:lnSpc>
+              <a:buFont typeface="Arial" panose="020B0604020202020204" pitchFamily="34" charset="0"/>
+              <a:buChar char="•"/>
+            </a:pPr>
+            <a:r>
+              <a:rPr lang="en-US" sz="2700" dirty="0">
+                <a:solidFill>
+                  <a:srgbClr val="FFFFFF"/>
+                </a:solidFill>
+              </a:rPr>
+              <a:t>LIKEs, Shares, Comments</a:t>
+            </a:r>
+          </a:p>
+          <a:p>
+            <a:pPr marL="457200" indent="-457200">
+              <a:lnSpc>
+                <a:spcPct val="90000"/>
+              </a:lnSpc>
+              <a:buFont typeface="Arial" panose="020B0604020202020204" pitchFamily="34" charset="0"/>
+              <a:buChar char="•"/>
+            </a:pPr>
+            <a:r>
+              <a:rPr lang="en-US" sz="2700" dirty="0">
+                <a:solidFill>
+                  <a:srgbClr val="FFFFFF"/>
+                </a:solidFill>
+              </a:rPr>
+              <a:t>Emotional Reactions</a:t>
+            </a:r>
+          </a:p>
+          <a:p>
+            <a:pPr marL="457200" indent="-457200">
+              <a:lnSpc>
+                <a:spcPct val="90000"/>
+              </a:lnSpc>
+              <a:buFont typeface="Arial" panose="020B0604020202020204" pitchFamily="34" charset="0"/>
+              <a:buChar char="•"/>
+            </a:pPr>
+            <a:r>
+              <a:rPr lang="en-US" sz="2700" dirty="0">
+                <a:solidFill>
+                  <a:srgbClr val="FFFFFF"/>
+                </a:solidFill>
+              </a:rPr>
+              <a:t>Clickbait Status</a:t>
+            </a:r>
+          </a:p>
+        </p:txBody>
+      </p:sp>
     </p:spTree>
     <p:extLst>
       <p:ext uri="{BB962C8B-B14F-4D97-AF65-F5344CB8AC3E}">
-        <p14:creationId xmlns:p14="http://schemas.microsoft.com/office/powerpoint/2010/main" val="3748667521"/>
+        <p14:creationId xmlns:p14="http://schemas.microsoft.com/office/powerpoint/2010/main" val="3020936826"/>
       </p:ext>
     </p:extLst>
   </p:cSld>
@@ -5532,6 +5407,14 @@
 <file path=ppt/slides/slide2.xml><?xml version="1.0" encoding="utf-8"?>
 <p:sld xmlns:a="http://schemas.openxmlformats.org/drawingml/2006/main" xmlns:r="http://schemas.openxmlformats.org/officeDocument/2006/relationships" xmlns:p="http://schemas.openxmlformats.org/presentationml/2006/main" show="0">
   <p:cSld>
+    <p:bg>
+      <p:bgPr>
+        <a:solidFill>
+          <a:schemeClr val="bg1"/>
+        </a:solidFill>
+        <a:effectLst/>
+      </p:bgPr>
+    </p:bg>
     <p:spTree>
       <p:nvGrpSpPr>
         <p:cNvPr id="1" name=""/>
@@ -5548,6 +5431,412 @@
       </p:grpSpPr>
       <p:sp>
         <p:nvSpPr>
+          <p:cNvPr id="12" name="Rectangle 11">
+            <a:extLst>
+              <a:ext uri="{FF2B5EF4-FFF2-40B4-BE49-F238E27FC236}">
+                <a16:creationId xmlns:a16="http://schemas.microsoft.com/office/drawing/2014/main" id="{68A4132F-DEC6-4332-A00C-A11AD4519B6C}"/>
+              </a:ext>
+              <a:ext uri="{C183D7F6-B498-43B3-948B-1728B52AA6E4}">
+                <adec:decorative xmlns:adec="http://schemas.microsoft.com/office/drawing/2017/decorative" val="1"/>
+              </a:ext>
+            </a:extLst>
+          </p:cNvPr>
+          <p:cNvSpPr>
+            <a:spLocks noGrp="1" noRot="1" noChangeAspect="1" noMove="1" noResize="1" noEditPoints="1" noAdjustHandles="1" noChangeArrowheads="1" noChangeShapeType="1" noTextEdit="1"/>
+          </p:cNvSpPr>
+          <p:nvPr>
+            <p:extLst>
+              <p:ext uri="{386F3935-93C4-4BCD-93E2-E3B085C9AB24}">
+                <p16:designElem xmlns:p16="http://schemas.microsoft.com/office/powerpoint/2015/main" val="1"/>
+              </p:ext>
+            </p:extLst>
+          </p:nvPr>
+        </p:nvSpPr>
+        <p:spPr>
+          <a:xfrm>
+            <a:off x="1524" y="0"/>
+            <a:ext cx="12190476" cy="6858000"/>
+          </a:xfrm>
+          <a:prstGeom prst="rect">
+            <a:avLst/>
+          </a:prstGeom>
+          <a:solidFill>
+            <a:schemeClr val="tx1"/>
+          </a:solidFill>
+          <a:ln>
+            <a:noFill/>
+          </a:ln>
+        </p:spPr>
+        <p:style>
+          <a:lnRef idx="2">
+            <a:schemeClr val="accent1">
+              <a:shade val="50000"/>
+            </a:schemeClr>
+          </a:lnRef>
+          <a:fillRef idx="1">
+            <a:schemeClr val="accent1"/>
+          </a:fillRef>
+          <a:effectRef idx="0">
+            <a:schemeClr val="accent1"/>
+          </a:effectRef>
+          <a:fontRef idx="minor">
+            <a:schemeClr val="lt1"/>
+          </a:fontRef>
+        </p:style>
+        <p:txBody>
+          <a:bodyPr rtlCol="0" anchor="ctr"/>
+          <a:lstStyle/>
+          <a:p>
+            <a:pPr algn="ctr"/>
+            <a:endParaRPr lang="en-US"/>
+          </a:p>
+        </p:txBody>
+      </p:sp>
+      <p:sp>
+        <p:nvSpPr>
+          <p:cNvPr id="14" name="Freeform: Shape 13">
+            <a:extLst>
+              <a:ext uri="{FF2B5EF4-FFF2-40B4-BE49-F238E27FC236}">
+                <a16:creationId xmlns:a16="http://schemas.microsoft.com/office/drawing/2014/main" id="{9B38642C-62C4-4E31-A5D3-BB1DD8CA3942}"/>
+              </a:ext>
+              <a:ext uri="{C183D7F6-B498-43B3-948B-1728B52AA6E4}">
+                <adec:decorative xmlns:adec="http://schemas.microsoft.com/office/drawing/2017/decorative" val="1"/>
+              </a:ext>
+            </a:extLst>
+          </p:cNvPr>
+          <p:cNvSpPr>
+            <a:spLocks noGrp="1" noRot="1" noChangeAspect="1" noMove="1" noResize="1" noEditPoints="1" noAdjustHandles="1" noChangeArrowheads="1" noChangeShapeType="1" noTextEdit="1"/>
+          </p:cNvSpPr>
+          <p:nvPr>
+            <p:extLst>
+              <p:ext uri="{386F3935-93C4-4BCD-93E2-E3B085C9AB24}">
+                <p16:designElem xmlns:p16="http://schemas.microsoft.com/office/powerpoint/2015/main" val="1"/>
+              </p:ext>
+            </p:extLst>
+          </p:nvPr>
+        </p:nvSpPr>
+        <p:spPr>
+          <a:xfrm>
+            <a:off x="0" y="0"/>
+            <a:ext cx="8663583" cy="6858478"/>
+          </a:xfrm>
+          <a:custGeom>
+            <a:avLst/>
+            <a:gdLst>
+              <a:gd name="connsiteX0" fmla="*/ 0 w 8663583"/>
+              <a:gd name="connsiteY0" fmla="*/ 0 h 6858478"/>
+              <a:gd name="connsiteX1" fmla="*/ 480486 w 8663583"/>
+              <a:gd name="connsiteY1" fmla="*/ 0 h 6858478"/>
+              <a:gd name="connsiteX2" fmla="*/ 4415403 w 8663583"/>
+              <a:gd name="connsiteY2" fmla="*/ 0 h 6858478"/>
+              <a:gd name="connsiteX3" fmla="*/ 5481631 w 8663583"/>
+              <a:gd name="connsiteY3" fmla="*/ 0 h 6858478"/>
+              <a:gd name="connsiteX4" fmla="*/ 5487208 w 8663583"/>
+              <a:gd name="connsiteY4" fmla="*/ 0 h 6858478"/>
+              <a:gd name="connsiteX5" fmla="*/ 8663583 w 8663583"/>
+              <a:gd name="connsiteY5" fmla="*/ 6858478 h 6858478"/>
+              <a:gd name="connsiteX6" fmla="*/ 1239028 w 8663583"/>
+              <a:gd name="connsiteY6" fmla="*/ 6858478 h 6858478"/>
+              <a:gd name="connsiteX7" fmla="*/ 1239288 w 8663583"/>
+              <a:gd name="connsiteY7" fmla="*/ 6857916 h 6858478"/>
+              <a:gd name="connsiteX8" fmla="*/ 480486 w 8663583"/>
+              <a:gd name="connsiteY8" fmla="*/ 6857916 h 6858478"/>
+              <a:gd name="connsiteX9" fmla="*/ 480486 w 8663583"/>
+              <a:gd name="connsiteY9" fmla="*/ 6858000 h 6858478"/>
+              <a:gd name="connsiteX10" fmla="*/ 0 w 8663583"/>
+              <a:gd name="connsiteY10" fmla="*/ 6858000 h 6858478"/>
+            </a:gdLst>
+            <a:ahLst/>
+            <a:cxnLst>
+              <a:cxn ang="0">
+                <a:pos x="connsiteX0" y="connsiteY0"/>
+              </a:cxn>
+              <a:cxn ang="0">
+                <a:pos x="connsiteX1" y="connsiteY1"/>
+              </a:cxn>
+              <a:cxn ang="0">
+                <a:pos x="connsiteX2" y="connsiteY2"/>
+              </a:cxn>
+              <a:cxn ang="0">
+                <a:pos x="connsiteX3" y="connsiteY3"/>
+              </a:cxn>
+              <a:cxn ang="0">
+                <a:pos x="connsiteX4" y="connsiteY4"/>
+              </a:cxn>
+              <a:cxn ang="0">
+                <a:pos x="connsiteX5" y="connsiteY5"/>
+              </a:cxn>
+              <a:cxn ang="0">
+                <a:pos x="connsiteX6" y="connsiteY6"/>
+              </a:cxn>
+              <a:cxn ang="0">
+                <a:pos x="connsiteX7" y="connsiteY7"/>
+              </a:cxn>
+              <a:cxn ang="0">
+                <a:pos x="connsiteX8" y="connsiteY8"/>
+              </a:cxn>
+              <a:cxn ang="0">
+                <a:pos x="connsiteX9" y="connsiteY9"/>
+              </a:cxn>
+              <a:cxn ang="0">
+                <a:pos x="connsiteX10" y="connsiteY10"/>
+              </a:cxn>
+            </a:cxnLst>
+            <a:rect l="l" t="t" r="r" b="b"/>
+            <a:pathLst>
+              <a:path w="8663583" h="6858478">
+                <a:moveTo>
+                  <a:pt x="0" y="0"/>
+                </a:moveTo>
+                <a:lnTo>
+                  <a:pt x="480486" y="0"/>
+                </a:lnTo>
+                <a:lnTo>
+                  <a:pt x="4415403" y="0"/>
+                </a:lnTo>
+                <a:lnTo>
+                  <a:pt x="5481631" y="0"/>
+                </a:lnTo>
+                <a:lnTo>
+                  <a:pt x="5487208" y="0"/>
+                </a:lnTo>
+                <a:lnTo>
+                  <a:pt x="8663583" y="6858478"/>
+                </a:lnTo>
+                <a:lnTo>
+                  <a:pt x="1239028" y="6858478"/>
+                </a:lnTo>
+                <a:lnTo>
+                  <a:pt x="1239288" y="6857916"/>
+                </a:lnTo>
+                <a:lnTo>
+                  <a:pt x="480486" y="6857916"/>
+                </a:lnTo>
+                <a:lnTo>
+                  <a:pt x="480486" y="6858000"/>
+                </a:lnTo>
+                <a:lnTo>
+                  <a:pt x="0" y="6858000"/>
+                </a:lnTo>
+                <a:close/>
+              </a:path>
+            </a:pathLst>
+          </a:custGeom>
+          <a:solidFill>
+            <a:schemeClr val="bg1">
+              <a:lumMod val="85000"/>
+              <a:lumOff val="15000"/>
+              <a:alpha val="70000"/>
+            </a:schemeClr>
+          </a:solidFill>
+          <a:ln>
+            <a:noFill/>
+          </a:ln>
+        </p:spPr>
+        <p:style>
+          <a:lnRef idx="2">
+            <a:schemeClr val="accent1">
+              <a:shade val="50000"/>
+            </a:schemeClr>
+          </a:lnRef>
+          <a:fillRef idx="1">
+            <a:schemeClr val="accent1"/>
+          </a:fillRef>
+          <a:effectRef idx="0">
+            <a:schemeClr val="accent1"/>
+          </a:effectRef>
+          <a:fontRef idx="minor">
+            <a:schemeClr val="lt1"/>
+          </a:fontRef>
+        </p:style>
+        <p:txBody>
+          <a:bodyPr wrap="square" rtlCol="0" anchor="ctr">
+            <a:noAutofit/>
+          </a:bodyPr>
+          <a:lstStyle/>
+          <a:p>
+            <a:pPr algn="ctr"/>
+            <a:endParaRPr lang="en-US"/>
+          </a:p>
+        </p:txBody>
+      </p:sp>
+      <p:sp>
+        <p:nvSpPr>
+          <p:cNvPr id="16" name="Freeform: Shape 15">
+            <a:extLst>
+              <a:ext uri="{FF2B5EF4-FFF2-40B4-BE49-F238E27FC236}">
+                <a16:creationId xmlns:a16="http://schemas.microsoft.com/office/drawing/2014/main" id="{A9F66240-8C38-4069-A5C9-2D3FCD97EDAD}"/>
+              </a:ext>
+              <a:ext uri="{C183D7F6-B498-43B3-948B-1728B52AA6E4}">
+                <adec:decorative xmlns:adec="http://schemas.microsoft.com/office/drawing/2017/decorative" val="1"/>
+              </a:ext>
+            </a:extLst>
+          </p:cNvPr>
+          <p:cNvSpPr>
+            <a:spLocks noGrp="1" noRot="1" noChangeAspect="1" noMove="1" noResize="1" noEditPoints="1" noAdjustHandles="1" noChangeArrowheads="1" noChangeShapeType="1" noTextEdit="1"/>
+          </p:cNvSpPr>
+          <p:nvPr>
+            <p:extLst>
+              <p:ext uri="{386F3935-93C4-4BCD-93E2-E3B085C9AB24}">
+                <p16:designElem xmlns:p16="http://schemas.microsoft.com/office/powerpoint/2015/main" val="1"/>
+              </p:ext>
+            </p:extLst>
+          </p:nvPr>
+        </p:nvSpPr>
+        <p:spPr>
+          <a:xfrm>
+            <a:off x="0" y="0"/>
+            <a:ext cx="8234957" cy="6858478"/>
+          </a:xfrm>
+          <a:custGeom>
+            <a:avLst/>
+            <a:gdLst>
+              <a:gd name="connsiteX0" fmla="*/ 156905 w 8234957"/>
+              <a:gd name="connsiteY0" fmla="*/ 0 h 6858478"/>
+              <a:gd name="connsiteX1" fmla="*/ 3986777 w 8234957"/>
+              <a:gd name="connsiteY1" fmla="*/ 0 h 6858478"/>
+              <a:gd name="connsiteX2" fmla="*/ 5053005 w 8234957"/>
+              <a:gd name="connsiteY2" fmla="*/ 0 h 6858478"/>
+              <a:gd name="connsiteX3" fmla="*/ 5058582 w 8234957"/>
+              <a:gd name="connsiteY3" fmla="*/ 0 h 6858478"/>
+              <a:gd name="connsiteX4" fmla="*/ 8234957 w 8234957"/>
+              <a:gd name="connsiteY4" fmla="*/ 6858478 h 6858478"/>
+              <a:gd name="connsiteX5" fmla="*/ 810402 w 8234957"/>
+              <a:gd name="connsiteY5" fmla="*/ 6858478 h 6858478"/>
+              <a:gd name="connsiteX6" fmla="*/ 810662 w 8234957"/>
+              <a:gd name="connsiteY6" fmla="*/ 6857916 h 6858478"/>
+              <a:gd name="connsiteX7" fmla="*/ 156905 w 8234957"/>
+              <a:gd name="connsiteY7" fmla="*/ 6857916 h 6858478"/>
+              <a:gd name="connsiteX8" fmla="*/ 156905 w 8234957"/>
+              <a:gd name="connsiteY8" fmla="*/ 6858478 h 6858478"/>
+              <a:gd name="connsiteX9" fmla="*/ 0 w 8234957"/>
+              <a:gd name="connsiteY9" fmla="*/ 6858478 h 6858478"/>
+              <a:gd name="connsiteX10" fmla="*/ 0 w 8234957"/>
+              <a:gd name="connsiteY10" fmla="*/ 479 h 6858478"/>
+              <a:gd name="connsiteX11" fmla="*/ 156905 w 8234957"/>
+              <a:gd name="connsiteY11" fmla="*/ 479 h 6858478"/>
+            </a:gdLst>
+            <a:ahLst/>
+            <a:cxnLst>
+              <a:cxn ang="0">
+                <a:pos x="connsiteX0" y="connsiteY0"/>
+              </a:cxn>
+              <a:cxn ang="0">
+                <a:pos x="connsiteX1" y="connsiteY1"/>
+              </a:cxn>
+              <a:cxn ang="0">
+                <a:pos x="connsiteX2" y="connsiteY2"/>
+              </a:cxn>
+              <a:cxn ang="0">
+                <a:pos x="connsiteX3" y="connsiteY3"/>
+              </a:cxn>
+              <a:cxn ang="0">
+                <a:pos x="connsiteX4" y="connsiteY4"/>
+              </a:cxn>
+              <a:cxn ang="0">
+                <a:pos x="connsiteX5" y="connsiteY5"/>
+              </a:cxn>
+              <a:cxn ang="0">
+                <a:pos x="connsiteX6" y="connsiteY6"/>
+              </a:cxn>
+              <a:cxn ang="0">
+                <a:pos x="connsiteX7" y="connsiteY7"/>
+              </a:cxn>
+              <a:cxn ang="0">
+                <a:pos x="connsiteX8" y="connsiteY8"/>
+              </a:cxn>
+              <a:cxn ang="0">
+                <a:pos x="connsiteX9" y="connsiteY9"/>
+              </a:cxn>
+              <a:cxn ang="0">
+                <a:pos x="connsiteX10" y="connsiteY10"/>
+              </a:cxn>
+              <a:cxn ang="0">
+                <a:pos x="connsiteX11" y="connsiteY11"/>
+              </a:cxn>
+            </a:cxnLst>
+            <a:rect l="l" t="t" r="r" b="b"/>
+            <a:pathLst>
+              <a:path w="8234957" h="6858478">
+                <a:moveTo>
+                  <a:pt x="156905" y="0"/>
+                </a:moveTo>
+                <a:lnTo>
+                  <a:pt x="3986777" y="0"/>
+                </a:lnTo>
+                <a:lnTo>
+                  <a:pt x="5053005" y="0"/>
+                </a:lnTo>
+                <a:lnTo>
+                  <a:pt x="5058582" y="0"/>
+                </a:lnTo>
+                <a:lnTo>
+                  <a:pt x="8234957" y="6858478"/>
+                </a:lnTo>
+                <a:lnTo>
+                  <a:pt x="810402" y="6858478"/>
+                </a:lnTo>
+                <a:lnTo>
+                  <a:pt x="810662" y="6857916"/>
+                </a:lnTo>
+                <a:lnTo>
+                  <a:pt x="156905" y="6857916"/>
+                </a:lnTo>
+                <a:lnTo>
+                  <a:pt x="156905" y="6858478"/>
+                </a:lnTo>
+                <a:lnTo>
+                  <a:pt x="0" y="6858478"/>
+                </a:lnTo>
+                <a:lnTo>
+                  <a:pt x="0" y="479"/>
+                </a:lnTo>
+                <a:lnTo>
+                  <a:pt x="156905" y="479"/>
+                </a:lnTo>
+                <a:close/>
+              </a:path>
+            </a:pathLst>
+          </a:custGeom>
+          <a:solidFill>
+            <a:schemeClr val="bg1">
+              <a:lumMod val="85000"/>
+              <a:lumOff val="15000"/>
+            </a:schemeClr>
+          </a:solidFill>
+          <a:ln>
+            <a:noFill/>
+          </a:ln>
+        </p:spPr>
+        <p:style>
+          <a:lnRef idx="2">
+            <a:schemeClr val="accent1">
+              <a:shade val="50000"/>
+            </a:schemeClr>
+          </a:lnRef>
+          <a:fillRef idx="1">
+            <a:schemeClr val="accent1"/>
+          </a:fillRef>
+          <a:effectRef idx="0">
+            <a:schemeClr val="accent1"/>
+          </a:effectRef>
+          <a:fontRef idx="minor">
+            <a:schemeClr val="lt1"/>
+          </a:fontRef>
+        </p:style>
+        <p:txBody>
+          <a:bodyPr wrap="square" rtlCol="0" anchor="ctr">
+            <a:noAutofit/>
+          </a:bodyPr>
+          <a:lstStyle/>
+          <a:p>
+            <a:pPr algn="ctr"/>
+            <a:endParaRPr lang="en-US"/>
+          </a:p>
+        </p:txBody>
+      </p:sp>
+      <p:sp>
+        <p:nvSpPr>
           <p:cNvPr id="2" name="Title 1">
             <a:extLst>
               <a:ext uri="{FF2B5EF4-FFF2-40B4-BE49-F238E27FC236}">
@@ -5562,18 +5851,28 @@
             <p:ph type="title"/>
           </p:nvPr>
         </p:nvSpPr>
-        <p:spPr/>
-        <p:txBody>
-          <a:bodyPr/>
+        <p:spPr>
+          <a:xfrm>
+            <a:off x="804672" y="365125"/>
+            <a:ext cx="4378881" cy="1325563"/>
+          </a:xfrm>
+        </p:spPr>
+        <p:txBody>
+          <a:bodyPr vert="horz" lIns="91440" tIns="45720" rIns="91440" bIns="45720" rtlCol="0" anchor="ctr">
+            <a:normAutofit/>
+          </a:bodyPr>
           <a:lstStyle/>
           <a:p>
-            <a:r>
-              <a:rPr lang="en-US" dirty="0">
-                <a:latin typeface="Segoe UI Light" panose="020B0702040204020203" pitchFamily="34" charset="0"/>
-                <a:ea typeface="Segoe UI Light" panose="020B0702040204020203" pitchFamily="34" charset="0"/>
-                <a:cs typeface="Segoe UI" panose="020B0502040204020203" pitchFamily="34" charset="0"/>
+            <a:pPr algn="ctr"/>
+            <a:r>
+              <a:rPr lang="en-US" sz="4400" b="1" dirty="0">
+                <a:solidFill>
+                  <a:schemeClr val="tx1"/>
+                </a:solidFill>
+                <a:latin typeface="+mj-lt"/>
+                <a:cs typeface="+mj-cs"/>
               </a:rPr>
-              <a:t>Data Source</a:t>
+              <a:t>Data Set</a:t>
             </a:r>
           </a:p>
         </p:txBody>
@@ -5596,155 +5895,176 @@
         </p:nvSpPr>
         <p:spPr>
           <a:xfrm>
-            <a:off x="838200" y="1625936"/>
-            <a:ext cx="10624794" cy="4351338"/>
-          </a:xfrm>
-        </p:spPr>
-        <p:txBody>
-          <a:bodyPr/>
+            <a:off x="804672" y="2020824"/>
+            <a:ext cx="5076090" cy="4151376"/>
+          </a:xfrm>
+        </p:spPr>
+        <p:txBody>
+          <a:bodyPr vert="horz" lIns="91440" tIns="45720" rIns="91440" bIns="45720" rtlCol="0">
+            <a:normAutofit/>
+          </a:bodyPr>
           <a:lstStyle/>
           <a:p>
             <a:r>
-              <a:rPr lang="en-US" dirty="0" err="1">
+              <a:rPr lang="en-US" sz="1700" dirty="0" err="1">
                 <a:solidFill>
-                  <a:srgbClr val="00B0F0"/>
+                  <a:schemeClr val="accent1"/>
                 </a:solidFill>
-                <a:latin typeface="Segoe UI Semilight" panose="020B0702040204020203" pitchFamily="34" charset="0"/>
-                <a:ea typeface="Segoe UI Semilight" panose="020B0702040204020203" pitchFamily="34" charset="0"/>
-                <a:cs typeface="Segoe UI" panose="020B0502040204020203" pitchFamily="34" charset="0"/>
+                <a:latin typeface="+mn-lt"/>
+                <a:cs typeface="+mn-cs"/>
               </a:rPr>
               <a:t>Buzzsumo</a:t>
             </a:r>
             <a:r>
-              <a:rPr lang="en-US" dirty="0">
+              <a:rPr lang="en-US" sz="1700" dirty="0">
                 <a:solidFill>
-                  <a:srgbClr val="00B0F0"/>
+                  <a:schemeClr val="accent1"/>
                 </a:solidFill>
-                <a:latin typeface="Segoe UI Semilight" panose="020B0702040204020203" pitchFamily="34" charset="0"/>
-                <a:ea typeface="Segoe UI Semilight" panose="020B0702040204020203" pitchFamily="34" charset="0"/>
-                <a:cs typeface="Segoe UI" panose="020B0502040204020203" pitchFamily="34" charset="0"/>
+                <a:latin typeface="+mn-lt"/>
+                <a:cs typeface="+mn-cs"/>
               </a:rPr>
-              <a:t> website.</a:t>
-            </a:r>
-          </a:p>
-          <a:p>
-            <a:r>
-              <a:rPr lang="en-US" dirty="0">
+              <a:t> website search for top performing news articles in 10 different categories.</a:t>
+            </a:r>
+          </a:p>
+          <a:p>
+            <a:r>
+              <a:rPr lang="en-US" sz="1700" dirty="0">
                 <a:solidFill>
                   <a:schemeClr val="accent2"/>
                 </a:solidFill>
-                <a:latin typeface="Segoe UI Semilight" panose="020B0702040204020203" pitchFamily="34" charset="0"/>
-                <a:ea typeface="Segoe UI Semilight" panose="020B0702040204020203" pitchFamily="34" charset="0"/>
-                <a:cs typeface="Segoe UI" panose="020B0502040204020203" pitchFamily="34" charset="0"/>
+                <a:latin typeface="+mn-lt"/>
+                <a:cs typeface="+mn-cs"/>
               </a:rPr>
-              <a:t>Most popular news articles on Facebook and other social media during the past 6 months.</a:t>
-            </a:r>
-          </a:p>
-          <a:p>
-            <a:r>
-              <a:rPr lang="en-US" dirty="0">
+              <a:t>10,000 Most popular news articles on Facebook and other social media during the past 6 months.</a:t>
+            </a:r>
+          </a:p>
+          <a:p>
+            <a:r>
+              <a:rPr lang="en-US" sz="1700" dirty="0">
                 <a:solidFill>
-                  <a:srgbClr val="92D050"/>
+                  <a:schemeClr val="accent6"/>
                 </a:solidFill>
-                <a:latin typeface="Segoe UI Semilight" panose="020B0702040204020203" pitchFamily="34" charset="0"/>
-                <a:ea typeface="Segoe UI Semilight" panose="020B0702040204020203" pitchFamily="34" charset="0"/>
-                <a:cs typeface="Segoe UI" panose="020B0502040204020203" pitchFamily="34" charset="0"/>
-              </a:rPr>
-              <a:t>Broken down into 10 categories</a:t>
-            </a:r>
-          </a:p>
-          <a:p>
-            <a:r>
-              <a:rPr lang="en-US" dirty="0">
-                <a:solidFill>
-                  <a:srgbClr val="7030A0"/>
-                </a:solidFill>
-                <a:latin typeface="Segoe UI Semilight" panose="020B0702040204020203" pitchFamily="34" charset="0"/>
-                <a:ea typeface="Segoe UI Semilight" panose="020B0702040204020203" pitchFamily="34" charset="0"/>
-                <a:cs typeface="Segoe UI" panose="020B0502040204020203" pitchFamily="34" charset="0"/>
+                <a:latin typeface="+mn-lt"/>
+                <a:cs typeface="+mn-cs"/>
               </a:rPr>
               <a:t>6 General categories - (Entertainment, Food, Health, Politics, Science, Sports) </a:t>
             </a:r>
           </a:p>
           <a:p>
             <a:r>
-              <a:rPr lang="en-US" dirty="0">
+              <a:rPr lang="en-US" sz="1700" dirty="0">
                 <a:solidFill>
-                  <a:srgbClr val="FF0000"/>
+                  <a:srgbClr val="C00000"/>
                 </a:solidFill>
-                <a:latin typeface="Segoe UI Semilight" panose="020B0702040204020203" pitchFamily="34" charset="0"/>
-                <a:ea typeface="Segoe UI Semilight" panose="020B0702040204020203" pitchFamily="34" charset="0"/>
-                <a:cs typeface="Segoe UI" panose="020B0502040204020203" pitchFamily="34" charset="0"/>
+                <a:latin typeface="+mn-lt"/>
+                <a:cs typeface="+mn-cs"/>
               </a:rPr>
               <a:t>4 Specific “Hot Button” categories during the first half of 2020. - (</a:t>
             </a:r>
             <a:r>
-              <a:rPr lang="en-US" dirty="0" err="1">
+              <a:rPr lang="en-US" sz="1700" dirty="0" err="1">
                 <a:solidFill>
-                  <a:srgbClr val="FF0000"/>
+                  <a:srgbClr val="C00000"/>
                 </a:solidFill>
-                <a:latin typeface="Segoe UI Semilight" panose="020B0702040204020203" pitchFamily="34" charset="0"/>
-                <a:ea typeface="Segoe UI Semilight" panose="020B0702040204020203" pitchFamily="34" charset="0"/>
-                <a:cs typeface="Segoe UI" panose="020B0502040204020203" pitchFamily="34" charset="0"/>
+                <a:latin typeface="+mn-lt"/>
+                <a:cs typeface="+mn-cs"/>
               </a:rPr>
               <a:t>Covid</a:t>
             </a:r>
             <a:r>
-              <a:rPr lang="en-US" dirty="0">
+              <a:rPr lang="en-US" sz="1700" dirty="0">
                 <a:solidFill>
-                  <a:srgbClr val="FF0000"/>
+                  <a:srgbClr val="C00000"/>
                 </a:solidFill>
-                <a:latin typeface="Segoe UI Semilight" panose="020B0702040204020203" pitchFamily="34" charset="0"/>
-                <a:ea typeface="Segoe UI Semilight" panose="020B0702040204020203" pitchFamily="34" charset="0"/>
-                <a:cs typeface="Segoe UI" panose="020B0502040204020203" pitchFamily="34" charset="0"/>
+                <a:latin typeface="+mn-lt"/>
+                <a:cs typeface="+mn-cs"/>
               </a:rPr>
               <a:t>, BLM, Trump, Biden)</a:t>
             </a:r>
           </a:p>
           <a:p>
             <a:r>
-              <a:rPr lang="en-US" dirty="0">
+              <a:rPr lang="en-US" sz="1700" dirty="0">
                 <a:solidFill>
-                  <a:srgbClr val="0066FF"/>
+                  <a:schemeClr val="tx1"/>
                 </a:solidFill>
-                <a:latin typeface="Segoe UI Semilight" panose="020B0702040204020203" pitchFamily="34" charset="0"/>
-                <a:ea typeface="Segoe UI Semilight" panose="020B0702040204020203" pitchFamily="34" charset="0"/>
-                <a:cs typeface="Segoe UI" panose="020B0502040204020203" pitchFamily="34" charset="0"/>
+                <a:latin typeface="+mn-lt"/>
+                <a:cs typeface="+mn-cs"/>
               </a:rPr>
-              <a:t>10 .csv files were pulled form </a:t>
-            </a:r>
-            <a:r>
-              <a:rPr lang="en-US" dirty="0" err="1">
-                <a:solidFill>
-                  <a:srgbClr val="0066FF"/>
-                </a:solidFill>
-                <a:latin typeface="Segoe UI Semilight" panose="020B0702040204020203" pitchFamily="34" charset="0"/>
-                <a:ea typeface="Segoe UI Semilight" panose="020B0702040204020203" pitchFamily="34" charset="0"/>
-                <a:cs typeface="Segoe UI" panose="020B0502040204020203" pitchFamily="34" charset="0"/>
-              </a:rPr>
-              <a:t>Buzzsumo</a:t>
-            </a:r>
-            <a:r>
-              <a:rPr lang="en-US" dirty="0">
-                <a:solidFill>
-                  <a:srgbClr val="0066FF"/>
-                </a:solidFill>
-                <a:latin typeface="Segoe UI Semilight" panose="020B0702040204020203" pitchFamily="34" charset="0"/>
-                <a:ea typeface="Segoe UI Semilight" panose="020B0702040204020203" pitchFamily="34" charset="0"/>
-                <a:cs typeface="Segoe UI" panose="020B0502040204020203" pitchFamily="34" charset="0"/>
-              </a:rPr>
-              <a:t> searches that include the most popular 10,000 news articles for each topic over the past 6 months.</a:t>
-            </a:r>
-          </a:p>
-          <a:p>
-            <a:endParaRPr lang="en-US" dirty="0">
-              <a:latin typeface="Segoe UI Semilight" panose="020B0702040204020203" pitchFamily="34" charset="0"/>
-              <a:ea typeface="Segoe UI Semilight" panose="020B0702040204020203" pitchFamily="34" charset="0"/>
-              <a:cs typeface="Segoe UI" panose="020B0502040204020203" pitchFamily="34" charset="0"/>
+              <a:t>10 .csv files were exported for each category and used for our analysis.</a:t>
+            </a:r>
+          </a:p>
+          <a:p>
+            <a:endParaRPr lang="en-US" sz="1700" dirty="0">
+              <a:solidFill>
+                <a:schemeClr val="tx1"/>
+              </a:solidFill>
+              <a:latin typeface="+mn-lt"/>
+              <a:cs typeface="+mn-cs"/>
             </a:endParaRPr>
           </a:p>
         </p:txBody>
       </p:sp>
+      <p:pic>
+        <p:nvPicPr>
+          <p:cNvPr id="5" name="Picture 4" descr="A picture containing drawing&#10;&#10;Description automatically generated">
+            <a:extLst>
+              <a:ext uri="{FF2B5EF4-FFF2-40B4-BE49-F238E27FC236}">
+                <a16:creationId xmlns:a16="http://schemas.microsoft.com/office/drawing/2014/main" id="{1E15EDAD-D36D-4176-90B3-1B6E67510629}"/>
+              </a:ext>
+            </a:extLst>
+          </p:cNvPr>
+          <p:cNvPicPr>
+            <a:picLocks noChangeAspect="1"/>
+          </p:cNvPicPr>
+          <p:nvPr/>
+        </p:nvPicPr>
+        <p:blipFill>
+          <a:blip r:embed="rId2"/>
+          <a:stretch>
+            <a:fillRect/>
+          </a:stretch>
+        </p:blipFill>
+        <p:spPr>
+          <a:xfrm>
+            <a:off x="7106802" y="1041096"/>
+            <a:ext cx="4772455" cy="1468447"/>
+          </a:xfrm>
+          <a:prstGeom prst="rect">
+            <a:avLst/>
+          </a:prstGeom>
+        </p:spPr>
+      </p:pic>
+      <p:pic>
+        <p:nvPicPr>
+          <p:cNvPr id="7" name="Picture 6" descr="A close up of a device&#10;&#10;Description automatically generated">
+            <a:extLst>
+              <a:ext uri="{FF2B5EF4-FFF2-40B4-BE49-F238E27FC236}">
+                <a16:creationId xmlns:a16="http://schemas.microsoft.com/office/drawing/2014/main" id="{C1A136EC-9C65-4957-AF51-F8322656336D}"/>
+              </a:ext>
+            </a:extLst>
+          </p:cNvPr>
+          <p:cNvPicPr>
+            <a:picLocks noChangeAspect="1"/>
+          </p:cNvPicPr>
+          <p:nvPr/>
+        </p:nvPicPr>
+        <p:blipFill>
+          <a:blip r:embed="rId3"/>
+          <a:stretch>
+            <a:fillRect/>
+          </a:stretch>
+        </p:blipFill>
+        <p:spPr>
+          <a:xfrm>
+            <a:off x="8307813" y="3574393"/>
+            <a:ext cx="3571444" cy="2123229"/>
+          </a:xfrm>
+          <a:prstGeom prst="rect">
+            <a:avLst/>
+          </a:prstGeom>
+        </p:spPr>
+      </p:pic>
     </p:spTree>
     <p:extLst>
       <p:ext uri="{BB962C8B-B14F-4D97-AF65-F5344CB8AC3E}">
@@ -5753,7 +6073,7 @@
     </p:extLst>
   </p:cSld>
   <p:clrMapOvr>
-    <a:masterClrMapping/>
+    <a:overrideClrMapping bg1="dk1" tx1="lt1" bg2="dk2" tx2="lt2" accent1="accent1" accent2="accent2" accent3="accent3" accent4="accent4" accent5="accent5" accent6="accent6" hlink="hlink" folHlink="folHlink"/>
   </p:clrMapOvr>
 </p:sld>
 </file>
@@ -5783,12 +6103,12 @@
           <a:chExt cx="0" cy="0"/>
         </a:xfrm>
       </p:grpSpPr>
-      <p:sp useBgFill="1">
-        <p:nvSpPr>
-          <p:cNvPr id="9" name="Rectangle 8">
+      <p:sp>
+        <p:nvSpPr>
+          <p:cNvPr id="166" name="Rectangle 165">
             <a:extLst>
               <a:ext uri="{FF2B5EF4-FFF2-40B4-BE49-F238E27FC236}">
-                <a16:creationId xmlns:a16="http://schemas.microsoft.com/office/drawing/2014/main" id="{9DD60C94-0C9C-47B7-BE88-045235ACCC6A}"/>
+                <a16:creationId xmlns:a16="http://schemas.microsoft.com/office/drawing/2014/main" id="{4038CB10-1F5C-4D54-9DF7-12586DE5B007}"/>
               </a:ext>
               <a:ext uri="{C183D7F6-B498-43B3-948B-1728B52AA6E4}">
                 <adec:decorative xmlns:adec="http://schemas.microsoft.com/office/drawing/2017/decorative" val="1"/>
@@ -5808,12 +6128,17 @@
         </p:nvSpPr>
         <p:spPr>
           <a:xfrm>
-            <a:off x="0" y="0"/>
-            <a:ext cx="12192000" cy="6858000"/>
+            <a:off x="327546" y="321732"/>
+            <a:ext cx="7058307" cy="1964266"/>
           </a:xfrm>
           <a:prstGeom prst="rect">
             <a:avLst/>
           </a:prstGeom>
+          <a:solidFill>
+            <a:schemeClr val="accent5">
+              <a:alpha val="95000"/>
+            </a:schemeClr>
+          </a:solidFill>
           <a:ln>
             <a:noFill/>
           </a:ln>
@@ -5838,8 +6163,37 @@
           <a:bodyPr rtlCol="0" anchor="ctr"/>
           <a:lstStyle/>
           <a:p>
-            <a:pPr algn="ctr"/>
-            <a:endParaRPr lang="en-US"/>
+            <a:pPr marL="0" marR="0" lvl="0" indent="0" algn="ctr" defTabSz="914400" rtl="0" eaLnBrk="1" fontAlgn="auto" latinLnBrk="0" hangingPunct="1">
+              <a:lnSpc>
+                <a:spcPct val="100000"/>
+              </a:lnSpc>
+              <a:spcBef>
+                <a:spcPts val="0"/>
+              </a:spcBef>
+              <a:spcAft>
+                <a:spcPts val="0"/>
+              </a:spcAft>
+              <a:buClrTx/>
+              <a:buSzTx/>
+              <a:buFontTx/>
+              <a:buNone/>
+              <a:tabLst/>
+              <a:defRPr/>
+            </a:pPr>
+            <a:endParaRPr kumimoji="0" lang="en-US" sz="1800" b="0" i="0" u="none" strike="noStrike" kern="1200" cap="none" spc="0" normalizeH="0" baseline="0" noProof="0">
+              <a:ln>
+                <a:noFill/>
+              </a:ln>
+              <a:solidFill>
+                <a:prstClr val="white"/>
+              </a:solidFill>
+              <a:effectLst/>
+              <a:uLnTx/>
+              <a:uFillTx/>
+              <a:latin typeface="Calibri" panose="020F0502020204030204"/>
+              <a:ea typeface="+mn-ea"/>
+              <a:cs typeface="+mn-cs"/>
+            </a:endParaRPr>
           </a:p>
         </p:txBody>
       </p:sp>
@@ -5850,92 +6204,60 @@
             <a:spLocks noGrp="1"/>
           </p:cNvSpPr>
           <p:nvPr>
-            <p:ph type="ctrTitle"/>
-          </p:nvPr>
-        </p:nvSpPr>
-        <p:spPr>
-          <a:xfrm>
-            <a:off x="446533" y="1552397"/>
-            <a:ext cx="7231784" cy="3654081"/>
-          </a:xfrm>
-        </p:spPr>
-        <p:txBody>
-          <a:bodyPr anchor="ctr">
+            <p:ph type="title"/>
+          </p:nvPr>
+        </p:nvSpPr>
+        <p:spPr>
+          <a:xfrm>
+            <a:off x="524256" y="491260"/>
+            <a:ext cx="6594189" cy="1625210"/>
+          </a:xfrm>
+        </p:spPr>
+        <p:txBody>
+          <a:bodyPr vert="horz" lIns="91440" tIns="45720" rIns="91440" bIns="45720" rtlCol="0" anchor="ctr">
             <a:normAutofit/>
           </a:bodyPr>
           <a:lstStyle/>
           <a:p>
-            <a:r>
-              <a:rPr lang="en-US" sz="4000" dirty="0">
+            <a:pPr algn="ctr"/>
+            <a:r>
+              <a:rPr lang="en-US" sz="4400" dirty="0">
                 <a:solidFill>
-                  <a:srgbClr val="0070C0"/>
+                  <a:srgbClr val="FFFFFF"/>
                 </a:solidFill>
+                <a:latin typeface="+mj-lt"/>
+                <a:cs typeface="+mj-cs"/>
               </a:rPr>
-              <a:t>Facebook News Article analysis by Category for the first half of 2020.</a:t>
-            </a:r>
-          </a:p>
-        </p:txBody>
-      </p:sp>
-      <p:sp>
-        <p:nvSpPr>
-          <p:cNvPr id="3" name="Content Placeholder 2"/>
-          <p:cNvSpPr>
-            <a:spLocks noGrp="1"/>
-          </p:cNvSpPr>
-          <p:nvPr>
-            <p:ph type="subTitle" idx="1"/>
-          </p:nvPr>
-        </p:nvSpPr>
-        <p:spPr>
-          <a:xfrm>
-            <a:off x="8129871" y="1552397"/>
-            <a:ext cx="3610575" cy="3654082"/>
-          </a:xfrm>
-        </p:spPr>
-        <p:txBody>
-          <a:bodyPr anchor="ctr">
-            <a:normAutofit/>
-          </a:bodyPr>
-          <a:lstStyle/>
-          <a:p>
-            <a:pPr marL="457200" indent="-457200">
-              <a:buFont typeface="Arial" panose="020B0604020202020204" pitchFamily="34" charset="0"/>
-              <a:buChar char="•"/>
-            </a:pPr>
-            <a:r>
-              <a:rPr lang="en-US" sz="2400" dirty="0"/>
-              <a:t>LIKE, Share, Comments</a:t>
-            </a:r>
-          </a:p>
-          <a:p>
-            <a:pPr marL="457200" indent="-457200">
-              <a:buFont typeface="Arial" panose="020B0604020202020204" pitchFamily="34" charset="0"/>
-              <a:buChar char="•"/>
-            </a:pPr>
-            <a:r>
-              <a:rPr lang="en-US" sz="2400" dirty="0"/>
-              <a:t>Emotional Reaction</a:t>
-            </a:r>
-          </a:p>
-          <a:p>
-            <a:pPr marL="457200" indent="-457200">
-              <a:buFont typeface="Arial" panose="020B0604020202020204" pitchFamily="34" charset="0"/>
-              <a:buChar char="•"/>
-            </a:pPr>
-            <a:r>
-              <a:rPr lang="en-US" sz="2400" dirty="0"/>
-              <a:t>Clickbait Status</a:t>
-            </a:r>
-            <a:endParaRPr sz="2400" dirty="0"/>
-          </a:p>
-        </p:txBody>
-      </p:sp>
-      <p:sp>
-        <p:nvSpPr>
-          <p:cNvPr id="11" name="Rectangle 10">
+              <a:t>Overall  Facebook </a:t>
+            </a:r>
+            <a:br>
+              <a:rPr lang="en-US" sz="4400" dirty="0">
+                <a:solidFill>
+                  <a:srgbClr val="FFFFFF"/>
+                </a:solidFill>
+                <a:latin typeface="+mj-lt"/>
+                <a:cs typeface="+mj-cs"/>
+              </a:rPr>
+            </a:br>
+            <a:r>
+              <a:rPr lang="en-US" sz="4400" dirty="0">
+                <a:solidFill>
+                  <a:srgbClr val="FFFFFF"/>
+                </a:solidFill>
+                <a:latin typeface="+mj-lt"/>
+                <a:cs typeface="+mj-cs"/>
+              </a:rPr>
+              <a:t>Shares</a:t>
+            </a:r>
+          </a:p>
+        </p:txBody>
+      </p:sp>
+      <p:sp>
+        <p:nvSpPr>
+          <p:cNvPr id="168" name="Rectangle 167">
             <a:extLst>
               <a:ext uri="{FF2B5EF4-FFF2-40B4-BE49-F238E27FC236}">
-                <a16:creationId xmlns:a16="http://schemas.microsoft.com/office/drawing/2014/main" id="{BFCF7016-AC99-433F-B943-24C3736E0602}"/>
+                <a16:creationId xmlns:a16="http://schemas.microsoft.com/office/drawing/2014/main" id="{73ED6512-6858-4552-B699-9A97FE9A4EA2}"/>
               </a:ext>
               <a:ext uri="{C183D7F6-B498-43B3-948B-1728B52AA6E4}">
                 <adec:decorative xmlns:adec="http://schemas.microsoft.com/office/drawing/2017/decorative" val="1"/>
@@ -5955,147 +6277,206 @@
         </p:nvSpPr>
         <p:spPr>
           <a:xfrm>
-            <a:off x="446533" y="457200"/>
-            <a:ext cx="7579574" cy="643614"/>
+            <a:off x="7556975" y="321732"/>
+            <a:ext cx="4313293" cy="6214534"/>
           </a:xfrm>
           <a:prstGeom prst="rect">
             <a:avLst/>
           </a:prstGeom>
           <a:solidFill>
-            <a:schemeClr val="accent2"/>
+            <a:srgbClr val="595959"/>
           </a:solidFill>
           <a:ln>
             <a:noFill/>
           </a:ln>
-          <a:effectLst/>
         </p:spPr>
         <p:style>
-          <a:lnRef idx="1">
-            <a:schemeClr val="accent1"/>
+          <a:lnRef idx="2">
+            <a:schemeClr val="accent1">
+              <a:shade val="50000"/>
+            </a:schemeClr>
           </a:lnRef>
-          <a:fillRef idx="3">
+          <a:fillRef idx="1">
             <a:schemeClr val="accent1"/>
           </a:fillRef>
-          <a:effectRef idx="2">
+          <a:effectRef idx="0">
             <a:schemeClr val="accent1"/>
           </a:effectRef>
           <a:fontRef idx="minor">
             <a:schemeClr val="lt1"/>
           </a:fontRef>
         </p:style>
-      </p:sp>
-      <p:sp>
-        <p:nvSpPr>
-          <p:cNvPr id="13" name="Rectangle 12">
+        <p:txBody>
+          <a:bodyPr rtlCol="0" anchor="ctr"/>
+          <a:lstStyle/>
+          <a:p>
+            <a:pPr marL="0" marR="0" lvl="0" indent="0" algn="ctr" defTabSz="914400" rtl="0" eaLnBrk="1" fontAlgn="auto" latinLnBrk="0" hangingPunct="1">
+              <a:lnSpc>
+                <a:spcPct val="100000"/>
+              </a:lnSpc>
+              <a:spcBef>
+                <a:spcPts val="0"/>
+              </a:spcBef>
+              <a:spcAft>
+                <a:spcPts val="0"/>
+              </a:spcAft>
+              <a:buClrTx/>
+              <a:buSzTx/>
+              <a:buFontTx/>
+              <a:buNone/>
+              <a:tabLst/>
+              <a:defRPr/>
+            </a:pPr>
+            <a:endParaRPr kumimoji="0" lang="en-US" sz="1800" b="0" i="0" u="none" strike="noStrike" kern="1200" cap="none" spc="0" normalizeH="0" baseline="0" noProof="0">
+              <a:ln>
+                <a:noFill/>
+              </a:ln>
+              <a:solidFill>
+                <a:prstClr val="white"/>
+              </a:solidFill>
+              <a:effectLst/>
+              <a:uLnTx/>
+              <a:uFillTx/>
+              <a:latin typeface="Calibri" panose="020F0502020204030204"/>
+              <a:ea typeface="+mn-ea"/>
+              <a:cs typeface="+mn-cs"/>
+            </a:endParaRPr>
+          </a:p>
+        </p:txBody>
+      </p:sp>
+      <p:sp>
+        <p:nvSpPr>
+          <p:cNvPr id="3" name="Content Placeholder 2"/>
+          <p:cNvSpPr>
+            <a:spLocks noGrp="1"/>
+          </p:cNvSpPr>
+          <p:nvPr>
+            <p:ph idx="1"/>
+          </p:nvPr>
+        </p:nvSpPr>
+        <p:spPr>
+          <a:xfrm>
+            <a:off x="8029318" y="1303865"/>
+            <a:ext cx="3424739" cy="4852362"/>
+          </a:xfrm>
+        </p:spPr>
+        <p:txBody>
+          <a:bodyPr vert="horz" lIns="91440" tIns="45720" rIns="91440" bIns="45720" rtlCol="0" anchor="ctr">
+            <a:normAutofit/>
+          </a:bodyPr>
+          <a:lstStyle/>
+          <a:p>
+            <a:r>
+              <a:rPr lang="en-US" sz="2000" dirty="0" err="1">
+                <a:solidFill>
+                  <a:srgbClr val="FFFFFF"/>
+                </a:solidFill>
+                <a:latin typeface="+mn-lt"/>
+                <a:cs typeface="+mn-cs"/>
+              </a:rPr>
+              <a:t>Covid</a:t>
+            </a:r>
+            <a:r>
+              <a:rPr lang="en-US" sz="2000" dirty="0">
+                <a:solidFill>
+                  <a:srgbClr val="FFFFFF"/>
+                </a:solidFill>
+                <a:latin typeface="+mn-lt"/>
+                <a:cs typeface="+mn-cs"/>
+              </a:rPr>
+              <a:t> Articles Dominate the first half of 2020.</a:t>
+            </a:r>
+          </a:p>
+          <a:p>
+            <a:r>
+              <a:rPr lang="en-US" sz="2000" dirty="0">
+                <a:solidFill>
+                  <a:srgbClr val="FFFFFF"/>
+                </a:solidFill>
+                <a:latin typeface="+mn-lt"/>
+                <a:cs typeface="+mn-cs"/>
+              </a:rPr>
+              <a:t>Trump has more than twice as many shares as Biden.</a:t>
+            </a:r>
+          </a:p>
+          <a:p>
+            <a:r>
+              <a:rPr lang="en-US" sz="2000" dirty="0">
+                <a:solidFill>
+                  <a:srgbClr val="FFFFFF"/>
+                </a:solidFill>
+                <a:latin typeface="+mn-lt"/>
+                <a:cs typeface="+mn-cs"/>
+              </a:rPr>
+              <a:t>Entertainment is very popular.</a:t>
+            </a:r>
+          </a:p>
+        </p:txBody>
+      </p:sp>
+      <p:pic>
+        <p:nvPicPr>
+          <p:cNvPr id="74" name="Picture 73" descr="A picture containing drawing&#10;&#10;Description automatically generated">
             <a:extLst>
               <a:ext uri="{FF2B5EF4-FFF2-40B4-BE49-F238E27FC236}">
-                <a16:creationId xmlns:a16="http://schemas.microsoft.com/office/drawing/2014/main" id="{A03737D1-A930-4E3E-9160-3CD4AEC72AB7}"/>
-              </a:ext>
-              <a:ext uri="{C183D7F6-B498-43B3-948B-1728B52AA6E4}">
-                <adec:decorative xmlns:adec="http://schemas.microsoft.com/office/drawing/2017/decorative" val="1"/>
+                <a16:creationId xmlns:a16="http://schemas.microsoft.com/office/drawing/2014/main" id="{BA5769DA-8649-4B13-88F3-2D7E455E2317}"/>
               </a:ext>
             </a:extLst>
           </p:cNvPr>
-          <p:cNvSpPr>
-            <a:spLocks noGrp="1" noRot="1" noChangeAspect="1" noMove="1" noResize="1" noEditPoints="1" noAdjustHandles="1" noChangeArrowheads="1" noChangeShapeType="1" noTextEdit="1"/>
-          </p:cNvSpPr>
-          <p:nvPr>
-            <p:extLst>
-              <p:ext uri="{386F3935-93C4-4BCD-93E2-E3B085C9AB24}">
-                <p16:designElem xmlns:p16="http://schemas.microsoft.com/office/powerpoint/2015/main" val="1"/>
-              </p:ext>
-            </p:extLst>
-          </p:nvPr>
-        </p:nvSpPr>
-        <p:spPr>
-          <a:xfrm>
-            <a:off x="8129871" y="453642"/>
-            <a:ext cx="3615596" cy="645113"/>
+          <p:cNvPicPr>
+            <a:picLocks noChangeAspect="1"/>
+          </p:cNvPicPr>
+          <p:nvPr/>
+        </p:nvPicPr>
+        <p:blipFill>
+          <a:blip r:embed="rId2"/>
+          <a:stretch>
+            <a:fillRect/>
+          </a:stretch>
+        </p:blipFill>
+        <p:spPr>
+          <a:xfrm>
+            <a:off x="8859298" y="491260"/>
+            <a:ext cx="1764780" cy="1469887"/>
           </a:xfrm>
           <a:prstGeom prst="rect">
             <a:avLst/>
           </a:prstGeom>
-          <a:solidFill>
-            <a:schemeClr val="accent4"/>
-          </a:solidFill>
-          <a:ln>
-            <a:noFill/>
-          </a:ln>
-          <a:effectLst/>
-        </p:spPr>
-        <p:style>
-          <a:lnRef idx="1">
-            <a:schemeClr val="accent1"/>
-          </a:lnRef>
-          <a:fillRef idx="3">
-            <a:schemeClr val="accent1"/>
-          </a:fillRef>
-          <a:effectRef idx="2">
-            <a:schemeClr val="accent1"/>
-          </a:effectRef>
-          <a:fontRef idx="minor">
-            <a:schemeClr val="lt1"/>
-          </a:fontRef>
-        </p:style>
-      </p:sp>
-      <p:sp>
-        <p:nvSpPr>
-          <p:cNvPr id="15" name="Rectangle 14">
+        </p:spPr>
+      </p:pic>
+      <p:pic>
+        <p:nvPicPr>
+          <p:cNvPr id="76" name="Picture 75" descr="A screenshot of a cell phone&#10;&#10;Description automatically generated">
             <a:extLst>
               <a:ext uri="{FF2B5EF4-FFF2-40B4-BE49-F238E27FC236}">
-                <a16:creationId xmlns:a16="http://schemas.microsoft.com/office/drawing/2014/main" id="{F71CFF33-010E-4E26-A285-83B182982358}"/>
-              </a:ext>
-              <a:ext uri="{C183D7F6-B498-43B3-948B-1728B52AA6E4}">
-                <adec:decorative xmlns:adec="http://schemas.microsoft.com/office/drawing/2017/decorative" val="1"/>
+                <a16:creationId xmlns:a16="http://schemas.microsoft.com/office/drawing/2014/main" id="{E0970D52-7380-4A08-9229-97E63D573C9A}"/>
               </a:ext>
             </a:extLst>
           </p:cNvPr>
-          <p:cNvSpPr>
-            <a:spLocks noGrp="1" noRot="1" noChangeAspect="1" noMove="1" noResize="1" noEditPoints="1" noAdjustHandles="1" noChangeArrowheads="1" noChangeShapeType="1" noTextEdit="1"/>
-          </p:cNvSpPr>
-          <p:nvPr>
-            <p:extLst>
-              <p:ext uri="{386F3935-93C4-4BCD-93E2-E3B085C9AB24}">
-                <p16:designElem xmlns:p16="http://schemas.microsoft.com/office/powerpoint/2015/main" val="1"/>
-              </p:ext>
-            </p:extLst>
-          </p:nvPr>
-        </p:nvSpPr>
-        <p:spPr>
-          <a:xfrm>
-            <a:off x="446533" y="5707627"/>
-            <a:ext cx="11293913" cy="649224"/>
+          <p:cNvPicPr>
+            <a:picLocks noChangeAspect="1"/>
+          </p:cNvPicPr>
+          <p:nvPr/>
+        </p:nvPicPr>
+        <p:blipFill>
+          <a:blip r:embed="rId3"/>
+          <a:stretch>
+            <a:fillRect/>
+          </a:stretch>
+        </p:blipFill>
+        <p:spPr>
+          <a:xfrm>
+            <a:off x="23414" y="2285998"/>
+            <a:ext cx="7533561" cy="4572002"/>
           </a:xfrm>
           <a:prstGeom prst="rect">
             <a:avLst/>
           </a:prstGeom>
-          <a:solidFill>
-            <a:schemeClr val="accent1"/>
-          </a:solidFill>
-          <a:ln>
-            <a:noFill/>
-          </a:ln>
-          <a:effectLst/>
-        </p:spPr>
-        <p:style>
-          <a:lnRef idx="1">
-            <a:schemeClr val="accent1"/>
-          </a:lnRef>
-          <a:fillRef idx="3">
-            <a:schemeClr val="accent1"/>
-          </a:fillRef>
-          <a:effectRef idx="2">
-            <a:schemeClr val="accent1"/>
-          </a:effectRef>
-          <a:fontRef idx="minor">
-            <a:schemeClr val="lt1"/>
-          </a:fontRef>
-        </p:style>
-      </p:sp>
+        </p:spPr>
+      </p:pic>
     </p:spTree>
     <p:extLst>
       <p:ext uri="{BB962C8B-B14F-4D97-AF65-F5344CB8AC3E}">
-        <p14:creationId xmlns:p14="http://schemas.microsoft.com/office/powerpoint/2010/main" val="3020936826"/>
+        <p14:creationId xmlns:p14="http://schemas.microsoft.com/office/powerpoint/2010/main" val="494071553"/>
       </p:ext>
     </p:extLst>
   </p:cSld>
@@ -6130,12 +6511,12 @@
           <a:chExt cx="0" cy="0"/>
         </a:xfrm>
       </p:grpSpPr>
-      <p:sp useBgFill="1">
-        <p:nvSpPr>
-          <p:cNvPr id="30" name="Rectangle 24">
+      <p:sp>
+        <p:nvSpPr>
+          <p:cNvPr id="9" name="Rectangle 8">
             <a:extLst>
               <a:ext uri="{FF2B5EF4-FFF2-40B4-BE49-F238E27FC236}">
-                <a16:creationId xmlns:a16="http://schemas.microsoft.com/office/drawing/2014/main" id="{2A28AC4B-805D-4091-A648-61572081C7FB}"/>
+                <a16:creationId xmlns:a16="http://schemas.microsoft.com/office/drawing/2014/main" id="{1259A422-0023-4292-8200-E080556F30F9}"/>
               </a:ext>
               <a:ext uri="{C183D7F6-B498-43B3-948B-1728B52AA6E4}">
                 <adec:decorative xmlns:adec="http://schemas.microsoft.com/office/drawing/2017/decorative" val="1"/>
@@ -6155,12 +6536,18 @@
         </p:nvSpPr>
         <p:spPr>
           <a:xfrm>
-            <a:off x="0" y="614406"/>
-            <a:ext cx="12192000" cy="6243593"/>
+            <a:off x="0" y="0"/>
+            <a:ext cx="12192000" cy="6858000"/>
           </a:xfrm>
           <a:prstGeom prst="rect">
             <a:avLst/>
           </a:prstGeom>
+          <a:solidFill>
+            <a:schemeClr val="tx1">
+              <a:lumMod val="65000"/>
+              <a:lumOff val="35000"/>
+            </a:schemeClr>
+          </a:solidFill>
           <a:ln>
             <a:noFill/>
           </a:ln>
@@ -6192,10 +6579,10 @@
       </p:sp>
       <p:sp>
         <p:nvSpPr>
-          <p:cNvPr id="31" name="Rectangle 26">
+          <p:cNvPr id="11" name="Rectangle 10">
             <a:extLst>
               <a:ext uri="{FF2B5EF4-FFF2-40B4-BE49-F238E27FC236}">
-                <a16:creationId xmlns:a16="http://schemas.microsoft.com/office/drawing/2014/main" id="{39373A6F-2E1F-4613-8E1D-D68057D29F31}"/>
+                <a16:creationId xmlns:a16="http://schemas.microsoft.com/office/drawing/2014/main" id="{A2413CA5-4739-4BC9-8BB3-B0A4928D314F}"/>
               </a:ext>
               <a:ext uri="{C183D7F6-B498-43B3-948B-1728B52AA6E4}">
                 <adec:decorative xmlns:adec="http://schemas.microsoft.com/office/drawing/2017/decorative" val="1"/>
@@ -6215,197 +6602,50 @@
         </p:nvSpPr>
         <p:spPr>
           <a:xfrm>
-            <a:off x="442377" y="614407"/>
-            <a:ext cx="3707477" cy="5611772"/>
+            <a:off x="477012" y="480060"/>
+            <a:ext cx="11237976" cy="5897880"/>
           </a:xfrm>
           <a:prstGeom prst="rect">
             <a:avLst/>
           </a:prstGeom>
           <a:solidFill>
-            <a:schemeClr val="accent1"/>
+            <a:srgbClr val="FFFFFF"/>
           </a:solidFill>
           <a:ln>
             <a:noFill/>
           </a:ln>
-          <a:effectLst/>
         </p:spPr>
         <p:style>
-          <a:lnRef idx="1">
-            <a:schemeClr val="accent1"/>
+          <a:lnRef idx="2">
+            <a:schemeClr val="accent1">
+              <a:shade val="50000"/>
+            </a:schemeClr>
           </a:lnRef>
-          <a:fillRef idx="3">
+          <a:fillRef idx="1">
             <a:schemeClr val="accent1"/>
           </a:fillRef>
-          <a:effectRef idx="2">
+          <a:effectRef idx="0">
             <a:schemeClr val="accent1"/>
           </a:effectRef>
           <a:fontRef idx="minor">
             <a:schemeClr val="lt1"/>
           </a:fontRef>
         </p:style>
-      </p:sp>
-      <p:sp>
-        <p:nvSpPr>
-          <p:cNvPr id="2" name="Title 1"/>
-          <p:cNvSpPr>
-            <a:spLocks noGrp="1"/>
-          </p:cNvSpPr>
-          <p:nvPr>
-            <p:ph type="title"/>
-          </p:nvPr>
-        </p:nvSpPr>
-        <p:spPr>
-          <a:xfrm>
-            <a:off x="601255" y="702156"/>
-            <a:ext cx="3409783" cy="1013800"/>
-          </a:xfrm>
-        </p:spPr>
-        <p:txBody>
-          <a:bodyPr>
-            <a:normAutofit/>
-          </a:bodyPr>
+        <p:txBody>
+          <a:bodyPr rtlCol="0" anchor="ctr"/>
           <a:lstStyle/>
           <a:p>
-            <a:pPr>
-              <a:lnSpc>
-                <a:spcPct val="90000"/>
-              </a:lnSpc>
-            </a:pPr>
-            <a:r>
-              <a:rPr lang="en-US" sz="2400" dirty="0"/>
-              <a:t>Overall  Facebook </a:t>
-            </a:r>
-            <a:br>
-              <a:rPr lang="en-US" sz="2400" dirty="0"/>
-            </a:br>
-            <a:r>
-              <a:rPr lang="en-US" sz="2400" dirty="0"/>
-              <a:t>Shares</a:t>
-            </a:r>
-          </a:p>
-        </p:txBody>
-      </p:sp>
-      <p:sp>
-        <p:nvSpPr>
-          <p:cNvPr id="29" name="Rectangle 28">
+            <a:pPr algn="ctr"/>
+            <a:endParaRPr lang="en-US"/>
+          </a:p>
+        </p:txBody>
+      </p:sp>
+      <p:pic>
+        <p:nvPicPr>
+          <p:cNvPr id="12" name="Picture 11" descr="A screenshot of a cell phone&#10;&#10;Description automatically generated">
             <a:extLst>
               <a:ext uri="{FF2B5EF4-FFF2-40B4-BE49-F238E27FC236}">
-                <a16:creationId xmlns:a16="http://schemas.microsoft.com/office/drawing/2014/main" id="{A6D733BE-061E-4600-B6A3-62A68EF2C687}"/>
-              </a:ext>
-              <a:ext uri="{C183D7F6-B498-43B3-948B-1728B52AA6E4}">
-                <adec:decorative xmlns:adec="http://schemas.microsoft.com/office/drawing/2017/decorative" val="1"/>
-              </a:ext>
-            </a:extLst>
-          </p:cNvPr>
-          <p:cNvSpPr>
-            <a:spLocks noGrp="1" noRot="1" noChangeAspect="1" noMove="1" noResize="1" noEditPoints="1" noAdjustHandles="1" noChangeArrowheads="1" noChangeShapeType="1" noTextEdit="1"/>
-          </p:cNvSpPr>
-          <p:nvPr>
-            <p:extLst>
-              <p:ext uri="{386F3935-93C4-4BCD-93E2-E3B085C9AB24}">
-                <p16:designElem xmlns:p16="http://schemas.microsoft.com/office/powerpoint/2015/main" val="1"/>
-              </p:ext>
-            </p:extLst>
-          </p:nvPr>
-        </p:nvSpPr>
-        <p:spPr>
-          <a:xfrm>
-            <a:off x="4241830" y="457200"/>
-            <a:ext cx="3703320" cy="91440"/>
-          </a:xfrm>
-          <a:prstGeom prst="rect">
-            <a:avLst/>
-          </a:prstGeom>
-          <a:solidFill>
-            <a:srgbClr val="E1802B"/>
-          </a:solidFill>
-          <a:ln>
-            <a:noFill/>
-          </a:ln>
-          <a:effectLst/>
-        </p:spPr>
-        <p:style>
-          <a:lnRef idx="1">
-            <a:schemeClr val="accent1"/>
-          </a:lnRef>
-          <a:fillRef idx="3">
-            <a:schemeClr val="accent1"/>
-          </a:fillRef>
-          <a:effectRef idx="2">
-            <a:schemeClr val="accent1"/>
-          </a:effectRef>
-          <a:fontRef idx="minor">
-            <a:schemeClr val="lt1"/>
-          </a:fontRef>
-        </p:style>
-      </p:sp>
-      <p:sp>
-        <p:nvSpPr>
-          <p:cNvPr id="3" name="Content Placeholder 2"/>
-          <p:cNvSpPr>
-            <a:spLocks noGrp="1"/>
-          </p:cNvSpPr>
-          <p:nvPr>
-            <p:ph type="body" idx="1"/>
-          </p:nvPr>
-        </p:nvSpPr>
-        <p:spPr>
-          <a:xfrm>
-            <a:off x="601254" y="1964168"/>
-            <a:ext cx="3409783" cy="4036582"/>
-          </a:xfrm>
-        </p:spPr>
-        <p:txBody>
-          <a:bodyPr>
-            <a:normAutofit/>
-          </a:bodyPr>
-          <a:lstStyle/>
-          <a:p>
-            <a:r>
-              <a:rPr lang="en-US" dirty="0" err="1">
-                <a:solidFill>
-                  <a:schemeClr val="bg1"/>
-                </a:solidFill>
-              </a:rPr>
-              <a:t>Covid</a:t>
-            </a:r>
-            <a:r>
-              <a:rPr lang="en-US" dirty="0">
-                <a:solidFill>
-                  <a:schemeClr val="bg1"/>
-                </a:solidFill>
-              </a:rPr>
-              <a:t> Articles Dominate the first half of 2020.</a:t>
-            </a:r>
-          </a:p>
-          <a:p>
-            <a:r>
-              <a:rPr lang="en-US" dirty="0">
-                <a:solidFill>
-                  <a:schemeClr val="bg1"/>
-                </a:solidFill>
-              </a:rPr>
-              <a:t>Trump has more than twice as many shares as Biden.</a:t>
-            </a:r>
-          </a:p>
-          <a:p>
-            <a:r>
-              <a:rPr lang="en-US" dirty="0">
-                <a:solidFill>
-                  <a:schemeClr val="bg1"/>
-                </a:solidFill>
-              </a:rPr>
-              <a:t>Entertainment is very popular.</a:t>
-            </a:r>
-          </a:p>
-        </p:txBody>
-      </p:sp>
-      <p:pic>
-        <p:nvPicPr>
-          <p:cNvPr id="5" name="Picture 4" descr="A screenshot of a cell phone&#10;&#10;Description automatically generated">
-            <a:extLst>
-              <a:ext uri="{FF2B5EF4-FFF2-40B4-BE49-F238E27FC236}">
-                <a16:creationId xmlns:a16="http://schemas.microsoft.com/office/drawing/2014/main" id="{8F950150-755D-4447-B773-A58C36A62489}"/>
+                <a16:creationId xmlns:a16="http://schemas.microsoft.com/office/drawing/2014/main" id="{0760BCBA-DC82-49C8-9172-D84835C7EA4D}"/>
               </a:ext>
             </a:extLst>
           </p:cNvPr>
@@ -6422,8 +6662,38 @@
         </p:blipFill>
         <p:spPr>
           <a:xfrm>
-            <a:off x="4308732" y="702156"/>
-            <a:ext cx="7578468" cy="5698643"/>
+            <a:off x="156410" y="120316"/>
+            <a:ext cx="11923295" cy="6629400"/>
+          </a:xfrm>
+          <a:prstGeom prst="rect">
+            <a:avLst/>
+          </a:prstGeom>
+        </p:spPr>
+      </p:pic>
+      <p:pic>
+        <p:nvPicPr>
+          <p:cNvPr id="20" name="Picture 19" descr="A close up of a logo&#10;&#10;Description automatically generated">
+            <a:extLst>
+              <a:ext uri="{FF2B5EF4-FFF2-40B4-BE49-F238E27FC236}">
+                <a16:creationId xmlns:a16="http://schemas.microsoft.com/office/drawing/2014/main" id="{970BF419-2F31-435F-8646-6C3A688045FC}"/>
+              </a:ext>
+            </a:extLst>
+          </p:cNvPr>
+          <p:cNvPicPr>
+            <a:picLocks noChangeAspect="1"/>
+          </p:cNvPicPr>
+          <p:nvPr/>
+        </p:nvPicPr>
+        <p:blipFill>
+          <a:blip r:embed="rId3"/>
+          <a:stretch>
+            <a:fillRect/>
+          </a:stretch>
+        </p:blipFill>
+        <p:spPr>
+          <a:xfrm>
+            <a:off x="7976937" y="3056021"/>
+            <a:ext cx="3356810" cy="2622884"/>
           </a:xfrm>
           <a:prstGeom prst="rect">
             <a:avLst/>
@@ -6433,7 +6703,7 @@
     </p:spTree>
     <p:extLst>
       <p:ext uri="{BB962C8B-B14F-4D97-AF65-F5344CB8AC3E}">
-        <p14:creationId xmlns:p14="http://schemas.microsoft.com/office/powerpoint/2010/main" val="494071553"/>
+        <p14:creationId xmlns:p14="http://schemas.microsoft.com/office/powerpoint/2010/main" val="3282148623"/>
       </p:ext>
     </p:extLst>
   </p:cSld>
@@ -6460,12 +6730,106 @@
           <a:chExt cx="0" cy="0"/>
         </a:xfrm>
       </p:grpSpPr>
+      <p:sp>
+        <p:nvSpPr>
+          <p:cNvPr id="2" name="Title 1">
+            <a:extLst>
+              <a:ext uri="{FF2B5EF4-FFF2-40B4-BE49-F238E27FC236}">
+                <a16:creationId xmlns:a16="http://schemas.microsoft.com/office/drawing/2014/main" id="{7F6CCB59-8CD8-47AF-8B6E-C3CB4523AFD1}"/>
+              </a:ext>
+            </a:extLst>
+          </p:cNvPr>
+          <p:cNvSpPr>
+            <a:spLocks noGrp="1"/>
+          </p:cNvSpPr>
+          <p:nvPr>
+            <p:ph type="title"/>
+          </p:nvPr>
+        </p:nvSpPr>
+        <p:spPr/>
+        <p:txBody>
+          <a:bodyPr/>
+          <a:lstStyle/>
+          <a:p>
+            <a:pPr algn="ctr"/>
+            <a:r>
+              <a:rPr lang="en-US" dirty="0"/>
+              <a:t>Biden vs. Trump </a:t>
+            </a:r>
+            <a:br>
+              <a:rPr lang="en-US" dirty="0"/>
+            </a:br>
+            <a:r>
+              <a:rPr lang="en-US" dirty="0"/>
+              <a:t>emotional reactions</a:t>
+            </a:r>
+          </a:p>
+        </p:txBody>
+      </p:sp>
       <p:pic>
         <p:nvPicPr>
-          <p:cNvPr id="3" name="Picture 2" descr="A screenshot of a cell phone&#10;&#10;Description automatically generated">
+          <p:cNvPr id="8" name="Content Placeholder 7" descr="A close up of a logo&#10;&#10;Description automatically generated">
             <a:extLst>
               <a:ext uri="{FF2B5EF4-FFF2-40B4-BE49-F238E27FC236}">
-                <a16:creationId xmlns:a16="http://schemas.microsoft.com/office/drawing/2014/main" id="{DF73513C-B361-4CB5-9B48-89DE9989E3FB}"/>
+                <a16:creationId xmlns:a16="http://schemas.microsoft.com/office/drawing/2014/main" id="{E27B4805-EAC9-41AF-8954-C60382C26C9F}"/>
+              </a:ext>
+            </a:extLst>
+          </p:cNvPr>
+          <p:cNvPicPr>
+            <a:picLocks noGrp="1" noChangeAspect="1"/>
+          </p:cNvPicPr>
+          <p:nvPr>
+            <p:ph sz="half" idx="2"/>
+          </p:nvPr>
+        </p:nvPicPr>
+        <p:blipFill>
+          <a:blip r:embed="rId2"/>
+          <a:stretch>
+            <a:fillRect/>
+          </a:stretch>
+        </p:blipFill>
+        <p:spPr>
+          <a:xfrm>
+            <a:off x="1190839" y="1997240"/>
+            <a:ext cx="4905889" cy="4247147"/>
+          </a:xfrm>
+        </p:spPr>
+      </p:pic>
+      <p:pic>
+        <p:nvPicPr>
+          <p:cNvPr id="10" name="Content Placeholder 9" descr="A close up of a logo&#10;&#10;Description automatically generated">
+            <a:extLst>
+              <a:ext uri="{FF2B5EF4-FFF2-40B4-BE49-F238E27FC236}">
+                <a16:creationId xmlns:a16="http://schemas.microsoft.com/office/drawing/2014/main" id="{3D2666D8-90F9-4A10-9500-B83FF325046C}"/>
+              </a:ext>
+            </a:extLst>
+          </p:cNvPr>
+          <p:cNvPicPr>
+            <a:picLocks noGrp="1" noChangeAspect="1"/>
+          </p:cNvPicPr>
+          <p:nvPr>
+            <p:ph sz="quarter" idx="4"/>
+          </p:nvPr>
+        </p:nvPicPr>
+        <p:blipFill>
+          <a:blip r:embed="rId3"/>
+          <a:stretch>
+            <a:fillRect/>
+          </a:stretch>
+        </p:blipFill>
+        <p:spPr>
+          <a:xfrm>
+            <a:off x="6085220" y="1997240"/>
+            <a:ext cx="4751405" cy="4247147"/>
+          </a:xfrm>
+        </p:spPr>
+      </p:pic>
+      <p:pic>
+        <p:nvPicPr>
+          <p:cNvPr id="13" name="Picture 12" descr="A person wearing a suit and tie smiling at the camera&#10;&#10;Description automatically generated">
+            <a:extLst>
+              <a:ext uri="{FF2B5EF4-FFF2-40B4-BE49-F238E27FC236}">
+                <a16:creationId xmlns:a16="http://schemas.microsoft.com/office/drawing/2014/main" id="{FFD50D0C-C668-474D-A880-713C494B0DFF}"/>
               </a:ext>
             </a:extLst>
           </p:cNvPr>
@@ -6475,15 +6839,45 @@
           <p:nvPr/>
         </p:nvPicPr>
         <p:blipFill>
-          <a:blip r:embed="rId2"/>
+          <a:blip r:embed="rId4"/>
           <a:stretch>
             <a:fillRect/>
           </a:stretch>
         </p:blipFill>
         <p:spPr>
           <a:xfrm>
-            <a:off x="132734" y="191729"/>
-            <a:ext cx="11916697" cy="6254662"/>
+            <a:off x="10369686" y="4966516"/>
+            <a:ext cx="1822314" cy="1913021"/>
+          </a:xfrm>
+          <a:prstGeom prst="rect">
+            <a:avLst/>
+          </a:prstGeom>
+        </p:spPr>
+      </p:pic>
+      <p:pic>
+        <p:nvPicPr>
+          <p:cNvPr id="15" name="Picture 14" descr="A person wearing a suit and tie&#10;&#10;Description automatically generated">
+            <a:extLst>
+              <a:ext uri="{FF2B5EF4-FFF2-40B4-BE49-F238E27FC236}">
+                <a16:creationId xmlns:a16="http://schemas.microsoft.com/office/drawing/2014/main" id="{59F4E6DD-F29F-4C03-86F7-DB96985509C4}"/>
+              </a:ext>
+            </a:extLst>
+          </p:cNvPr>
+          <p:cNvPicPr>
+            <a:picLocks noChangeAspect="1"/>
+          </p:cNvPicPr>
+          <p:nvPr/>
+        </p:nvPicPr>
+        <p:blipFill>
+          <a:blip r:embed="rId5"/>
+          <a:stretch>
+            <a:fillRect/>
+          </a:stretch>
+        </p:blipFill>
+        <p:spPr>
+          <a:xfrm>
+            <a:off x="-10052" y="4944979"/>
+            <a:ext cx="1822314" cy="1891484"/>
           </a:xfrm>
           <a:prstGeom prst="rect">
             <a:avLst/>
@@ -6493,7 +6887,7 @@
     </p:spTree>
     <p:extLst>
       <p:ext uri="{BB962C8B-B14F-4D97-AF65-F5344CB8AC3E}">
-        <p14:creationId xmlns:p14="http://schemas.microsoft.com/office/powerpoint/2010/main" val="3282148623"/>
+        <p14:creationId xmlns:p14="http://schemas.microsoft.com/office/powerpoint/2010/main" val="2101150202"/>
       </p:ext>
     </p:extLst>
   </p:cSld>
@@ -6525,7 +6919,7 @@
           <p:cNvPr id="2" name="Title 1">
             <a:extLst>
               <a:ext uri="{FF2B5EF4-FFF2-40B4-BE49-F238E27FC236}">
-                <a16:creationId xmlns:a16="http://schemas.microsoft.com/office/drawing/2014/main" id="{7F6CCB59-8CD8-47AF-8B6E-C3CB4523AFD1}"/>
+                <a16:creationId xmlns:a16="http://schemas.microsoft.com/office/drawing/2014/main" id="{B1BE56A9-E514-46CB-A11C-75F20F590D9D}"/>
               </a:ext>
             </a:extLst>
           </p:cNvPr>
@@ -6536,41 +6930,45 @@
             <p:ph type="title"/>
           </p:nvPr>
         </p:nvSpPr>
-        <p:spPr/>
-        <p:txBody>
-          <a:bodyPr/>
+        <p:spPr>
+          <a:xfrm>
+            <a:off x="581192" y="702156"/>
+            <a:ext cx="11029616" cy="928681"/>
+          </a:xfrm>
+        </p:spPr>
+        <p:txBody>
+          <a:bodyPr>
+            <a:normAutofit fontScale="90000"/>
+          </a:bodyPr>
           <a:lstStyle/>
           <a:p>
-            <a:pPr algn="ctr"/>
             <a:r>
               <a:rPr lang="en-US" dirty="0"/>
-              <a:t>Trump vs. Biden </a:t>
+              <a:t>Facebook Article Shares Compared</a:t>
             </a:r>
             <a:br>
               <a:rPr lang="en-US" dirty="0"/>
             </a:br>
             <a:r>
               <a:rPr lang="en-US" dirty="0"/>
-              <a:t>emotional reactions</a:t>
+              <a:t> to Emotional Reactions.</a:t>
             </a:r>
           </a:p>
         </p:txBody>
       </p:sp>
       <p:pic>
         <p:nvPicPr>
-          <p:cNvPr id="16" name="Content Placeholder 15" descr="A picture containing umbrella&#10;&#10;Description automatically generated">
+          <p:cNvPr id="8" name="Picture 7" descr="A close up of a map&#10;&#10;Description automatically generated">
             <a:extLst>
               <a:ext uri="{FF2B5EF4-FFF2-40B4-BE49-F238E27FC236}">
-                <a16:creationId xmlns:a16="http://schemas.microsoft.com/office/drawing/2014/main" id="{AD53220E-399C-4529-80A2-720C4043F19A}"/>
+                <a16:creationId xmlns:a16="http://schemas.microsoft.com/office/drawing/2014/main" id="{5416A0E9-3D15-4525-A176-A76B221EAFA9}"/>
               </a:ext>
             </a:extLst>
           </p:cNvPr>
           <p:cNvPicPr>
-            <a:picLocks noGrp="1" noChangeAspect="1"/>
+            <a:picLocks noChangeAspect="1"/>
           </p:cNvPicPr>
-          <p:nvPr>
-            <p:ph sz="quarter" idx="4"/>
-          </p:nvPr>
+          <p:nvPr/>
         </p:nvPicPr>
         <p:blipFill>
           <a:blip r:embed="rId2"/>
@@ -6580,148 +6978,20 @@
         </p:blipFill>
         <p:spPr>
           <a:xfrm>
-            <a:off x="5855109" y="2492477"/>
-            <a:ext cx="5220929" cy="3635865"/>
-          </a:xfrm>
+            <a:off x="84221" y="1877064"/>
+            <a:ext cx="3886200" cy="2629742"/>
+          </a:xfrm>
+          <a:prstGeom prst="rect">
+            <a:avLst/>
+          </a:prstGeom>
         </p:spPr>
       </p:pic>
       <p:pic>
         <p:nvPicPr>
-          <p:cNvPr id="12" name="Content Placeholder 11" descr="A close up of a logo&#10;&#10;Description automatically generated">
+          <p:cNvPr id="15" name="Picture 14" descr="A screenshot of a cell phone&#10;&#10;Description automatically generated">
             <a:extLst>
               <a:ext uri="{FF2B5EF4-FFF2-40B4-BE49-F238E27FC236}">
-                <a16:creationId xmlns:a16="http://schemas.microsoft.com/office/drawing/2014/main" id="{FFDA34A7-059A-4D73-AC86-A640C024B5D2}"/>
-              </a:ext>
-            </a:extLst>
-          </p:cNvPr>
-          <p:cNvPicPr>
-            <a:picLocks noGrp="1" noChangeAspect="1"/>
-          </p:cNvPicPr>
-          <p:nvPr>
-            <p:ph sz="half" idx="2"/>
-          </p:nvPr>
-        </p:nvPicPr>
-        <p:blipFill>
-          <a:blip r:embed="rId3"/>
-          <a:stretch>
-            <a:fillRect/>
-          </a:stretch>
-        </p:blipFill>
-        <p:spPr>
-          <a:xfrm>
-            <a:off x="452403" y="2492477"/>
-            <a:ext cx="5402706" cy="3635865"/>
-          </a:xfrm>
-        </p:spPr>
-      </p:pic>
-    </p:spTree>
-    <p:extLst>
-      <p:ext uri="{BB962C8B-B14F-4D97-AF65-F5344CB8AC3E}">
-        <p14:creationId xmlns:p14="http://schemas.microsoft.com/office/powerpoint/2010/main" val="2101150202"/>
-      </p:ext>
-    </p:extLst>
-  </p:cSld>
-  <p:clrMapOvr>
-    <a:masterClrMapping/>
-  </p:clrMapOvr>
-</p:sld>
-</file>
-
-<file path=ppt/slides/slide7.xml><?xml version="1.0" encoding="utf-8"?>
-<p:sld xmlns:a="http://schemas.openxmlformats.org/drawingml/2006/main" xmlns:r="http://schemas.openxmlformats.org/officeDocument/2006/relationships" xmlns:p="http://schemas.openxmlformats.org/presentationml/2006/main">
-  <p:cSld>
-    <p:spTree>
-      <p:nvGrpSpPr>
-        <p:cNvPr id="1" name=""/>
-        <p:cNvGrpSpPr/>
-        <p:nvPr/>
-      </p:nvGrpSpPr>
-      <p:grpSpPr>
-        <a:xfrm>
-          <a:off x="0" y="0"/>
-          <a:ext cx="0" cy="0"/>
-          <a:chOff x="0" y="0"/>
-          <a:chExt cx="0" cy="0"/>
-        </a:xfrm>
-      </p:grpSpPr>
-      <p:sp>
-        <p:nvSpPr>
-          <p:cNvPr id="2" name="Title 1">
-            <a:extLst>
-              <a:ext uri="{FF2B5EF4-FFF2-40B4-BE49-F238E27FC236}">
-                <a16:creationId xmlns:a16="http://schemas.microsoft.com/office/drawing/2014/main" id="{B1BE56A9-E514-46CB-A11C-75F20F590D9D}"/>
-              </a:ext>
-            </a:extLst>
-          </p:cNvPr>
-          <p:cNvSpPr>
-            <a:spLocks noGrp="1"/>
-          </p:cNvSpPr>
-          <p:nvPr>
-            <p:ph type="title"/>
-          </p:nvPr>
-        </p:nvSpPr>
-        <p:spPr>
-          <a:xfrm>
-            <a:off x="581192" y="702156"/>
-            <a:ext cx="11029616" cy="928681"/>
-          </a:xfrm>
-        </p:spPr>
-        <p:txBody>
-          <a:bodyPr>
-            <a:normAutofit fontScale="90000"/>
-          </a:bodyPr>
-          <a:lstStyle/>
-          <a:p>
-            <a:pPr algn="ctr"/>
-            <a:r>
-              <a:rPr lang="en-US" dirty="0"/>
-              <a:t>Facebook Article Shares Compared</a:t>
-            </a:r>
-            <a:br>
-              <a:rPr lang="en-US" dirty="0"/>
-            </a:br>
-            <a:r>
-              <a:rPr lang="en-US" dirty="0"/>
-              <a:t> to Emotional Reactions.</a:t>
-            </a:r>
-          </a:p>
-        </p:txBody>
-      </p:sp>
-      <p:pic>
-        <p:nvPicPr>
-          <p:cNvPr id="5" name="Content Placeholder 4" descr="A close up of a map&#10;&#10;Description automatically generated">
-            <a:extLst>
-              <a:ext uri="{FF2B5EF4-FFF2-40B4-BE49-F238E27FC236}">
-                <a16:creationId xmlns:a16="http://schemas.microsoft.com/office/drawing/2014/main" id="{49185724-0D73-4104-99AF-53A1F8CD04EF}"/>
-              </a:ext>
-            </a:extLst>
-          </p:cNvPr>
-          <p:cNvPicPr>
-            <a:picLocks noGrp="1" noChangeAspect="1"/>
-          </p:cNvPicPr>
-          <p:nvPr>
-            <p:ph idx="1"/>
-          </p:nvPr>
-        </p:nvPicPr>
-        <p:blipFill>
-          <a:blip r:embed="rId2"/>
-          <a:stretch>
-            <a:fillRect/>
-          </a:stretch>
-        </p:blipFill>
-        <p:spPr>
-          <a:xfrm>
-            <a:off x="110040" y="1918992"/>
-            <a:ext cx="4051673" cy="2456215"/>
-          </a:xfrm>
-        </p:spPr>
-      </p:pic>
-      <p:pic>
-        <p:nvPicPr>
-          <p:cNvPr id="7" name="Picture 6" descr="A screenshot of a cell phone&#10;&#10;Description automatically generated">
-            <a:extLst>
-              <a:ext uri="{FF2B5EF4-FFF2-40B4-BE49-F238E27FC236}">
-                <a16:creationId xmlns:a16="http://schemas.microsoft.com/office/drawing/2014/main" id="{70A835B7-E0A2-4326-9ABC-EB877D008456}"/>
+                <a16:creationId xmlns:a16="http://schemas.microsoft.com/office/drawing/2014/main" id="{73B771C6-974E-459A-ACE4-914B1BF27004}"/>
               </a:ext>
             </a:extLst>
           </p:cNvPr>
@@ -6738,8 +7008,8 @@
         </p:blipFill>
         <p:spPr>
           <a:xfrm>
-            <a:off x="8213386" y="1918992"/>
-            <a:ext cx="3978614" cy="2379714"/>
+            <a:off x="8113296" y="1877064"/>
+            <a:ext cx="3886198" cy="2629742"/>
           </a:xfrm>
           <a:prstGeom prst="rect">
             <a:avLst/>
@@ -6748,10 +7018,10 @@
       </p:pic>
       <p:pic>
         <p:nvPicPr>
-          <p:cNvPr id="9" name="Picture 8" descr="A close up of a map&#10;&#10;Description automatically generated">
+          <p:cNvPr id="17" name="Picture 16" descr="A screenshot of a cell phone&#10;&#10;Description automatically generated">
             <a:extLst>
               <a:ext uri="{FF2B5EF4-FFF2-40B4-BE49-F238E27FC236}">
-                <a16:creationId xmlns:a16="http://schemas.microsoft.com/office/drawing/2014/main" id="{DB076F1F-1149-4CCF-9304-12DDAE454B0B}"/>
+                <a16:creationId xmlns:a16="http://schemas.microsoft.com/office/drawing/2014/main" id="{74BE2ECD-29D6-4D9F-B732-B692E5810E93}"/>
               </a:ext>
             </a:extLst>
           </p:cNvPr>
@@ -6768,8 +7038,8 @@
         </p:blipFill>
         <p:spPr>
           <a:xfrm>
-            <a:off x="4161713" y="1851298"/>
-            <a:ext cx="4051673" cy="2515102"/>
+            <a:off x="4045856" y="1877064"/>
+            <a:ext cx="4100287" cy="2629742"/>
           </a:xfrm>
           <a:prstGeom prst="rect">
             <a:avLst/>
@@ -6778,10 +7048,10 @@
       </p:pic>
       <p:pic>
         <p:nvPicPr>
-          <p:cNvPr id="11" name="Picture 10" descr="A screenshot of a cell phone&#10;&#10;Description automatically generated">
+          <p:cNvPr id="19" name="Picture 18" descr="A screenshot of a cell phone&#10;&#10;Description automatically generated">
             <a:extLst>
               <a:ext uri="{FF2B5EF4-FFF2-40B4-BE49-F238E27FC236}">
-                <a16:creationId xmlns:a16="http://schemas.microsoft.com/office/drawing/2014/main" id="{3FEC998F-1784-44E2-ADDD-DC0BEB8B1F87}"/>
+                <a16:creationId xmlns:a16="http://schemas.microsoft.com/office/drawing/2014/main" id="{E1754A15-F225-4338-8EEF-41A2449D624C}"/>
               </a:ext>
             </a:extLst>
           </p:cNvPr>
@@ -6798,8 +7068,8 @@
         </p:blipFill>
         <p:spPr>
           <a:xfrm>
-            <a:off x="1153340" y="4336955"/>
-            <a:ext cx="4352514" cy="2261933"/>
+            <a:off x="1619917" y="4491280"/>
+            <a:ext cx="4100287" cy="2366719"/>
           </a:xfrm>
           <a:prstGeom prst="rect">
             <a:avLst/>
@@ -6808,10 +7078,10 @@
       </p:pic>
       <p:pic>
         <p:nvPicPr>
-          <p:cNvPr id="13" name="Picture 12" descr="A close up of a map&#10;&#10;Description automatically generated">
+          <p:cNvPr id="21" name="Picture 20" descr="A close up of a map&#10;&#10;Description automatically generated">
             <a:extLst>
               <a:ext uri="{FF2B5EF4-FFF2-40B4-BE49-F238E27FC236}">
-                <a16:creationId xmlns:a16="http://schemas.microsoft.com/office/drawing/2014/main" id="{3D4074EF-81F4-469C-8C33-445F5A469E6B}"/>
+                <a16:creationId xmlns:a16="http://schemas.microsoft.com/office/drawing/2014/main" id="{58B8F2FC-86B3-48D2-9DEB-5B07D5EA7D4B}"/>
               </a:ext>
             </a:extLst>
           </p:cNvPr>
@@ -6828,8 +7098,188 @@
         </p:blipFill>
         <p:spPr>
           <a:xfrm>
-            <a:off x="6096000" y="4366399"/>
-            <a:ext cx="4942660" cy="2261933"/>
+            <a:off x="6095999" y="4506806"/>
+            <a:ext cx="4295274" cy="2351193"/>
+          </a:xfrm>
+          <a:prstGeom prst="rect">
+            <a:avLst/>
+          </a:prstGeom>
+        </p:spPr>
+      </p:pic>
+      <p:pic>
+        <p:nvPicPr>
+          <p:cNvPr id="23" name="Picture 22" descr="A close up of a logo&#10;&#10;Description automatically generated">
+            <a:extLst>
+              <a:ext uri="{FF2B5EF4-FFF2-40B4-BE49-F238E27FC236}">
+                <a16:creationId xmlns:a16="http://schemas.microsoft.com/office/drawing/2014/main" id="{42E5908A-26AC-4B95-9F8D-26B9E4A209D8}"/>
+              </a:ext>
+            </a:extLst>
+          </p:cNvPr>
+          <p:cNvPicPr>
+            <a:picLocks noChangeAspect="1"/>
+          </p:cNvPicPr>
+          <p:nvPr/>
+        </p:nvPicPr>
+        <p:blipFill>
+          <a:blip r:embed="rId7"/>
+          <a:stretch>
+            <a:fillRect/>
+          </a:stretch>
+        </p:blipFill>
+        <p:spPr>
+          <a:xfrm>
+            <a:off x="2875977" y="2151899"/>
+            <a:ext cx="794084" cy="662297"/>
+          </a:xfrm>
+          <a:prstGeom prst="rect">
+            <a:avLst/>
+          </a:prstGeom>
+        </p:spPr>
+      </p:pic>
+      <p:pic>
+        <p:nvPicPr>
+          <p:cNvPr id="25" name="Picture 24" descr="A picture containing drawing&#10;&#10;Description automatically generated">
+            <a:extLst>
+              <a:ext uri="{FF2B5EF4-FFF2-40B4-BE49-F238E27FC236}">
+                <a16:creationId xmlns:a16="http://schemas.microsoft.com/office/drawing/2014/main" id="{0D63507B-A02D-4632-BA7D-549D3907300D}"/>
+              </a:ext>
+            </a:extLst>
+          </p:cNvPr>
+          <p:cNvPicPr>
+            <a:picLocks noChangeAspect="1"/>
+          </p:cNvPicPr>
+          <p:nvPr/>
+        </p:nvPicPr>
+        <p:blipFill>
+          <a:blip r:embed="rId8"/>
+          <a:stretch>
+            <a:fillRect/>
+          </a:stretch>
+        </p:blipFill>
+        <p:spPr>
+          <a:xfrm>
+            <a:off x="7023496" y="2151899"/>
+            <a:ext cx="894049" cy="697152"/>
+          </a:xfrm>
+          <a:prstGeom prst="rect">
+            <a:avLst/>
+          </a:prstGeom>
+        </p:spPr>
+      </p:pic>
+      <p:pic>
+        <p:nvPicPr>
+          <p:cNvPr id="27" name="Picture 26" descr="A picture containing drawing&#10;&#10;Description automatically generated">
+            <a:extLst>
+              <a:ext uri="{FF2B5EF4-FFF2-40B4-BE49-F238E27FC236}">
+                <a16:creationId xmlns:a16="http://schemas.microsoft.com/office/drawing/2014/main" id="{213C737E-AF11-41A9-B2B0-E1D26E28D500}"/>
+              </a:ext>
+            </a:extLst>
+          </p:cNvPr>
+          <p:cNvPicPr>
+            <a:picLocks noChangeAspect="1"/>
+          </p:cNvPicPr>
+          <p:nvPr/>
+        </p:nvPicPr>
+        <p:blipFill>
+          <a:blip r:embed="rId9"/>
+          <a:stretch>
+            <a:fillRect/>
+          </a:stretch>
+        </p:blipFill>
+        <p:spPr>
+          <a:xfrm>
+            <a:off x="10775825" y="2134471"/>
+            <a:ext cx="894049" cy="697152"/>
+          </a:xfrm>
+          <a:prstGeom prst="rect">
+            <a:avLst/>
+          </a:prstGeom>
+        </p:spPr>
+      </p:pic>
+      <p:pic>
+        <p:nvPicPr>
+          <p:cNvPr id="29" name="Picture 28" descr="A close up of a logo&#10;&#10;Description automatically generated">
+            <a:extLst>
+              <a:ext uri="{FF2B5EF4-FFF2-40B4-BE49-F238E27FC236}">
+                <a16:creationId xmlns:a16="http://schemas.microsoft.com/office/drawing/2014/main" id="{EFD11BEC-A872-46BD-9D7C-A6E5D1FD5AE9}"/>
+              </a:ext>
+            </a:extLst>
+          </p:cNvPr>
+          <p:cNvPicPr>
+            <a:picLocks noChangeAspect="1"/>
+          </p:cNvPicPr>
+          <p:nvPr/>
+        </p:nvPicPr>
+        <p:blipFill>
+          <a:blip r:embed="rId10"/>
+          <a:stretch>
+            <a:fillRect/>
+          </a:stretch>
+        </p:blipFill>
+        <p:spPr>
+          <a:xfrm>
+            <a:off x="4600838" y="4753033"/>
+            <a:ext cx="794084" cy="662297"/>
+          </a:xfrm>
+          <a:prstGeom prst="rect">
+            <a:avLst/>
+          </a:prstGeom>
+        </p:spPr>
+      </p:pic>
+      <p:pic>
+        <p:nvPicPr>
+          <p:cNvPr id="31" name="Picture 30" descr="A picture containing room, drawing&#10;&#10;Description automatically generated">
+            <a:extLst>
+              <a:ext uri="{FF2B5EF4-FFF2-40B4-BE49-F238E27FC236}">
+                <a16:creationId xmlns:a16="http://schemas.microsoft.com/office/drawing/2014/main" id="{8A058867-9D1B-49AD-AF62-C8042384F3D3}"/>
+              </a:ext>
+            </a:extLst>
+          </p:cNvPr>
+          <p:cNvPicPr>
+            <a:picLocks noChangeAspect="1"/>
+          </p:cNvPicPr>
+          <p:nvPr/>
+        </p:nvPicPr>
+        <p:blipFill>
+          <a:blip r:embed="rId11"/>
+          <a:stretch>
+            <a:fillRect/>
+          </a:stretch>
+        </p:blipFill>
+        <p:spPr>
+          <a:xfrm>
+            <a:off x="9413470" y="4754673"/>
+            <a:ext cx="794084" cy="618486"/>
+          </a:xfrm>
+          <a:prstGeom prst="rect">
+            <a:avLst/>
+          </a:prstGeom>
+        </p:spPr>
+      </p:pic>
+      <p:pic>
+        <p:nvPicPr>
+          <p:cNvPr id="33" name="Picture 32" descr="A close up of a logo&#10;&#10;Description automatically generated">
+            <a:extLst>
+              <a:ext uri="{FF2B5EF4-FFF2-40B4-BE49-F238E27FC236}">
+                <a16:creationId xmlns:a16="http://schemas.microsoft.com/office/drawing/2014/main" id="{F280674E-8078-451D-8469-8B5C6E37C529}"/>
+              </a:ext>
+            </a:extLst>
+          </p:cNvPr>
+          <p:cNvPicPr>
+            <a:picLocks noChangeAspect="1"/>
+          </p:cNvPicPr>
+          <p:nvPr/>
+        </p:nvPicPr>
+        <p:blipFill>
+          <a:blip r:embed="rId12"/>
+          <a:stretch>
+            <a:fillRect/>
+          </a:stretch>
+        </p:blipFill>
+        <p:spPr>
+          <a:xfrm>
+            <a:off x="8569953" y="702156"/>
+            <a:ext cx="2205872" cy="1018865"/>
           </a:xfrm>
           <a:prstGeom prst="rect">
             <a:avLst/>

--- a/Group 9 - Facebook News Article Analysis.pptx
+++ b/Group 9 - Facebook News Article Analysis.pptx
@@ -203,7 +203,7 @@
           <a:p>
             <a:fld id="{A5C20BB3-3CCB-4FE5-991B-82F6BCB48AF3}" type="datetimeFigureOut">
               <a:rPr lang="en-US" smtClean="0"/>
-              <a:t>7/21/2020</a:t>
+              <a:t>7/22/2020</a:t>
             </a:fld>
             <a:endParaRPr lang="en-US"/>
           </a:p>
@@ -716,7 +716,7 @@
             <a:fld id="{B61BEF0D-F0BB-DE4B-95CE-6DB70DBA9567}" type="datetimeFigureOut">
               <a:rPr lang="en-US" dirty="0"/>
               <a:pPr/>
-              <a:t>7/21/2020</a:t>
+              <a:t>7/22/2020</a:t>
             </a:fld>
             <a:endParaRPr lang="en-US" dirty="0"/>
           </a:p>
@@ -980,7 +980,7 @@
             <a:fld id="{B61BEF0D-F0BB-DE4B-95CE-6DB70DBA9567}" type="datetimeFigureOut">
               <a:rPr lang="en-US" dirty="0"/>
               <a:pPr/>
-              <a:t>7/21/2020</a:t>
+              <a:t>7/22/2020</a:t>
             </a:fld>
             <a:endParaRPr lang="en-US" dirty="0"/>
           </a:p>
@@ -1217,7 +1217,7 @@
             <a:fld id="{B61BEF0D-F0BB-DE4B-95CE-6DB70DBA9567}" type="datetimeFigureOut">
               <a:rPr lang="en-US" dirty="0"/>
               <a:pPr/>
-              <a:t>7/21/2020</a:t>
+              <a:t>7/22/2020</a:t>
             </a:fld>
             <a:endParaRPr lang="en-US" dirty="0"/>
           </a:p>
@@ -1475,7 +1475,7 @@
           <a:p>
             <a:fld id="{3652CD92-9D15-43B4-8516-073FCDAC90D4}" type="datetimeFigureOut">
               <a:rPr lang="en-US" smtClean="0"/>
-              <a:t>7/21/2020</a:t>
+              <a:t>7/22/2020</a:t>
             </a:fld>
             <a:endParaRPr lang="en-US"/>
           </a:p>
@@ -1732,7 +1732,7 @@
             <a:fld id="{B61BEF0D-F0BB-DE4B-95CE-6DB70DBA9567}" type="datetimeFigureOut">
               <a:rPr lang="en-US" dirty="0"/>
               <a:pPr/>
-              <a:t>7/21/2020</a:t>
+              <a:t>7/22/2020</a:t>
             </a:fld>
             <a:endParaRPr lang="en-US" dirty="0"/>
           </a:p>
@@ -2041,7 +2041,7 @@
             <a:fld id="{B61BEF0D-F0BB-DE4B-95CE-6DB70DBA9567}" type="datetimeFigureOut">
               <a:rPr lang="en-US" dirty="0"/>
               <a:pPr/>
-              <a:t>7/21/2020</a:t>
+              <a:t>7/22/2020</a:t>
             </a:fld>
             <a:endParaRPr lang="en-US" dirty="0"/>
           </a:p>
@@ -2345,7 +2345,7 @@
             <a:fld id="{B61BEF0D-F0BB-DE4B-95CE-6DB70DBA9567}" type="datetimeFigureOut">
               <a:rPr lang="en-US" dirty="0"/>
               <a:pPr/>
-              <a:t>7/21/2020</a:t>
+              <a:t>7/22/2020</a:t>
             </a:fld>
             <a:endParaRPr lang="en-US" dirty="0"/>
           </a:p>
@@ -2769,7 +2769,7 @@
             <a:fld id="{B61BEF0D-F0BB-DE4B-95CE-6DB70DBA9567}" type="datetimeFigureOut">
               <a:rPr lang="en-US" dirty="0"/>
               <a:pPr/>
-              <a:t>7/21/2020</a:t>
+              <a:t>7/22/2020</a:t>
             </a:fld>
             <a:endParaRPr lang="en-US" dirty="0"/>
           </a:p>
@@ -2933,7 +2933,7 @@
             <a:fld id="{B61BEF0D-F0BB-DE4B-95CE-6DB70DBA9567}" type="datetimeFigureOut">
               <a:rPr lang="en-US" dirty="0"/>
               <a:pPr/>
-              <a:t>7/21/2020</a:t>
+              <a:t>7/22/2020</a:t>
             </a:fld>
             <a:endParaRPr lang="en-US" dirty="0"/>
           </a:p>
@@ -3030,7 +3030,7 @@
             <a:fld id="{B61BEF0D-F0BB-DE4B-95CE-6DB70DBA9567}" type="datetimeFigureOut">
               <a:rPr lang="en-US" dirty="0"/>
               <a:pPr/>
-              <a:t>7/21/2020</a:t>
+              <a:t>7/22/2020</a:t>
             </a:fld>
             <a:endParaRPr lang="en-US" dirty="0"/>
           </a:p>
@@ -3410,7 +3410,7 @@
             <a:fld id="{B61BEF0D-F0BB-DE4B-95CE-6DB70DBA9567}" type="datetimeFigureOut">
               <a:rPr lang="en-US" dirty="0"/>
               <a:pPr/>
-              <a:t>7/21/2020</a:t>
+              <a:t>7/22/2020</a:t>
             </a:fld>
             <a:endParaRPr lang="en-US" dirty="0"/>
           </a:p>
@@ -3701,7 +3701,7 @@
             <a:fld id="{B61BEF0D-F0BB-DE4B-95CE-6DB70DBA9567}" type="datetimeFigureOut">
               <a:rPr lang="en-US" dirty="0"/>
               <a:pPr/>
-              <a:t>7/21/2020</a:t>
+              <a:t>7/22/2020</a:t>
             </a:fld>
             <a:endParaRPr lang="en-US" dirty="0"/>
           </a:p>
@@ -3914,7 +3914,7 @@
             <a:fld id="{B61BEF0D-F0BB-DE4B-95CE-6DB70DBA9567}" type="datetimeFigureOut">
               <a:rPr lang="en-US" dirty="0"/>
               <a:pPr/>
-              <a:t>7/21/2020</a:t>
+              <a:t>7/22/2020</a:t>
             </a:fld>
             <a:endParaRPr lang="en-US" dirty="0"/>
           </a:p>
@@ -4649,7 +4649,7 @@
           <a:p>
             <a:fld id="{3652CD92-9D15-43B4-8516-073FCDAC90D4}" type="datetimeFigureOut">
               <a:rPr lang="en-US" smtClean="0"/>
-              <a:t>7/21/2020</a:t>
+              <a:t>7/22/2020</a:t>
             </a:fld>
             <a:endParaRPr lang="en-US"/>
           </a:p>
@@ -5030,14 +5030,6 @@
 <file path=ppt/slides/slide1.xml><?xml version="1.0" encoding="utf-8"?>
 <p:sld xmlns:a="http://schemas.openxmlformats.org/drawingml/2006/main" xmlns:r="http://schemas.openxmlformats.org/officeDocument/2006/relationships" xmlns:p="http://schemas.openxmlformats.org/presentationml/2006/main">
   <p:cSld>
-    <p:bg>
-      <p:bgPr>
-        <a:solidFill>
-          <a:srgbClr val="0070C0"/>
-        </a:solidFill>
-        <a:effectLst/>
-      </p:bgPr>
-    </p:bg>
     <p:spTree>
       <p:nvGrpSpPr>
         <p:cNvPr id="1" name=""/>
@@ -5232,9 +5224,12 @@
         </p:nvSpPr>
         <p:spPr>
           <a:xfrm>
-            <a:off x="1965278" y="668740"/>
-            <a:ext cx="7574507" cy="3330055"/>
-          </a:xfrm>
+            <a:off x="1784352" y="457200"/>
+            <a:ext cx="9961047" cy="3678072"/>
+          </a:xfrm>
+          <a:solidFill>
+            <a:srgbClr val="0070C0"/>
+          </a:solidFill>
         </p:spPr>
         <p:txBody>
           <a:bodyPr anchor="ctr">
@@ -5242,24 +5237,34 @@
           </a:bodyPr>
           <a:lstStyle/>
           <a:p>
-            <a:pPr>
+            <a:pPr algn="ctr">
               <a:lnSpc>
                 <a:spcPct val="90000"/>
               </a:lnSpc>
             </a:pPr>
             <a:r>
-              <a:rPr lang="en-US" sz="5600">
+              <a:rPr lang="en-US" sz="4400" dirty="0">
                 <a:solidFill>
                   <a:srgbClr val="FFFFFF"/>
                 </a:solidFill>
               </a:rPr>
-              <a:t>Facebook News Article analysis by Category for the first half of 2020.</a:t>
-            </a:r>
-            <a:endParaRPr lang="en-US" sz="5600" dirty="0">
-              <a:solidFill>
-                <a:srgbClr val="FFFFFF"/>
-              </a:solidFill>
-            </a:endParaRPr>
+              <a:t>Facebook News Article analysis by Category </a:t>
+            </a:r>
+            <a:br>
+              <a:rPr lang="en-US" sz="4400" dirty="0">
+                <a:solidFill>
+                  <a:srgbClr val="FFFFFF"/>
+                </a:solidFill>
+              </a:rPr>
+            </a:br>
+            <a:r>
+              <a:rPr lang="en-US" sz="4400" dirty="0">
+                <a:solidFill>
+                  <a:srgbClr val="FFFFFF"/>
+                </a:solidFill>
+              </a:rPr>
+              <a:t>for the first half of 2020</a:t>
+            </a:r>
           </a:p>
         </p:txBody>
       </p:sp>
@@ -5401,6 +5406,18 @@
   <p:clrMapOvr>
     <a:masterClrMapping/>
   </p:clrMapOvr>
+  <mc:AlternateContent xmlns:mc="http://schemas.openxmlformats.org/markup-compatibility/2006">
+    <mc:Choice xmlns:p14="http://schemas.microsoft.com/office/powerpoint/2010/main" Requires="p14">
+      <p:transition spd="slow">
+        <p14:ripple/>
+      </p:transition>
+    </mc:Choice>
+    <mc:Fallback>
+      <p:transition spd="slow">
+        <p:fade/>
+      </p:transition>
+    </mc:Fallback>
+  </mc:AlternateContent>
 </p:sld>
 </file>
 
@@ -5867,7 +5884,7 @@
             <a:r>
               <a:rPr lang="en-US" sz="4400" b="1" dirty="0">
                 <a:solidFill>
-                  <a:schemeClr val="tx1"/>
+                  <a:srgbClr val="00B0F0"/>
                 </a:solidFill>
                 <a:latin typeface="+mj-lt"/>
                 <a:cs typeface="+mj-cs"/>
@@ -5895,8 +5912,8 @@
         </p:nvSpPr>
         <p:spPr>
           <a:xfrm>
-            <a:off x="804672" y="2020824"/>
-            <a:ext cx="5076090" cy="4151376"/>
+            <a:off x="554403" y="2055813"/>
+            <a:ext cx="5263245" cy="3467595"/>
           </a:xfrm>
         </p:spPr>
         <p:txBody>
@@ -5908,7 +5925,7 @@
             <a:r>
               <a:rPr lang="en-US" sz="1700" dirty="0" err="1">
                 <a:solidFill>
-                  <a:schemeClr val="accent1"/>
+                  <a:schemeClr val="tx2"/>
                 </a:solidFill>
                 <a:latin typeface="+mn-lt"/>
                 <a:cs typeface="+mn-cs"/>
@@ -5918,7 +5935,7 @@
             <a:r>
               <a:rPr lang="en-US" sz="1700" dirty="0">
                 <a:solidFill>
-                  <a:schemeClr val="accent1"/>
+                  <a:schemeClr val="tx2"/>
                 </a:solidFill>
                 <a:latin typeface="+mn-lt"/>
                 <a:cs typeface="+mn-cs"/>
@@ -5930,7 +5947,7 @@
             <a:r>
               <a:rPr lang="en-US" sz="1700" dirty="0">
                 <a:solidFill>
-                  <a:schemeClr val="accent2"/>
+                  <a:schemeClr val="tx2"/>
                 </a:solidFill>
                 <a:latin typeface="+mn-lt"/>
                 <a:cs typeface="+mn-cs"/>
@@ -5942,7 +5959,7 @@
             <a:r>
               <a:rPr lang="en-US" sz="1700" dirty="0">
                 <a:solidFill>
-                  <a:schemeClr val="accent6"/>
+                  <a:schemeClr val="tx2"/>
                 </a:solidFill>
                 <a:latin typeface="+mn-lt"/>
                 <a:cs typeface="+mn-cs"/>
@@ -5954,7 +5971,7 @@
             <a:r>
               <a:rPr lang="en-US" sz="1700" dirty="0">
                 <a:solidFill>
-                  <a:srgbClr val="C00000"/>
+                  <a:schemeClr val="tx2"/>
                 </a:solidFill>
                 <a:latin typeface="+mn-lt"/>
                 <a:cs typeface="+mn-cs"/>
@@ -5964,7 +5981,7 @@
             <a:r>
               <a:rPr lang="en-US" sz="1700" dirty="0" err="1">
                 <a:solidFill>
-                  <a:srgbClr val="C00000"/>
+                  <a:schemeClr val="tx2"/>
                 </a:solidFill>
                 <a:latin typeface="+mn-lt"/>
                 <a:cs typeface="+mn-cs"/>
@@ -5974,7 +5991,7 @@
             <a:r>
               <a:rPr lang="en-US" sz="1700" dirty="0">
                 <a:solidFill>
-                  <a:srgbClr val="C00000"/>
+                  <a:schemeClr val="tx2"/>
                 </a:solidFill>
                 <a:latin typeface="+mn-lt"/>
                 <a:cs typeface="+mn-cs"/>
@@ -5986,7 +6003,7 @@
             <a:r>
               <a:rPr lang="en-US" sz="1700" dirty="0">
                 <a:solidFill>
-                  <a:schemeClr val="tx1"/>
+                  <a:schemeClr val="tx2"/>
                 </a:solidFill>
                 <a:latin typeface="+mn-lt"/>
                 <a:cs typeface="+mn-cs"/>
@@ -6075,6 +6092,9 @@
   <p:clrMapOvr>
     <a:overrideClrMapping bg1="dk1" tx1="lt1" bg2="dk2" tx2="lt2" accent1="accent1" accent2="accent2" accent3="accent3" accent4="accent4" accent5="accent5" accent6="accent6" hlink="hlink" folHlink="folHlink"/>
   </p:clrMapOvr>
+  <p:transition spd="slow">
+    <p:wipe/>
+  </p:transition>
 </p:sld>
 </file>
 
@@ -6367,16 +6387,6 @@
           <a:lstStyle/>
           <a:p>
             <a:r>
-              <a:rPr lang="en-US" sz="2000" dirty="0" err="1">
-                <a:solidFill>
-                  <a:srgbClr val="FFFFFF"/>
-                </a:solidFill>
-                <a:latin typeface="+mn-lt"/>
-                <a:cs typeface="+mn-cs"/>
-              </a:rPr>
-              <a:t>Covid</a:t>
-            </a:r>
-            <a:r>
               <a:rPr lang="en-US" sz="2000" dirty="0">
                 <a:solidFill>
                   <a:srgbClr val="FFFFFF"/>
@@ -6384,7 +6394,7 @@
                 <a:latin typeface="+mn-lt"/>
                 <a:cs typeface="+mn-cs"/>
               </a:rPr>
-              <a:t> Articles Dominate the first half of 2020.</a:t>
+              <a:t>Covid-19 Articles dominate the first half of 2020.</a:t>
             </a:r>
           </a:p>
           <a:p>
@@ -6435,7 +6445,7 @@
         </p:blipFill>
         <p:spPr>
           <a:xfrm>
-            <a:off x="8859298" y="491260"/>
+            <a:off x="8859298" y="568921"/>
             <a:ext cx="1764780" cy="1469887"/>
           </a:xfrm>
           <a:prstGeom prst="rect">
@@ -6483,6 +6493,18 @@
   <p:clrMapOvr>
     <a:masterClrMapping/>
   </p:clrMapOvr>
+  <mc:AlternateContent xmlns:mc="http://schemas.openxmlformats.org/markup-compatibility/2006">
+    <mc:Choice xmlns:p14="http://schemas.microsoft.com/office/powerpoint/2010/main" Requires="p14">
+      <p:transition spd="slow" p14:dur="1200">
+        <p14:prism/>
+      </p:transition>
+    </mc:Choice>
+    <mc:Fallback>
+      <p:transition spd="slow">
+        <p:fade/>
+      </p:transition>
+    </mc:Fallback>
+  </mc:AlternateContent>
 </p:sld>
 </file>
 
@@ -6710,6 +6732,18 @@
   <p:clrMapOvr>
     <a:masterClrMapping/>
   </p:clrMapOvr>
+  <mc:AlternateContent xmlns:mc="http://schemas.openxmlformats.org/markup-compatibility/2006">
+    <mc:Choice xmlns:p14="http://schemas.microsoft.com/office/powerpoint/2010/main" Requires="p14">
+      <p:transition spd="slow" p14:dur="2000">
+        <p14:ferris dir="l"/>
+      </p:transition>
+    </mc:Choice>
+    <mc:Fallback>
+      <p:transition spd="slow">
+        <p:fade/>
+      </p:transition>
+    </mc:Fallback>
+  </mc:AlternateContent>
 </p:sld>
 </file>
 
@@ -6790,8 +6824,8 @@
         </p:blipFill>
         <p:spPr>
           <a:xfrm>
-            <a:off x="1190839" y="1997240"/>
-            <a:ext cx="4905889" cy="4247147"/>
+            <a:off x="581193" y="1997240"/>
+            <a:ext cx="5515535" cy="3952297"/>
           </a:xfrm>
         </p:spPr>
       </p:pic>
@@ -6819,8 +6853,8 @@
         </p:blipFill>
         <p:spPr>
           <a:xfrm>
-            <a:off x="6085220" y="1997240"/>
-            <a:ext cx="4751405" cy="4247147"/>
+            <a:off x="6085221" y="1997240"/>
+            <a:ext cx="5041958" cy="3896419"/>
           </a:xfrm>
         </p:spPr>
       </p:pic>
@@ -6894,6 +6928,18 @@
   <p:clrMapOvr>
     <a:masterClrMapping/>
   </p:clrMapOvr>
+  <mc:AlternateContent xmlns:mc="http://schemas.openxmlformats.org/markup-compatibility/2006">
+    <mc:Choice xmlns:p14="http://schemas.microsoft.com/office/powerpoint/2010/main" Requires="p14">
+      <p:transition spd="slow" p14:dur="1250">
+        <p14:switch dir="r"/>
+      </p:transition>
+    </mc:Choice>
+    <mc:Fallback>
+      <p:transition spd="slow">
+        <p:fade/>
+      </p:transition>
+    </mc:Fallback>
+  </mc:AlternateContent>
 </p:sld>
 </file>
 
@@ -7296,6 +7342,18 @@
   <p:clrMapOvr>
     <a:masterClrMapping/>
   </p:clrMapOvr>
+  <mc:AlternateContent xmlns:mc="http://schemas.openxmlformats.org/markup-compatibility/2006">
+    <mc:Choice xmlns:p15="http://schemas.microsoft.com/office/powerpoint/2012/main" Requires="p15">
+      <p:transition xmlns:p14="http://schemas.microsoft.com/office/powerpoint/2010/main" spd="slow" p14:dur="2000">
+        <p15:prstTrans prst="origami"/>
+      </p:transition>
+    </mc:Choice>
+    <mc:Fallback>
+      <p:transition spd="slow">
+        <p:fade/>
+      </p:transition>
+    </mc:Fallback>
+  </mc:AlternateContent>
 </p:sld>
 </file>
 

--- a/Group 9 - Facebook News Article Analysis.pptx
+++ b/Group 9 - Facebook News Article Analysis.pptx
@@ -2,19 +2,23 @@
 <file path=ppt/presentation.xml><?xml version="1.0" encoding="utf-8"?>
 <p:presentation xmlns:a="http://schemas.openxmlformats.org/drawingml/2006/main" xmlns:r="http://schemas.openxmlformats.org/officeDocument/2006/relationships" xmlns:p="http://schemas.openxmlformats.org/presentationml/2006/main" autoCompressPictures="0">
   <p:sldMasterIdLst>
-    <p:sldMasterId id="2147483648" r:id="rId1"/>
+    <p:sldMasterId id="2147483662" r:id="rId1"/>
     <p:sldMasterId id="2147483660" r:id="rId2"/>
+    <p:sldMasterId id="2147483648" r:id="rId3"/>
   </p:sldMasterIdLst>
   <p:notesMasterIdLst>
-    <p:notesMasterId r:id="rId9"/>
+    <p:notesMasterId r:id="rId13"/>
   </p:notesMasterIdLst>
   <p:sldIdLst>
-    <p:sldId id="258" r:id="rId3"/>
-    <p:sldId id="257" r:id="rId4"/>
-    <p:sldId id="259" r:id="rId5"/>
-    <p:sldId id="262" r:id="rId6"/>
-    <p:sldId id="263" r:id="rId7"/>
-    <p:sldId id="264" r:id="rId8"/>
+    <p:sldId id="258" r:id="rId4"/>
+    <p:sldId id="257" r:id="rId5"/>
+    <p:sldId id="265" r:id="rId6"/>
+    <p:sldId id="267" r:id="rId7"/>
+    <p:sldId id="259" r:id="rId8"/>
+    <p:sldId id="262" r:id="rId9"/>
+    <p:sldId id="263" r:id="rId10"/>
+    <p:sldId id="264" r:id="rId11"/>
+    <p:sldId id="266" r:id="rId12"/>
   </p:sldIdLst>
   <p:sldSz cx="12192000" cy="6858000"/>
   <p:notesSz cx="6858000" cy="9144000"/>
@@ -170,7 +174,7 @@
             </a:lvl1pPr>
           </a:lstStyle>
           <a:p>
-            <a:endParaRPr lang="en-US"/>
+            <a:endParaRPr lang="en-US" dirty="0"/>
           </a:p>
         </p:txBody>
       </p:sp>
@@ -203,9 +207,9 @@
           <a:p>
             <a:fld id="{A5C20BB3-3CCB-4FE5-991B-82F6BCB48AF3}" type="datetimeFigureOut">
               <a:rPr lang="en-US" smtClean="0"/>
-              <a:t>7/22/2020</a:t>
+              <a:t>7/23/2020</a:t>
             </a:fld>
-            <a:endParaRPr lang="en-US"/>
+            <a:endParaRPr lang="en-US" dirty="0"/>
           </a:p>
         </p:txBody>
       </p:sp>
@@ -238,7 +242,7 @@
           <a:bodyPr vert="horz" lIns="91440" tIns="45720" rIns="91440" bIns="45720" rtlCol="0" anchor="ctr"/>
           <a:lstStyle/>
           <a:p>
-            <a:endParaRPr lang="en-US"/>
+            <a:endParaRPr lang="en-US" dirty="0"/>
           </a:p>
         </p:txBody>
       </p:sp>
@@ -328,7 +332,7 @@
             </a:lvl1pPr>
           </a:lstStyle>
           <a:p>
-            <a:endParaRPr lang="en-US"/>
+            <a:endParaRPr lang="en-US" dirty="0"/>
           </a:p>
         </p:txBody>
       </p:sp>
@@ -363,7 +367,7 @@
               <a:rPr lang="en-US" smtClean="0"/>
               <a:t>‹#›</a:t>
             </a:fld>
-            <a:endParaRPr lang="en-US"/>
+            <a:endParaRPr lang="en-US" dirty="0"/>
           </a:p>
         </p:txBody>
       </p:sp>
@@ -470,6 +474,90 @@
 </p:notesMaster>
 </file>
 
+<file path=ppt/notesSlides/notesSlide1.xml><?xml version="1.0" encoding="utf-8"?>
+<p:notes xmlns:a="http://schemas.openxmlformats.org/drawingml/2006/main" xmlns:r="http://schemas.openxmlformats.org/officeDocument/2006/relationships" xmlns:p="http://schemas.openxmlformats.org/presentationml/2006/main">
+  <p:cSld>
+    <p:spTree>
+      <p:nvGrpSpPr>
+        <p:cNvPr id="1" name=""/>
+        <p:cNvGrpSpPr/>
+        <p:nvPr/>
+      </p:nvGrpSpPr>
+      <p:grpSpPr>
+        <a:xfrm>
+          <a:off x="0" y="0"/>
+          <a:ext cx="0" cy="0"/>
+          <a:chOff x="0" y="0"/>
+          <a:chExt cx="0" cy="0"/>
+        </a:xfrm>
+      </p:grpSpPr>
+      <p:sp>
+        <p:nvSpPr>
+          <p:cNvPr id="2" name="Slide Image Placeholder 1"/>
+          <p:cNvSpPr>
+            <a:spLocks noGrp="1" noRot="1" noChangeAspect="1"/>
+          </p:cNvSpPr>
+          <p:nvPr>
+            <p:ph type="sldImg"/>
+          </p:nvPr>
+        </p:nvSpPr>
+        <p:spPr/>
+      </p:sp>
+      <p:sp>
+        <p:nvSpPr>
+          <p:cNvPr id="3" name="Notes Placeholder 2"/>
+          <p:cNvSpPr>
+            <a:spLocks noGrp="1"/>
+          </p:cNvSpPr>
+          <p:nvPr>
+            <p:ph type="body" idx="1"/>
+          </p:nvPr>
+        </p:nvSpPr>
+        <p:spPr/>
+        <p:txBody>
+          <a:bodyPr/>
+          <a:lstStyle/>
+          <a:p>
+            <a:endParaRPr lang="en-US" dirty="0"/>
+          </a:p>
+        </p:txBody>
+      </p:sp>
+      <p:sp>
+        <p:nvSpPr>
+          <p:cNvPr id="4" name="Slide Number Placeholder 3"/>
+          <p:cNvSpPr>
+            <a:spLocks noGrp="1"/>
+          </p:cNvSpPr>
+          <p:nvPr>
+            <p:ph type="sldNum" sz="quarter" idx="5"/>
+          </p:nvPr>
+        </p:nvSpPr>
+        <p:spPr/>
+        <p:txBody>
+          <a:bodyPr/>
+          <a:lstStyle/>
+          <a:p>
+            <a:fld id="{E0746DE6-3336-457D-A091-FA20AC1C536E}" type="slidenum">
+              <a:rPr lang="en-US" smtClean="0"/>
+              <a:t>8</a:t>
+            </a:fld>
+            <a:endParaRPr lang="en-US" dirty="0"/>
+          </a:p>
+        </p:txBody>
+      </p:sp>
+    </p:spTree>
+    <p:extLst>
+      <p:ext uri="{BB962C8B-B14F-4D97-AF65-F5344CB8AC3E}">
+        <p14:creationId xmlns:p14="http://schemas.microsoft.com/office/powerpoint/2010/main" val="113500565"/>
+      </p:ext>
+    </p:extLst>
+  </p:cSld>
+  <p:clrMapOvr>
+    <a:masterClrMapping/>
+  </p:clrMapOvr>
+</p:notes>
+</file>
+
 <file path=ppt/slideLayouts/slideLayout1.xml><?xml version="1.0" encoding="utf-8"?>
 <p:sldLayout xmlns:a="http://schemas.openxmlformats.org/drawingml/2006/main" xmlns:r="http://schemas.openxmlformats.org/officeDocument/2006/relationships" xmlns:p="http://schemas.openxmlformats.org/presentationml/2006/main" type="title" preserve="1">
   <p:cSld name="Title Slide">
@@ -716,7 +804,7 @@
             <a:fld id="{B61BEF0D-F0BB-DE4B-95CE-6DB70DBA9567}" type="datetimeFigureOut">
               <a:rPr lang="en-US" dirty="0"/>
               <a:pPr/>
-              <a:t>7/22/2020</a:t>
+              <a:t>7/23/2020</a:t>
             </a:fld>
             <a:endParaRPr lang="en-US" dirty="0"/>
           </a:p>
@@ -980,7 +1068,7 @@
             <a:fld id="{B61BEF0D-F0BB-DE4B-95CE-6DB70DBA9567}" type="datetimeFigureOut">
               <a:rPr lang="en-US" dirty="0"/>
               <a:pPr/>
-              <a:t>7/22/2020</a:t>
+              <a:t>7/23/2020</a:t>
             </a:fld>
             <a:endParaRPr lang="en-US" dirty="0"/>
           </a:p>
@@ -1217,7 +1305,7 @@
             <a:fld id="{B61BEF0D-F0BB-DE4B-95CE-6DB70DBA9567}" type="datetimeFigureOut">
               <a:rPr lang="en-US" dirty="0"/>
               <a:pPr/>
-              <a:t>7/22/2020</a:t>
+              <a:t>7/23/2020</a:t>
             </a:fld>
             <a:endParaRPr lang="en-US" dirty="0"/>
           </a:p>
@@ -1475,9 +1563,9 @@
           <a:p>
             <a:fld id="{3652CD92-9D15-43B4-8516-073FCDAC90D4}" type="datetimeFigureOut">
               <a:rPr lang="en-US" smtClean="0"/>
-              <a:t>7/22/2020</a:t>
+              <a:t>7/23/2020</a:t>
             </a:fld>
-            <a:endParaRPr lang="en-US"/>
+            <a:endParaRPr lang="en-US" dirty="0"/>
           </a:p>
         </p:txBody>
       </p:sp>
@@ -1496,7 +1584,7 @@
           <a:bodyPr/>
           <a:lstStyle/>
           <a:p>
-            <a:endParaRPr lang="en-US"/>
+            <a:endParaRPr lang="en-US" dirty="0"/>
           </a:p>
         </p:txBody>
       </p:sp>
@@ -1519,7 +1607,7 @@
               <a:rPr lang="en-US" smtClean="0"/>
               <a:t>‹#›</a:t>
             </a:fld>
-            <a:endParaRPr lang="en-US"/>
+            <a:endParaRPr lang="en-US" dirty="0"/>
           </a:p>
         </p:txBody>
       </p:sp>
@@ -1573,6 +1661,1630 @@
 </p:sldLayout>
 </file>
 
+<file path=ppt/slideLayouts/slideLayout13.xml><?xml version="1.0" encoding="utf-8"?>
+<p:sldLayout xmlns:a="http://schemas.openxmlformats.org/drawingml/2006/main" xmlns:r="http://schemas.openxmlformats.org/officeDocument/2006/relationships" xmlns:p="http://schemas.openxmlformats.org/presentationml/2006/main" type="title" preserve="1">
+  <p:cSld name="Title Slide">
+    <p:spTree>
+      <p:nvGrpSpPr>
+        <p:cNvPr id="1" name=""/>
+        <p:cNvGrpSpPr/>
+        <p:nvPr/>
+      </p:nvGrpSpPr>
+      <p:grpSpPr>
+        <a:xfrm>
+          <a:off x="0" y="0"/>
+          <a:ext cx="0" cy="0"/>
+          <a:chOff x="0" y="0"/>
+          <a:chExt cx="0" cy="0"/>
+        </a:xfrm>
+      </p:grpSpPr>
+      <p:sp>
+        <p:nvSpPr>
+          <p:cNvPr id="2" name="Title 1">
+            <a:extLst>
+              <a:ext uri="{FF2B5EF4-FFF2-40B4-BE49-F238E27FC236}">
+                <a16:creationId xmlns:a16="http://schemas.microsoft.com/office/drawing/2014/main" id="{D604A36F-8784-4016-A76A-610842FA60BF}"/>
+              </a:ext>
+            </a:extLst>
+          </p:cNvPr>
+          <p:cNvSpPr>
+            <a:spLocks noGrp="1"/>
+          </p:cNvSpPr>
+          <p:nvPr>
+            <p:ph type="ctrTitle"/>
+          </p:nvPr>
+        </p:nvSpPr>
+        <p:spPr>
+          <a:xfrm>
+            <a:off x="1524000" y="1122363"/>
+            <a:ext cx="9144000" cy="2387600"/>
+          </a:xfrm>
+        </p:spPr>
+        <p:txBody>
+          <a:bodyPr anchor="b"/>
+          <a:lstStyle>
+            <a:lvl1pPr algn="ctr">
+              <a:defRPr sz="6000"/>
+            </a:lvl1pPr>
+          </a:lstStyle>
+          <a:p>
+            <a:r>
+              <a:rPr lang="en-US"/>
+              <a:t>Click to edit Master title style</a:t>
+            </a:r>
+          </a:p>
+        </p:txBody>
+      </p:sp>
+      <p:sp>
+        <p:nvSpPr>
+          <p:cNvPr id="3" name="Subtitle 2">
+            <a:extLst>
+              <a:ext uri="{FF2B5EF4-FFF2-40B4-BE49-F238E27FC236}">
+                <a16:creationId xmlns:a16="http://schemas.microsoft.com/office/drawing/2014/main" id="{9B4A12B0-B64A-4EE5-924D-2113C101D45F}"/>
+              </a:ext>
+            </a:extLst>
+          </p:cNvPr>
+          <p:cNvSpPr>
+            <a:spLocks noGrp="1"/>
+          </p:cNvSpPr>
+          <p:nvPr>
+            <p:ph type="subTitle" idx="1"/>
+          </p:nvPr>
+        </p:nvSpPr>
+        <p:spPr>
+          <a:xfrm>
+            <a:off x="1524000" y="3602038"/>
+            <a:ext cx="9144000" cy="1655762"/>
+          </a:xfrm>
+        </p:spPr>
+        <p:txBody>
+          <a:bodyPr/>
+          <a:lstStyle>
+            <a:lvl1pPr marL="0" indent="0" algn="ctr">
+              <a:buNone/>
+              <a:defRPr sz="2400"/>
+            </a:lvl1pPr>
+            <a:lvl2pPr marL="457200" indent="0" algn="ctr">
+              <a:buNone/>
+              <a:defRPr sz="2000"/>
+            </a:lvl2pPr>
+            <a:lvl3pPr marL="914400" indent="0" algn="ctr">
+              <a:buNone/>
+              <a:defRPr sz="1800"/>
+            </a:lvl3pPr>
+            <a:lvl4pPr marL="1371600" indent="0" algn="ctr">
+              <a:buNone/>
+              <a:defRPr sz="1600"/>
+            </a:lvl4pPr>
+            <a:lvl5pPr marL="1828800" indent="0" algn="ctr">
+              <a:buNone/>
+              <a:defRPr sz="1600"/>
+            </a:lvl5pPr>
+            <a:lvl6pPr marL="2286000" indent="0" algn="ctr">
+              <a:buNone/>
+              <a:defRPr sz="1600"/>
+            </a:lvl6pPr>
+            <a:lvl7pPr marL="2743200" indent="0" algn="ctr">
+              <a:buNone/>
+              <a:defRPr sz="1600"/>
+            </a:lvl7pPr>
+            <a:lvl8pPr marL="3200400" indent="0" algn="ctr">
+              <a:buNone/>
+              <a:defRPr sz="1600"/>
+            </a:lvl8pPr>
+            <a:lvl9pPr marL="3657600" indent="0" algn="ctr">
+              <a:buNone/>
+              <a:defRPr sz="1600"/>
+            </a:lvl9pPr>
+          </a:lstStyle>
+          <a:p>
+            <a:r>
+              <a:rPr lang="en-US"/>
+              <a:t>Click to edit Master subtitle style</a:t>
+            </a:r>
+          </a:p>
+        </p:txBody>
+      </p:sp>
+      <p:sp>
+        <p:nvSpPr>
+          <p:cNvPr id="4" name="Date Placeholder 3">
+            <a:extLst>
+              <a:ext uri="{FF2B5EF4-FFF2-40B4-BE49-F238E27FC236}">
+                <a16:creationId xmlns:a16="http://schemas.microsoft.com/office/drawing/2014/main" id="{84D68AD3-1145-4E73-95A7-5194999324C8}"/>
+              </a:ext>
+            </a:extLst>
+          </p:cNvPr>
+          <p:cNvSpPr>
+            <a:spLocks noGrp="1"/>
+          </p:cNvSpPr>
+          <p:nvPr>
+            <p:ph type="dt" sz="half" idx="10"/>
+          </p:nvPr>
+        </p:nvSpPr>
+        <p:spPr/>
+        <p:txBody>
+          <a:bodyPr/>
+          <a:lstStyle/>
+          <a:p>
+            <a:fld id="{B02CF77D-71AA-419C-8E90-64A96F096F5F}" type="datetimeFigureOut">
+              <a:rPr lang="en-US" smtClean="0"/>
+              <a:t>7/23/2020</a:t>
+            </a:fld>
+            <a:endParaRPr lang="en-US"/>
+          </a:p>
+        </p:txBody>
+      </p:sp>
+      <p:sp>
+        <p:nvSpPr>
+          <p:cNvPr id="5" name="Footer Placeholder 4">
+            <a:extLst>
+              <a:ext uri="{FF2B5EF4-FFF2-40B4-BE49-F238E27FC236}">
+                <a16:creationId xmlns:a16="http://schemas.microsoft.com/office/drawing/2014/main" id="{88591A43-C441-480C-9780-A84360409788}"/>
+              </a:ext>
+            </a:extLst>
+          </p:cNvPr>
+          <p:cNvSpPr>
+            <a:spLocks noGrp="1"/>
+          </p:cNvSpPr>
+          <p:nvPr>
+            <p:ph type="ftr" sz="quarter" idx="11"/>
+          </p:nvPr>
+        </p:nvSpPr>
+        <p:spPr/>
+        <p:txBody>
+          <a:bodyPr/>
+          <a:lstStyle/>
+          <a:p>
+            <a:endParaRPr lang="en-US"/>
+          </a:p>
+        </p:txBody>
+      </p:sp>
+      <p:sp>
+        <p:nvSpPr>
+          <p:cNvPr id="6" name="Slide Number Placeholder 5">
+            <a:extLst>
+              <a:ext uri="{FF2B5EF4-FFF2-40B4-BE49-F238E27FC236}">
+                <a16:creationId xmlns:a16="http://schemas.microsoft.com/office/drawing/2014/main" id="{DF7C0F43-7EFF-40CB-8558-9ED94DECE0C3}"/>
+              </a:ext>
+            </a:extLst>
+          </p:cNvPr>
+          <p:cNvSpPr>
+            <a:spLocks noGrp="1"/>
+          </p:cNvSpPr>
+          <p:nvPr>
+            <p:ph type="sldNum" sz="quarter" idx="12"/>
+          </p:nvPr>
+        </p:nvSpPr>
+        <p:spPr/>
+        <p:txBody>
+          <a:bodyPr/>
+          <a:lstStyle/>
+          <a:p>
+            <a:fld id="{961558BC-8345-464A-9AE6-E8715E10ED87}" type="slidenum">
+              <a:rPr lang="en-US" smtClean="0"/>
+              <a:t>‹#›</a:t>
+            </a:fld>
+            <a:endParaRPr lang="en-US"/>
+          </a:p>
+        </p:txBody>
+      </p:sp>
+    </p:spTree>
+    <p:extLst>
+      <p:ext uri="{BB962C8B-B14F-4D97-AF65-F5344CB8AC3E}">
+        <p14:creationId xmlns:p14="http://schemas.microsoft.com/office/powerpoint/2010/main" val="109683398"/>
+      </p:ext>
+    </p:extLst>
+  </p:cSld>
+  <p:clrMapOvr>
+    <a:masterClrMapping/>
+  </p:clrMapOvr>
+</p:sldLayout>
+</file>
+
+<file path=ppt/slideLayouts/slideLayout14.xml><?xml version="1.0" encoding="utf-8"?>
+<p:sldLayout xmlns:a="http://schemas.openxmlformats.org/drawingml/2006/main" xmlns:r="http://schemas.openxmlformats.org/officeDocument/2006/relationships" xmlns:p="http://schemas.openxmlformats.org/presentationml/2006/main" type="obj" preserve="1">
+  <p:cSld name="Title and Content">
+    <p:spTree>
+      <p:nvGrpSpPr>
+        <p:cNvPr id="1" name=""/>
+        <p:cNvGrpSpPr/>
+        <p:nvPr/>
+      </p:nvGrpSpPr>
+      <p:grpSpPr>
+        <a:xfrm>
+          <a:off x="0" y="0"/>
+          <a:ext cx="0" cy="0"/>
+          <a:chOff x="0" y="0"/>
+          <a:chExt cx="0" cy="0"/>
+        </a:xfrm>
+      </p:grpSpPr>
+      <p:sp>
+        <p:nvSpPr>
+          <p:cNvPr id="2" name="Title 1">
+            <a:extLst>
+              <a:ext uri="{FF2B5EF4-FFF2-40B4-BE49-F238E27FC236}">
+                <a16:creationId xmlns:a16="http://schemas.microsoft.com/office/drawing/2014/main" id="{7C8515F8-8C58-4FD2-AA87-11FAF98ED59E}"/>
+              </a:ext>
+            </a:extLst>
+          </p:cNvPr>
+          <p:cNvSpPr>
+            <a:spLocks noGrp="1"/>
+          </p:cNvSpPr>
+          <p:nvPr>
+            <p:ph type="title"/>
+          </p:nvPr>
+        </p:nvSpPr>
+        <p:spPr/>
+        <p:txBody>
+          <a:bodyPr/>
+          <a:lstStyle/>
+          <a:p>
+            <a:r>
+              <a:rPr lang="en-US"/>
+              <a:t>Click to edit Master title style</a:t>
+            </a:r>
+          </a:p>
+        </p:txBody>
+      </p:sp>
+      <p:sp>
+        <p:nvSpPr>
+          <p:cNvPr id="3" name="Content Placeholder 2">
+            <a:extLst>
+              <a:ext uri="{FF2B5EF4-FFF2-40B4-BE49-F238E27FC236}">
+                <a16:creationId xmlns:a16="http://schemas.microsoft.com/office/drawing/2014/main" id="{3DF25091-FC28-4B7C-A608-E9845C56C25E}"/>
+              </a:ext>
+            </a:extLst>
+          </p:cNvPr>
+          <p:cNvSpPr>
+            <a:spLocks noGrp="1"/>
+          </p:cNvSpPr>
+          <p:nvPr>
+            <p:ph idx="1"/>
+          </p:nvPr>
+        </p:nvSpPr>
+        <p:spPr/>
+        <p:txBody>
+          <a:bodyPr/>
+          <a:lstStyle/>
+          <a:p>
+            <a:pPr lvl="0"/>
+            <a:r>
+              <a:rPr lang="en-US"/>
+              <a:t>Click to edit Master text styles</a:t>
+            </a:r>
+          </a:p>
+          <a:p>
+            <a:pPr lvl="1"/>
+            <a:r>
+              <a:rPr lang="en-US"/>
+              <a:t>Second level</a:t>
+            </a:r>
+          </a:p>
+          <a:p>
+            <a:pPr lvl="2"/>
+            <a:r>
+              <a:rPr lang="en-US"/>
+              <a:t>Third level</a:t>
+            </a:r>
+          </a:p>
+          <a:p>
+            <a:pPr lvl="3"/>
+            <a:r>
+              <a:rPr lang="en-US"/>
+              <a:t>Fourth level</a:t>
+            </a:r>
+          </a:p>
+          <a:p>
+            <a:pPr lvl="4"/>
+            <a:r>
+              <a:rPr lang="en-US"/>
+              <a:t>Fifth level</a:t>
+            </a:r>
+          </a:p>
+        </p:txBody>
+      </p:sp>
+      <p:sp>
+        <p:nvSpPr>
+          <p:cNvPr id="4" name="Date Placeholder 3">
+            <a:extLst>
+              <a:ext uri="{FF2B5EF4-FFF2-40B4-BE49-F238E27FC236}">
+                <a16:creationId xmlns:a16="http://schemas.microsoft.com/office/drawing/2014/main" id="{13554167-7201-4AB1-B14D-DBC1B0B1C5ED}"/>
+              </a:ext>
+            </a:extLst>
+          </p:cNvPr>
+          <p:cNvSpPr>
+            <a:spLocks noGrp="1"/>
+          </p:cNvSpPr>
+          <p:nvPr>
+            <p:ph type="dt" sz="half" idx="10"/>
+          </p:nvPr>
+        </p:nvSpPr>
+        <p:spPr/>
+        <p:txBody>
+          <a:bodyPr/>
+          <a:lstStyle/>
+          <a:p>
+            <a:fld id="{B02CF77D-71AA-419C-8E90-64A96F096F5F}" type="datetimeFigureOut">
+              <a:rPr lang="en-US" smtClean="0"/>
+              <a:t>7/23/2020</a:t>
+            </a:fld>
+            <a:endParaRPr lang="en-US"/>
+          </a:p>
+        </p:txBody>
+      </p:sp>
+      <p:sp>
+        <p:nvSpPr>
+          <p:cNvPr id="5" name="Footer Placeholder 4">
+            <a:extLst>
+              <a:ext uri="{FF2B5EF4-FFF2-40B4-BE49-F238E27FC236}">
+                <a16:creationId xmlns:a16="http://schemas.microsoft.com/office/drawing/2014/main" id="{93F2BE0C-D858-4253-950C-26AF07BAC71F}"/>
+              </a:ext>
+            </a:extLst>
+          </p:cNvPr>
+          <p:cNvSpPr>
+            <a:spLocks noGrp="1"/>
+          </p:cNvSpPr>
+          <p:nvPr>
+            <p:ph type="ftr" sz="quarter" idx="11"/>
+          </p:nvPr>
+        </p:nvSpPr>
+        <p:spPr/>
+        <p:txBody>
+          <a:bodyPr/>
+          <a:lstStyle/>
+          <a:p>
+            <a:endParaRPr lang="en-US"/>
+          </a:p>
+        </p:txBody>
+      </p:sp>
+      <p:sp>
+        <p:nvSpPr>
+          <p:cNvPr id="6" name="Slide Number Placeholder 5">
+            <a:extLst>
+              <a:ext uri="{FF2B5EF4-FFF2-40B4-BE49-F238E27FC236}">
+                <a16:creationId xmlns:a16="http://schemas.microsoft.com/office/drawing/2014/main" id="{ACE56F5D-20B2-421C-A052-5C77335B7983}"/>
+              </a:ext>
+            </a:extLst>
+          </p:cNvPr>
+          <p:cNvSpPr>
+            <a:spLocks noGrp="1"/>
+          </p:cNvSpPr>
+          <p:nvPr>
+            <p:ph type="sldNum" sz="quarter" idx="12"/>
+          </p:nvPr>
+        </p:nvSpPr>
+        <p:spPr/>
+        <p:txBody>
+          <a:bodyPr/>
+          <a:lstStyle/>
+          <a:p>
+            <a:fld id="{961558BC-8345-464A-9AE6-E8715E10ED87}" type="slidenum">
+              <a:rPr lang="en-US" smtClean="0"/>
+              <a:t>‹#›</a:t>
+            </a:fld>
+            <a:endParaRPr lang="en-US"/>
+          </a:p>
+        </p:txBody>
+      </p:sp>
+    </p:spTree>
+    <p:extLst>
+      <p:ext uri="{BB962C8B-B14F-4D97-AF65-F5344CB8AC3E}">
+        <p14:creationId xmlns:p14="http://schemas.microsoft.com/office/powerpoint/2010/main" val="3154440959"/>
+      </p:ext>
+    </p:extLst>
+  </p:cSld>
+  <p:clrMapOvr>
+    <a:masterClrMapping/>
+  </p:clrMapOvr>
+</p:sldLayout>
+</file>
+
+<file path=ppt/slideLayouts/slideLayout15.xml><?xml version="1.0" encoding="utf-8"?>
+<p:sldLayout xmlns:a="http://schemas.openxmlformats.org/drawingml/2006/main" xmlns:r="http://schemas.openxmlformats.org/officeDocument/2006/relationships" xmlns:p="http://schemas.openxmlformats.org/presentationml/2006/main" type="secHead" preserve="1">
+  <p:cSld name="Section Header">
+    <p:spTree>
+      <p:nvGrpSpPr>
+        <p:cNvPr id="1" name=""/>
+        <p:cNvGrpSpPr/>
+        <p:nvPr/>
+      </p:nvGrpSpPr>
+      <p:grpSpPr>
+        <a:xfrm>
+          <a:off x="0" y="0"/>
+          <a:ext cx="0" cy="0"/>
+          <a:chOff x="0" y="0"/>
+          <a:chExt cx="0" cy="0"/>
+        </a:xfrm>
+      </p:grpSpPr>
+      <p:sp>
+        <p:nvSpPr>
+          <p:cNvPr id="2" name="Title 1">
+            <a:extLst>
+              <a:ext uri="{FF2B5EF4-FFF2-40B4-BE49-F238E27FC236}">
+                <a16:creationId xmlns:a16="http://schemas.microsoft.com/office/drawing/2014/main" id="{47DC5FB1-6258-45A5-A16D-2E0AC9DD8122}"/>
+              </a:ext>
+            </a:extLst>
+          </p:cNvPr>
+          <p:cNvSpPr>
+            <a:spLocks noGrp="1"/>
+          </p:cNvSpPr>
+          <p:nvPr>
+            <p:ph type="title"/>
+          </p:nvPr>
+        </p:nvSpPr>
+        <p:spPr>
+          <a:xfrm>
+            <a:off x="831850" y="1709738"/>
+            <a:ext cx="10515600" cy="2852737"/>
+          </a:xfrm>
+        </p:spPr>
+        <p:txBody>
+          <a:bodyPr anchor="b"/>
+          <a:lstStyle>
+            <a:lvl1pPr>
+              <a:defRPr sz="6000"/>
+            </a:lvl1pPr>
+          </a:lstStyle>
+          <a:p>
+            <a:r>
+              <a:rPr lang="en-US"/>
+              <a:t>Click to edit Master title style</a:t>
+            </a:r>
+          </a:p>
+        </p:txBody>
+      </p:sp>
+      <p:sp>
+        <p:nvSpPr>
+          <p:cNvPr id="3" name="Text Placeholder 2">
+            <a:extLst>
+              <a:ext uri="{FF2B5EF4-FFF2-40B4-BE49-F238E27FC236}">
+                <a16:creationId xmlns:a16="http://schemas.microsoft.com/office/drawing/2014/main" id="{2A8DAF6E-3EB0-4678-92C4-E6FCEA06FF76}"/>
+              </a:ext>
+            </a:extLst>
+          </p:cNvPr>
+          <p:cNvSpPr>
+            <a:spLocks noGrp="1"/>
+          </p:cNvSpPr>
+          <p:nvPr>
+            <p:ph type="body" idx="1"/>
+          </p:nvPr>
+        </p:nvSpPr>
+        <p:spPr>
+          <a:xfrm>
+            <a:off x="831850" y="4589463"/>
+            <a:ext cx="10515600" cy="1500187"/>
+          </a:xfrm>
+        </p:spPr>
+        <p:txBody>
+          <a:bodyPr/>
+          <a:lstStyle>
+            <a:lvl1pPr marL="0" indent="0">
+              <a:buNone/>
+              <a:defRPr sz="2400">
+                <a:solidFill>
+                  <a:schemeClr val="tx1">
+                    <a:tint val="75000"/>
+                  </a:schemeClr>
+                </a:solidFill>
+              </a:defRPr>
+            </a:lvl1pPr>
+            <a:lvl2pPr marL="457200" indent="0">
+              <a:buNone/>
+              <a:defRPr sz="2000">
+                <a:solidFill>
+                  <a:schemeClr val="tx1">
+                    <a:tint val="75000"/>
+                  </a:schemeClr>
+                </a:solidFill>
+              </a:defRPr>
+            </a:lvl2pPr>
+            <a:lvl3pPr marL="914400" indent="0">
+              <a:buNone/>
+              <a:defRPr sz="1800">
+                <a:solidFill>
+                  <a:schemeClr val="tx1">
+                    <a:tint val="75000"/>
+                  </a:schemeClr>
+                </a:solidFill>
+              </a:defRPr>
+            </a:lvl3pPr>
+            <a:lvl4pPr marL="1371600" indent="0">
+              <a:buNone/>
+              <a:defRPr sz="1600">
+                <a:solidFill>
+                  <a:schemeClr val="tx1">
+                    <a:tint val="75000"/>
+                  </a:schemeClr>
+                </a:solidFill>
+              </a:defRPr>
+            </a:lvl4pPr>
+            <a:lvl5pPr marL="1828800" indent="0">
+              <a:buNone/>
+              <a:defRPr sz="1600">
+                <a:solidFill>
+                  <a:schemeClr val="tx1">
+                    <a:tint val="75000"/>
+                  </a:schemeClr>
+                </a:solidFill>
+              </a:defRPr>
+            </a:lvl5pPr>
+            <a:lvl6pPr marL="2286000" indent="0">
+              <a:buNone/>
+              <a:defRPr sz="1600">
+                <a:solidFill>
+                  <a:schemeClr val="tx1">
+                    <a:tint val="75000"/>
+                  </a:schemeClr>
+                </a:solidFill>
+              </a:defRPr>
+            </a:lvl6pPr>
+            <a:lvl7pPr marL="2743200" indent="0">
+              <a:buNone/>
+              <a:defRPr sz="1600">
+                <a:solidFill>
+                  <a:schemeClr val="tx1">
+                    <a:tint val="75000"/>
+                  </a:schemeClr>
+                </a:solidFill>
+              </a:defRPr>
+            </a:lvl7pPr>
+            <a:lvl8pPr marL="3200400" indent="0">
+              <a:buNone/>
+              <a:defRPr sz="1600">
+                <a:solidFill>
+                  <a:schemeClr val="tx1">
+                    <a:tint val="75000"/>
+                  </a:schemeClr>
+                </a:solidFill>
+              </a:defRPr>
+            </a:lvl8pPr>
+            <a:lvl9pPr marL="3657600" indent="0">
+              <a:buNone/>
+              <a:defRPr sz="1600">
+                <a:solidFill>
+                  <a:schemeClr val="tx1">
+                    <a:tint val="75000"/>
+                  </a:schemeClr>
+                </a:solidFill>
+              </a:defRPr>
+            </a:lvl9pPr>
+          </a:lstStyle>
+          <a:p>
+            <a:pPr lvl="0"/>
+            <a:r>
+              <a:rPr lang="en-US"/>
+              <a:t>Click to edit Master text styles</a:t>
+            </a:r>
+          </a:p>
+        </p:txBody>
+      </p:sp>
+      <p:sp>
+        <p:nvSpPr>
+          <p:cNvPr id="4" name="Date Placeholder 3">
+            <a:extLst>
+              <a:ext uri="{FF2B5EF4-FFF2-40B4-BE49-F238E27FC236}">
+                <a16:creationId xmlns:a16="http://schemas.microsoft.com/office/drawing/2014/main" id="{3B2E5A60-B7E6-4A47-B7A1-797E6F890B65}"/>
+              </a:ext>
+            </a:extLst>
+          </p:cNvPr>
+          <p:cNvSpPr>
+            <a:spLocks noGrp="1"/>
+          </p:cNvSpPr>
+          <p:nvPr>
+            <p:ph type="dt" sz="half" idx="10"/>
+          </p:nvPr>
+        </p:nvSpPr>
+        <p:spPr/>
+        <p:txBody>
+          <a:bodyPr/>
+          <a:lstStyle/>
+          <a:p>
+            <a:fld id="{B02CF77D-71AA-419C-8E90-64A96F096F5F}" type="datetimeFigureOut">
+              <a:rPr lang="en-US" smtClean="0"/>
+              <a:t>7/23/2020</a:t>
+            </a:fld>
+            <a:endParaRPr lang="en-US"/>
+          </a:p>
+        </p:txBody>
+      </p:sp>
+      <p:sp>
+        <p:nvSpPr>
+          <p:cNvPr id="5" name="Footer Placeholder 4">
+            <a:extLst>
+              <a:ext uri="{FF2B5EF4-FFF2-40B4-BE49-F238E27FC236}">
+                <a16:creationId xmlns:a16="http://schemas.microsoft.com/office/drawing/2014/main" id="{0C72C1E0-04ED-4B24-A432-092B629D0092}"/>
+              </a:ext>
+            </a:extLst>
+          </p:cNvPr>
+          <p:cNvSpPr>
+            <a:spLocks noGrp="1"/>
+          </p:cNvSpPr>
+          <p:nvPr>
+            <p:ph type="ftr" sz="quarter" idx="11"/>
+          </p:nvPr>
+        </p:nvSpPr>
+        <p:spPr/>
+        <p:txBody>
+          <a:bodyPr/>
+          <a:lstStyle/>
+          <a:p>
+            <a:endParaRPr lang="en-US"/>
+          </a:p>
+        </p:txBody>
+      </p:sp>
+      <p:sp>
+        <p:nvSpPr>
+          <p:cNvPr id="6" name="Slide Number Placeholder 5">
+            <a:extLst>
+              <a:ext uri="{FF2B5EF4-FFF2-40B4-BE49-F238E27FC236}">
+                <a16:creationId xmlns:a16="http://schemas.microsoft.com/office/drawing/2014/main" id="{EC86B81A-0489-47E4-9CBC-CA14040E03DF}"/>
+              </a:ext>
+            </a:extLst>
+          </p:cNvPr>
+          <p:cNvSpPr>
+            <a:spLocks noGrp="1"/>
+          </p:cNvSpPr>
+          <p:nvPr>
+            <p:ph type="sldNum" sz="quarter" idx="12"/>
+          </p:nvPr>
+        </p:nvSpPr>
+        <p:spPr/>
+        <p:txBody>
+          <a:bodyPr/>
+          <a:lstStyle/>
+          <a:p>
+            <a:fld id="{961558BC-8345-464A-9AE6-E8715E10ED87}" type="slidenum">
+              <a:rPr lang="en-US" smtClean="0"/>
+              <a:t>‹#›</a:t>
+            </a:fld>
+            <a:endParaRPr lang="en-US"/>
+          </a:p>
+        </p:txBody>
+      </p:sp>
+    </p:spTree>
+    <p:extLst>
+      <p:ext uri="{BB962C8B-B14F-4D97-AF65-F5344CB8AC3E}">
+        <p14:creationId xmlns:p14="http://schemas.microsoft.com/office/powerpoint/2010/main" val="277300961"/>
+      </p:ext>
+    </p:extLst>
+  </p:cSld>
+  <p:clrMapOvr>
+    <a:masterClrMapping/>
+  </p:clrMapOvr>
+</p:sldLayout>
+</file>
+
+<file path=ppt/slideLayouts/slideLayout16.xml><?xml version="1.0" encoding="utf-8"?>
+<p:sldLayout xmlns:a="http://schemas.openxmlformats.org/drawingml/2006/main" xmlns:r="http://schemas.openxmlformats.org/officeDocument/2006/relationships" xmlns:p="http://schemas.openxmlformats.org/presentationml/2006/main" type="twoObj" preserve="1">
+  <p:cSld name="Two Content">
+    <p:spTree>
+      <p:nvGrpSpPr>
+        <p:cNvPr id="1" name=""/>
+        <p:cNvGrpSpPr/>
+        <p:nvPr/>
+      </p:nvGrpSpPr>
+      <p:grpSpPr>
+        <a:xfrm>
+          <a:off x="0" y="0"/>
+          <a:ext cx="0" cy="0"/>
+          <a:chOff x="0" y="0"/>
+          <a:chExt cx="0" cy="0"/>
+        </a:xfrm>
+      </p:grpSpPr>
+      <p:sp>
+        <p:nvSpPr>
+          <p:cNvPr id="2" name="Title 1">
+            <a:extLst>
+              <a:ext uri="{FF2B5EF4-FFF2-40B4-BE49-F238E27FC236}">
+                <a16:creationId xmlns:a16="http://schemas.microsoft.com/office/drawing/2014/main" id="{EF5865B0-A879-4EB4-9D65-8C11D4FAFD3B}"/>
+              </a:ext>
+            </a:extLst>
+          </p:cNvPr>
+          <p:cNvSpPr>
+            <a:spLocks noGrp="1"/>
+          </p:cNvSpPr>
+          <p:nvPr>
+            <p:ph type="title"/>
+          </p:nvPr>
+        </p:nvSpPr>
+        <p:spPr/>
+        <p:txBody>
+          <a:bodyPr/>
+          <a:lstStyle/>
+          <a:p>
+            <a:r>
+              <a:rPr lang="en-US"/>
+              <a:t>Click to edit Master title style</a:t>
+            </a:r>
+          </a:p>
+        </p:txBody>
+      </p:sp>
+      <p:sp>
+        <p:nvSpPr>
+          <p:cNvPr id="3" name="Content Placeholder 2">
+            <a:extLst>
+              <a:ext uri="{FF2B5EF4-FFF2-40B4-BE49-F238E27FC236}">
+                <a16:creationId xmlns:a16="http://schemas.microsoft.com/office/drawing/2014/main" id="{513908FA-0E86-4D3C-89CA-08607F551833}"/>
+              </a:ext>
+            </a:extLst>
+          </p:cNvPr>
+          <p:cNvSpPr>
+            <a:spLocks noGrp="1"/>
+          </p:cNvSpPr>
+          <p:nvPr>
+            <p:ph sz="half" idx="1"/>
+          </p:nvPr>
+        </p:nvSpPr>
+        <p:spPr>
+          <a:xfrm>
+            <a:off x="838200" y="1825625"/>
+            <a:ext cx="5181600" cy="4351338"/>
+          </a:xfrm>
+        </p:spPr>
+        <p:txBody>
+          <a:bodyPr/>
+          <a:lstStyle/>
+          <a:p>
+            <a:pPr lvl="0"/>
+            <a:r>
+              <a:rPr lang="en-US"/>
+              <a:t>Click to edit Master text styles</a:t>
+            </a:r>
+          </a:p>
+          <a:p>
+            <a:pPr lvl="1"/>
+            <a:r>
+              <a:rPr lang="en-US"/>
+              <a:t>Second level</a:t>
+            </a:r>
+          </a:p>
+          <a:p>
+            <a:pPr lvl="2"/>
+            <a:r>
+              <a:rPr lang="en-US"/>
+              <a:t>Third level</a:t>
+            </a:r>
+          </a:p>
+          <a:p>
+            <a:pPr lvl="3"/>
+            <a:r>
+              <a:rPr lang="en-US"/>
+              <a:t>Fourth level</a:t>
+            </a:r>
+          </a:p>
+          <a:p>
+            <a:pPr lvl="4"/>
+            <a:r>
+              <a:rPr lang="en-US"/>
+              <a:t>Fifth level</a:t>
+            </a:r>
+          </a:p>
+        </p:txBody>
+      </p:sp>
+      <p:sp>
+        <p:nvSpPr>
+          <p:cNvPr id="4" name="Content Placeholder 3">
+            <a:extLst>
+              <a:ext uri="{FF2B5EF4-FFF2-40B4-BE49-F238E27FC236}">
+                <a16:creationId xmlns:a16="http://schemas.microsoft.com/office/drawing/2014/main" id="{09565543-3B0B-4767-B89E-2537F98ACEBE}"/>
+              </a:ext>
+            </a:extLst>
+          </p:cNvPr>
+          <p:cNvSpPr>
+            <a:spLocks noGrp="1"/>
+          </p:cNvSpPr>
+          <p:nvPr>
+            <p:ph sz="half" idx="2"/>
+          </p:nvPr>
+        </p:nvSpPr>
+        <p:spPr>
+          <a:xfrm>
+            <a:off x="6172200" y="1825625"/>
+            <a:ext cx="5181600" cy="4351338"/>
+          </a:xfrm>
+        </p:spPr>
+        <p:txBody>
+          <a:bodyPr/>
+          <a:lstStyle/>
+          <a:p>
+            <a:pPr lvl="0"/>
+            <a:r>
+              <a:rPr lang="en-US"/>
+              <a:t>Click to edit Master text styles</a:t>
+            </a:r>
+          </a:p>
+          <a:p>
+            <a:pPr lvl="1"/>
+            <a:r>
+              <a:rPr lang="en-US"/>
+              <a:t>Second level</a:t>
+            </a:r>
+          </a:p>
+          <a:p>
+            <a:pPr lvl="2"/>
+            <a:r>
+              <a:rPr lang="en-US"/>
+              <a:t>Third level</a:t>
+            </a:r>
+          </a:p>
+          <a:p>
+            <a:pPr lvl="3"/>
+            <a:r>
+              <a:rPr lang="en-US"/>
+              <a:t>Fourth level</a:t>
+            </a:r>
+          </a:p>
+          <a:p>
+            <a:pPr lvl="4"/>
+            <a:r>
+              <a:rPr lang="en-US"/>
+              <a:t>Fifth level</a:t>
+            </a:r>
+          </a:p>
+        </p:txBody>
+      </p:sp>
+      <p:sp>
+        <p:nvSpPr>
+          <p:cNvPr id="5" name="Date Placeholder 4">
+            <a:extLst>
+              <a:ext uri="{FF2B5EF4-FFF2-40B4-BE49-F238E27FC236}">
+                <a16:creationId xmlns:a16="http://schemas.microsoft.com/office/drawing/2014/main" id="{46432E52-9CF2-4CB2-A485-8A53FACD0B4F}"/>
+              </a:ext>
+            </a:extLst>
+          </p:cNvPr>
+          <p:cNvSpPr>
+            <a:spLocks noGrp="1"/>
+          </p:cNvSpPr>
+          <p:nvPr>
+            <p:ph type="dt" sz="half" idx="10"/>
+          </p:nvPr>
+        </p:nvSpPr>
+        <p:spPr/>
+        <p:txBody>
+          <a:bodyPr/>
+          <a:lstStyle/>
+          <a:p>
+            <a:fld id="{B02CF77D-71AA-419C-8E90-64A96F096F5F}" type="datetimeFigureOut">
+              <a:rPr lang="en-US" smtClean="0"/>
+              <a:t>7/23/2020</a:t>
+            </a:fld>
+            <a:endParaRPr lang="en-US"/>
+          </a:p>
+        </p:txBody>
+      </p:sp>
+      <p:sp>
+        <p:nvSpPr>
+          <p:cNvPr id="6" name="Footer Placeholder 5">
+            <a:extLst>
+              <a:ext uri="{FF2B5EF4-FFF2-40B4-BE49-F238E27FC236}">
+                <a16:creationId xmlns:a16="http://schemas.microsoft.com/office/drawing/2014/main" id="{E51D379F-EC2E-44F1-A956-3A204663DD6D}"/>
+              </a:ext>
+            </a:extLst>
+          </p:cNvPr>
+          <p:cNvSpPr>
+            <a:spLocks noGrp="1"/>
+          </p:cNvSpPr>
+          <p:nvPr>
+            <p:ph type="ftr" sz="quarter" idx="11"/>
+          </p:nvPr>
+        </p:nvSpPr>
+        <p:spPr/>
+        <p:txBody>
+          <a:bodyPr/>
+          <a:lstStyle/>
+          <a:p>
+            <a:endParaRPr lang="en-US"/>
+          </a:p>
+        </p:txBody>
+      </p:sp>
+      <p:sp>
+        <p:nvSpPr>
+          <p:cNvPr id="7" name="Slide Number Placeholder 6">
+            <a:extLst>
+              <a:ext uri="{FF2B5EF4-FFF2-40B4-BE49-F238E27FC236}">
+                <a16:creationId xmlns:a16="http://schemas.microsoft.com/office/drawing/2014/main" id="{6D52B207-8199-41B7-9966-30E48FE0F70E}"/>
+              </a:ext>
+            </a:extLst>
+          </p:cNvPr>
+          <p:cNvSpPr>
+            <a:spLocks noGrp="1"/>
+          </p:cNvSpPr>
+          <p:nvPr>
+            <p:ph type="sldNum" sz="quarter" idx="12"/>
+          </p:nvPr>
+        </p:nvSpPr>
+        <p:spPr/>
+        <p:txBody>
+          <a:bodyPr/>
+          <a:lstStyle/>
+          <a:p>
+            <a:fld id="{961558BC-8345-464A-9AE6-E8715E10ED87}" type="slidenum">
+              <a:rPr lang="en-US" smtClean="0"/>
+              <a:t>‹#›</a:t>
+            </a:fld>
+            <a:endParaRPr lang="en-US"/>
+          </a:p>
+        </p:txBody>
+      </p:sp>
+    </p:spTree>
+    <p:extLst>
+      <p:ext uri="{BB962C8B-B14F-4D97-AF65-F5344CB8AC3E}">
+        <p14:creationId xmlns:p14="http://schemas.microsoft.com/office/powerpoint/2010/main" val="1037142115"/>
+      </p:ext>
+    </p:extLst>
+  </p:cSld>
+  <p:clrMapOvr>
+    <a:masterClrMapping/>
+  </p:clrMapOvr>
+</p:sldLayout>
+</file>
+
+<file path=ppt/slideLayouts/slideLayout17.xml><?xml version="1.0" encoding="utf-8"?>
+<p:sldLayout xmlns:a="http://schemas.openxmlformats.org/drawingml/2006/main" xmlns:r="http://schemas.openxmlformats.org/officeDocument/2006/relationships" xmlns:p="http://schemas.openxmlformats.org/presentationml/2006/main" type="twoTxTwoObj" preserve="1">
+  <p:cSld name="Comparison">
+    <p:spTree>
+      <p:nvGrpSpPr>
+        <p:cNvPr id="1" name=""/>
+        <p:cNvGrpSpPr/>
+        <p:nvPr/>
+      </p:nvGrpSpPr>
+      <p:grpSpPr>
+        <a:xfrm>
+          <a:off x="0" y="0"/>
+          <a:ext cx="0" cy="0"/>
+          <a:chOff x="0" y="0"/>
+          <a:chExt cx="0" cy="0"/>
+        </a:xfrm>
+      </p:grpSpPr>
+      <p:sp>
+        <p:nvSpPr>
+          <p:cNvPr id="2" name="Title 1">
+            <a:extLst>
+              <a:ext uri="{FF2B5EF4-FFF2-40B4-BE49-F238E27FC236}">
+                <a16:creationId xmlns:a16="http://schemas.microsoft.com/office/drawing/2014/main" id="{486B31ED-0D83-4E0A-9D6C-2A470DC53316}"/>
+              </a:ext>
+            </a:extLst>
+          </p:cNvPr>
+          <p:cNvSpPr>
+            <a:spLocks noGrp="1"/>
+          </p:cNvSpPr>
+          <p:nvPr>
+            <p:ph type="title"/>
+          </p:nvPr>
+        </p:nvSpPr>
+        <p:spPr>
+          <a:xfrm>
+            <a:off x="839788" y="365125"/>
+            <a:ext cx="10515600" cy="1325563"/>
+          </a:xfrm>
+        </p:spPr>
+        <p:txBody>
+          <a:bodyPr/>
+          <a:lstStyle/>
+          <a:p>
+            <a:r>
+              <a:rPr lang="en-US"/>
+              <a:t>Click to edit Master title style</a:t>
+            </a:r>
+          </a:p>
+        </p:txBody>
+      </p:sp>
+      <p:sp>
+        <p:nvSpPr>
+          <p:cNvPr id="3" name="Text Placeholder 2">
+            <a:extLst>
+              <a:ext uri="{FF2B5EF4-FFF2-40B4-BE49-F238E27FC236}">
+                <a16:creationId xmlns:a16="http://schemas.microsoft.com/office/drawing/2014/main" id="{FB57D6E5-B178-4829-B62E-2E60095F6E2B}"/>
+              </a:ext>
+            </a:extLst>
+          </p:cNvPr>
+          <p:cNvSpPr>
+            <a:spLocks noGrp="1"/>
+          </p:cNvSpPr>
+          <p:nvPr>
+            <p:ph type="body" idx="1"/>
+          </p:nvPr>
+        </p:nvSpPr>
+        <p:spPr>
+          <a:xfrm>
+            <a:off x="839788" y="1681163"/>
+            <a:ext cx="5157787" cy="823912"/>
+          </a:xfrm>
+        </p:spPr>
+        <p:txBody>
+          <a:bodyPr anchor="b"/>
+          <a:lstStyle>
+            <a:lvl1pPr marL="0" indent="0">
+              <a:buNone/>
+              <a:defRPr sz="2400" b="1"/>
+            </a:lvl1pPr>
+            <a:lvl2pPr marL="457200" indent="0">
+              <a:buNone/>
+              <a:defRPr sz="2000" b="1"/>
+            </a:lvl2pPr>
+            <a:lvl3pPr marL="914400" indent="0">
+              <a:buNone/>
+              <a:defRPr sz="1800" b="1"/>
+            </a:lvl3pPr>
+            <a:lvl4pPr marL="1371600" indent="0">
+              <a:buNone/>
+              <a:defRPr sz="1600" b="1"/>
+            </a:lvl4pPr>
+            <a:lvl5pPr marL="1828800" indent="0">
+              <a:buNone/>
+              <a:defRPr sz="1600" b="1"/>
+            </a:lvl5pPr>
+            <a:lvl6pPr marL="2286000" indent="0">
+              <a:buNone/>
+              <a:defRPr sz="1600" b="1"/>
+            </a:lvl6pPr>
+            <a:lvl7pPr marL="2743200" indent="0">
+              <a:buNone/>
+              <a:defRPr sz="1600" b="1"/>
+            </a:lvl7pPr>
+            <a:lvl8pPr marL="3200400" indent="0">
+              <a:buNone/>
+              <a:defRPr sz="1600" b="1"/>
+            </a:lvl8pPr>
+            <a:lvl9pPr marL="3657600" indent="0">
+              <a:buNone/>
+              <a:defRPr sz="1600" b="1"/>
+            </a:lvl9pPr>
+          </a:lstStyle>
+          <a:p>
+            <a:pPr lvl="0"/>
+            <a:r>
+              <a:rPr lang="en-US"/>
+              <a:t>Click to edit Master text styles</a:t>
+            </a:r>
+          </a:p>
+        </p:txBody>
+      </p:sp>
+      <p:sp>
+        <p:nvSpPr>
+          <p:cNvPr id="4" name="Content Placeholder 3">
+            <a:extLst>
+              <a:ext uri="{FF2B5EF4-FFF2-40B4-BE49-F238E27FC236}">
+                <a16:creationId xmlns:a16="http://schemas.microsoft.com/office/drawing/2014/main" id="{D9B3E5C5-9F6D-47C9-9C26-D768FF5090F2}"/>
+              </a:ext>
+            </a:extLst>
+          </p:cNvPr>
+          <p:cNvSpPr>
+            <a:spLocks noGrp="1"/>
+          </p:cNvSpPr>
+          <p:nvPr>
+            <p:ph sz="half" idx="2"/>
+          </p:nvPr>
+        </p:nvSpPr>
+        <p:spPr>
+          <a:xfrm>
+            <a:off x="839788" y="2505075"/>
+            <a:ext cx="5157787" cy="3684588"/>
+          </a:xfrm>
+        </p:spPr>
+        <p:txBody>
+          <a:bodyPr/>
+          <a:lstStyle/>
+          <a:p>
+            <a:pPr lvl="0"/>
+            <a:r>
+              <a:rPr lang="en-US"/>
+              <a:t>Click to edit Master text styles</a:t>
+            </a:r>
+          </a:p>
+          <a:p>
+            <a:pPr lvl="1"/>
+            <a:r>
+              <a:rPr lang="en-US"/>
+              <a:t>Second level</a:t>
+            </a:r>
+          </a:p>
+          <a:p>
+            <a:pPr lvl="2"/>
+            <a:r>
+              <a:rPr lang="en-US"/>
+              <a:t>Third level</a:t>
+            </a:r>
+          </a:p>
+          <a:p>
+            <a:pPr lvl="3"/>
+            <a:r>
+              <a:rPr lang="en-US"/>
+              <a:t>Fourth level</a:t>
+            </a:r>
+          </a:p>
+          <a:p>
+            <a:pPr lvl="4"/>
+            <a:r>
+              <a:rPr lang="en-US"/>
+              <a:t>Fifth level</a:t>
+            </a:r>
+          </a:p>
+        </p:txBody>
+      </p:sp>
+      <p:sp>
+        <p:nvSpPr>
+          <p:cNvPr id="5" name="Text Placeholder 4">
+            <a:extLst>
+              <a:ext uri="{FF2B5EF4-FFF2-40B4-BE49-F238E27FC236}">
+                <a16:creationId xmlns:a16="http://schemas.microsoft.com/office/drawing/2014/main" id="{D4F583E6-F705-4055-AF00-4BFB97AECB8F}"/>
+              </a:ext>
+            </a:extLst>
+          </p:cNvPr>
+          <p:cNvSpPr>
+            <a:spLocks noGrp="1"/>
+          </p:cNvSpPr>
+          <p:nvPr>
+            <p:ph type="body" sz="quarter" idx="3"/>
+          </p:nvPr>
+        </p:nvSpPr>
+        <p:spPr>
+          <a:xfrm>
+            <a:off x="6172200" y="1681163"/>
+            <a:ext cx="5183188" cy="823912"/>
+          </a:xfrm>
+        </p:spPr>
+        <p:txBody>
+          <a:bodyPr anchor="b"/>
+          <a:lstStyle>
+            <a:lvl1pPr marL="0" indent="0">
+              <a:buNone/>
+              <a:defRPr sz="2400" b="1"/>
+            </a:lvl1pPr>
+            <a:lvl2pPr marL="457200" indent="0">
+              <a:buNone/>
+              <a:defRPr sz="2000" b="1"/>
+            </a:lvl2pPr>
+            <a:lvl3pPr marL="914400" indent="0">
+              <a:buNone/>
+              <a:defRPr sz="1800" b="1"/>
+            </a:lvl3pPr>
+            <a:lvl4pPr marL="1371600" indent="0">
+              <a:buNone/>
+              <a:defRPr sz="1600" b="1"/>
+            </a:lvl4pPr>
+            <a:lvl5pPr marL="1828800" indent="0">
+              <a:buNone/>
+              <a:defRPr sz="1600" b="1"/>
+            </a:lvl5pPr>
+            <a:lvl6pPr marL="2286000" indent="0">
+              <a:buNone/>
+              <a:defRPr sz="1600" b="1"/>
+            </a:lvl6pPr>
+            <a:lvl7pPr marL="2743200" indent="0">
+              <a:buNone/>
+              <a:defRPr sz="1600" b="1"/>
+            </a:lvl7pPr>
+            <a:lvl8pPr marL="3200400" indent="0">
+              <a:buNone/>
+              <a:defRPr sz="1600" b="1"/>
+            </a:lvl8pPr>
+            <a:lvl9pPr marL="3657600" indent="0">
+              <a:buNone/>
+              <a:defRPr sz="1600" b="1"/>
+            </a:lvl9pPr>
+          </a:lstStyle>
+          <a:p>
+            <a:pPr lvl="0"/>
+            <a:r>
+              <a:rPr lang="en-US"/>
+              <a:t>Click to edit Master text styles</a:t>
+            </a:r>
+          </a:p>
+        </p:txBody>
+      </p:sp>
+      <p:sp>
+        <p:nvSpPr>
+          <p:cNvPr id="6" name="Content Placeholder 5">
+            <a:extLst>
+              <a:ext uri="{FF2B5EF4-FFF2-40B4-BE49-F238E27FC236}">
+                <a16:creationId xmlns:a16="http://schemas.microsoft.com/office/drawing/2014/main" id="{BD468F23-977A-499E-AE0B-06C3FA0916B8}"/>
+              </a:ext>
+            </a:extLst>
+          </p:cNvPr>
+          <p:cNvSpPr>
+            <a:spLocks noGrp="1"/>
+          </p:cNvSpPr>
+          <p:nvPr>
+            <p:ph sz="quarter" idx="4"/>
+          </p:nvPr>
+        </p:nvSpPr>
+        <p:spPr>
+          <a:xfrm>
+            <a:off x="6172200" y="2505075"/>
+            <a:ext cx="5183188" cy="3684588"/>
+          </a:xfrm>
+        </p:spPr>
+        <p:txBody>
+          <a:bodyPr/>
+          <a:lstStyle/>
+          <a:p>
+            <a:pPr lvl="0"/>
+            <a:r>
+              <a:rPr lang="en-US"/>
+              <a:t>Click to edit Master text styles</a:t>
+            </a:r>
+          </a:p>
+          <a:p>
+            <a:pPr lvl="1"/>
+            <a:r>
+              <a:rPr lang="en-US"/>
+              <a:t>Second level</a:t>
+            </a:r>
+          </a:p>
+          <a:p>
+            <a:pPr lvl="2"/>
+            <a:r>
+              <a:rPr lang="en-US"/>
+              <a:t>Third level</a:t>
+            </a:r>
+          </a:p>
+          <a:p>
+            <a:pPr lvl="3"/>
+            <a:r>
+              <a:rPr lang="en-US"/>
+              <a:t>Fourth level</a:t>
+            </a:r>
+          </a:p>
+          <a:p>
+            <a:pPr lvl="4"/>
+            <a:r>
+              <a:rPr lang="en-US"/>
+              <a:t>Fifth level</a:t>
+            </a:r>
+          </a:p>
+        </p:txBody>
+      </p:sp>
+      <p:sp>
+        <p:nvSpPr>
+          <p:cNvPr id="7" name="Date Placeholder 6">
+            <a:extLst>
+              <a:ext uri="{FF2B5EF4-FFF2-40B4-BE49-F238E27FC236}">
+                <a16:creationId xmlns:a16="http://schemas.microsoft.com/office/drawing/2014/main" id="{50B2BA31-AC92-4ECE-9C42-73BF686B7E07}"/>
+              </a:ext>
+            </a:extLst>
+          </p:cNvPr>
+          <p:cNvSpPr>
+            <a:spLocks noGrp="1"/>
+          </p:cNvSpPr>
+          <p:nvPr>
+            <p:ph type="dt" sz="half" idx="10"/>
+          </p:nvPr>
+        </p:nvSpPr>
+        <p:spPr/>
+        <p:txBody>
+          <a:bodyPr/>
+          <a:lstStyle/>
+          <a:p>
+            <a:fld id="{B02CF77D-71AA-419C-8E90-64A96F096F5F}" type="datetimeFigureOut">
+              <a:rPr lang="en-US" smtClean="0"/>
+              <a:t>7/23/2020</a:t>
+            </a:fld>
+            <a:endParaRPr lang="en-US"/>
+          </a:p>
+        </p:txBody>
+      </p:sp>
+      <p:sp>
+        <p:nvSpPr>
+          <p:cNvPr id="8" name="Footer Placeholder 7">
+            <a:extLst>
+              <a:ext uri="{FF2B5EF4-FFF2-40B4-BE49-F238E27FC236}">
+                <a16:creationId xmlns:a16="http://schemas.microsoft.com/office/drawing/2014/main" id="{8C9DA914-640E-4DDE-B992-D981FF644FDE}"/>
+              </a:ext>
+            </a:extLst>
+          </p:cNvPr>
+          <p:cNvSpPr>
+            <a:spLocks noGrp="1"/>
+          </p:cNvSpPr>
+          <p:nvPr>
+            <p:ph type="ftr" sz="quarter" idx="11"/>
+          </p:nvPr>
+        </p:nvSpPr>
+        <p:spPr/>
+        <p:txBody>
+          <a:bodyPr/>
+          <a:lstStyle/>
+          <a:p>
+            <a:endParaRPr lang="en-US"/>
+          </a:p>
+        </p:txBody>
+      </p:sp>
+      <p:sp>
+        <p:nvSpPr>
+          <p:cNvPr id="9" name="Slide Number Placeholder 8">
+            <a:extLst>
+              <a:ext uri="{FF2B5EF4-FFF2-40B4-BE49-F238E27FC236}">
+                <a16:creationId xmlns:a16="http://schemas.microsoft.com/office/drawing/2014/main" id="{A59E3801-5099-4A8C-BFF9-1953A5879A72}"/>
+              </a:ext>
+            </a:extLst>
+          </p:cNvPr>
+          <p:cNvSpPr>
+            <a:spLocks noGrp="1"/>
+          </p:cNvSpPr>
+          <p:nvPr>
+            <p:ph type="sldNum" sz="quarter" idx="12"/>
+          </p:nvPr>
+        </p:nvSpPr>
+        <p:spPr/>
+        <p:txBody>
+          <a:bodyPr/>
+          <a:lstStyle/>
+          <a:p>
+            <a:fld id="{961558BC-8345-464A-9AE6-E8715E10ED87}" type="slidenum">
+              <a:rPr lang="en-US" smtClean="0"/>
+              <a:t>‹#›</a:t>
+            </a:fld>
+            <a:endParaRPr lang="en-US"/>
+          </a:p>
+        </p:txBody>
+      </p:sp>
+    </p:spTree>
+    <p:extLst>
+      <p:ext uri="{BB962C8B-B14F-4D97-AF65-F5344CB8AC3E}">
+        <p14:creationId xmlns:p14="http://schemas.microsoft.com/office/powerpoint/2010/main" val="3723520112"/>
+      </p:ext>
+    </p:extLst>
+  </p:cSld>
+  <p:clrMapOvr>
+    <a:masterClrMapping/>
+  </p:clrMapOvr>
+</p:sldLayout>
+</file>
+
+<file path=ppt/slideLayouts/slideLayout18.xml><?xml version="1.0" encoding="utf-8"?>
+<p:sldLayout xmlns:a="http://schemas.openxmlformats.org/drawingml/2006/main" xmlns:r="http://schemas.openxmlformats.org/officeDocument/2006/relationships" xmlns:p="http://schemas.openxmlformats.org/presentationml/2006/main" type="titleOnly" preserve="1">
+  <p:cSld name="Title Only">
+    <p:spTree>
+      <p:nvGrpSpPr>
+        <p:cNvPr id="1" name=""/>
+        <p:cNvGrpSpPr/>
+        <p:nvPr/>
+      </p:nvGrpSpPr>
+      <p:grpSpPr>
+        <a:xfrm>
+          <a:off x="0" y="0"/>
+          <a:ext cx="0" cy="0"/>
+          <a:chOff x="0" y="0"/>
+          <a:chExt cx="0" cy="0"/>
+        </a:xfrm>
+      </p:grpSpPr>
+      <p:sp>
+        <p:nvSpPr>
+          <p:cNvPr id="2" name="Title 1">
+            <a:extLst>
+              <a:ext uri="{FF2B5EF4-FFF2-40B4-BE49-F238E27FC236}">
+                <a16:creationId xmlns:a16="http://schemas.microsoft.com/office/drawing/2014/main" id="{5BF3C49D-25BD-4AD6-BD8F-6E7391D4D7B1}"/>
+              </a:ext>
+            </a:extLst>
+          </p:cNvPr>
+          <p:cNvSpPr>
+            <a:spLocks noGrp="1"/>
+          </p:cNvSpPr>
+          <p:nvPr>
+            <p:ph type="title"/>
+          </p:nvPr>
+        </p:nvSpPr>
+        <p:spPr/>
+        <p:txBody>
+          <a:bodyPr/>
+          <a:lstStyle/>
+          <a:p>
+            <a:r>
+              <a:rPr lang="en-US"/>
+              <a:t>Click to edit Master title style</a:t>
+            </a:r>
+          </a:p>
+        </p:txBody>
+      </p:sp>
+      <p:sp>
+        <p:nvSpPr>
+          <p:cNvPr id="3" name="Date Placeholder 2">
+            <a:extLst>
+              <a:ext uri="{FF2B5EF4-FFF2-40B4-BE49-F238E27FC236}">
+                <a16:creationId xmlns:a16="http://schemas.microsoft.com/office/drawing/2014/main" id="{86042EF2-FCF2-40C0-AED4-C2AC34434451}"/>
+              </a:ext>
+            </a:extLst>
+          </p:cNvPr>
+          <p:cNvSpPr>
+            <a:spLocks noGrp="1"/>
+          </p:cNvSpPr>
+          <p:nvPr>
+            <p:ph type="dt" sz="half" idx="10"/>
+          </p:nvPr>
+        </p:nvSpPr>
+        <p:spPr/>
+        <p:txBody>
+          <a:bodyPr/>
+          <a:lstStyle/>
+          <a:p>
+            <a:fld id="{B02CF77D-71AA-419C-8E90-64A96F096F5F}" type="datetimeFigureOut">
+              <a:rPr lang="en-US" smtClean="0"/>
+              <a:t>7/23/2020</a:t>
+            </a:fld>
+            <a:endParaRPr lang="en-US"/>
+          </a:p>
+        </p:txBody>
+      </p:sp>
+      <p:sp>
+        <p:nvSpPr>
+          <p:cNvPr id="4" name="Footer Placeholder 3">
+            <a:extLst>
+              <a:ext uri="{FF2B5EF4-FFF2-40B4-BE49-F238E27FC236}">
+                <a16:creationId xmlns:a16="http://schemas.microsoft.com/office/drawing/2014/main" id="{E7651792-9259-4BDC-8906-864AD0642D7B}"/>
+              </a:ext>
+            </a:extLst>
+          </p:cNvPr>
+          <p:cNvSpPr>
+            <a:spLocks noGrp="1"/>
+          </p:cNvSpPr>
+          <p:nvPr>
+            <p:ph type="ftr" sz="quarter" idx="11"/>
+          </p:nvPr>
+        </p:nvSpPr>
+        <p:spPr/>
+        <p:txBody>
+          <a:bodyPr/>
+          <a:lstStyle/>
+          <a:p>
+            <a:endParaRPr lang="en-US"/>
+          </a:p>
+        </p:txBody>
+      </p:sp>
+      <p:sp>
+        <p:nvSpPr>
+          <p:cNvPr id="5" name="Slide Number Placeholder 4">
+            <a:extLst>
+              <a:ext uri="{FF2B5EF4-FFF2-40B4-BE49-F238E27FC236}">
+                <a16:creationId xmlns:a16="http://schemas.microsoft.com/office/drawing/2014/main" id="{D9ABDC41-04FA-4878-B2D0-A471A9D98839}"/>
+              </a:ext>
+            </a:extLst>
+          </p:cNvPr>
+          <p:cNvSpPr>
+            <a:spLocks noGrp="1"/>
+          </p:cNvSpPr>
+          <p:nvPr>
+            <p:ph type="sldNum" sz="quarter" idx="12"/>
+          </p:nvPr>
+        </p:nvSpPr>
+        <p:spPr/>
+        <p:txBody>
+          <a:bodyPr/>
+          <a:lstStyle/>
+          <a:p>
+            <a:fld id="{961558BC-8345-464A-9AE6-E8715E10ED87}" type="slidenum">
+              <a:rPr lang="en-US" smtClean="0"/>
+              <a:t>‹#›</a:t>
+            </a:fld>
+            <a:endParaRPr lang="en-US"/>
+          </a:p>
+        </p:txBody>
+      </p:sp>
+    </p:spTree>
+    <p:extLst>
+      <p:ext uri="{BB962C8B-B14F-4D97-AF65-F5344CB8AC3E}">
+        <p14:creationId xmlns:p14="http://schemas.microsoft.com/office/powerpoint/2010/main" val="4225959387"/>
+      </p:ext>
+    </p:extLst>
+  </p:cSld>
+  <p:clrMapOvr>
+    <a:masterClrMapping/>
+  </p:clrMapOvr>
+</p:sldLayout>
+</file>
+
+<file path=ppt/slideLayouts/slideLayout19.xml><?xml version="1.0" encoding="utf-8"?>
+<p:sldLayout xmlns:a="http://schemas.openxmlformats.org/drawingml/2006/main" xmlns:r="http://schemas.openxmlformats.org/officeDocument/2006/relationships" xmlns:p="http://schemas.openxmlformats.org/presentationml/2006/main" type="blank" preserve="1">
+  <p:cSld name="Blank">
+    <p:spTree>
+      <p:nvGrpSpPr>
+        <p:cNvPr id="1" name=""/>
+        <p:cNvGrpSpPr/>
+        <p:nvPr/>
+      </p:nvGrpSpPr>
+      <p:grpSpPr>
+        <a:xfrm>
+          <a:off x="0" y="0"/>
+          <a:ext cx="0" cy="0"/>
+          <a:chOff x="0" y="0"/>
+          <a:chExt cx="0" cy="0"/>
+        </a:xfrm>
+      </p:grpSpPr>
+      <p:sp>
+        <p:nvSpPr>
+          <p:cNvPr id="2" name="Date Placeholder 1">
+            <a:extLst>
+              <a:ext uri="{FF2B5EF4-FFF2-40B4-BE49-F238E27FC236}">
+                <a16:creationId xmlns:a16="http://schemas.microsoft.com/office/drawing/2014/main" id="{F6764FDA-F0E1-456B-885C-EB646248E9C8}"/>
+              </a:ext>
+            </a:extLst>
+          </p:cNvPr>
+          <p:cNvSpPr>
+            <a:spLocks noGrp="1"/>
+          </p:cNvSpPr>
+          <p:nvPr>
+            <p:ph type="dt" sz="half" idx="10"/>
+          </p:nvPr>
+        </p:nvSpPr>
+        <p:spPr/>
+        <p:txBody>
+          <a:bodyPr/>
+          <a:lstStyle/>
+          <a:p>
+            <a:fld id="{B02CF77D-71AA-419C-8E90-64A96F096F5F}" type="datetimeFigureOut">
+              <a:rPr lang="en-US" smtClean="0"/>
+              <a:t>7/23/2020</a:t>
+            </a:fld>
+            <a:endParaRPr lang="en-US"/>
+          </a:p>
+        </p:txBody>
+      </p:sp>
+      <p:sp>
+        <p:nvSpPr>
+          <p:cNvPr id="3" name="Footer Placeholder 2">
+            <a:extLst>
+              <a:ext uri="{FF2B5EF4-FFF2-40B4-BE49-F238E27FC236}">
+                <a16:creationId xmlns:a16="http://schemas.microsoft.com/office/drawing/2014/main" id="{E11B8922-AE90-4927-BEBB-FE734E8BAC86}"/>
+              </a:ext>
+            </a:extLst>
+          </p:cNvPr>
+          <p:cNvSpPr>
+            <a:spLocks noGrp="1"/>
+          </p:cNvSpPr>
+          <p:nvPr>
+            <p:ph type="ftr" sz="quarter" idx="11"/>
+          </p:nvPr>
+        </p:nvSpPr>
+        <p:spPr/>
+        <p:txBody>
+          <a:bodyPr/>
+          <a:lstStyle/>
+          <a:p>
+            <a:endParaRPr lang="en-US"/>
+          </a:p>
+        </p:txBody>
+      </p:sp>
+      <p:sp>
+        <p:nvSpPr>
+          <p:cNvPr id="4" name="Slide Number Placeholder 3">
+            <a:extLst>
+              <a:ext uri="{FF2B5EF4-FFF2-40B4-BE49-F238E27FC236}">
+                <a16:creationId xmlns:a16="http://schemas.microsoft.com/office/drawing/2014/main" id="{DB4E14CF-501C-44D0-B89D-9E431A543767}"/>
+              </a:ext>
+            </a:extLst>
+          </p:cNvPr>
+          <p:cNvSpPr>
+            <a:spLocks noGrp="1"/>
+          </p:cNvSpPr>
+          <p:nvPr>
+            <p:ph type="sldNum" sz="quarter" idx="12"/>
+          </p:nvPr>
+        </p:nvSpPr>
+        <p:spPr/>
+        <p:txBody>
+          <a:bodyPr/>
+          <a:lstStyle/>
+          <a:p>
+            <a:fld id="{961558BC-8345-464A-9AE6-E8715E10ED87}" type="slidenum">
+              <a:rPr lang="en-US" smtClean="0"/>
+              <a:t>‹#›</a:t>
+            </a:fld>
+            <a:endParaRPr lang="en-US"/>
+          </a:p>
+        </p:txBody>
+      </p:sp>
+    </p:spTree>
+    <p:extLst>
+      <p:ext uri="{BB962C8B-B14F-4D97-AF65-F5344CB8AC3E}">
+        <p14:creationId xmlns:p14="http://schemas.microsoft.com/office/powerpoint/2010/main" val="4036496712"/>
+      </p:ext>
+    </p:extLst>
+  </p:cSld>
+  <p:clrMapOvr>
+    <a:masterClrMapping/>
+  </p:clrMapOvr>
+</p:sldLayout>
+</file>
+
 <file path=ppt/slideLayouts/slideLayout2.xml><?xml version="1.0" encoding="utf-8"?>
 <p:sldLayout xmlns:a="http://schemas.openxmlformats.org/drawingml/2006/main" xmlns:r="http://schemas.openxmlformats.org/officeDocument/2006/relationships" xmlns:p="http://schemas.openxmlformats.org/presentationml/2006/main" type="obj" preserve="1">
   <p:cSld name="Title and Content">
@@ -1732,7 +3444,7 @@
             <a:fld id="{B61BEF0D-F0BB-DE4B-95CE-6DB70DBA9567}" type="datetimeFigureOut">
               <a:rPr lang="en-US" dirty="0"/>
               <a:pPr/>
-              <a:t>7/22/2020</a:t>
+              <a:t>7/23/2020</a:t>
             </a:fld>
             <a:endParaRPr lang="en-US" dirty="0"/>
           </a:p>
@@ -1790,6 +3502,1011 @@
     <p:extLst>
       <p:ext uri="{BB962C8B-B14F-4D97-AF65-F5344CB8AC3E}">
         <p14:creationId xmlns:p14="http://schemas.microsoft.com/office/powerpoint/2010/main" val="893710101"/>
+      </p:ext>
+    </p:extLst>
+  </p:cSld>
+  <p:clrMapOvr>
+    <a:masterClrMapping/>
+  </p:clrMapOvr>
+</p:sldLayout>
+</file>
+
+<file path=ppt/slideLayouts/slideLayout20.xml><?xml version="1.0" encoding="utf-8"?>
+<p:sldLayout xmlns:a="http://schemas.openxmlformats.org/drawingml/2006/main" xmlns:r="http://schemas.openxmlformats.org/officeDocument/2006/relationships" xmlns:p="http://schemas.openxmlformats.org/presentationml/2006/main" type="objTx" preserve="1">
+  <p:cSld name="Content with Caption">
+    <p:spTree>
+      <p:nvGrpSpPr>
+        <p:cNvPr id="1" name=""/>
+        <p:cNvGrpSpPr/>
+        <p:nvPr/>
+      </p:nvGrpSpPr>
+      <p:grpSpPr>
+        <a:xfrm>
+          <a:off x="0" y="0"/>
+          <a:ext cx="0" cy="0"/>
+          <a:chOff x="0" y="0"/>
+          <a:chExt cx="0" cy="0"/>
+        </a:xfrm>
+      </p:grpSpPr>
+      <p:sp>
+        <p:nvSpPr>
+          <p:cNvPr id="2" name="Title 1">
+            <a:extLst>
+              <a:ext uri="{FF2B5EF4-FFF2-40B4-BE49-F238E27FC236}">
+                <a16:creationId xmlns:a16="http://schemas.microsoft.com/office/drawing/2014/main" id="{71C1315B-E6CB-4B8A-AD89-992B135CF7B9}"/>
+              </a:ext>
+            </a:extLst>
+          </p:cNvPr>
+          <p:cNvSpPr>
+            <a:spLocks noGrp="1"/>
+          </p:cNvSpPr>
+          <p:nvPr>
+            <p:ph type="title"/>
+          </p:nvPr>
+        </p:nvSpPr>
+        <p:spPr>
+          <a:xfrm>
+            <a:off x="839788" y="457200"/>
+            <a:ext cx="3932237" cy="1600200"/>
+          </a:xfrm>
+        </p:spPr>
+        <p:txBody>
+          <a:bodyPr anchor="b"/>
+          <a:lstStyle>
+            <a:lvl1pPr>
+              <a:defRPr sz="3200"/>
+            </a:lvl1pPr>
+          </a:lstStyle>
+          <a:p>
+            <a:r>
+              <a:rPr lang="en-US"/>
+              <a:t>Click to edit Master title style</a:t>
+            </a:r>
+          </a:p>
+        </p:txBody>
+      </p:sp>
+      <p:sp>
+        <p:nvSpPr>
+          <p:cNvPr id="3" name="Content Placeholder 2">
+            <a:extLst>
+              <a:ext uri="{FF2B5EF4-FFF2-40B4-BE49-F238E27FC236}">
+                <a16:creationId xmlns:a16="http://schemas.microsoft.com/office/drawing/2014/main" id="{C41A9566-36EB-4EAE-ACD7-0A17CD4BBCE3}"/>
+              </a:ext>
+            </a:extLst>
+          </p:cNvPr>
+          <p:cNvSpPr>
+            <a:spLocks noGrp="1"/>
+          </p:cNvSpPr>
+          <p:nvPr>
+            <p:ph idx="1"/>
+          </p:nvPr>
+        </p:nvSpPr>
+        <p:spPr>
+          <a:xfrm>
+            <a:off x="5183188" y="987425"/>
+            <a:ext cx="6172200" cy="4873625"/>
+          </a:xfrm>
+        </p:spPr>
+        <p:txBody>
+          <a:bodyPr/>
+          <a:lstStyle>
+            <a:lvl1pPr>
+              <a:defRPr sz="3200"/>
+            </a:lvl1pPr>
+            <a:lvl2pPr>
+              <a:defRPr sz="2800"/>
+            </a:lvl2pPr>
+            <a:lvl3pPr>
+              <a:defRPr sz="2400"/>
+            </a:lvl3pPr>
+            <a:lvl4pPr>
+              <a:defRPr sz="2000"/>
+            </a:lvl4pPr>
+            <a:lvl5pPr>
+              <a:defRPr sz="2000"/>
+            </a:lvl5pPr>
+            <a:lvl6pPr>
+              <a:defRPr sz="2000"/>
+            </a:lvl6pPr>
+            <a:lvl7pPr>
+              <a:defRPr sz="2000"/>
+            </a:lvl7pPr>
+            <a:lvl8pPr>
+              <a:defRPr sz="2000"/>
+            </a:lvl8pPr>
+            <a:lvl9pPr>
+              <a:defRPr sz="2000"/>
+            </a:lvl9pPr>
+          </a:lstStyle>
+          <a:p>
+            <a:pPr lvl="0"/>
+            <a:r>
+              <a:rPr lang="en-US"/>
+              <a:t>Click to edit Master text styles</a:t>
+            </a:r>
+          </a:p>
+          <a:p>
+            <a:pPr lvl="1"/>
+            <a:r>
+              <a:rPr lang="en-US"/>
+              <a:t>Second level</a:t>
+            </a:r>
+          </a:p>
+          <a:p>
+            <a:pPr lvl="2"/>
+            <a:r>
+              <a:rPr lang="en-US"/>
+              <a:t>Third level</a:t>
+            </a:r>
+          </a:p>
+          <a:p>
+            <a:pPr lvl="3"/>
+            <a:r>
+              <a:rPr lang="en-US"/>
+              <a:t>Fourth level</a:t>
+            </a:r>
+          </a:p>
+          <a:p>
+            <a:pPr lvl="4"/>
+            <a:r>
+              <a:rPr lang="en-US"/>
+              <a:t>Fifth level</a:t>
+            </a:r>
+          </a:p>
+        </p:txBody>
+      </p:sp>
+      <p:sp>
+        <p:nvSpPr>
+          <p:cNvPr id="4" name="Text Placeholder 3">
+            <a:extLst>
+              <a:ext uri="{FF2B5EF4-FFF2-40B4-BE49-F238E27FC236}">
+                <a16:creationId xmlns:a16="http://schemas.microsoft.com/office/drawing/2014/main" id="{2550D8D0-7187-43C1-A601-AF4590EB35D7}"/>
+              </a:ext>
+            </a:extLst>
+          </p:cNvPr>
+          <p:cNvSpPr>
+            <a:spLocks noGrp="1"/>
+          </p:cNvSpPr>
+          <p:nvPr>
+            <p:ph type="body" sz="half" idx="2"/>
+          </p:nvPr>
+        </p:nvSpPr>
+        <p:spPr>
+          <a:xfrm>
+            <a:off x="839788" y="2057400"/>
+            <a:ext cx="3932237" cy="3811588"/>
+          </a:xfrm>
+        </p:spPr>
+        <p:txBody>
+          <a:bodyPr/>
+          <a:lstStyle>
+            <a:lvl1pPr marL="0" indent="0">
+              <a:buNone/>
+              <a:defRPr sz="1600"/>
+            </a:lvl1pPr>
+            <a:lvl2pPr marL="457200" indent="0">
+              <a:buNone/>
+              <a:defRPr sz="1400"/>
+            </a:lvl2pPr>
+            <a:lvl3pPr marL="914400" indent="0">
+              <a:buNone/>
+              <a:defRPr sz="1200"/>
+            </a:lvl3pPr>
+            <a:lvl4pPr marL="1371600" indent="0">
+              <a:buNone/>
+              <a:defRPr sz="1000"/>
+            </a:lvl4pPr>
+            <a:lvl5pPr marL="1828800" indent="0">
+              <a:buNone/>
+              <a:defRPr sz="1000"/>
+            </a:lvl5pPr>
+            <a:lvl6pPr marL="2286000" indent="0">
+              <a:buNone/>
+              <a:defRPr sz="1000"/>
+            </a:lvl6pPr>
+            <a:lvl7pPr marL="2743200" indent="0">
+              <a:buNone/>
+              <a:defRPr sz="1000"/>
+            </a:lvl7pPr>
+            <a:lvl8pPr marL="3200400" indent="0">
+              <a:buNone/>
+              <a:defRPr sz="1000"/>
+            </a:lvl8pPr>
+            <a:lvl9pPr marL="3657600" indent="0">
+              <a:buNone/>
+              <a:defRPr sz="1000"/>
+            </a:lvl9pPr>
+          </a:lstStyle>
+          <a:p>
+            <a:pPr lvl="0"/>
+            <a:r>
+              <a:rPr lang="en-US"/>
+              <a:t>Click to edit Master text styles</a:t>
+            </a:r>
+          </a:p>
+        </p:txBody>
+      </p:sp>
+      <p:sp>
+        <p:nvSpPr>
+          <p:cNvPr id="5" name="Date Placeholder 4">
+            <a:extLst>
+              <a:ext uri="{FF2B5EF4-FFF2-40B4-BE49-F238E27FC236}">
+                <a16:creationId xmlns:a16="http://schemas.microsoft.com/office/drawing/2014/main" id="{A485E9B5-2C6C-498F-B0D7-9083DEDACFAE}"/>
+              </a:ext>
+            </a:extLst>
+          </p:cNvPr>
+          <p:cNvSpPr>
+            <a:spLocks noGrp="1"/>
+          </p:cNvSpPr>
+          <p:nvPr>
+            <p:ph type="dt" sz="half" idx="10"/>
+          </p:nvPr>
+        </p:nvSpPr>
+        <p:spPr/>
+        <p:txBody>
+          <a:bodyPr/>
+          <a:lstStyle/>
+          <a:p>
+            <a:fld id="{B02CF77D-71AA-419C-8E90-64A96F096F5F}" type="datetimeFigureOut">
+              <a:rPr lang="en-US" smtClean="0"/>
+              <a:t>7/23/2020</a:t>
+            </a:fld>
+            <a:endParaRPr lang="en-US"/>
+          </a:p>
+        </p:txBody>
+      </p:sp>
+      <p:sp>
+        <p:nvSpPr>
+          <p:cNvPr id="6" name="Footer Placeholder 5">
+            <a:extLst>
+              <a:ext uri="{FF2B5EF4-FFF2-40B4-BE49-F238E27FC236}">
+                <a16:creationId xmlns:a16="http://schemas.microsoft.com/office/drawing/2014/main" id="{EDBB0BDA-B160-4130-BE1B-B356CE919C8E}"/>
+              </a:ext>
+            </a:extLst>
+          </p:cNvPr>
+          <p:cNvSpPr>
+            <a:spLocks noGrp="1"/>
+          </p:cNvSpPr>
+          <p:nvPr>
+            <p:ph type="ftr" sz="quarter" idx="11"/>
+          </p:nvPr>
+        </p:nvSpPr>
+        <p:spPr/>
+        <p:txBody>
+          <a:bodyPr/>
+          <a:lstStyle/>
+          <a:p>
+            <a:endParaRPr lang="en-US"/>
+          </a:p>
+        </p:txBody>
+      </p:sp>
+      <p:sp>
+        <p:nvSpPr>
+          <p:cNvPr id="7" name="Slide Number Placeholder 6">
+            <a:extLst>
+              <a:ext uri="{FF2B5EF4-FFF2-40B4-BE49-F238E27FC236}">
+                <a16:creationId xmlns:a16="http://schemas.microsoft.com/office/drawing/2014/main" id="{4EEF8859-B0D8-4B18-8603-A10D7D018494}"/>
+              </a:ext>
+            </a:extLst>
+          </p:cNvPr>
+          <p:cNvSpPr>
+            <a:spLocks noGrp="1"/>
+          </p:cNvSpPr>
+          <p:nvPr>
+            <p:ph type="sldNum" sz="quarter" idx="12"/>
+          </p:nvPr>
+        </p:nvSpPr>
+        <p:spPr/>
+        <p:txBody>
+          <a:bodyPr/>
+          <a:lstStyle/>
+          <a:p>
+            <a:fld id="{961558BC-8345-464A-9AE6-E8715E10ED87}" type="slidenum">
+              <a:rPr lang="en-US" smtClean="0"/>
+              <a:t>‹#›</a:t>
+            </a:fld>
+            <a:endParaRPr lang="en-US"/>
+          </a:p>
+        </p:txBody>
+      </p:sp>
+    </p:spTree>
+    <p:extLst>
+      <p:ext uri="{BB962C8B-B14F-4D97-AF65-F5344CB8AC3E}">
+        <p14:creationId xmlns:p14="http://schemas.microsoft.com/office/powerpoint/2010/main" val="3361786000"/>
+      </p:ext>
+    </p:extLst>
+  </p:cSld>
+  <p:clrMapOvr>
+    <a:masterClrMapping/>
+  </p:clrMapOvr>
+</p:sldLayout>
+</file>
+
+<file path=ppt/slideLayouts/slideLayout21.xml><?xml version="1.0" encoding="utf-8"?>
+<p:sldLayout xmlns:a="http://schemas.openxmlformats.org/drawingml/2006/main" xmlns:r="http://schemas.openxmlformats.org/officeDocument/2006/relationships" xmlns:p="http://schemas.openxmlformats.org/presentationml/2006/main" type="picTx" preserve="1">
+  <p:cSld name="Picture with Caption">
+    <p:spTree>
+      <p:nvGrpSpPr>
+        <p:cNvPr id="1" name=""/>
+        <p:cNvGrpSpPr/>
+        <p:nvPr/>
+      </p:nvGrpSpPr>
+      <p:grpSpPr>
+        <a:xfrm>
+          <a:off x="0" y="0"/>
+          <a:ext cx="0" cy="0"/>
+          <a:chOff x="0" y="0"/>
+          <a:chExt cx="0" cy="0"/>
+        </a:xfrm>
+      </p:grpSpPr>
+      <p:sp>
+        <p:nvSpPr>
+          <p:cNvPr id="2" name="Title 1">
+            <a:extLst>
+              <a:ext uri="{FF2B5EF4-FFF2-40B4-BE49-F238E27FC236}">
+                <a16:creationId xmlns:a16="http://schemas.microsoft.com/office/drawing/2014/main" id="{DEF7AE8B-CE80-4683-99F4-1B71692D8D08}"/>
+              </a:ext>
+            </a:extLst>
+          </p:cNvPr>
+          <p:cNvSpPr>
+            <a:spLocks noGrp="1"/>
+          </p:cNvSpPr>
+          <p:nvPr>
+            <p:ph type="title"/>
+          </p:nvPr>
+        </p:nvSpPr>
+        <p:spPr>
+          <a:xfrm>
+            <a:off x="839788" y="457200"/>
+            <a:ext cx="3932237" cy="1600200"/>
+          </a:xfrm>
+        </p:spPr>
+        <p:txBody>
+          <a:bodyPr anchor="b"/>
+          <a:lstStyle>
+            <a:lvl1pPr>
+              <a:defRPr sz="3200"/>
+            </a:lvl1pPr>
+          </a:lstStyle>
+          <a:p>
+            <a:r>
+              <a:rPr lang="en-US"/>
+              <a:t>Click to edit Master title style</a:t>
+            </a:r>
+          </a:p>
+        </p:txBody>
+      </p:sp>
+      <p:sp>
+        <p:nvSpPr>
+          <p:cNvPr id="3" name="Picture Placeholder 2">
+            <a:extLst>
+              <a:ext uri="{FF2B5EF4-FFF2-40B4-BE49-F238E27FC236}">
+                <a16:creationId xmlns:a16="http://schemas.microsoft.com/office/drawing/2014/main" id="{891A982E-D2C2-4F8F-AAF9-B96755F1F6EC}"/>
+              </a:ext>
+            </a:extLst>
+          </p:cNvPr>
+          <p:cNvSpPr>
+            <a:spLocks noGrp="1"/>
+          </p:cNvSpPr>
+          <p:nvPr>
+            <p:ph type="pic" idx="1"/>
+          </p:nvPr>
+        </p:nvSpPr>
+        <p:spPr>
+          <a:xfrm>
+            <a:off x="5183188" y="987425"/>
+            <a:ext cx="6172200" cy="4873625"/>
+          </a:xfrm>
+        </p:spPr>
+        <p:txBody>
+          <a:bodyPr/>
+          <a:lstStyle>
+            <a:lvl1pPr marL="0" indent="0">
+              <a:buNone/>
+              <a:defRPr sz="3200"/>
+            </a:lvl1pPr>
+            <a:lvl2pPr marL="457200" indent="0">
+              <a:buNone/>
+              <a:defRPr sz="2800"/>
+            </a:lvl2pPr>
+            <a:lvl3pPr marL="914400" indent="0">
+              <a:buNone/>
+              <a:defRPr sz="2400"/>
+            </a:lvl3pPr>
+            <a:lvl4pPr marL="1371600" indent="0">
+              <a:buNone/>
+              <a:defRPr sz="2000"/>
+            </a:lvl4pPr>
+            <a:lvl5pPr marL="1828800" indent="0">
+              <a:buNone/>
+              <a:defRPr sz="2000"/>
+            </a:lvl5pPr>
+            <a:lvl6pPr marL="2286000" indent="0">
+              <a:buNone/>
+              <a:defRPr sz="2000"/>
+            </a:lvl6pPr>
+            <a:lvl7pPr marL="2743200" indent="0">
+              <a:buNone/>
+              <a:defRPr sz="2000"/>
+            </a:lvl7pPr>
+            <a:lvl8pPr marL="3200400" indent="0">
+              <a:buNone/>
+              <a:defRPr sz="2000"/>
+            </a:lvl8pPr>
+            <a:lvl9pPr marL="3657600" indent="0">
+              <a:buNone/>
+              <a:defRPr sz="2000"/>
+            </a:lvl9pPr>
+          </a:lstStyle>
+          <a:p>
+            <a:endParaRPr lang="en-US"/>
+          </a:p>
+        </p:txBody>
+      </p:sp>
+      <p:sp>
+        <p:nvSpPr>
+          <p:cNvPr id="4" name="Text Placeholder 3">
+            <a:extLst>
+              <a:ext uri="{FF2B5EF4-FFF2-40B4-BE49-F238E27FC236}">
+                <a16:creationId xmlns:a16="http://schemas.microsoft.com/office/drawing/2014/main" id="{69DEAFF6-4C52-475A-9043-2DB21AB99E0E}"/>
+              </a:ext>
+            </a:extLst>
+          </p:cNvPr>
+          <p:cNvSpPr>
+            <a:spLocks noGrp="1"/>
+          </p:cNvSpPr>
+          <p:nvPr>
+            <p:ph type="body" sz="half" idx="2"/>
+          </p:nvPr>
+        </p:nvSpPr>
+        <p:spPr>
+          <a:xfrm>
+            <a:off x="839788" y="2057400"/>
+            <a:ext cx="3932237" cy="3811588"/>
+          </a:xfrm>
+        </p:spPr>
+        <p:txBody>
+          <a:bodyPr/>
+          <a:lstStyle>
+            <a:lvl1pPr marL="0" indent="0">
+              <a:buNone/>
+              <a:defRPr sz="1600"/>
+            </a:lvl1pPr>
+            <a:lvl2pPr marL="457200" indent="0">
+              <a:buNone/>
+              <a:defRPr sz="1400"/>
+            </a:lvl2pPr>
+            <a:lvl3pPr marL="914400" indent="0">
+              <a:buNone/>
+              <a:defRPr sz="1200"/>
+            </a:lvl3pPr>
+            <a:lvl4pPr marL="1371600" indent="0">
+              <a:buNone/>
+              <a:defRPr sz="1000"/>
+            </a:lvl4pPr>
+            <a:lvl5pPr marL="1828800" indent="0">
+              <a:buNone/>
+              <a:defRPr sz="1000"/>
+            </a:lvl5pPr>
+            <a:lvl6pPr marL="2286000" indent="0">
+              <a:buNone/>
+              <a:defRPr sz="1000"/>
+            </a:lvl6pPr>
+            <a:lvl7pPr marL="2743200" indent="0">
+              <a:buNone/>
+              <a:defRPr sz="1000"/>
+            </a:lvl7pPr>
+            <a:lvl8pPr marL="3200400" indent="0">
+              <a:buNone/>
+              <a:defRPr sz="1000"/>
+            </a:lvl8pPr>
+            <a:lvl9pPr marL="3657600" indent="0">
+              <a:buNone/>
+              <a:defRPr sz="1000"/>
+            </a:lvl9pPr>
+          </a:lstStyle>
+          <a:p>
+            <a:pPr lvl="0"/>
+            <a:r>
+              <a:rPr lang="en-US"/>
+              <a:t>Click to edit Master text styles</a:t>
+            </a:r>
+          </a:p>
+        </p:txBody>
+      </p:sp>
+      <p:sp>
+        <p:nvSpPr>
+          <p:cNvPr id="5" name="Date Placeholder 4">
+            <a:extLst>
+              <a:ext uri="{FF2B5EF4-FFF2-40B4-BE49-F238E27FC236}">
+                <a16:creationId xmlns:a16="http://schemas.microsoft.com/office/drawing/2014/main" id="{66CF72C4-F245-4F18-9F17-01AB3E12BCD3}"/>
+              </a:ext>
+            </a:extLst>
+          </p:cNvPr>
+          <p:cNvSpPr>
+            <a:spLocks noGrp="1"/>
+          </p:cNvSpPr>
+          <p:nvPr>
+            <p:ph type="dt" sz="half" idx="10"/>
+          </p:nvPr>
+        </p:nvSpPr>
+        <p:spPr/>
+        <p:txBody>
+          <a:bodyPr/>
+          <a:lstStyle/>
+          <a:p>
+            <a:fld id="{B02CF77D-71AA-419C-8E90-64A96F096F5F}" type="datetimeFigureOut">
+              <a:rPr lang="en-US" smtClean="0"/>
+              <a:t>7/23/2020</a:t>
+            </a:fld>
+            <a:endParaRPr lang="en-US"/>
+          </a:p>
+        </p:txBody>
+      </p:sp>
+      <p:sp>
+        <p:nvSpPr>
+          <p:cNvPr id="6" name="Footer Placeholder 5">
+            <a:extLst>
+              <a:ext uri="{FF2B5EF4-FFF2-40B4-BE49-F238E27FC236}">
+                <a16:creationId xmlns:a16="http://schemas.microsoft.com/office/drawing/2014/main" id="{F5C40EEE-DD9A-4581-BF52-3C242ABD2DE9}"/>
+              </a:ext>
+            </a:extLst>
+          </p:cNvPr>
+          <p:cNvSpPr>
+            <a:spLocks noGrp="1"/>
+          </p:cNvSpPr>
+          <p:nvPr>
+            <p:ph type="ftr" sz="quarter" idx="11"/>
+          </p:nvPr>
+        </p:nvSpPr>
+        <p:spPr/>
+        <p:txBody>
+          <a:bodyPr/>
+          <a:lstStyle/>
+          <a:p>
+            <a:endParaRPr lang="en-US"/>
+          </a:p>
+        </p:txBody>
+      </p:sp>
+      <p:sp>
+        <p:nvSpPr>
+          <p:cNvPr id="7" name="Slide Number Placeholder 6">
+            <a:extLst>
+              <a:ext uri="{FF2B5EF4-FFF2-40B4-BE49-F238E27FC236}">
+                <a16:creationId xmlns:a16="http://schemas.microsoft.com/office/drawing/2014/main" id="{D681E00C-83C9-4975-BBC8-BEB475B07706}"/>
+              </a:ext>
+            </a:extLst>
+          </p:cNvPr>
+          <p:cNvSpPr>
+            <a:spLocks noGrp="1"/>
+          </p:cNvSpPr>
+          <p:nvPr>
+            <p:ph type="sldNum" sz="quarter" idx="12"/>
+          </p:nvPr>
+        </p:nvSpPr>
+        <p:spPr/>
+        <p:txBody>
+          <a:bodyPr/>
+          <a:lstStyle/>
+          <a:p>
+            <a:fld id="{961558BC-8345-464A-9AE6-E8715E10ED87}" type="slidenum">
+              <a:rPr lang="en-US" smtClean="0"/>
+              <a:t>‹#›</a:t>
+            </a:fld>
+            <a:endParaRPr lang="en-US"/>
+          </a:p>
+        </p:txBody>
+      </p:sp>
+    </p:spTree>
+    <p:extLst>
+      <p:ext uri="{BB962C8B-B14F-4D97-AF65-F5344CB8AC3E}">
+        <p14:creationId xmlns:p14="http://schemas.microsoft.com/office/powerpoint/2010/main" val="1134580240"/>
+      </p:ext>
+    </p:extLst>
+  </p:cSld>
+  <p:clrMapOvr>
+    <a:masterClrMapping/>
+  </p:clrMapOvr>
+</p:sldLayout>
+</file>
+
+<file path=ppt/slideLayouts/slideLayout22.xml><?xml version="1.0" encoding="utf-8"?>
+<p:sldLayout xmlns:a="http://schemas.openxmlformats.org/drawingml/2006/main" xmlns:r="http://schemas.openxmlformats.org/officeDocument/2006/relationships" xmlns:p="http://schemas.openxmlformats.org/presentationml/2006/main" type="vertTx" preserve="1">
+  <p:cSld name="Title and Vertical Text">
+    <p:spTree>
+      <p:nvGrpSpPr>
+        <p:cNvPr id="1" name=""/>
+        <p:cNvGrpSpPr/>
+        <p:nvPr/>
+      </p:nvGrpSpPr>
+      <p:grpSpPr>
+        <a:xfrm>
+          <a:off x="0" y="0"/>
+          <a:ext cx="0" cy="0"/>
+          <a:chOff x="0" y="0"/>
+          <a:chExt cx="0" cy="0"/>
+        </a:xfrm>
+      </p:grpSpPr>
+      <p:sp>
+        <p:nvSpPr>
+          <p:cNvPr id="2" name="Title 1">
+            <a:extLst>
+              <a:ext uri="{FF2B5EF4-FFF2-40B4-BE49-F238E27FC236}">
+                <a16:creationId xmlns:a16="http://schemas.microsoft.com/office/drawing/2014/main" id="{965D80F5-62AD-462B-8A5B-57A996F683CA}"/>
+              </a:ext>
+            </a:extLst>
+          </p:cNvPr>
+          <p:cNvSpPr>
+            <a:spLocks noGrp="1"/>
+          </p:cNvSpPr>
+          <p:nvPr>
+            <p:ph type="title"/>
+          </p:nvPr>
+        </p:nvSpPr>
+        <p:spPr/>
+        <p:txBody>
+          <a:bodyPr/>
+          <a:lstStyle/>
+          <a:p>
+            <a:r>
+              <a:rPr lang="en-US"/>
+              <a:t>Click to edit Master title style</a:t>
+            </a:r>
+          </a:p>
+        </p:txBody>
+      </p:sp>
+      <p:sp>
+        <p:nvSpPr>
+          <p:cNvPr id="3" name="Vertical Text Placeholder 2">
+            <a:extLst>
+              <a:ext uri="{FF2B5EF4-FFF2-40B4-BE49-F238E27FC236}">
+                <a16:creationId xmlns:a16="http://schemas.microsoft.com/office/drawing/2014/main" id="{196F2DF7-8EE9-49B6-A2DC-8F02EE0C81B9}"/>
+              </a:ext>
+            </a:extLst>
+          </p:cNvPr>
+          <p:cNvSpPr>
+            <a:spLocks noGrp="1"/>
+          </p:cNvSpPr>
+          <p:nvPr>
+            <p:ph type="body" orient="vert" idx="1"/>
+          </p:nvPr>
+        </p:nvSpPr>
+        <p:spPr/>
+        <p:txBody>
+          <a:bodyPr vert="eaVert"/>
+          <a:lstStyle/>
+          <a:p>
+            <a:pPr lvl="0"/>
+            <a:r>
+              <a:rPr lang="en-US"/>
+              <a:t>Click to edit Master text styles</a:t>
+            </a:r>
+          </a:p>
+          <a:p>
+            <a:pPr lvl="1"/>
+            <a:r>
+              <a:rPr lang="en-US"/>
+              <a:t>Second level</a:t>
+            </a:r>
+          </a:p>
+          <a:p>
+            <a:pPr lvl="2"/>
+            <a:r>
+              <a:rPr lang="en-US"/>
+              <a:t>Third level</a:t>
+            </a:r>
+          </a:p>
+          <a:p>
+            <a:pPr lvl="3"/>
+            <a:r>
+              <a:rPr lang="en-US"/>
+              <a:t>Fourth level</a:t>
+            </a:r>
+          </a:p>
+          <a:p>
+            <a:pPr lvl="4"/>
+            <a:r>
+              <a:rPr lang="en-US"/>
+              <a:t>Fifth level</a:t>
+            </a:r>
+          </a:p>
+        </p:txBody>
+      </p:sp>
+      <p:sp>
+        <p:nvSpPr>
+          <p:cNvPr id="4" name="Date Placeholder 3">
+            <a:extLst>
+              <a:ext uri="{FF2B5EF4-FFF2-40B4-BE49-F238E27FC236}">
+                <a16:creationId xmlns:a16="http://schemas.microsoft.com/office/drawing/2014/main" id="{3458053F-ACD8-47FA-9C24-8D221CC5BAF8}"/>
+              </a:ext>
+            </a:extLst>
+          </p:cNvPr>
+          <p:cNvSpPr>
+            <a:spLocks noGrp="1"/>
+          </p:cNvSpPr>
+          <p:nvPr>
+            <p:ph type="dt" sz="half" idx="10"/>
+          </p:nvPr>
+        </p:nvSpPr>
+        <p:spPr/>
+        <p:txBody>
+          <a:bodyPr/>
+          <a:lstStyle/>
+          <a:p>
+            <a:fld id="{B02CF77D-71AA-419C-8E90-64A96F096F5F}" type="datetimeFigureOut">
+              <a:rPr lang="en-US" smtClean="0"/>
+              <a:t>7/23/2020</a:t>
+            </a:fld>
+            <a:endParaRPr lang="en-US"/>
+          </a:p>
+        </p:txBody>
+      </p:sp>
+      <p:sp>
+        <p:nvSpPr>
+          <p:cNvPr id="5" name="Footer Placeholder 4">
+            <a:extLst>
+              <a:ext uri="{FF2B5EF4-FFF2-40B4-BE49-F238E27FC236}">
+                <a16:creationId xmlns:a16="http://schemas.microsoft.com/office/drawing/2014/main" id="{3BB6E808-F507-46B5-9AE7-1941F568EBDC}"/>
+              </a:ext>
+            </a:extLst>
+          </p:cNvPr>
+          <p:cNvSpPr>
+            <a:spLocks noGrp="1"/>
+          </p:cNvSpPr>
+          <p:nvPr>
+            <p:ph type="ftr" sz="quarter" idx="11"/>
+          </p:nvPr>
+        </p:nvSpPr>
+        <p:spPr/>
+        <p:txBody>
+          <a:bodyPr/>
+          <a:lstStyle/>
+          <a:p>
+            <a:endParaRPr lang="en-US"/>
+          </a:p>
+        </p:txBody>
+      </p:sp>
+      <p:sp>
+        <p:nvSpPr>
+          <p:cNvPr id="6" name="Slide Number Placeholder 5">
+            <a:extLst>
+              <a:ext uri="{FF2B5EF4-FFF2-40B4-BE49-F238E27FC236}">
+                <a16:creationId xmlns:a16="http://schemas.microsoft.com/office/drawing/2014/main" id="{5C58EE95-B913-4DE6-8AD8-6736BACAC714}"/>
+              </a:ext>
+            </a:extLst>
+          </p:cNvPr>
+          <p:cNvSpPr>
+            <a:spLocks noGrp="1"/>
+          </p:cNvSpPr>
+          <p:nvPr>
+            <p:ph type="sldNum" sz="quarter" idx="12"/>
+          </p:nvPr>
+        </p:nvSpPr>
+        <p:spPr/>
+        <p:txBody>
+          <a:bodyPr/>
+          <a:lstStyle/>
+          <a:p>
+            <a:fld id="{961558BC-8345-464A-9AE6-E8715E10ED87}" type="slidenum">
+              <a:rPr lang="en-US" smtClean="0"/>
+              <a:t>‹#›</a:t>
+            </a:fld>
+            <a:endParaRPr lang="en-US"/>
+          </a:p>
+        </p:txBody>
+      </p:sp>
+    </p:spTree>
+    <p:extLst>
+      <p:ext uri="{BB962C8B-B14F-4D97-AF65-F5344CB8AC3E}">
+        <p14:creationId xmlns:p14="http://schemas.microsoft.com/office/powerpoint/2010/main" val="213238583"/>
+      </p:ext>
+    </p:extLst>
+  </p:cSld>
+  <p:clrMapOvr>
+    <a:masterClrMapping/>
+  </p:clrMapOvr>
+</p:sldLayout>
+</file>
+
+<file path=ppt/slideLayouts/slideLayout23.xml><?xml version="1.0" encoding="utf-8"?>
+<p:sldLayout xmlns:a="http://schemas.openxmlformats.org/drawingml/2006/main" xmlns:r="http://schemas.openxmlformats.org/officeDocument/2006/relationships" xmlns:p="http://schemas.openxmlformats.org/presentationml/2006/main" type="vertTitleAndTx" preserve="1">
+  <p:cSld name="Vertical Title and Text">
+    <p:spTree>
+      <p:nvGrpSpPr>
+        <p:cNvPr id="1" name=""/>
+        <p:cNvGrpSpPr/>
+        <p:nvPr/>
+      </p:nvGrpSpPr>
+      <p:grpSpPr>
+        <a:xfrm>
+          <a:off x="0" y="0"/>
+          <a:ext cx="0" cy="0"/>
+          <a:chOff x="0" y="0"/>
+          <a:chExt cx="0" cy="0"/>
+        </a:xfrm>
+      </p:grpSpPr>
+      <p:sp>
+        <p:nvSpPr>
+          <p:cNvPr id="2" name="Vertical Title 1">
+            <a:extLst>
+              <a:ext uri="{FF2B5EF4-FFF2-40B4-BE49-F238E27FC236}">
+                <a16:creationId xmlns:a16="http://schemas.microsoft.com/office/drawing/2014/main" id="{7087CAC0-BF36-49FE-9309-B2F81C35F520}"/>
+              </a:ext>
+            </a:extLst>
+          </p:cNvPr>
+          <p:cNvSpPr>
+            <a:spLocks noGrp="1"/>
+          </p:cNvSpPr>
+          <p:nvPr>
+            <p:ph type="title" orient="vert"/>
+          </p:nvPr>
+        </p:nvSpPr>
+        <p:spPr>
+          <a:xfrm>
+            <a:off x="8724900" y="365125"/>
+            <a:ext cx="2628900" cy="5811838"/>
+          </a:xfrm>
+        </p:spPr>
+        <p:txBody>
+          <a:bodyPr vert="eaVert"/>
+          <a:lstStyle/>
+          <a:p>
+            <a:r>
+              <a:rPr lang="en-US"/>
+              <a:t>Click to edit Master title style</a:t>
+            </a:r>
+          </a:p>
+        </p:txBody>
+      </p:sp>
+      <p:sp>
+        <p:nvSpPr>
+          <p:cNvPr id="3" name="Vertical Text Placeholder 2">
+            <a:extLst>
+              <a:ext uri="{FF2B5EF4-FFF2-40B4-BE49-F238E27FC236}">
+                <a16:creationId xmlns:a16="http://schemas.microsoft.com/office/drawing/2014/main" id="{86522C1F-BECA-4A13-BD17-B7802580393C}"/>
+              </a:ext>
+            </a:extLst>
+          </p:cNvPr>
+          <p:cNvSpPr>
+            <a:spLocks noGrp="1"/>
+          </p:cNvSpPr>
+          <p:nvPr>
+            <p:ph type="body" orient="vert" idx="1"/>
+          </p:nvPr>
+        </p:nvSpPr>
+        <p:spPr>
+          <a:xfrm>
+            <a:off x="838200" y="365125"/>
+            <a:ext cx="7734300" cy="5811838"/>
+          </a:xfrm>
+        </p:spPr>
+        <p:txBody>
+          <a:bodyPr vert="eaVert"/>
+          <a:lstStyle/>
+          <a:p>
+            <a:pPr lvl="0"/>
+            <a:r>
+              <a:rPr lang="en-US"/>
+              <a:t>Click to edit Master text styles</a:t>
+            </a:r>
+          </a:p>
+          <a:p>
+            <a:pPr lvl="1"/>
+            <a:r>
+              <a:rPr lang="en-US"/>
+              <a:t>Second level</a:t>
+            </a:r>
+          </a:p>
+          <a:p>
+            <a:pPr lvl="2"/>
+            <a:r>
+              <a:rPr lang="en-US"/>
+              <a:t>Third level</a:t>
+            </a:r>
+          </a:p>
+          <a:p>
+            <a:pPr lvl="3"/>
+            <a:r>
+              <a:rPr lang="en-US"/>
+              <a:t>Fourth level</a:t>
+            </a:r>
+          </a:p>
+          <a:p>
+            <a:pPr lvl="4"/>
+            <a:r>
+              <a:rPr lang="en-US"/>
+              <a:t>Fifth level</a:t>
+            </a:r>
+          </a:p>
+        </p:txBody>
+      </p:sp>
+      <p:sp>
+        <p:nvSpPr>
+          <p:cNvPr id="4" name="Date Placeholder 3">
+            <a:extLst>
+              <a:ext uri="{FF2B5EF4-FFF2-40B4-BE49-F238E27FC236}">
+                <a16:creationId xmlns:a16="http://schemas.microsoft.com/office/drawing/2014/main" id="{EEC6A1AB-D79D-40F1-A34C-70226E24EE3F}"/>
+              </a:ext>
+            </a:extLst>
+          </p:cNvPr>
+          <p:cNvSpPr>
+            <a:spLocks noGrp="1"/>
+          </p:cNvSpPr>
+          <p:nvPr>
+            <p:ph type="dt" sz="half" idx="10"/>
+          </p:nvPr>
+        </p:nvSpPr>
+        <p:spPr/>
+        <p:txBody>
+          <a:bodyPr/>
+          <a:lstStyle/>
+          <a:p>
+            <a:fld id="{B02CF77D-71AA-419C-8E90-64A96F096F5F}" type="datetimeFigureOut">
+              <a:rPr lang="en-US" smtClean="0"/>
+              <a:t>7/23/2020</a:t>
+            </a:fld>
+            <a:endParaRPr lang="en-US"/>
+          </a:p>
+        </p:txBody>
+      </p:sp>
+      <p:sp>
+        <p:nvSpPr>
+          <p:cNvPr id="5" name="Footer Placeholder 4">
+            <a:extLst>
+              <a:ext uri="{FF2B5EF4-FFF2-40B4-BE49-F238E27FC236}">
+                <a16:creationId xmlns:a16="http://schemas.microsoft.com/office/drawing/2014/main" id="{444E5B9B-55D8-4B33-AF48-37CB88778951}"/>
+              </a:ext>
+            </a:extLst>
+          </p:cNvPr>
+          <p:cNvSpPr>
+            <a:spLocks noGrp="1"/>
+          </p:cNvSpPr>
+          <p:nvPr>
+            <p:ph type="ftr" sz="quarter" idx="11"/>
+          </p:nvPr>
+        </p:nvSpPr>
+        <p:spPr/>
+        <p:txBody>
+          <a:bodyPr/>
+          <a:lstStyle/>
+          <a:p>
+            <a:endParaRPr lang="en-US"/>
+          </a:p>
+        </p:txBody>
+      </p:sp>
+      <p:sp>
+        <p:nvSpPr>
+          <p:cNvPr id="6" name="Slide Number Placeholder 5">
+            <a:extLst>
+              <a:ext uri="{FF2B5EF4-FFF2-40B4-BE49-F238E27FC236}">
+                <a16:creationId xmlns:a16="http://schemas.microsoft.com/office/drawing/2014/main" id="{52B1B714-CA33-42CE-BFF3-D1C940DC118D}"/>
+              </a:ext>
+            </a:extLst>
+          </p:cNvPr>
+          <p:cNvSpPr>
+            <a:spLocks noGrp="1"/>
+          </p:cNvSpPr>
+          <p:nvPr>
+            <p:ph type="sldNum" sz="quarter" idx="12"/>
+          </p:nvPr>
+        </p:nvSpPr>
+        <p:spPr/>
+        <p:txBody>
+          <a:bodyPr/>
+          <a:lstStyle/>
+          <a:p>
+            <a:fld id="{961558BC-8345-464A-9AE6-E8715E10ED87}" type="slidenum">
+              <a:rPr lang="en-US" smtClean="0"/>
+              <a:t>‹#›</a:t>
+            </a:fld>
+            <a:endParaRPr lang="en-US"/>
+          </a:p>
+        </p:txBody>
+      </p:sp>
+    </p:spTree>
+    <p:extLst>
+      <p:ext uri="{BB962C8B-B14F-4D97-AF65-F5344CB8AC3E}">
+        <p14:creationId xmlns:p14="http://schemas.microsoft.com/office/powerpoint/2010/main" val="4035146278"/>
       </p:ext>
     </p:extLst>
   </p:cSld>
@@ -2041,7 +4758,7 @@
             <a:fld id="{B61BEF0D-F0BB-DE4B-95CE-6DB70DBA9567}" type="datetimeFigureOut">
               <a:rPr lang="en-US" dirty="0"/>
               <a:pPr/>
-              <a:t>7/22/2020</a:t>
+              <a:t>7/23/2020</a:t>
             </a:fld>
             <a:endParaRPr lang="en-US" dirty="0"/>
           </a:p>
@@ -2345,7 +5062,7 @@
             <a:fld id="{B61BEF0D-F0BB-DE4B-95CE-6DB70DBA9567}" type="datetimeFigureOut">
               <a:rPr lang="en-US" dirty="0"/>
               <a:pPr/>
-              <a:t>7/22/2020</a:t>
+              <a:t>7/23/2020</a:t>
             </a:fld>
             <a:endParaRPr lang="en-US" dirty="0"/>
           </a:p>
@@ -2769,7 +5486,7 @@
             <a:fld id="{B61BEF0D-F0BB-DE4B-95CE-6DB70DBA9567}" type="datetimeFigureOut">
               <a:rPr lang="en-US" dirty="0"/>
               <a:pPr/>
-              <a:t>7/22/2020</a:t>
+              <a:t>7/23/2020</a:t>
             </a:fld>
             <a:endParaRPr lang="en-US" dirty="0"/>
           </a:p>
@@ -2933,7 +5650,7 @@
             <a:fld id="{B61BEF0D-F0BB-DE4B-95CE-6DB70DBA9567}" type="datetimeFigureOut">
               <a:rPr lang="en-US" dirty="0"/>
               <a:pPr/>
-              <a:t>7/22/2020</a:t>
+              <a:t>7/23/2020</a:t>
             </a:fld>
             <a:endParaRPr lang="en-US" dirty="0"/>
           </a:p>
@@ -3030,7 +5747,7 @@
             <a:fld id="{B61BEF0D-F0BB-DE4B-95CE-6DB70DBA9567}" type="datetimeFigureOut">
               <a:rPr lang="en-US" dirty="0"/>
               <a:pPr/>
-              <a:t>7/22/2020</a:t>
+              <a:t>7/23/2020</a:t>
             </a:fld>
             <a:endParaRPr lang="en-US" dirty="0"/>
           </a:p>
@@ -3410,7 +6127,7 @@
             <a:fld id="{B61BEF0D-F0BB-DE4B-95CE-6DB70DBA9567}" type="datetimeFigureOut">
               <a:rPr lang="en-US" dirty="0"/>
               <a:pPr/>
-              <a:t>7/22/2020</a:t>
+              <a:t>7/23/2020</a:t>
             </a:fld>
             <a:endParaRPr lang="en-US" dirty="0"/>
           </a:p>
@@ -3609,10 +6326,9 @@
           </a:lstStyle>
           <a:p>
             <a:r>
-              <a:rPr lang="en-US"/>
+              <a:rPr lang="en-US" dirty="0"/>
               <a:t>Click icon to add picture</a:t>
             </a:r>
-            <a:endParaRPr lang="en-US" dirty="0"/>
           </a:p>
         </p:txBody>
       </p:sp>
@@ -3701,7 +6417,7 @@
             <a:fld id="{B61BEF0D-F0BB-DE4B-95CE-6DB70DBA9567}" type="datetimeFigureOut">
               <a:rPr lang="en-US" dirty="0"/>
               <a:pPr/>
-              <a:t>7/22/2020</a:t>
+              <a:t>7/23/2020</a:t>
             </a:fld>
             <a:endParaRPr lang="en-US" dirty="0"/>
           </a:p>
@@ -3914,7 +6630,7 @@
             <a:fld id="{B61BEF0D-F0BB-DE4B-95CE-6DB70DBA9567}" type="datetimeFigureOut">
               <a:rPr lang="en-US" dirty="0"/>
               <a:pPr/>
-              <a:t>7/22/2020</a:t>
+              <a:t>7/23/2020</a:t>
             </a:fld>
             <a:endParaRPr lang="en-US" dirty="0"/>
           </a:p>
@@ -4115,17 +6831,17 @@
   </p:cSld>
   <p:clrMap bg1="lt1" tx1="dk1" bg2="lt2" tx2="dk2" accent1="accent1" accent2="accent2" accent3="accent3" accent4="accent4" accent5="accent5" accent6="accent6" hlink="hlink" folHlink="folHlink"/>
   <p:sldLayoutIdLst>
-    <p:sldLayoutId id="2147483649" r:id="rId1"/>
-    <p:sldLayoutId id="2147483650" r:id="rId2"/>
-    <p:sldLayoutId id="2147483651" r:id="rId3"/>
-    <p:sldLayoutId id="2147483652" r:id="rId4"/>
-    <p:sldLayoutId id="2147483653" r:id="rId5"/>
-    <p:sldLayoutId id="2147483654" r:id="rId6"/>
-    <p:sldLayoutId id="2147483655" r:id="rId7"/>
-    <p:sldLayoutId id="2147483656" r:id="rId8"/>
-    <p:sldLayoutId id="2147483657" r:id="rId9"/>
-    <p:sldLayoutId id="2147483658" r:id="rId10"/>
-    <p:sldLayoutId id="2147483659" r:id="rId11"/>
+    <p:sldLayoutId id="2147483663" r:id="rId1"/>
+    <p:sldLayoutId id="2147483664" r:id="rId2"/>
+    <p:sldLayoutId id="2147483665" r:id="rId3"/>
+    <p:sldLayoutId id="2147483666" r:id="rId4"/>
+    <p:sldLayoutId id="2147483667" r:id="rId5"/>
+    <p:sldLayoutId id="2147483668" r:id="rId6"/>
+    <p:sldLayoutId id="2147483669" r:id="rId7"/>
+    <p:sldLayoutId id="2147483670" r:id="rId8"/>
+    <p:sldLayoutId id="2147483671" r:id="rId9"/>
+    <p:sldLayoutId id="2147483672" r:id="rId10"/>
+    <p:sldLayoutId id="2147483673" r:id="rId11"/>
   </p:sldLayoutIdLst>
   <p:txStyles>
     <p:titleStyle>
@@ -4649,9 +7365,9 @@
           <a:p>
             <a:fld id="{3652CD92-9D15-43B4-8516-073FCDAC90D4}" type="datetimeFigureOut">
               <a:rPr lang="en-US" smtClean="0"/>
-              <a:t>7/22/2020</a:t>
+              <a:t>7/23/2020</a:t>
             </a:fld>
-            <a:endParaRPr lang="en-US"/>
+            <a:endParaRPr lang="en-US" dirty="0"/>
           </a:p>
         </p:txBody>
       </p:sp>
@@ -4688,7 +7404,7 @@
             </a:lvl1pPr>
           </a:lstStyle>
           <a:p>
-            <a:endParaRPr lang="en-US"/>
+            <a:endParaRPr lang="en-US" dirty="0"/>
           </a:p>
         </p:txBody>
       </p:sp>
@@ -4729,7 +7445,7 @@
               <a:rPr lang="en-US" smtClean="0"/>
               <a:t>‹#›</a:t>
             </a:fld>
-            <a:endParaRPr lang="en-US"/>
+            <a:endParaRPr lang="en-US" dirty="0"/>
           </a:p>
         </p:txBody>
       </p:sp>
@@ -4743,6 +7459,574 @@
   <p:clrMap bg1="lt1" tx1="dk1" bg2="lt2" tx2="dk2" accent1="accent1" accent2="accent2" accent3="accent3" accent4="accent4" accent5="accent5" accent6="accent6" hlink="hlink" folHlink="folHlink"/>
   <p:sldLayoutIdLst>
     <p:sldLayoutId id="2147483661" r:id="rId1"/>
+  </p:sldLayoutIdLst>
+  <p:txStyles>
+    <p:titleStyle>
+      <a:lvl1pPr algn="l" defTabSz="914400" rtl="0" eaLnBrk="1" latinLnBrk="0" hangingPunct="1">
+        <a:lnSpc>
+          <a:spcPct val="90000"/>
+        </a:lnSpc>
+        <a:spcBef>
+          <a:spcPct val="0"/>
+        </a:spcBef>
+        <a:buNone/>
+        <a:defRPr sz="4400" kern="1200">
+          <a:solidFill>
+            <a:schemeClr val="tx1"/>
+          </a:solidFill>
+          <a:latin typeface="+mj-lt"/>
+          <a:ea typeface="+mj-ea"/>
+          <a:cs typeface="+mj-cs"/>
+        </a:defRPr>
+      </a:lvl1pPr>
+    </p:titleStyle>
+    <p:bodyStyle>
+      <a:lvl1pPr marL="228600" indent="-228600" algn="l" defTabSz="914400" rtl="0" eaLnBrk="1" latinLnBrk="0" hangingPunct="1">
+        <a:lnSpc>
+          <a:spcPct val="90000"/>
+        </a:lnSpc>
+        <a:spcBef>
+          <a:spcPts val="1000"/>
+        </a:spcBef>
+        <a:buFont typeface="Arial" panose="020B0604020202020204" pitchFamily="34" charset="0"/>
+        <a:buChar char="•"/>
+        <a:defRPr sz="2800" kern="1200">
+          <a:solidFill>
+            <a:schemeClr val="tx1"/>
+          </a:solidFill>
+          <a:latin typeface="+mn-lt"/>
+          <a:ea typeface="+mn-ea"/>
+          <a:cs typeface="+mn-cs"/>
+        </a:defRPr>
+      </a:lvl1pPr>
+      <a:lvl2pPr marL="685800" indent="-228600" algn="l" defTabSz="914400" rtl="0" eaLnBrk="1" latinLnBrk="0" hangingPunct="1">
+        <a:lnSpc>
+          <a:spcPct val="90000"/>
+        </a:lnSpc>
+        <a:spcBef>
+          <a:spcPts val="500"/>
+        </a:spcBef>
+        <a:buFont typeface="Arial" panose="020B0604020202020204" pitchFamily="34" charset="0"/>
+        <a:buChar char="•"/>
+        <a:defRPr sz="2400" kern="1200">
+          <a:solidFill>
+            <a:schemeClr val="tx1"/>
+          </a:solidFill>
+          <a:latin typeface="+mn-lt"/>
+          <a:ea typeface="+mn-ea"/>
+          <a:cs typeface="+mn-cs"/>
+        </a:defRPr>
+      </a:lvl2pPr>
+      <a:lvl3pPr marL="1143000" indent="-228600" algn="l" defTabSz="914400" rtl="0" eaLnBrk="1" latinLnBrk="0" hangingPunct="1">
+        <a:lnSpc>
+          <a:spcPct val="90000"/>
+        </a:lnSpc>
+        <a:spcBef>
+          <a:spcPts val="500"/>
+        </a:spcBef>
+        <a:buFont typeface="Arial" panose="020B0604020202020204" pitchFamily="34" charset="0"/>
+        <a:buChar char="•"/>
+        <a:defRPr sz="2000" kern="1200">
+          <a:solidFill>
+            <a:schemeClr val="tx1"/>
+          </a:solidFill>
+          <a:latin typeface="+mn-lt"/>
+          <a:ea typeface="+mn-ea"/>
+          <a:cs typeface="+mn-cs"/>
+        </a:defRPr>
+      </a:lvl3pPr>
+      <a:lvl4pPr marL="1600200" indent="-228600" algn="l" defTabSz="914400" rtl="0" eaLnBrk="1" latinLnBrk="0" hangingPunct="1">
+        <a:lnSpc>
+          <a:spcPct val="90000"/>
+        </a:lnSpc>
+        <a:spcBef>
+          <a:spcPts val="500"/>
+        </a:spcBef>
+        <a:buFont typeface="Arial" panose="020B0604020202020204" pitchFamily="34" charset="0"/>
+        <a:buChar char="•"/>
+        <a:defRPr sz="1800" kern="1200">
+          <a:solidFill>
+            <a:schemeClr val="tx1"/>
+          </a:solidFill>
+          <a:latin typeface="+mn-lt"/>
+          <a:ea typeface="+mn-ea"/>
+          <a:cs typeface="+mn-cs"/>
+        </a:defRPr>
+      </a:lvl4pPr>
+      <a:lvl5pPr marL="2057400" indent="-228600" algn="l" defTabSz="914400" rtl="0" eaLnBrk="1" latinLnBrk="0" hangingPunct="1">
+        <a:lnSpc>
+          <a:spcPct val="90000"/>
+        </a:lnSpc>
+        <a:spcBef>
+          <a:spcPts val="500"/>
+        </a:spcBef>
+        <a:buFont typeface="Arial" panose="020B0604020202020204" pitchFamily="34" charset="0"/>
+        <a:buChar char="•"/>
+        <a:defRPr sz="1800" kern="1200">
+          <a:solidFill>
+            <a:schemeClr val="tx1"/>
+          </a:solidFill>
+          <a:latin typeface="+mn-lt"/>
+          <a:ea typeface="+mn-ea"/>
+          <a:cs typeface="+mn-cs"/>
+        </a:defRPr>
+      </a:lvl5pPr>
+      <a:lvl6pPr marL="2514600" indent="-228600" algn="l" defTabSz="914400" rtl="0" eaLnBrk="1" latinLnBrk="0" hangingPunct="1">
+        <a:lnSpc>
+          <a:spcPct val="90000"/>
+        </a:lnSpc>
+        <a:spcBef>
+          <a:spcPts val="500"/>
+        </a:spcBef>
+        <a:buFont typeface="Arial" panose="020B0604020202020204" pitchFamily="34" charset="0"/>
+        <a:buChar char="•"/>
+        <a:defRPr sz="1800" kern="1200">
+          <a:solidFill>
+            <a:schemeClr val="tx1"/>
+          </a:solidFill>
+          <a:latin typeface="+mn-lt"/>
+          <a:ea typeface="+mn-ea"/>
+          <a:cs typeface="+mn-cs"/>
+        </a:defRPr>
+      </a:lvl6pPr>
+      <a:lvl7pPr marL="2971800" indent="-228600" algn="l" defTabSz="914400" rtl="0" eaLnBrk="1" latinLnBrk="0" hangingPunct="1">
+        <a:lnSpc>
+          <a:spcPct val="90000"/>
+        </a:lnSpc>
+        <a:spcBef>
+          <a:spcPts val="500"/>
+        </a:spcBef>
+        <a:buFont typeface="Arial" panose="020B0604020202020204" pitchFamily="34" charset="0"/>
+        <a:buChar char="•"/>
+        <a:defRPr sz="1800" kern="1200">
+          <a:solidFill>
+            <a:schemeClr val="tx1"/>
+          </a:solidFill>
+          <a:latin typeface="+mn-lt"/>
+          <a:ea typeface="+mn-ea"/>
+          <a:cs typeface="+mn-cs"/>
+        </a:defRPr>
+      </a:lvl7pPr>
+      <a:lvl8pPr marL="3429000" indent="-228600" algn="l" defTabSz="914400" rtl="0" eaLnBrk="1" latinLnBrk="0" hangingPunct="1">
+        <a:lnSpc>
+          <a:spcPct val="90000"/>
+        </a:lnSpc>
+        <a:spcBef>
+          <a:spcPts val="500"/>
+        </a:spcBef>
+        <a:buFont typeface="Arial" panose="020B0604020202020204" pitchFamily="34" charset="0"/>
+        <a:buChar char="•"/>
+        <a:defRPr sz="1800" kern="1200">
+          <a:solidFill>
+            <a:schemeClr val="tx1"/>
+          </a:solidFill>
+          <a:latin typeface="+mn-lt"/>
+          <a:ea typeface="+mn-ea"/>
+          <a:cs typeface="+mn-cs"/>
+        </a:defRPr>
+      </a:lvl8pPr>
+      <a:lvl9pPr marL="3886200" indent="-228600" algn="l" defTabSz="914400" rtl="0" eaLnBrk="1" latinLnBrk="0" hangingPunct="1">
+        <a:lnSpc>
+          <a:spcPct val="90000"/>
+        </a:lnSpc>
+        <a:spcBef>
+          <a:spcPts val="500"/>
+        </a:spcBef>
+        <a:buFont typeface="Arial" panose="020B0604020202020204" pitchFamily="34" charset="0"/>
+        <a:buChar char="•"/>
+        <a:defRPr sz="1800" kern="1200">
+          <a:solidFill>
+            <a:schemeClr val="tx1"/>
+          </a:solidFill>
+          <a:latin typeface="+mn-lt"/>
+          <a:ea typeface="+mn-ea"/>
+          <a:cs typeface="+mn-cs"/>
+        </a:defRPr>
+      </a:lvl9pPr>
+    </p:bodyStyle>
+    <p:otherStyle>
+      <a:defPPr>
+        <a:defRPr lang="en-US"/>
+      </a:defPPr>
+      <a:lvl1pPr marL="0" algn="l" defTabSz="914400" rtl="0" eaLnBrk="1" latinLnBrk="0" hangingPunct="1">
+        <a:defRPr sz="1800" kern="1200">
+          <a:solidFill>
+            <a:schemeClr val="tx1"/>
+          </a:solidFill>
+          <a:latin typeface="+mn-lt"/>
+          <a:ea typeface="+mn-ea"/>
+          <a:cs typeface="+mn-cs"/>
+        </a:defRPr>
+      </a:lvl1pPr>
+      <a:lvl2pPr marL="457200" algn="l" defTabSz="914400" rtl="0" eaLnBrk="1" latinLnBrk="0" hangingPunct="1">
+        <a:defRPr sz="1800" kern="1200">
+          <a:solidFill>
+            <a:schemeClr val="tx1"/>
+          </a:solidFill>
+          <a:latin typeface="+mn-lt"/>
+          <a:ea typeface="+mn-ea"/>
+          <a:cs typeface="+mn-cs"/>
+        </a:defRPr>
+      </a:lvl2pPr>
+      <a:lvl3pPr marL="914400" algn="l" defTabSz="914400" rtl="0" eaLnBrk="1" latinLnBrk="0" hangingPunct="1">
+        <a:defRPr sz="1800" kern="1200">
+          <a:solidFill>
+            <a:schemeClr val="tx1"/>
+          </a:solidFill>
+          <a:latin typeface="+mn-lt"/>
+          <a:ea typeface="+mn-ea"/>
+          <a:cs typeface="+mn-cs"/>
+        </a:defRPr>
+      </a:lvl3pPr>
+      <a:lvl4pPr marL="1371600" algn="l" defTabSz="914400" rtl="0" eaLnBrk="1" latinLnBrk="0" hangingPunct="1">
+        <a:defRPr sz="1800" kern="1200">
+          <a:solidFill>
+            <a:schemeClr val="tx1"/>
+          </a:solidFill>
+          <a:latin typeface="+mn-lt"/>
+          <a:ea typeface="+mn-ea"/>
+          <a:cs typeface="+mn-cs"/>
+        </a:defRPr>
+      </a:lvl4pPr>
+      <a:lvl5pPr marL="1828800" algn="l" defTabSz="914400" rtl="0" eaLnBrk="1" latinLnBrk="0" hangingPunct="1">
+        <a:defRPr sz="1800" kern="1200">
+          <a:solidFill>
+            <a:schemeClr val="tx1"/>
+          </a:solidFill>
+          <a:latin typeface="+mn-lt"/>
+          <a:ea typeface="+mn-ea"/>
+          <a:cs typeface="+mn-cs"/>
+        </a:defRPr>
+      </a:lvl5pPr>
+      <a:lvl6pPr marL="2286000" algn="l" defTabSz="914400" rtl="0" eaLnBrk="1" latinLnBrk="0" hangingPunct="1">
+        <a:defRPr sz="1800" kern="1200">
+          <a:solidFill>
+            <a:schemeClr val="tx1"/>
+          </a:solidFill>
+          <a:latin typeface="+mn-lt"/>
+          <a:ea typeface="+mn-ea"/>
+          <a:cs typeface="+mn-cs"/>
+        </a:defRPr>
+      </a:lvl6pPr>
+      <a:lvl7pPr marL="2743200" algn="l" defTabSz="914400" rtl="0" eaLnBrk="1" latinLnBrk="0" hangingPunct="1">
+        <a:defRPr sz="1800" kern="1200">
+          <a:solidFill>
+            <a:schemeClr val="tx1"/>
+          </a:solidFill>
+          <a:latin typeface="+mn-lt"/>
+          <a:ea typeface="+mn-ea"/>
+          <a:cs typeface="+mn-cs"/>
+        </a:defRPr>
+      </a:lvl7pPr>
+      <a:lvl8pPr marL="3200400" algn="l" defTabSz="914400" rtl="0" eaLnBrk="1" latinLnBrk="0" hangingPunct="1">
+        <a:defRPr sz="1800" kern="1200">
+          <a:solidFill>
+            <a:schemeClr val="tx1"/>
+          </a:solidFill>
+          <a:latin typeface="+mn-lt"/>
+          <a:ea typeface="+mn-ea"/>
+          <a:cs typeface="+mn-cs"/>
+        </a:defRPr>
+      </a:lvl8pPr>
+      <a:lvl9pPr marL="3657600" algn="l" defTabSz="914400" rtl="0" eaLnBrk="1" latinLnBrk="0" hangingPunct="1">
+        <a:defRPr sz="1800" kern="1200">
+          <a:solidFill>
+            <a:schemeClr val="tx1"/>
+          </a:solidFill>
+          <a:latin typeface="+mn-lt"/>
+          <a:ea typeface="+mn-ea"/>
+          <a:cs typeface="+mn-cs"/>
+        </a:defRPr>
+      </a:lvl9pPr>
+    </p:otherStyle>
+  </p:txStyles>
+</p:sldMaster>
+</file>
+
+<file path=ppt/slideMasters/slideMaster3.xml><?xml version="1.0" encoding="utf-8"?>
+<p:sldMaster xmlns:a="http://schemas.openxmlformats.org/drawingml/2006/main" xmlns:r="http://schemas.openxmlformats.org/officeDocument/2006/relationships" xmlns:p="http://schemas.openxmlformats.org/presentationml/2006/main">
+  <p:cSld>
+    <p:bg>
+      <p:bgRef idx="1001">
+        <a:schemeClr val="bg1"/>
+      </p:bgRef>
+    </p:bg>
+    <p:spTree>
+      <p:nvGrpSpPr>
+        <p:cNvPr id="1" name=""/>
+        <p:cNvGrpSpPr/>
+        <p:nvPr/>
+      </p:nvGrpSpPr>
+      <p:grpSpPr>
+        <a:xfrm>
+          <a:off x="0" y="0"/>
+          <a:ext cx="0" cy="0"/>
+          <a:chOff x="0" y="0"/>
+          <a:chExt cx="0" cy="0"/>
+        </a:xfrm>
+      </p:grpSpPr>
+      <p:sp>
+        <p:nvSpPr>
+          <p:cNvPr id="2" name="Title Placeholder 1">
+            <a:extLst>
+              <a:ext uri="{FF2B5EF4-FFF2-40B4-BE49-F238E27FC236}">
+                <a16:creationId xmlns:a16="http://schemas.microsoft.com/office/drawing/2014/main" id="{D655ED68-EF5B-4490-AC69-273B3D93BF22}"/>
+              </a:ext>
+            </a:extLst>
+          </p:cNvPr>
+          <p:cNvSpPr>
+            <a:spLocks noGrp="1"/>
+          </p:cNvSpPr>
+          <p:nvPr>
+            <p:ph type="title"/>
+          </p:nvPr>
+        </p:nvSpPr>
+        <p:spPr>
+          <a:xfrm>
+            <a:off x="838200" y="365125"/>
+            <a:ext cx="10515600" cy="1325563"/>
+          </a:xfrm>
+          <a:prstGeom prst="rect">
+            <a:avLst/>
+          </a:prstGeom>
+        </p:spPr>
+        <p:txBody>
+          <a:bodyPr vert="horz" lIns="91440" tIns="45720" rIns="91440" bIns="45720" rtlCol="0" anchor="ctr">
+            <a:normAutofit/>
+          </a:bodyPr>
+          <a:lstStyle/>
+          <a:p>
+            <a:r>
+              <a:rPr lang="en-US"/>
+              <a:t>Click to edit Master title style</a:t>
+            </a:r>
+          </a:p>
+        </p:txBody>
+      </p:sp>
+      <p:sp>
+        <p:nvSpPr>
+          <p:cNvPr id="3" name="Text Placeholder 2">
+            <a:extLst>
+              <a:ext uri="{FF2B5EF4-FFF2-40B4-BE49-F238E27FC236}">
+                <a16:creationId xmlns:a16="http://schemas.microsoft.com/office/drawing/2014/main" id="{E34A0A79-0BA0-4CBB-8306-BED1F51F6E0D}"/>
+              </a:ext>
+            </a:extLst>
+          </p:cNvPr>
+          <p:cNvSpPr>
+            <a:spLocks noGrp="1"/>
+          </p:cNvSpPr>
+          <p:nvPr>
+            <p:ph type="body" idx="1"/>
+          </p:nvPr>
+        </p:nvSpPr>
+        <p:spPr>
+          <a:xfrm>
+            <a:off x="838200" y="1825625"/>
+            <a:ext cx="10515600" cy="4351338"/>
+          </a:xfrm>
+          <a:prstGeom prst="rect">
+            <a:avLst/>
+          </a:prstGeom>
+        </p:spPr>
+        <p:txBody>
+          <a:bodyPr vert="horz" lIns="91440" tIns="45720" rIns="91440" bIns="45720" rtlCol="0">
+            <a:normAutofit/>
+          </a:bodyPr>
+          <a:lstStyle/>
+          <a:p>
+            <a:pPr lvl="0"/>
+            <a:r>
+              <a:rPr lang="en-US"/>
+              <a:t>Click to edit Master text styles</a:t>
+            </a:r>
+          </a:p>
+          <a:p>
+            <a:pPr lvl="1"/>
+            <a:r>
+              <a:rPr lang="en-US"/>
+              <a:t>Second level</a:t>
+            </a:r>
+          </a:p>
+          <a:p>
+            <a:pPr lvl="2"/>
+            <a:r>
+              <a:rPr lang="en-US"/>
+              <a:t>Third level</a:t>
+            </a:r>
+          </a:p>
+          <a:p>
+            <a:pPr lvl="3"/>
+            <a:r>
+              <a:rPr lang="en-US"/>
+              <a:t>Fourth level</a:t>
+            </a:r>
+          </a:p>
+          <a:p>
+            <a:pPr lvl="4"/>
+            <a:r>
+              <a:rPr lang="en-US"/>
+              <a:t>Fifth level</a:t>
+            </a:r>
+          </a:p>
+        </p:txBody>
+      </p:sp>
+      <p:sp>
+        <p:nvSpPr>
+          <p:cNvPr id="4" name="Date Placeholder 3">
+            <a:extLst>
+              <a:ext uri="{FF2B5EF4-FFF2-40B4-BE49-F238E27FC236}">
+                <a16:creationId xmlns:a16="http://schemas.microsoft.com/office/drawing/2014/main" id="{CFDB5591-2368-4C0C-9B1B-1C0A978DB874}"/>
+              </a:ext>
+            </a:extLst>
+          </p:cNvPr>
+          <p:cNvSpPr>
+            <a:spLocks noGrp="1"/>
+          </p:cNvSpPr>
+          <p:nvPr>
+            <p:ph type="dt" sz="half" idx="2"/>
+          </p:nvPr>
+        </p:nvSpPr>
+        <p:spPr>
+          <a:xfrm>
+            <a:off x="838200" y="6356350"/>
+            <a:ext cx="2743200" cy="365125"/>
+          </a:xfrm>
+          <a:prstGeom prst="rect">
+            <a:avLst/>
+          </a:prstGeom>
+        </p:spPr>
+        <p:txBody>
+          <a:bodyPr vert="horz" lIns="91440" tIns="45720" rIns="91440" bIns="45720" rtlCol="0" anchor="ctr"/>
+          <a:lstStyle>
+            <a:lvl1pPr algn="l">
+              <a:defRPr sz="1200">
+                <a:solidFill>
+                  <a:schemeClr val="tx1">
+                    <a:tint val="75000"/>
+                  </a:schemeClr>
+                </a:solidFill>
+              </a:defRPr>
+            </a:lvl1pPr>
+          </a:lstStyle>
+          <a:p>
+            <a:fld id="{B02CF77D-71AA-419C-8E90-64A96F096F5F}" type="datetimeFigureOut">
+              <a:rPr lang="en-US" smtClean="0"/>
+              <a:t>7/23/2020</a:t>
+            </a:fld>
+            <a:endParaRPr lang="en-US"/>
+          </a:p>
+        </p:txBody>
+      </p:sp>
+      <p:sp>
+        <p:nvSpPr>
+          <p:cNvPr id="5" name="Footer Placeholder 4">
+            <a:extLst>
+              <a:ext uri="{FF2B5EF4-FFF2-40B4-BE49-F238E27FC236}">
+                <a16:creationId xmlns:a16="http://schemas.microsoft.com/office/drawing/2014/main" id="{F6CE3FFB-F6A1-4204-B74E-6957B6357A53}"/>
+              </a:ext>
+            </a:extLst>
+          </p:cNvPr>
+          <p:cNvSpPr>
+            <a:spLocks noGrp="1"/>
+          </p:cNvSpPr>
+          <p:nvPr>
+            <p:ph type="ftr" sz="quarter" idx="3"/>
+          </p:nvPr>
+        </p:nvSpPr>
+        <p:spPr>
+          <a:xfrm>
+            <a:off x="4038600" y="6356350"/>
+            <a:ext cx="4114800" cy="365125"/>
+          </a:xfrm>
+          <a:prstGeom prst="rect">
+            <a:avLst/>
+          </a:prstGeom>
+        </p:spPr>
+        <p:txBody>
+          <a:bodyPr vert="horz" lIns="91440" tIns="45720" rIns="91440" bIns="45720" rtlCol="0" anchor="ctr"/>
+          <a:lstStyle>
+            <a:lvl1pPr algn="ctr">
+              <a:defRPr sz="1200">
+                <a:solidFill>
+                  <a:schemeClr val="tx1">
+                    <a:tint val="75000"/>
+                  </a:schemeClr>
+                </a:solidFill>
+              </a:defRPr>
+            </a:lvl1pPr>
+          </a:lstStyle>
+          <a:p>
+            <a:endParaRPr lang="en-US"/>
+          </a:p>
+        </p:txBody>
+      </p:sp>
+      <p:sp>
+        <p:nvSpPr>
+          <p:cNvPr id="6" name="Slide Number Placeholder 5">
+            <a:extLst>
+              <a:ext uri="{FF2B5EF4-FFF2-40B4-BE49-F238E27FC236}">
+                <a16:creationId xmlns:a16="http://schemas.microsoft.com/office/drawing/2014/main" id="{55A19AE1-169E-4801-B5D8-8D43726C2F83}"/>
+              </a:ext>
+            </a:extLst>
+          </p:cNvPr>
+          <p:cNvSpPr>
+            <a:spLocks noGrp="1"/>
+          </p:cNvSpPr>
+          <p:nvPr>
+            <p:ph type="sldNum" sz="quarter" idx="4"/>
+          </p:nvPr>
+        </p:nvSpPr>
+        <p:spPr>
+          <a:xfrm>
+            <a:off x="8610600" y="6356350"/>
+            <a:ext cx="2743200" cy="365125"/>
+          </a:xfrm>
+          <a:prstGeom prst="rect">
+            <a:avLst/>
+          </a:prstGeom>
+        </p:spPr>
+        <p:txBody>
+          <a:bodyPr vert="horz" lIns="91440" tIns="45720" rIns="91440" bIns="45720" rtlCol="0" anchor="ctr"/>
+          <a:lstStyle>
+            <a:lvl1pPr algn="r">
+              <a:defRPr sz="1200">
+                <a:solidFill>
+                  <a:schemeClr val="tx1">
+                    <a:tint val="75000"/>
+                  </a:schemeClr>
+                </a:solidFill>
+              </a:defRPr>
+            </a:lvl1pPr>
+          </a:lstStyle>
+          <a:p>
+            <a:fld id="{961558BC-8345-464A-9AE6-E8715E10ED87}" type="slidenum">
+              <a:rPr lang="en-US" smtClean="0"/>
+              <a:t>‹#›</a:t>
+            </a:fld>
+            <a:endParaRPr lang="en-US"/>
+          </a:p>
+        </p:txBody>
+      </p:sp>
+    </p:spTree>
+    <p:extLst>
+      <p:ext uri="{BB962C8B-B14F-4D97-AF65-F5344CB8AC3E}">
+        <p14:creationId xmlns:p14="http://schemas.microsoft.com/office/powerpoint/2010/main" val="2264834029"/>
+      </p:ext>
+    </p:extLst>
+  </p:cSld>
+  <p:clrMap bg1="lt1" tx1="dk1" bg2="lt2" tx2="dk2" accent1="accent1" accent2="accent2" accent3="accent3" accent4="accent4" accent5="accent5" accent6="accent6" hlink="hlink" folHlink="folHlink"/>
+  <p:sldLayoutIdLst>
+    <p:sldLayoutId id="2147483649" r:id="rId1"/>
+    <p:sldLayoutId id="2147483650" r:id="rId2"/>
+    <p:sldLayoutId id="2147483651" r:id="rId3"/>
+    <p:sldLayoutId id="2147483652" r:id="rId4"/>
+    <p:sldLayoutId id="2147483653" r:id="rId5"/>
+    <p:sldLayoutId id="2147483654" r:id="rId6"/>
+    <p:sldLayoutId id="2147483655" r:id="rId7"/>
+    <p:sldLayoutId id="2147483656" r:id="rId8"/>
+    <p:sldLayoutId id="2147483657" r:id="rId9"/>
+    <p:sldLayoutId id="2147483658" r:id="rId10"/>
+    <p:sldLayoutId id="2147483659" r:id="rId11"/>
   </p:sldLayoutIdLst>
   <p:txStyles>
     <p:titleStyle>
@@ -5100,7 +8384,7 @@
           <a:lstStyle/>
           <a:p>
             <a:pPr algn="ctr"/>
-            <a:endParaRPr lang="en-US"/>
+            <a:endParaRPr lang="en-US" dirty="0"/>
           </a:p>
         </p:txBody>
       </p:sp>
@@ -5334,8 +8618,8 @@
         </p:nvSpPr>
         <p:spPr>
           <a:xfrm>
-            <a:off x="1965278" y="4462818"/>
-            <a:ext cx="7574507" cy="1640983"/>
+            <a:off x="1965279" y="4462818"/>
+            <a:ext cx="5000298" cy="1640983"/>
           </a:xfrm>
         </p:spPr>
         <p:txBody>
@@ -5393,6 +8677,63 @@
               </a:rPr>
               <a:t>Clickbait Status</a:t>
             </a:r>
+          </a:p>
+        </p:txBody>
+      </p:sp>
+      <p:sp>
+        <p:nvSpPr>
+          <p:cNvPr id="4" name="TextBox 3">
+            <a:extLst>
+              <a:ext uri="{FF2B5EF4-FFF2-40B4-BE49-F238E27FC236}">
+                <a16:creationId xmlns:a16="http://schemas.microsoft.com/office/drawing/2014/main" id="{D3780938-3D50-4679-976D-F3CF720783B1}"/>
+              </a:ext>
+            </a:extLst>
+          </p:cNvPr>
+          <p:cNvSpPr txBox="1"/>
+          <p:nvPr/>
+        </p:nvSpPr>
+        <p:spPr>
+          <a:xfrm>
+            <a:off x="7661192" y="4462818"/>
+            <a:ext cx="3388659" cy="1754326"/>
+          </a:xfrm>
+          <a:prstGeom prst="rect">
+            <a:avLst/>
+          </a:prstGeom>
+          <a:noFill/>
+        </p:spPr>
+        <p:txBody>
+          <a:bodyPr wrap="square" rtlCol="0">
+            <a:spAutoFit/>
+          </a:bodyPr>
+          <a:lstStyle/>
+          <a:p>
+            <a:pPr algn="ctr"/>
+            <a:endParaRPr lang="en-US" dirty="0"/>
+          </a:p>
+          <a:p>
+            <a:r>
+              <a:rPr lang="en-US" dirty="0"/>
+              <a:t>Jake Taylor</a:t>
+            </a:r>
+          </a:p>
+          <a:p>
+            <a:pPr algn="ctr"/>
+            <a:endParaRPr lang="en-US" dirty="0"/>
+          </a:p>
+          <a:p>
+            <a:r>
+              <a:rPr lang="en-US" dirty="0"/>
+              <a:t>Anthony English</a:t>
+            </a:r>
+          </a:p>
+          <a:p>
+            <a:pPr algn="ctr"/>
+            <a:endParaRPr lang="en-US" dirty="0"/>
+          </a:p>
+          <a:p>
+            <a:pPr algn="ctr"/>
+            <a:endParaRPr lang="en-US" dirty="0"/>
           </a:p>
         </p:txBody>
       </p:sp>
@@ -5406,13 +8747,13 @@
   <p:clrMapOvr>
     <a:masterClrMapping/>
   </p:clrMapOvr>
-  <mc:AlternateContent xmlns:mc="http://schemas.openxmlformats.org/markup-compatibility/2006">
-    <mc:Choice xmlns:p14="http://schemas.microsoft.com/office/powerpoint/2010/main" Requires="p14">
+  <mc:AlternateContent xmlns:mc="http://schemas.openxmlformats.org/markup-compatibility/2006" xmlns:p14="http://schemas.microsoft.com/office/powerpoint/2010/main">
+    <mc:Choice Requires="p14">
       <p:transition spd="slow">
         <p14:ripple/>
       </p:transition>
     </mc:Choice>
-    <mc:Fallback>
+    <mc:Fallback xmlns="">
       <p:transition spd="slow">
         <p:fade/>
       </p:transition>
@@ -5505,7 +8846,7 @@
           <a:lstStyle/>
           <a:p>
             <a:pPr algn="ctr"/>
-            <a:endParaRPr lang="en-US"/>
+            <a:endParaRPr lang="en-US" dirty="0"/>
           </a:p>
         </p:txBody>
       </p:sp>
@@ -5673,7 +9014,7 @@
           <a:lstStyle/>
           <a:p>
             <a:pPr algn="ctr"/>
-            <a:endParaRPr lang="en-US"/>
+            <a:endParaRPr lang="en-US" dirty="0"/>
           </a:p>
         </p:txBody>
       </p:sp>
@@ -5848,7 +9189,7 @@
           <a:lstStyle/>
           <a:p>
             <a:pPr algn="ctr"/>
-            <a:endParaRPr lang="en-US"/>
+            <a:endParaRPr lang="en-US" dirty="0"/>
           </a:p>
         </p:txBody>
       </p:sp>
@@ -5923,16 +9264,6 @@
           <a:lstStyle/>
           <a:p>
             <a:r>
-              <a:rPr lang="en-US" sz="1700" dirty="0" err="1">
-                <a:solidFill>
-                  <a:schemeClr val="tx2"/>
-                </a:solidFill>
-                <a:latin typeface="+mn-lt"/>
-                <a:cs typeface="+mn-cs"/>
-              </a:rPr>
-              <a:t>Buzzsumo</a:t>
-            </a:r>
-            <a:r>
               <a:rPr lang="en-US" sz="1700" dirty="0">
                 <a:solidFill>
                   <a:schemeClr val="tx2"/>
@@ -5940,7 +9271,7 @@
                 <a:latin typeface="+mn-lt"/>
                 <a:cs typeface="+mn-cs"/>
               </a:rPr>
-              <a:t> website search for top performing news articles in 10 different categories.</a:t>
+              <a:t>Buzzsumo website search for top performing news articles in 10 different categories.</a:t>
             </a:r>
           </a:p>
           <a:p>
@@ -5976,27 +9307,7 @@
                 <a:latin typeface="+mn-lt"/>
                 <a:cs typeface="+mn-cs"/>
               </a:rPr>
-              <a:t>4 Specific “Hot Button” categories during the first half of 2020. - (</a:t>
-            </a:r>
-            <a:r>
-              <a:rPr lang="en-US" sz="1700" dirty="0" err="1">
-                <a:solidFill>
-                  <a:schemeClr val="tx2"/>
-                </a:solidFill>
-                <a:latin typeface="+mn-lt"/>
-                <a:cs typeface="+mn-cs"/>
-              </a:rPr>
-              <a:t>Covid</a:t>
-            </a:r>
-            <a:r>
-              <a:rPr lang="en-US" sz="1700" dirty="0">
-                <a:solidFill>
-                  <a:schemeClr val="tx2"/>
-                </a:solidFill>
-                <a:latin typeface="+mn-lt"/>
-                <a:cs typeface="+mn-cs"/>
-              </a:rPr>
-              <a:t>, BLM, Trump, Biden)</a:t>
+              <a:t>4 Specific “Hot Button” categories during the first half of 2020. - (Covid, BLM, Trump, Biden)</a:t>
             </a:r>
           </a:p>
           <a:p>
@@ -6125,6 +9436,1242 @@
       </p:grpSpPr>
       <p:sp>
         <p:nvSpPr>
+          <p:cNvPr id="2" name="Title 1">
+            <a:extLst>
+              <a:ext uri="{FF2B5EF4-FFF2-40B4-BE49-F238E27FC236}">
+                <a16:creationId xmlns:a16="http://schemas.microsoft.com/office/drawing/2014/main" id="{A9CDC723-806F-4CBF-B469-E30D1E4BBDE1}"/>
+              </a:ext>
+            </a:extLst>
+          </p:cNvPr>
+          <p:cNvSpPr>
+            <a:spLocks noGrp="1"/>
+          </p:cNvSpPr>
+          <p:nvPr>
+            <p:ph type="title"/>
+          </p:nvPr>
+        </p:nvSpPr>
+        <p:spPr>
+          <a:xfrm>
+            <a:off x="581192" y="702156"/>
+            <a:ext cx="11029616" cy="843840"/>
+          </a:xfrm>
+        </p:spPr>
+        <p:txBody>
+          <a:bodyPr>
+            <a:normAutofit/>
+          </a:bodyPr>
+          <a:lstStyle/>
+          <a:p>
+            <a:r>
+              <a:rPr lang="en-US" sz="4400" dirty="0">
+                <a:solidFill>
+                  <a:srgbClr val="FF0000"/>
+                </a:solidFill>
+                <a:latin typeface="Segoe UI" panose="020B0502040204020203" pitchFamily="34" charset="0"/>
+                <a:cs typeface="Segoe UI" panose="020B0502040204020203" pitchFamily="34" charset="0"/>
+              </a:rPr>
+              <a:t>Questions</a:t>
+            </a:r>
+          </a:p>
+        </p:txBody>
+      </p:sp>
+      <p:sp>
+        <p:nvSpPr>
+          <p:cNvPr id="30" name="Rectangle 29">
+            <a:extLst>
+              <a:ext uri="{FF2B5EF4-FFF2-40B4-BE49-F238E27FC236}">
+                <a16:creationId xmlns:a16="http://schemas.microsoft.com/office/drawing/2014/main" id="{8383C77B-0838-491A-BFF2-34389873DCA3}"/>
+              </a:ext>
+              <a:ext uri="{C183D7F6-B498-43B3-948B-1728B52AA6E4}">
+                <adec:decorative xmlns:adec="http://schemas.microsoft.com/office/drawing/2017/decorative" val="1"/>
+              </a:ext>
+            </a:extLst>
+          </p:cNvPr>
+          <p:cNvSpPr>
+            <a:spLocks noGrp="1" noRot="1" noChangeAspect="1" noMove="1" noResize="1" noEditPoints="1" noAdjustHandles="1" noChangeArrowheads="1" noChangeShapeType="1" noTextEdit="1"/>
+          </p:cNvSpPr>
+          <p:nvPr>
+            <p:extLst>
+              <p:ext uri="{386F3935-93C4-4BCD-93E2-E3B085C9AB24}">
+                <p16:designElem xmlns:p16="http://schemas.microsoft.com/office/powerpoint/2015/main" val="1"/>
+              </p:ext>
+            </p:extLst>
+          </p:nvPr>
+        </p:nvSpPr>
+        <p:spPr>
+          <a:xfrm>
+            <a:off x="446534" y="457200"/>
+            <a:ext cx="3703320" cy="94997"/>
+          </a:xfrm>
+          <a:prstGeom prst="rect">
+            <a:avLst/>
+          </a:prstGeom>
+          <a:solidFill>
+            <a:schemeClr val="accent1"/>
+          </a:solidFill>
+          <a:ln>
+            <a:noFill/>
+          </a:ln>
+          <a:effectLst/>
+        </p:spPr>
+        <p:style>
+          <a:lnRef idx="1">
+            <a:schemeClr val="accent1"/>
+          </a:lnRef>
+          <a:fillRef idx="3">
+            <a:schemeClr val="accent1"/>
+          </a:fillRef>
+          <a:effectRef idx="2">
+            <a:schemeClr val="accent1"/>
+          </a:effectRef>
+          <a:fontRef idx="minor">
+            <a:schemeClr val="lt1"/>
+          </a:fontRef>
+        </p:style>
+      </p:sp>
+      <p:sp>
+        <p:nvSpPr>
+          <p:cNvPr id="32" name="Rectangle 31">
+            <a:extLst>
+              <a:ext uri="{FF2B5EF4-FFF2-40B4-BE49-F238E27FC236}">
+                <a16:creationId xmlns:a16="http://schemas.microsoft.com/office/drawing/2014/main" id="{A8BCB44F-B72B-4435-985A-DF029684C2BE}"/>
+              </a:ext>
+              <a:ext uri="{C183D7F6-B498-43B3-948B-1728B52AA6E4}">
+                <adec:decorative xmlns:adec="http://schemas.microsoft.com/office/drawing/2017/decorative" val="1"/>
+              </a:ext>
+            </a:extLst>
+          </p:cNvPr>
+          <p:cNvSpPr>
+            <a:spLocks noGrp="1" noRot="1" noChangeAspect="1" noMove="1" noResize="1" noEditPoints="1" noAdjustHandles="1" noChangeArrowheads="1" noChangeShapeType="1" noTextEdit="1"/>
+          </p:cNvSpPr>
+          <p:nvPr>
+            <p:extLst>
+              <p:ext uri="{386F3935-93C4-4BCD-93E2-E3B085C9AB24}">
+                <p16:designElem xmlns:p16="http://schemas.microsoft.com/office/powerpoint/2015/main" val="1"/>
+              </p:ext>
+            </p:extLst>
+          </p:nvPr>
+        </p:nvSpPr>
+        <p:spPr>
+          <a:xfrm>
+            <a:off x="4241830" y="457200"/>
+            <a:ext cx="3703320" cy="91440"/>
+          </a:xfrm>
+          <a:prstGeom prst="rect">
+            <a:avLst/>
+          </a:prstGeom>
+          <a:solidFill>
+            <a:srgbClr val="BE2814"/>
+          </a:solidFill>
+          <a:ln>
+            <a:noFill/>
+          </a:ln>
+          <a:effectLst/>
+        </p:spPr>
+        <p:style>
+          <a:lnRef idx="1">
+            <a:schemeClr val="accent1"/>
+          </a:lnRef>
+          <a:fillRef idx="3">
+            <a:schemeClr val="accent1"/>
+          </a:fillRef>
+          <a:effectRef idx="2">
+            <a:schemeClr val="accent1"/>
+          </a:effectRef>
+          <a:fontRef idx="minor">
+            <a:schemeClr val="lt1"/>
+          </a:fontRef>
+        </p:style>
+      </p:sp>
+      <p:sp>
+        <p:nvSpPr>
+          <p:cNvPr id="34" name="Rectangle 33">
+            <a:extLst>
+              <a:ext uri="{FF2B5EF4-FFF2-40B4-BE49-F238E27FC236}">
+                <a16:creationId xmlns:a16="http://schemas.microsoft.com/office/drawing/2014/main" id="{2D02D923-3854-4270-A4C9-DD881DFAFEBF}"/>
+              </a:ext>
+              <a:ext uri="{C183D7F6-B498-43B3-948B-1728B52AA6E4}">
+                <adec:decorative xmlns:adec="http://schemas.microsoft.com/office/drawing/2017/decorative" val="1"/>
+              </a:ext>
+            </a:extLst>
+          </p:cNvPr>
+          <p:cNvSpPr>
+            <a:spLocks noGrp="1" noRot="1" noChangeAspect="1" noMove="1" noResize="1" noEditPoints="1" noAdjustHandles="1" noChangeArrowheads="1" noChangeShapeType="1" noTextEdit="1"/>
+          </p:cNvSpPr>
+          <p:nvPr>
+            <p:extLst>
+              <p:ext uri="{386F3935-93C4-4BCD-93E2-E3B085C9AB24}">
+                <p16:designElem xmlns:p16="http://schemas.microsoft.com/office/powerpoint/2015/main" val="1"/>
+              </p:ext>
+            </p:extLst>
+          </p:nvPr>
+        </p:nvSpPr>
+        <p:spPr>
+          <a:xfrm>
+            <a:off x="8042147" y="453643"/>
+            <a:ext cx="3703320" cy="98554"/>
+          </a:xfrm>
+          <a:prstGeom prst="rect">
+            <a:avLst/>
+          </a:prstGeom>
+          <a:solidFill>
+            <a:schemeClr val="accent4"/>
+          </a:solidFill>
+          <a:ln>
+            <a:noFill/>
+          </a:ln>
+          <a:effectLst/>
+        </p:spPr>
+        <p:style>
+          <a:lnRef idx="1">
+            <a:schemeClr val="accent1"/>
+          </a:lnRef>
+          <a:fillRef idx="3">
+            <a:schemeClr val="accent1"/>
+          </a:fillRef>
+          <a:effectRef idx="2">
+            <a:schemeClr val="accent1"/>
+          </a:effectRef>
+          <a:fontRef idx="minor">
+            <a:schemeClr val="lt1"/>
+          </a:fontRef>
+        </p:style>
+      </p:sp>
+      <p:pic>
+        <p:nvPicPr>
+          <p:cNvPr id="11" name="Picture 10" descr="A close up of a toy&#10;&#10;Description automatically generated">
+            <a:extLst>
+              <a:ext uri="{FF2B5EF4-FFF2-40B4-BE49-F238E27FC236}">
+                <a16:creationId xmlns:a16="http://schemas.microsoft.com/office/drawing/2014/main" id="{8BC96453-C362-4372-8170-CC24A99F4C72}"/>
+              </a:ext>
+            </a:extLst>
+          </p:cNvPr>
+          <p:cNvPicPr>
+            <a:picLocks noChangeAspect="1"/>
+          </p:cNvPicPr>
+          <p:nvPr/>
+        </p:nvPicPr>
+        <p:blipFill rotWithShape="1">
+          <a:blip r:embed="rId2"/>
+          <a:srcRect l="9220" r="21074"/>
+          <a:stretch/>
+        </p:blipFill>
+        <p:spPr>
+          <a:xfrm>
+            <a:off x="448732" y="1871133"/>
+            <a:ext cx="3683001" cy="4504267"/>
+          </a:xfrm>
+          <a:prstGeom prst="rect">
+            <a:avLst/>
+          </a:prstGeom>
+        </p:spPr>
+      </p:pic>
+      <p:sp>
+        <p:nvSpPr>
+          <p:cNvPr id="3" name="Content Placeholder 2">
+            <a:extLst>
+              <a:ext uri="{FF2B5EF4-FFF2-40B4-BE49-F238E27FC236}">
+                <a16:creationId xmlns:a16="http://schemas.microsoft.com/office/drawing/2014/main" id="{6CB4122D-9B2B-466C-8697-3B708A9FBEA0}"/>
+              </a:ext>
+            </a:extLst>
+          </p:cNvPr>
+          <p:cNvSpPr>
+            <a:spLocks noGrp="1"/>
+          </p:cNvSpPr>
+          <p:nvPr>
+            <p:ph idx="1"/>
+          </p:nvPr>
+        </p:nvSpPr>
+        <p:spPr>
+          <a:xfrm>
+            <a:off x="4475858" y="2180496"/>
+            <a:ext cx="7140407" cy="3678303"/>
+          </a:xfrm>
+        </p:spPr>
+        <p:txBody>
+          <a:bodyPr>
+            <a:normAutofit/>
+          </a:bodyPr>
+          <a:lstStyle/>
+          <a:p>
+            <a:pPr>
+              <a:buClr>
+                <a:srgbClr val="BE2814"/>
+              </a:buClr>
+            </a:pPr>
+            <a:r>
+              <a:rPr lang="en-US" dirty="0"/>
+              <a:t>What article categories are the most popular?</a:t>
+            </a:r>
+          </a:p>
+          <a:p>
+            <a:pPr>
+              <a:buClr>
+                <a:srgbClr val="BE2814"/>
+              </a:buClr>
+            </a:pPr>
+            <a:r>
+              <a:rPr lang="en-US" dirty="0"/>
+              <a:t>How do emotional reactions differ by article category?</a:t>
+            </a:r>
+          </a:p>
+          <a:p>
+            <a:pPr>
+              <a:buClr>
+                <a:srgbClr val="BE2814"/>
+              </a:buClr>
+            </a:pPr>
+            <a:r>
+              <a:rPr lang="en-US" dirty="0"/>
+              <a:t>How do reactions to articles on Biden and Trump differ?</a:t>
+            </a:r>
+          </a:p>
+          <a:p>
+            <a:pPr>
+              <a:buClr>
+                <a:srgbClr val="BE2814"/>
+              </a:buClr>
+            </a:pPr>
+            <a:r>
+              <a:rPr lang="en-US" dirty="0"/>
+              <a:t>Is there a relationship between emotional reactions and how much people share articles?</a:t>
+            </a:r>
+          </a:p>
+          <a:p>
+            <a:pPr>
+              <a:buClr>
+                <a:srgbClr val="BE2814"/>
+              </a:buClr>
+            </a:pPr>
+            <a:endParaRPr lang="en-US" dirty="0"/>
+          </a:p>
+        </p:txBody>
+      </p:sp>
+    </p:spTree>
+    <p:extLst>
+      <p:ext uri="{BB962C8B-B14F-4D97-AF65-F5344CB8AC3E}">
+        <p14:creationId xmlns:p14="http://schemas.microsoft.com/office/powerpoint/2010/main" val="1330599078"/>
+      </p:ext>
+    </p:extLst>
+  </p:cSld>
+  <p:clrMapOvr>
+    <a:masterClrMapping/>
+  </p:clrMapOvr>
+  <mc:AlternateContent xmlns:mc="http://schemas.openxmlformats.org/markup-compatibility/2006">
+    <mc:Choice xmlns:p15="http://schemas.microsoft.com/office/powerpoint/2012/main" Requires="p15">
+      <p:transition xmlns:p14="http://schemas.microsoft.com/office/powerpoint/2010/main" spd="slow" p14:dur="1250">
+        <p15:prstTrans prst="pageCurlDouble"/>
+      </p:transition>
+    </mc:Choice>
+    <mc:Fallback>
+      <p:transition spd="slow">
+        <p:fade/>
+      </p:transition>
+    </mc:Fallback>
+  </mc:AlternateContent>
+  <p:timing>
+    <p:tnLst>
+      <p:par>
+        <p:cTn id="1" dur="indefinite" restart="never" nodeType="tmRoot">
+          <p:childTnLst>
+            <p:seq concurrent="1" nextAc="seek">
+              <p:cTn id="2" restart="whenNotActive" fill="hold" evtFilter="cancelBubble" nodeType="interactiveSeq">
+                <p:stCondLst>
+                  <p:cond evt="onClick" delay="0">
+                    <p:tgtEl>
+                      <p:spTgt spid="2"/>
+                    </p:tgtEl>
+                  </p:cond>
+                </p:stCondLst>
+                <p:endSync evt="end" delay="0">
+                  <p:rtn val="all"/>
+                </p:endSync>
+                <p:childTnLst>
+                  <p:par>
+                    <p:cTn id="3" fill="hold">
+                      <p:stCondLst>
+                        <p:cond delay="0"/>
+                      </p:stCondLst>
+                      <p:childTnLst>
+                        <p:par>
+                          <p:cTn id="4" fill="hold">
+                            <p:stCondLst>
+                              <p:cond delay="0"/>
+                            </p:stCondLst>
+                            <p:childTnLst>
+                              <p:par>
+                                <p:cTn id="5" presetID="42" presetClass="entr" presetSubtype="0" fill="hold" grpId="0" nodeType="clickEffect">
+                                  <p:stCondLst>
+                                    <p:cond delay="0"/>
+                                  </p:stCondLst>
+                                  <p:childTnLst>
+                                    <p:set>
+                                      <p:cBhvr>
+                                        <p:cTn id="6" dur="1" fill="hold">
+                                          <p:stCondLst>
+                                            <p:cond delay="0"/>
+                                          </p:stCondLst>
+                                        </p:cTn>
+                                        <p:tgtEl>
+                                          <p:spTgt spid="3">
+                                            <p:txEl>
+                                              <p:pRg st="0" end="0"/>
+                                            </p:txEl>
+                                          </p:spTgt>
+                                        </p:tgtEl>
+                                        <p:attrNameLst>
+                                          <p:attrName>style.visibility</p:attrName>
+                                        </p:attrNameLst>
+                                      </p:cBhvr>
+                                      <p:to>
+                                        <p:strVal val="visible"/>
+                                      </p:to>
+                                    </p:set>
+                                    <p:animEffect transition="in" filter="fade">
+                                      <p:cBhvr>
+                                        <p:cTn id="7" dur="1000"/>
+                                        <p:tgtEl>
+                                          <p:spTgt spid="3">
+                                            <p:txEl>
+                                              <p:pRg st="0" end="0"/>
+                                            </p:txEl>
+                                          </p:spTgt>
+                                        </p:tgtEl>
+                                      </p:cBhvr>
+                                    </p:animEffect>
+                                    <p:anim calcmode="lin" valueType="num">
+                                      <p:cBhvr>
+                                        <p:cTn id="8" dur="1000" fill="hold"/>
+                                        <p:tgtEl>
+                                          <p:spTgt spid="3">
+                                            <p:txEl>
+                                              <p:pRg st="0" end="0"/>
+                                            </p:txEl>
+                                          </p:spTgt>
+                                        </p:tgtEl>
+                                        <p:attrNameLst>
+                                          <p:attrName>ppt_x</p:attrName>
+                                        </p:attrNameLst>
+                                      </p:cBhvr>
+                                      <p:tavLst>
+                                        <p:tav tm="0">
+                                          <p:val>
+                                            <p:strVal val="#ppt_x"/>
+                                          </p:val>
+                                        </p:tav>
+                                        <p:tav tm="100000">
+                                          <p:val>
+                                            <p:strVal val="#ppt_x"/>
+                                          </p:val>
+                                        </p:tav>
+                                      </p:tavLst>
+                                    </p:anim>
+                                    <p:anim calcmode="lin" valueType="num">
+                                      <p:cBhvr>
+                                        <p:cTn id="9" dur="1000" fill="hold"/>
+                                        <p:tgtEl>
+                                          <p:spTgt spid="3">
+                                            <p:txEl>
+                                              <p:pRg st="0" end="0"/>
+                                            </p:txEl>
+                                          </p:spTgt>
+                                        </p:tgtEl>
+                                        <p:attrNameLst>
+                                          <p:attrName>ppt_y</p:attrName>
+                                        </p:attrNameLst>
+                                      </p:cBhvr>
+                                      <p:tavLst>
+                                        <p:tav tm="0">
+                                          <p:val>
+                                            <p:strVal val="#ppt_y+.1"/>
+                                          </p:val>
+                                        </p:tav>
+                                        <p:tav tm="100000">
+                                          <p:val>
+                                            <p:strVal val="#ppt_y"/>
+                                          </p:val>
+                                        </p:tav>
+                                      </p:tavLst>
+                                    </p:anim>
+                                  </p:childTnLst>
+                                </p:cTn>
+                              </p:par>
+                            </p:childTnLst>
+                          </p:cTn>
+                        </p:par>
+                      </p:childTnLst>
+                    </p:cTn>
+                  </p:par>
+                  <p:par>
+                    <p:cTn id="10" fill="hold">
+                      <p:stCondLst>
+                        <p:cond delay="indefinite"/>
+                      </p:stCondLst>
+                      <p:childTnLst>
+                        <p:par>
+                          <p:cTn id="11" fill="hold">
+                            <p:stCondLst>
+                              <p:cond delay="0"/>
+                            </p:stCondLst>
+                            <p:childTnLst>
+                              <p:par>
+                                <p:cTn id="12" presetID="42" presetClass="entr" presetSubtype="0" fill="hold" grpId="0" nodeType="clickEffect">
+                                  <p:stCondLst>
+                                    <p:cond delay="0"/>
+                                  </p:stCondLst>
+                                  <p:childTnLst>
+                                    <p:set>
+                                      <p:cBhvr>
+                                        <p:cTn id="13" dur="1" fill="hold">
+                                          <p:stCondLst>
+                                            <p:cond delay="0"/>
+                                          </p:stCondLst>
+                                        </p:cTn>
+                                        <p:tgtEl>
+                                          <p:spTgt spid="3">
+                                            <p:txEl>
+                                              <p:pRg st="1" end="1"/>
+                                            </p:txEl>
+                                          </p:spTgt>
+                                        </p:tgtEl>
+                                        <p:attrNameLst>
+                                          <p:attrName>style.visibility</p:attrName>
+                                        </p:attrNameLst>
+                                      </p:cBhvr>
+                                      <p:to>
+                                        <p:strVal val="visible"/>
+                                      </p:to>
+                                    </p:set>
+                                    <p:animEffect transition="in" filter="fade">
+                                      <p:cBhvr>
+                                        <p:cTn id="14" dur="1000"/>
+                                        <p:tgtEl>
+                                          <p:spTgt spid="3">
+                                            <p:txEl>
+                                              <p:pRg st="1" end="1"/>
+                                            </p:txEl>
+                                          </p:spTgt>
+                                        </p:tgtEl>
+                                      </p:cBhvr>
+                                    </p:animEffect>
+                                    <p:anim calcmode="lin" valueType="num">
+                                      <p:cBhvr>
+                                        <p:cTn id="15" dur="1000" fill="hold"/>
+                                        <p:tgtEl>
+                                          <p:spTgt spid="3">
+                                            <p:txEl>
+                                              <p:pRg st="1" end="1"/>
+                                            </p:txEl>
+                                          </p:spTgt>
+                                        </p:tgtEl>
+                                        <p:attrNameLst>
+                                          <p:attrName>ppt_x</p:attrName>
+                                        </p:attrNameLst>
+                                      </p:cBhvr>
+                                      <p:tavLst>
+                                        <p:tav tm="0">
+                                          <p:val>
+                                            <p:strVal val="#ppt_x"/>
+                                          </p:val>
+                                        </p:tav>
+                                        <p:tav tm="100000">
+                                          <p:val>
+                                            <p:strVal val="#ppt_x"/>
+                                          </p:val>
+                                        </p:tav>
+                                      </p:tavLst>
+                                    </p:anim>
+                                    <p:anim calcmode="lin" valueType="num">
+                                      <p:cBhvr>
+                                        <p:cTn id="16" dur="1000" fill="hold"/>
+                                        <p:tgtEl>
+                                          <p:spTgt spid="3">
+                                            <p:txEl>
+                                              <p:pRg st="1" end="1"/>
+                                            </p:txEl>
+                                          </p:spTgt>
+                                        </p:tgtEl>
+                                        <p:attrNameLst>
+                                          <p:attrName>ppt_y</p:attrName>
+                                        </p:attrNameLst>
+                                      </p:cBhvr>
+                                      <p:tavLst>
+                                        <p:tav tm="0">
+                                          <p:val>
+                                            <p:strVal val="#ppt_y+.1"/>
+                                          </p:val>
+                                        </p:tav>
+                                        <p:tav tm="100000">
+                                          <p:val>
+                                            <p:strVal val="#ppt_y"/>
+                                          </p:val>
+                                        </p:tav>
+                                      </p:tavLst>
+                                    </p:anim>
+                                  </p:childTnLst>
+                                </p:cTn>
+                              </p:par>
+                            </p:childTnLst>
+                          </p:cTn>
+                        </p:par>
+                      </p:childTnLst>
+                    </p:cTn>
+                  </p:par>
+                  <p:par>
+                    <p:cTn id="17" fill="hold">
+                      <p:stCondLst>
+                        <p:cond delay="indefinite"/>
+                      </p:stCondLst>
+                      <p:childTnLst>
+                        <p:par>
+                          <p:cTn id="18" fill="hold">
+                            <p:stCondLst>
+                              <p:cond delay="0"/>
+                            </p:stCondLst>
+                            <p:childTnLst>
+                              <p:par>
+                                <p:cTn id="19" presetID="42" presetClass="entr" presetSubtype="0" fill="hold" grpId="0" nodeType="clickEffect">
+                                  <p:stCondLst>
+                                    <p:cond delay="0"/>
+                                  </p:stCondLst>
+                                  <p:childTnLst>
+                                    <p:set>
+                                      <p:cBhvr>
+                                        <p:cTn id="20" dur="1" fill="hold">
+                                          <p:stCondLst>
+                                            <p:cond delay="0"/>
+                                          </p:stCondLst>
+                                        </p:cTn>
+                                        <p:tgtEl>
+                                          <p:spTgt spid="3">
+                                            <p:txEl>
+                                              <p:pRg st="2" end="2"/>
+                                            </p:txEl>
+                                          </p:spTgt>
+                                        </p:tgtEl>
+                                        <p:attrNameLst>
+                                          <p:attrName>style.visibility</p:attrName>
+                                        </p:attrNameLst>
+                                      </p:cBhvr>
+                                      <p:to>
+                                        <p:strVal val="visible"/>
+                                      </p:to>
+                                    </p:set>
+                                    <p:animEffect transition="in" filter="fade">
+                                      <p:cBhvr>
+                                        <p:cTn id="21" dur="1000"/>
+                                        <p:tgtEl>
+                                          <p:spTgt spid="3">
+                                            <p:txEl>
+                                              <p:pRg st="2" end="2"/>
+                                            </p:txEl>
+                                          </p:spTgt>
+                                        </p:tgtEl>
+                                      </p:cBhvr>
+                                    </p:animEffect>
+                                    <p:anim calcmode="lin" valueType="num">
+                                      <p:cBhvr>
+                                        <p:cTn id="22" dur="1000" fill="hold"/>
+                                        <p:tgtEl>
+                                          <p:spTgt spid="3">
+                                            <p:txEl>
+                                              <p:pRg st="2" end="2"/>
+                                            </p:txEl>
+                                          </p:spTgt>
+                                        </p:tgtEl>
+                                        <p:attrNameLst>
+                                          <p:attrName>ppt_x</p:attrName>
+                                        </p:attrNameLst>
+                                      </p:cBhvr>
+                                      <p:tavLst>
+                                        <p:tav tm="0">
+                                          <p:val>
+                                            <p:strVal val="#ppt_x"/>
+                                          </p:val>
+                                        </p:tav>
+                                        <p:tav tm="100000">
+                                          <p:val>
+                                            <p:strVal val="#ppt_x"/>
+                                          </p:val>
+                                        </p:tav>
+                                      </p:tavLst>
+                                    </p:anim>
+                                    <p:anim calcmode="lin" valueType="num">
+                                      <p:cBhvr>
+                                        <p:cTn id="23" dur="1000" fill="hold"/>
+                                        <p:tgtEl>
+                                          <p:spTgt spid="3">
+                                            <p:txEl>
+                                              <p:pRg st="2" end="2"/>
+                                            </p:txEl>
+                                          </p:spTgt>
+                                        </p:tgtEl>
+                                        <p:attrNameLst>
+                                          <p:attrName>ppt_y</p:attrName>
+                                        </p:attrNameLst>
+                                      </p:cBhvr>
+                                      <p:tavLst>
+                                        <p:tav tm="0">
+                                          <p:val>
+                                            <p:strVal val="#ppt_y+.1"/>
+                                          </p:val>
+                                        </p:tav>
+                                        <p:tav tm="100000">
+                                          <p:val>
+                                            <p:strVal val="#ppt_y"/>
+                                          </p:val>
+                                        </p:tav>
+                                      </p:tavLst>
+                                    </p:anim>
+                                  </p:childTnLst>
+                                </p:cTn>
+                              </p:par>
+                            </p:childTnLst>
+                          </p:cTn>
+                        </p:par>
+                      </p:childTnLst>
+                    </p:cTn>
+                  </p:par>
+                  <p:par>
+                    <p:cTn id="24" fill="hold">
+                      <p:stCondLst>
+                        <p:cond delay="indefinite"/>
+                      </p:stCondLst>
+                      <p:childTnLst>
+                        <p:par>
+                          <p:cTn id="25" fill="hold">
+                            <p:stCondLst>
+                              <p:cond delay="0"/>
+                            </p:stCondLst>
+                            <p:childTnLst>
+                              <p:par>
+                                <p:cTn id="26" presetID="42" presetClass="entr" presetSubtype="0" fill="hold" grpId="0" nodeType="clickEffect">
+                                  <p:stCondLst>
+                                    <p:cond delay="0"/>
+                                  </p:stCondLst>
+                                  <p:childTnLst>
+                                    <p:set>
+                                      <p:cBhvr>
+                                        <p:cTn id="27" dur="1" fill="hold">
+                                          <p:stCondLst>
+                                            <p:cond delay="0"/>
+                                          </p:stCondLst>
+                                        </p:cTn>
+                                        <p:tgtEl>
+                                          <p:spTgt spid="3">
+                                            <p:txEl>
+                                              <p:pRg st="3" end="3"/>
+                                            </p:txEl>
+                                          </p:spTgt>
+                                        </p:tgtEl>
+                                        <p:attrNameLst>
+                                          <p:attrName>style.visibility</p:attrName>
+                                        </p:attrNameLst>
+                                      </p:cBhvr>
+                                      <p:to>
+                                        <p:strVal val="visible"/>
+                                      </p:to>
+                                    </p:set>
+                                    <p:animEffect transition="in" filter="fade">
+                                      <p:cBhvr>
+                                        <p:cTn id="28" dur="1000"/>
+                                        <p:tgtEl>
+                                          <p:spTgt spid="3">
+                                            <p:txEl>
+                                              <p:pRg st="3" end="3"/>
+                                            </p:txEl>
+                                          </p:spTgt>
+                                        </p:tgtEl>
+                                      </p:cBhvr>
+                                    </p:animEffect>
+                                    <p:anim calcmode="lin" valueType="num">
+                                      <p:cBhvr>
+                                        <p:cTn id="29" dur="1000" fill="hold"/>
+                                        <p:tgtEl>
+                                          <p:spTgt spid="3">
+                                            <p:txEl>
+                                              <p:pRg st="3" end="3"/>
+                                            </p:txEl>
+                                          </p:spTgt>
+                                        </p:tgtEl>
+                                        <p:attrNameLst>
+                                          <p:attrName>ppt_x</p:attrName>
+                                        </p:attrNameLst>
+                                      </p:cBhvr>
+                                      <p:tavLst>
+                                        <p:tav tm="0">
+                                          <p:val>
+                                            <p:strVal val="#ppt_x"/>
+                                          </p:val>
+                                        </p:tav>
+                                        <p:tav tm="100000">
+                                          <p:val>
+                                            <p:strVal val="#ppt_x"/>
+                                          </p:val>
+                                        </p:tav>
+                                      </p:tavLst>
+                                    </p:anim>
+                                    <p:anim calcmode="lin" valueType="num">
+                                      <p:cBhvr>
+                                        <p:cTn id="30" dur="1000" fill="hold"/>
+                                        <p:tgtEl>
+                                          <p:spTgt spid="3">
+                                            <p:txEl>
+                                              <p:pRg st="3" end="3"/>
+                                            </p:txEl>
+                                          </p:spTgt>
+                                        </p:tgtEl>
+                                        <p:attrNameLst>
+                                          <p:attrName>ppt_y</p:attrName>
+                                        </p:attrNameLst>
+                                      </p:cBhvr>
+                                      <p:tavLst>
+                                        <p:tav tm="0">
+                                          <p:val>
+                                            <p:strVal val="#ppt_y+.1"/>
+                                          </p:val>
+                                        </p:tav>
+                                        <p:tav tm="100000">
+                                          <p:val>
+                                            <p:strVal val="#ppt_y"/>
+                                          </p:val>
+                                        </p:tav>
+                                      </p:tavLst>
+                                    </p:anim>
+                                  </p:childTnLst>
+                                </p:cTn>
+                              </p:par>
+                            </p:childTnLst>
+                          </p:cTn>
+                        </p:par>
+                      </p:childTnLst>
+                    </p:cTn>
+                  </p:par>
+                </p:childTnLst>
+              </p:cTn>
+              <p:nextCondLst>
+                <p:cond evt="onClick" delay="0">
+                  <p:tgtEl>
+                    <p:spTgt spid="2"/>
+                  </p:tgtEl>
+                </p:cond>
+              </p:nextCondLst>
+            </p:seq>
+          </p:childTnLst>
+        </p:cTn>
+      </p:par>
+    </p:tnLst>
+    <p:bldLst>
+      <p:bldP spid="3" grpId="0" build="p"/>
+    </p:bldLst>
+  </p:timing>
+</p:sld>
+</file>
+
+<file path=ppt/slides/slide4.xml><?xml version="1.0" encoding="utf-8"?>
+<p:sld xmlns:a="http://schemas.openxmlformats.org/drawingml/2006/main" xmlns:r="http://schemas.openxmlformats.org/officeDocument/2006/relationships" xmlns:p="http://schemas.openxmlformats.org/presentationml/2006/main">
+  <p:cSld>
+    <p:bg>
+      <p:bgPr>
+        <a:solidFill>
+          <a:schemeClr val="bg1"/>
+        </a:solidFill>
+        <a:effectLst/>
+      </p:bgPr>
+    </p:bg>
+    <p:spTree>
+      <p:nvGrpSpPr>
+        <p:cNvPr id="1" name=""/>
+        <p:cNvGrpSpPr/>
+        <p:nvPr/>
+      </p:nvGrpSpPr>
+      <p:grpSpPr>
+        <a:xfrm>
+          <a:off x="0" y="0"/>
+          <a:ext cx="0" cy="0"/>
+          <a:chOff x="0" y="0"/>
+          <a:chExt cx="0" cy="0"/>
+        </a:xfrm>
+      </p:grpSpPr>
+      <p:sp>
+        <p:nvSpPr>
+          <p:cNvPr id="2" name="Title 1">
+            <a:extLst>
+              <a:ext uri="{FF2B5EF4-FFF2-40B4-BE49-F238E27FC236}">
+                <a16:creationId xmlns:a16="http://schemas.microsoft.com/office/drawing/2014/main" id="{5BE34093-1DFE-4C74-86B7-99848E27A69C}"/>
+              </a:ext>
+            </a:extLst>
+          </p:cNvPr>
+          <p:cNvSpPr>
+            <a:spLocks noGrp="1"/>
+          </p:cNvSpPr>
+          <p:nvPr>
+            <p:ph type="title"/>
+          </p:nvPr>
+        </p:nvSpPr>
+        <p:spPr>
+          <a:xfrm>
+            <a:off x="581192" y="702156"/>
+            <a:ext cx="11029616" cy="1013800"/>
+          </a:xfrm>
+        </p:spPr>
+        <p:txBody>
+          <a:bodyPr>
+            <a:normAutofit/>
+          </a:bodyPr>
+          <a:lstStyle/>
+          <a:p>
+            <a:r>
+              <a:rPr lang="en-US" sz="4400" dirty="0">
+                <a:solidFill>
+                  <a:srgbClr val="FFC000"/>
+                </a:solidFill>
+                <a:latin typeface="Segoe UI" panose="020B0502040204020203" pitchFamily="34" charset="0"/>
+                <a:cs typeface="Segoe UI" panose="020B0502040204020203" pitchFamily="34" charset="0"/>
+              </a:rPr>
+              <a:t>Data </a:t>
+            </a:r>
+            <a:r>
+              <a:rPr lang="en-US" sz="4400" dirty="0" err="1">
+                <a:solidFill>
+                  <a:srgbClr val="FFC000"/>
+                </a:solidFill>
+                <a:latin typeface="Segoe UI" panose="020B0502040204020203" pitchFamily="34" charset="0"/>
+                <a:cs typeface="Segoe UI" panose="020B0502040204020203" pitchFamily="34" charset="0"/>
+              </a:rPr>
+              <a:t>CleAning</a:t>
+            </a:r>
+            <a:endParaRPr lang="en-US" sz="4400" dirty="0">
+              <a:solidFill>
+                <a:srgbClr val="FFC000"/>
+              </a:solidFill>
+              <a:latin typeface="Segoe UI" panose="020B0502040204020203" pitchFamily="34" charset="0"/>
+              <a:cs typeface="Segoe UI" panose="020B0502040204020203" pitchFamily="34" charset="0"/>
+            </a:endParaRPr>
+          </a:p>
+        </p:txBody>
+      </p:sp>
+      <p:sp>
+        <p:nvSpPr>
+          <p:cNvPr id="29" name="Rectangle 20">
+            <a:extLst>
+              <a:ext uri="{FF2B5EF4-FFF2-40B4-BE49-F238E27FC236}">
+                <a16:creationId xmlns:a16="http://schemas.microsoft.com/office/drawing/2014/main" id="{2A212B75-5A36-4C8E-8EEA-DB9771511FB8}"/>
+              </a:ext>
+              <a:ext uri="{C183D7F6-B498-43B3-948B-1728B52AA6E4}">
+                <adec:decorative xmlns:adec="http://schemas.microsoft.com/office/drawing/2017/decorative" val="1"/>
+              </a:ext>
+            </a:extLst>
+          </p:cNvPr>
+          <p:cNvSpPr>
+            <a:spLocks noGrp="1" noRot="1" noChangeAspect="1" noMove="1" noResize="1" noEditPoints="1" noAdjustHandles="1" noChangeArrowheads="1" noChangeShapeType="1" noTextEdit="1"/>
+          </p:cNvSpPr>
+          <p:nvPr>
+            <p:extLst>
+              <p:ext uri="{386F3935-93C4-4BCD-93E2-E3B085C9AB24}">
+                <p16:designElem xmlns:p16="http://schemas.microsoft.com/office/powerpoint/2015/main" val="1"/>
+              </p:ext>
+            </p:extLst>
+          </p:nvPr>
+        </p:nvSpPr>
+        <p:spPr>
+          <a:xfrm>
+            <a:off x="4241830" y="457200"/>
+            <a:ext cx="3703320" cy="91440"/>
+          </a:xfrm>
+          <a:prstGeom prst="rect">
+            <a:avLst/>
+          </a:prstGeom>
+          <a:solidFill>
+            <a:srgbClr val="FB9C04"/>
+          </a:solidFill>
+          <a:ln>
+            <a:noFill/>
+          </a:ln>
+          <a:effectLst/>
+        </p:spPr>
+        <p:style>
+          <a:lnRef idx="1">
+            <a:schemeClr val="accent1"/>
+          </a:lnRef>
+          <a:fillRef idx="3">
+            <a:schemeClr val="accent1"/>
+          </a:fillRef>
+          <a:effectRef idx="2">
+            <a:schemeClr val="accent1"/>
+          </a:effectRef>
+          <a:fontRef idx="minor">
+            <a:schemeClr val="lt1"/>
+          </a:fontRef>
+        </p:style>
+      </p:sp>
+      <p:sp>
+        <p:nvSpPr>
+          <p:cNvPr id="30" name="Rectangle 22">
+            <a:extLst>
+              <a:ext uri="{FF2B5EF4-FFF2-40B4-BE49-F238E27FC236}">
+                <a16:creationId xmlns:a16="http://schemas.microsoft.com/office/drawing/2014/main" id="{8E6174F0-3B45-4CB0-9EE0-AE4B8DF1B1E4}"/>
+              </a:ext>
+              <a:ext uri="{C183D7F6-B498-43B3-948B-1728B52AA6E4}">
+                <adec:decorative xmlns:adec="http://schemas.microsoft.com/office/drawing/2017/decorative" val="1"/>
+              </a:ext>
+            </a:extLst>
+          </p:cNvPr>
+          <p:cNvSpPr>
+            <a:spLocks noGrp="1" noRot="1" noChangeAspect="1" noMove="1" noResize="1" noEditPoints="1" noAdjustHandles="1" noChangeArrowheads="1" noChangeShapeType="1" noTextEdit="1"/>
+          </p:cNvSpPr>
+          <p:nvPr>
+            <p:extLst>
+              <p:ext uri="{386F3935-93C4-4BCD-93E2-E3B085C9AB24}">
+                <p16:designElem xmlns:p16="http://schemas.microsoft.com/office/powerpoint/2015/main" val="1"/>
+              </p:ext>
+            </p:extLst>
+          </p:nvPr>
+        </p:nvSpPr>
+        <p:spPr>
+          <a:xfrm>
+            <a:off x="446534" y="2180496"/>
+            <a:ext cx="3703320" cy="4045683"/>
+          </a:xfrm>
+          <a:prstGeom prst="rect">
+            <a:avLst/>
+          </a:prstGeom>
+          <a:solidFill>
+            <a:schemeClr val="bg1"/>
+          </a:solidFill>
+          <a:ln w="38100">
+            <a:solidFill>
+              <a:schemeClr val="accent1"/>
+            </a:solidFill>
+          </a:ln>
+        </p:spPr>
+        <p:style>
+          <a:lnRef idx="2">
+            <a:schemeClr val="accent1">
+              <a:shade val="50000"/>
+            </a:schemeClr>
+          </a:lnRef>
+          <a:fillRef idx="1">
+            <a:schemeClr val="accent1"/>
+          </a:fillRef>
+          <a:effectRef idx="0">
+            <a:schemeClr val="accent1"/>
+          </a:effectRef>
+          <a:fontRef idx="minor">
+            <a:schemeClr val="lt1"/>
+          </a:fontRef>
+        </p:style>
+        <p:txBody>
+          <a:bodyPr rtlCol="0" anchor="ctr"/>
+          <a:lstStyle/>
+          <a:p>
+            <a:pPr algn="ctr"/>
+            <a:endParaRPr lang="en-US"/>
+          </a:p>
+        </p:txBody>
+      </p:sp>
+      <p:pic>
+        <p:nvPicPr>
+          <p:cNvPr id="7" name="Content Placeholder 6" descr="A picture containing umbrella&#10;&#10;Description automatically generated">
+            <a:extLst>
+              <a:ext uri="{FF2B5EF4-FFF2-40B4-BE49-F238E27FC236}">
+                <a16:creationId xmlns:a16="http://schemas.microsoft.com/office/drawing/2014/main" id="{4855673E-384F-4524-8335-4257750E06C0}"/>
+              </a:ext>
+            </a:extLst>
+          </p:cNvPr>
+          <p:cNvPicPr>
+            <a:picLocks noChangeAspect="1"/>
+          </p:cNvPicPr>
+          <p:nvPr/>
+        </p:nvPicPr>
+        <p:blipFill rotWithShape="1">
+          <a:blip r:embed="rId2"/>
+          <a:srcRect r="9429" b="2"/>
+          <a:stretch/>
+        </p:blipFill>
+        <p:spPr>
+          <a:xfrm>
+            <a:off x="645606" y="2288867"/>
+            <a:ext cx="3305175" cy="3649219"/>
+          </a:xfrm>
+          <a:prstGeom prst="rect">
+            <a:avLst/>
+          </a:prstGeom>
+        </p:spPr>
+      </p:pic>
+      <p:sp>
+        <p:nvSpPr>
+          <p:cNvPr id="31" name="Content Placeholder 17">
+            <a:extLst>
+              <a:ext uri="{FF2B5EF4-FFF2-40B4-BE49-F238E27FC236}">
+                <a16:creationId xmlns:a16="http://schemas.microsoft.com/office/drawing/2014/main" id="{363718B1-2AD7-43C6-B08A-5998F48300E9}"/>
+              </a:ext>
+            </a:extLst>
+          </p:cNvPr>
+          <p:cNvSpPr>
+            <a:spLocks noGrp="1"/>
+          </p:cNvSpPr>
+          <p:nvPr>
+            <p:ph idx="1"/>
+          </p:nvPr>
+        </p:nvSpPr>
+        <p:spPr>
+          <a:xfrm>
+            <a:off x="4505325" y="2180496"/>
+            <a:ext cx="7105481" cy="4045683"/>
+          </a:xfrm>
+        </p:spPr>
+        <p:txBody>
+          <a:bodyPr>
+            <a:normAutofit/>
+          </a:bodyPr>
+          <a:lstStyle/>
+          <a:p>
+            <a:pPr>
+              <a:buClr>
+                <a:srgbClr val="FB9C04"/>
+              </a:buClr>
+            </a:pPr>
+            <a:r>
+              <a:rPr lang="en-US" dirty="0"/>
+              <a:t>Combined 10 .CSV files into one </a:t>
+            </a:r>
+            <a:r>
+              <a:rPr lang="en-US" dirty="0" err="1"/>
+              <a:t>dataframe</a:t>
+            </a:r>
+            <a:r>
+              <a:rPr lang="en-US" dirty="0"/>
+              <a:t>.</a:t>
+            </a:r>
+          </a:p>
+          <a:p>
+            <a:pPr>
+              <a:buClr>
+                <a:srgbClr val="FB9C04"/>
+              </a:buClr>
+            </a:pPr>
+            <a:r>
+              <a:rPr lang="en-US" dirty="0"/>
+              <a:t>Stripped the </a:t>
+            </a:r>
+            <a:r>
+              <a:rPr lang="en-US" dirty="0" err="1"/>
+              <a:t>url</a:t>
+            </a:r>
+            <a:r>
+              <a:rPr lang="en-US" dirty="0"/>
+              <a:t> and file path from the news source and article category columns.</a:t>
+            </a:r>
+          </a:p>
+          <a:p>
+            <a:pPr>
+              <a:buClr>
+                <a:srgbClr val="FB9C04"/>
+              </a:buClr>
+            </a:pPr>
+            <a:r>
+              <a:rPr lang="en-US" dirty="0"/>
+              <a:t>Replaced any null values with zeros.</a:t>
+            </a:r>
+          </a:p>
+          <a:p>
+            <a:pPr>
+              <a:buClr>
+                <a:srgbClr val="FB9C04"/>
+              </a:buClr>
+            </a:pPr>
+            <a:r>
+              <a:rPr lang="en-US" dirty="0"/>
+              <a:t>Determined clickbait status and added to </a:t>
+            </a:r>
+            <a:r>
+              <a:rPr lang="en-US" dirty="0" err="1"/>
+              <a:t>dataframe</a:t>
+            </a:r>
+            <a:r>
+              <a:rPr lang="en-US" dirty="0"/>
+              <a:t>.</a:t>
+            </a:r>
+          </a:p>
+          <a:p>
+            <a:pPr>
+              <a:buClr>
+                <a:srgbClr val="FB9C04"/>
+              </a:buClr>
+            </a:pPr>
+            <a:r>
+              <a:rPr lang="en-US" dirty="0"/>
+              <a:t>Decided not to </a:t>
+            </a:r>
+            <a:r>
+              <a:rPr lang="en-US"/>
+              <a:t>delete duplicate </a:t>
+            </a:r>
+            <a:r>
+              <a:rPr lang="en-US" dirty="0"/>
+              <a:t>articles that are in more than </a:t>
+            </a:r>
+            <a:r>
+              <a:rPr lang="en-US"/>
+              <a:t>one category.</a:t>
+            </a:r>
+            <a:endParaRPr lang="en-US" dirty="0"/>
+          </a:p>
+        </p:txBody>
+      </p:sp>
+    </p:spTree>
+    <p:extLst>
+      <p:ext uri="{BB962C8B-B14F-4D97-AF65-F5344CB8AC3E}">
+        <p14:creationId xmlns:p14="http://schemas.microsoft.com/office/powerpoint/2010/main" val="499537275"/>
+      </p:ext>
+    </p:extLst>
+  </p:cSld>
+  <p:clrMapOvr>
+    <a:masterClrMapping/>
+  </p:clrMapOvr>
+  <mc:AlternateContent xmlns:mc="http://schemas.openxmlformats.org/markup-compatibility/2006">
+    <mc:Choice xmlns:p15="http://schemas.microsoft.com/office/powerpoint/2012/main" Requires="p15">
+      <p:transition xmlns:p14="http://schemas.microsoft.com/office/powerpoint/2010/main" spd="slow" p14:dur="2000">
+        <p15:prstTrans prst="drape"/>
+      </p:transition>
+    </mc:Choice>
+    <mc:Fallback>
+      <p:transition spd="slow">
+        <p:fade/>
+      </p:transition>
+    </mc:Fallback>
+  </mc:AlternateContent>
+</p:sld>
+</file>
+
+<file path=ppt/slides/slide5.xml><?xml version="1.0" encoding="utf-8"?>
+<p:sld xmlns:a="http://schemas.openxmlformats.org/drawingml/2006/main" xmlns:r="http://schemas.openxmlformats.org/officeDocument/2006/relationships" xmlns:p="http://schemas.openxmlformats.org/presentationml/2006/main">
+  <p:cSld>
+    <p:bg>
+      <p:bgPr>
+        <a:solidFill>
+          <a:schemeClr val="bg1"/>
+        </a:solidFill>
+        <a:effectLst/>
+      </p:bgPr>
+    </p:bg>
+    <p:spTree>
+      <p:nvGrpSpPr>
+        <p:cNvPr id="1" name=""/>
+        <p:cNvGrpSpPr/>
+        <p:nvPr/>
+      </p:nvGrpSpPr>
+      <p:grpSpPr>
+        <a:xfrm>
+          <a:off x="0" y="0"/>
+          <a:ext cx="0" cy="0"/>
+          <a:chOff x="0" y="0"/>
+          <a:chExt cx="0" cy="0"/>
+        </a:xfrm>
+      </p:grpSpPr>
+      <p:sp>
+        <p:nvSpPr>
           <p:cNvPr id="166" name="Rectangle 165">
             <a:extLst>
               <a:ext uri="{FF2B5EF4-FFF2-40B4-BE49-F238E27FC236}">
@@ -6200,7 +10747,7 @@
               <a:tabLst/>
               <a:defRPr/>
             </a:pPr>
-            <a:endParaRPr kumimoji="0" lang="en-US" sz="1800" b="0" i="0" u="none" strike="noStrike" kern="1200" cap="none" spc="0" normalizeH="0" baseline="0" noProof="0">
+            <a:endParaRPr kumimoji="0" lang="en-US" sz="1800" b="0" i="0" u="none" strike="noStrike" kern="1200" cap="none" spc="0" normalizeH="0" baseline="0" noProof="0" dirty="0">
               <a:ln>
                 <a:noFill/>
               </a:ln>
@@ -6229,9 +10776,12 @@
         </p:nvSpPr>
         <p:spPr>
           <a:xfrm>
-            <a:off x="524256" y="491260"/>
-            <a:ext cx="6594189" cy="1625210"/>
+            <a:off x="321732" y="321731"/>
+            <a:ext cx="7064121" cy="1964265"/>
           </a:xfrm>
+          <a:solidFill>
+            <a:srgbClr val="0070C0"/>
+          </a:solidFill>
         </p:spPr>
         <p:txBody>
           <a:bodyPr vert="horz" lIns="91440" tIns="45720" rIns="91440" bIns="45720" rtlCol="0" anchor="ctr">
@@ -6347,7 +10897,7 @@
               <a:tabLst/>
               <a:defRPr/>
             </a:pPr>
-            <a:endParaRPr kumimoji="0" lang="en-US" sz="1800" b="0" i="0" u="none" strike="noStrike" kern="1200" cap="none" spc="0" normalizeH="0" baseline="0" noProof="0">
+            <a:endParaRPr kumimoji="0" lang="en-US" sz="1800" b="0" i="0" u="none" strike="noStrike" kern="1200" cap="none" spc="0" normalizeH="0" baseline="0" noProof="0" dirty="0">
               <a:ln>
                 <a:noFill/>
               </a:ln>
@@ -6493,13 +11043,13 @@
   <p:clrMapOvr>
     <a:masterClrMapping/>
   </p:clrMapOvr>
-  <mc:AlternateContent xmlns:mc="http://schemas.openxmlformats.org/markup-compatibility/2006">
-    <mc:Choice xmlns:p14="http://schemas.microsoft.com/office/powerpoint/2010/main" Requires="p14">
+  <mc:AlternateContent xmlns:mc="http://schemas.openxmlformats.org/markup-compatibility/2006" xmlns:p14="http://schemas.microsoft.com/office/powerpoint/2010/main">
+    <mc:Choice Requires="p14">
       <p:transition spd="slow" p14:dur="1200">
         <p14:prism/>
       </p:transition>
     </mc:Choice>
-    <mc:Fallback>
+    <mc:Fallback xmlns="">
       <p:transition spd="slow">
         <p:fade/>
       </p:transition>
@@ -6508,7 +11058,7 @@
 </p:sld>
 </file>
 
-<file path=ppt/slides/slide4.xml><?xml version="1.0" encoding="utf-8"?>
+<file path=ppt/slides/slide6.xml><?xml version="1.0" encoding="utf-8"?>
 <p:sld xmlns:a="http://schemas.openxmlformats.org/drawingml/2006/main" xmlns:r="http://schemas.openxmlformats.org/officeDocument/2006/relationships" xmlns:p="http://schemas.openxmlformats.org/presentationml/2006/main">
   <p:cSld>
     <p:bg>
@@ -6595,7 +11145,7 @@
           <a:lstStyle/>
           <a:p>
             <a:pPr algn="ctr"/>
-            <a:endParaRPr lang="en-US"/>
+            <a:endParaRPr lang="en-US" dirty="0"/>
           </a:p>
         </p:txBody>
       </p:sp>
@@ -6658,7 +11208,7 @@
           <a:lstStyle/>
           <a:p>
             <a:pPr algn="ctr"/>
-            <a:endParaRPr lang="en-US"/>
+            <a:endParaRPr lang="en-US" dirty="0"/>
           </a:p>
         </p:txBody>
       </p:sp>
@@ -6732,13 +11282,13 @@
   <p:clrMapOvr>
     <a:masterClrMapping/>
   </p:clrMapOvr>
-  <mc:AlternateContent xmlns:mc="http://schemas.openxmlformats.org/markup-compatibility/2006">
-    <mc:Choice xmlns:p14="http://schemas.microsoft.com/office/powerpoint/2010/main" Requires="p14">
+  <mc:AlternateContent xmlns:mc="http://schemas.openxmlformats.org/markup-compatibility/2006" xmlns:p14="http://schemas.microsoft.com/office/powerpoint/2010/main">
+    <mc:Choice Requires="p14">
       <p:transition spd="slow" p14:dur="2000">
         <p14:ferris dir="l"/>
       </p:transition>
     </mc:Choice>
-    <mc:Fallback>
+    <mc:Fallback xmlns="">
       <p:transition spd="slow">
         <p:fade/>
       </p:transition>
@@ -6747,7 +11297,7 @@
 </p:sld>
 </file>
 
-<file path=ppt/slides/slide5.xml><?xml version="1.0" encoding="utf-8"?>
+<file path=ppt/slides/slide7.xml><?xml version="1.0" encoding="utf-8"?>
 <p:sld xmlns:a="http://schemas.openxmlformats.org/drawingml/2006/main" xmlns:r="http://schemas.openxmlformats.org/officeDocument/2006/relationships" xmlns:p="http://schemas.openxmlformats.org/presentationml/2006/main">
   <p:cSld>
     <p:spTree>
@@ -6782,19 +11332,39 @@
         </p:nvSpPr>
         <p:spPr/>
         <p:txBody>
-          <a:bodyPr/>
+          <a:bodyPr>
+            <a:noAutofit/>
+          </a:bodyPr>
           <a:lstStyle/>
           <a:p>
             <a:pPr algn="ctr"/>
             <a:r>
-              <a:rPr lang="en-US" dirty="0"/>
+              <a:rPr lang="en-US" sz="3200" dirty="0">
+                <a:solidFill>
+                  <a:srgbClr val="00B0F0"/>
+                </a:solidFill>
+                <a:latin typeface="Segoe UI" panose="020B0502040204020203" pitchFamily="34" charset="0"/>
+                <a:cs typeface="Segoe UI" panose="020B0502040204020203" pitchFamily="34" charset="0"/>
+              </a:rPr>
               <a:t>Biden vs. Trump </a:t>
             </a:r>
             <a:br>
-              <a:rPr lang="en-US" dirty="0"/>
+              <a:rPr lang="en-US" sz="3200" dirty="0">
+                <a:solidFill>
+                  <a:srgbClr val="00B0F0"/>
+                </a:solidFill>
+                <a:latin typeface="Segoe UI" panose="020B0502040204020203" pitchFamily="34" charset="0"/>
+                <a:cs typeface="Segoe UI" panose="020B0502040204020203" pitchFamily="34" charset="0"/>
+              </a:rPr>
             </a:br>
             <a:r>
-              <a:rPr lang="en-US" dirty="0"/>
+              <a:rPr lang="en-US" sz="3200" dirty="0">
+                <a:solidFill>
+                  <a:srgbClr val="00B0F0"/>
+                </a:solidFill>
+                <a:latin typeface="Segoe UI" panose="020B0502040204020203" pitchFamily="34" charset="0"/>
+                <a:cs typeface="Segoe UI" panose="020B0502040204020203" pitchFamily="34" charset="0"/>
+              </a:rPr>
               <a:t>emotional reactions</a:t>
             </a:r>
           </a:p>
@@ -6824,7 +11394,7 @@
         </p:blipFill>
         <p:spPr>
           <a:xfrm>
-            <a:off x="581193" y="1997240"/>
+            <a:off x="580465" y="1941362"/>
             <a:ext cx="5515535" cy="3952297"/>
           </a:xfrm>
         </p:spPr>
@@ -6853,7 +11423,7 @@
         </p:blipFill>
         <p:spPr>
           <a:xfrm>
-            <a:off x="6085221" y="1997240"/>
+            <a:off x="6096000" y="1997240"/>
             <a:ext cx="5041958" cy="3896419"/>
           </a:xfrm>
         </p:spPr>
@@ -6928,22 +11498,356 @@
   <p:clrMapOvr>
     <a:masterClrMapping/>
   </p:clrMapOvr>
-  <mc:AlternateContent xmlns:mc="http://schemas.openxmlformats.org/markup-compatibility/2006">
-    <mc:Choice xmlns:p14="http://schemas.microsoft.com/office/powerpoint/2010/main" Requires="p14">
+  <mc:AlternateContent xmlns:mc="http://schemas.openxmlformats.org/markup-compatibility/2006" xmlns:p14="http://schemas.microsoft.com/office/powerpoint/2010/main">
+    <mc:Choice Requires="p14">
       <p:transition spd="slow" p14:dur="1250">
         <p14:switch dir="r"/>
       </p:transition>
     </mc:Choice>
-    <mc:Fallback>
+    <mc:Fallback xmlns="">
       <p:transition spd="slow">
         <p:fade/>
       </p:transition>
     </mc:Fallback>
   </mc:AlternateContent>
+  <p:timing>
+    <p:tnLst>
+      <p:par>
+        <p:cTn id="1" dur="indefinite" restart="never" nodeType="tmRoot">
+          <p:childTnLst>
+            <p:seq concurrent="1" nextAc="seek">
+              <p:cTn id="2" dur="indefinite" nodeType="mainSeq">
+                <p:childTnLst>
+                  <p:par>
+                    <p:cTn id="3" fill="hold">
+                      <p:stCondLst>
+                        <p:cond delay="indefinite"/>
+                      </p:stCondLst>
+                      <p:childTnLst>
+                        <p:par>
+                          <p:cTn id="4" fill="hold">
+                            <p:stCondLst>
+                              <p:cond delay="0"/>
+                            </p:stCondLst>
+                            <p:childTnLst>
+                              <p:par>
+                                <p:cTn id="5" presetID="45" presetClass="entr" presetSubtype="0" fill="hold" nodeType="clickEffect">
+                                  <p:stCondLst>
+                                    <p:cond delay="0"/>
+                                  </p:stCondLst>
+                                  <p:childTnLst>
+                                    <p:set>
+                                      <p:cBhvr>
+                                        <p:cTn id="6" dur="1" fill="hold">
+                                          <p:stCondLst>
+                                            <p:cond delay="0"/>
+                                          </p:stCondLst>
+                                        </p:cTn>
+                                        <p:tgtEl>
+                                          <p:spTgt spid="15"/>
+                                        </p:tgtEl>
+                                        <p:attrNameLst>
+                                          <p:attrName>style.visibility</p:attrName>
+                                        </p:attrNameLst>
+                                      </p:cBhvr>
+                                      <p:to>
+                                        <p:strVal val="visible"/>
+                                      </p:to>
+                                    </p:set>
+                                    <p:animEffect transition="in" filter="fade">
+                                      <p:cBhvr>
+                                        <p:cTn id="7" dur="2000"/>
+                                        <p:tgtEl>
+                                          <p:spTgt spid="15"/>
+                                        </p:tgtEl>
+                                      </p:cBhvr>
+                                    </p:animEffect>
+                                    <p:anim calcmode="lin" valueType="num">
+                                      <p:cBhvr>
+                                        <p:cTn id="8" dur="2000" fill="hold"/>
+                                        <p:tgtEl>
+                                          <p:spTgt spid="15"/>
+                                        </p:tgtEl>
+                                        <p:attrNameLst>
+                                          <p:attrName>ppt_w</p:attrName>
+                                        </p:attrNameLst>
+                                      </p:cBhvr>
+                                      <p:tavLst>
+                                        <p:tav tm="0" fmla="#ppt_w*sin(2.5*pi*$)">
+                                          <p:val>
+                                            <p:fltVal val="0"/>
+                                          </p:val>
+                                        </p:tav>
+                                        <p:tav tm="100000">
+                                          <p:val>
+                                            <p:fltVal val="1"/>
+                                          </p:val>
+                                        </p:tav>
+                                      </p:tavLst>
+                                    </p:anim>
+                                    <p:anim calcmode="lin" valueType="num">
+                                      <p:cBhvr>
+                                        <p:cTn id="9" dur="2000" fill="hold"/>
+                                        <p:tgtEl>
+                                          <p:spTgt spid="15"/>
+                                        </p:tgtEl>
+                                        <p:attrNameLst>
+                                          <p:attrName>ppt_h</p:attrName>
+                                        </p:attrNameLst>
+                                      </p:cBhvr>
+                                      <p:tavLst>
+                                        <p:tav tm="0">
+                                          <p:val>
+                                            <p:strVal val="#ppt_h"/>
+                                          </p:val>
+                                        </p:tav>
+                                        <p:tav tm="100000">
+                                          <p:val>
+                                            <p:strVal val="#ppt_h"/>
+                                          </p:val>
+                                        </p:tav>
+                                      </p:tavLst>
+                                    </p:anim>
+                                  </p:childTnLst>
+                                </p:cTn>
+                              </p:par>
+                            </p:childTnLst>
+                          </p:cTn>
+                        </p:par>
+                      </p:childTnLst>
+                    </p:cTn>
+                  </p:par>
+                  <p:par>
+                    <p:cTn id="10" fill="hold">
+                      <p:stCondLst>
+                        <p:cond delay="indefinite"/>
+                      </p:stCondLst>
+                      <p:childTnLst>
+                        <p:par>
+                          <p:cTn id="11" fill="hold">
+                            <p:stCondLst>
+                              <p:cond delay="0"/>
+                            </p:stCondLst>
+                            <p:childTnLst>
+                              <p:par>
+                                <p:cTn id="12" presetID="21" presetClass="entr" presetSubtype="1" fill="hold" nodeType="clickEffect">
+                                  <p:stCondLst>
+                                    <p:cond delay="0"/>
+                                  </p:stCondLst>
+                                  <p:childTnLst>
+                                    <p:set>
+                                      <p:cBhvr>
+                                        <p:cTn id="13" dur="1" fill="hold">
+                                          <p:stCondLst>
+                                            <p:cond delay="0"/>
+                                          </p:stCondLst>
+                                        </p:cTn>
+                                        <p:tgtEl>
+                                          <p:spTgt spid="8"/>
+                                        </p:tgtEl>
+                                        <p:attrNameLst>
+                                          <p:attrName>style.visibility</p:attrName>
+                                        </p:attrNameLst>
+                                      </p:cBhvr>
+                                      <p:to>
+                                        <p:strVal val="visible"/>
+                                      </p:to>
+                                    </p:set>
+                                    <p:animEffect transition="in" filter="wheel(1)">
+                                      <p:cBhvr>
+                                        <p:cTn id="14" dur="2000"/>
+                                        <p:tgtEl>
+                                          <p:spTgt spid="8"/>
+                                        </p:tgtEl>
+                                      </p:cBhvr>
+                                    </p:animEffect>
+                                  </p:childTnLst>
+                                </p:cTn>
+                              </p:par>
+                            </p:childTnLst>
+                          </p:cTn>
+                        </p:par>
+                      </p:childTnLst>
+                    </p:cTn>
+                  </p:par>
+                  <p:par>
+                    <p:cTn id="15" fill="hold">
+                      <p:stCondLst>
+                        <p:cond delay="indefinite"/>
+                      </p:stCondLst>
+                      <p:childTnLst>
+                        <p:par>
+                          <p:cTn id="16" fill="hold">
+                            <p:stCondLst>
+                              <p:cond delay="0"/>
+                            </p:stCondLst>
+                            <p:childTnLst>
+                              <p:par>
+                                <p:cTn id="17" presetID="45" presetClass="entr" presetSubtype="0" fill="hold" nodeType="clickEffect">
+                                  <p:stCondLst>
+                                    <p:cond delay="0"/>
+                                  </p:stCondLst>
+                                  <p:childTnLst>
+                                    <p:set>
+                                      <p:cBhvr>
+                                        <p:cTn id="18" dur="1" fill="hold">
+                                          <p:stCondLst>
+                                            <p:cond delay="0"/>
+                                          </p:stCondLst>
+                                        </p:cTn>
+                                        <p:tgtEl>
+                                          <p:spTgt spid="13"/>
+                                        </p:tgtEl>
+                                        <p:attrNameLst>
+                                          <p:attrName>style.visibility</p:attrName>
+                                        </p:attrNameLst>
+                                      </p:cBhvr>
+                                      <p:to>
+                                        <p:strVal val="visible"/>
+                                      </p:to>
+                                    </p:set>
+                                    <p:animEffect transition="in" filter="fade">
+                                      <p:cBhvr>
+                                        <p:cTn id="19" dur="2000"/>
+                                        <p:tgtEl>
+                                          <p:spTgt spid="13"/>
+                                        </p:tgtEl>
+                                      </p:cBhvr>
+                                    </p:animEffect>
+                                    <p:anim calcmode="lin" valueType="num">
+                                      <p:cBhvr>
+                                        <p:cTn id="20" dur="2000" fill="hold"/>
+                                        <p:tgtEl>
+                                          <p:spTgt spid="13"/>
+                                        </p:tgtEl>
+                                        <p:attrNameLst>
+                                          <p:attrName>ppt_w</p:attrName>
+                                        </p:attrNameLst>
+                                      </p:cBhvr>
+                                      <p:tavLst>
+                                        <p:tav tm="0" fmla="#ppt_w*sin(2.5*pi*$)">
+                                          <p:val>
+                                            <p:fltVal val="0"/>
+                                          </p:val>
+                                        </p:tav>
+                                        <p:tav tm="100000">
+                                          <p:val>
+                                            <p:fltVal val="1"/>
+                                          </p:val>
+                                        </p:tav>
+                                      </p:tavLst>
+                                    </p:anim>
+                                    <p:anim calcmode="lin" valueType="num">
+                                      <p:cBhvr>
+                                        <p:cTn id="21" dur="2000" fill="hold"/>
+                                        <p:tgtEl>
+                                          <p:spTgt spid="13"/>
+                                        </p:tgtEl>
+                                        <p:attrNameLst>
+                                          <p:attrName>ppt_h</p:attrName>
+                                        </p:attrNameLst>
+                                      </p:cBhvr>
+                                      <p:tavLst>
+                                        <p:tav tm="0">
+                                          <p:val>
+                                            <p:strVal val="#ppt_h"/>
+                                          </p:val>
+                                        </p:tav>
+                                        <p:tav tm="100000">
+                                          <p:val>
+                                            <p:strVal val="#ppt_h"/>
+                                          </p:val>
+                                        </p:tav>
+                                      </p:tavLst>
+                                    </p:anim>
+                                  </p:childTnLst>
+                                </p:cTn>
+                              </p:par>
+                            </p:childTnLst>
+                          </p:cTn>
+                        </p:par>
+                      </p:childTnLst>
+                    </p:cTn>
+                  </p:par>
+                  <p:par>
+                    <p:cTn id="22" fill="hold">
+                      <p:stCondLst>
+                        <p:cond delay="indefinite"/>
+                      </p:stCondLst>
+                      <p:childTnLst>
+                        <p:par>
+                          <p:cTn id="23" fill="hold">
+                            <p:stCondLst>
+                              <p:cond delay="0"/>
+                            </p:stCondLst>
+                            <p:childTnLst>
+                              <p:par>
+                                <p:cTn id="24" presetID="21" presetClass="entr" presetSubtype="1" fill="hold" nodeType="clickEffect">
+                                  <p:stCondLst>
+                                    <p:cond delay="0"/>
+                                  </p:stCondLst>
+                                  <p:childTnLst>
+                                    <p:set>
+                                      <p:cBhvr>
+                                        <p:cTn id="25" dur="1" fill="hold">
+                                          <p:stCondLst>
+                                            <p:cond delay="0"/>
+                                          </p:stCondLst>
+                                        </p:cTn>
+                                        <p:tgtEl>
+                                          <p:spTgt spid="10"/>
+                                        </p:tgtEl>
+                                        <p:attrNameLst>
+                                          <p:attrName>style.visibility</p:attrName>
+                                        </p:attrNameLst>
+                                      </p:cBhvr>
+                                      <p:to>
+                                        <p:strVal val="visible"/>
+                                      </p:to>
+                                    </p:set>
+                                    <p:animEffect transition="in" filter="wheel(1)">
+                                      <p:cBhvr>
+                                        <p:cTn id="26" dur="2000"/>
+                                        <p:tgtEl>
+                                          <p:spTgt spid="10"/>
+                                        </p:tgtEl>
+                                      </p:cBhvr>
+                                    </p:animEffect>
+                                  </p:childTnLst>
+                                </p:cTn>
+                              </p:par>
+                            </p:childTnLst>
+                          </p:cTn>
+                        </p:par>
+                      </p:childTnLst>
+                    </p:cTn>
+                  </p:par>
+                </p:childTnLst>
+              </p:cTn>
+              <p:prevCondLst>
+                <p:cond evt="onPrev" delay="0">
+                  <p:tgtEl>
+                    <p:sldTgt/>
+                  </p:tgtEl>
+                </p:cond>
+              </p:prevCondLst>
+              <p:nextCondLst>
+                <p:cond evt="onNext" delay="0">
+                  <p:tgtEl>
+                    <p:sldTgt/>
+                  </p:tgtEl>
+                </p:cond>
+              </p:nextCondLst>
+            </p:seq>
+          </p:childTnLst>
+        </p:cTn>
+      </p:par>
+    </p:tnLst>
+  </p:timing>
 </p:sld>
 </file>
 
-<file path=ppt/slides/slide6.xml><?xml version="1.0" encoding="utf-8"?>
+<file path=ppt/slides/slide8.xml><?xml version="1.0" encoding="utf-8"?>
 <p:sld xmlns:a="http://schemas.openxmlformats.org/drawingml/2006/main" xmlns:r="http://schemas.openxmlformats.org/officeDocument/2006/relationships" xmlns:p="http://schemas.openxmlformats.org/presentationml/2006/main">
   <p:cSld>
     <p:spTree>
@@ -6978,26 +11882,38 @@
         </p:nvSpPr>
         <p:spPr>
           <a:xfrm>
-            <a:off x="581192" y="702156"/>
+            <a:off x="581191" y="709230"/>
             <a:ext cx="11029616" cy="928681"/>
           </a:xfrm>
         </p:spPr>
         <p:txBody>
           <a:bodyPr>
-            <a:normAutofit fontScale="90000"/>
+            <a:noAutofit/>
           </a:bodyPr>
           <a:lstStyle/>
           <a:p>
             <a:r>
-              <a:rPr lang="en-US" dirty="0"/>
+              <a:rPr lang="en-US" dirty="0">
+                <a:solidFill>
+                  <a:srgbClr val="FFFF00"/>
+                </a:solidFill>
+              </a:rPr>
               <a:t>Facebook Article Shares Compared</a:t>
             </a:r>
             <a:br>
-              <a:rPr lang="en-US" dirty="0"/>
+              <a:rPr lang="en-US" dirty="0">
+                <a:solidFill>
+                  <a:srgbClr val="FFFF00"/>
+                </a:solidFill>
+              </a:rPr>
             </a:br>
             <a:r>
-              <a:rPr lang="en-US" dirty="0"/>
-              <a:t> to Emotional Reactions.</a:t>
+              <a:rPr lang="en-US" dirty="0">
+                <a:solidFill>
+                  <a:srgbClr val="FFFF00"/>
+                </a:solidFill>
+              </a:rPr>
+              <a:t> to Emotional Reactions</a:t>
             </a:r>
           </a:p>
         </p:txBody>
@@ -7017,7 +11933,7 @@
           <p:nvPr/>
         </p:nvPicPr>
         <p:blipFill>
-          <a:blip r:embed="rId2"/>
+          <a:blip r:embed="rId3"/>
           <a:stretch>
             <a:fillRect/>
           </a:stretch>
@@ -7047,7 +11963,7 @@
           <p:nvPr/>
         </p:nvPicPr>
         <p:blipFill>
-          <a:blip r:embed="rId3"/>
+          <a:blip r:embed="rId4"/>
           <a:stretch>
             <a:fillRect/>
           </a:stretch>
@@ -7077,7 +11993,7 @@
           <p:nvPr/>
         </p:nvPicPr>
         <p:blipFill>
-          <a:blip r:embed="rId4"/>
+          <a:blip r:embed="rId5"/>
           <a:stretch>
             <a:fillRect/>
           </a:stretch>
@@ -7107,7 +12023,7 @@
           <p:nvPr/>
         </p:nvPicPr>
         <p:blipFill>
-          <a:blip r:embed="rId5"/>
+          <a:blip r:embed="rId6"/>
           <a:stretch>
             <a:fillRect/>
           </a:stretch>
@@ -7137,7 +12053,7 @@
           <p:nvPr/>
         </p:nvPicPr>
         <p:blipFill>
-          <a:blip r:embed="rId6"/>
+          <a:blip r:embed="rId7"/>
           <a:stretch>
             <a:fillRect/>
           </a:stretch>
@@ -7167,7 +12083,7 @@
           <p:nvPr/>
         </p:nvPicPr>
         <p:blipFill>
-          <a:blip r:embed="rId7"/>
+          <a:blip r:embed="rId8"/>
           <a:stretch>
             <a:fillRect/>
           </a:stretch>
@@ -7197,7 +12113,7 @@
           <p:nvPr/>
         </p:nvPicPr>
         <p:blipFill>
-          <a:blip r:embed="rId8"/>
+          <a:blip r:embed="rId9"/>
           <a:stretch>
             <a:fillRect/>
           </a:stretch>
@@ -7227,7 +12143,7 @@
           <p:nvPr/>
         </p:nvPicPr>
         <p:blipFill>
-          <a:blip r:embed="rId9"/>
+          <a:blip r:embed="rId10"/>
           <a:stretch>
             <a:fillRect/>
           </a:stretch>
@@ -7257,7 +12173,7 @@
           <p:nvPr/>
         </p:nvPicPr>
         <p:blipFill>
-          <a:blip r:embed="rId10"/>
+          <a:blip r:embed="rId11"/>
           <a:stretch>
             <a:fillRect/>
           </a:stretch>
@@ -7287,7 +12203,7 @@
           <p:nvPr/>
         </p:nvPicPr>
         <p:blipFill>
-          <a:blip r:embed="rId11"/>
+          <a:blip r:embed="rId12"/>
           <a:stretch>
             <a:fillRect/>
           </a:stretch>
@@ -7317,7 +12233,7 @@
           <p:nvPr/>
         </p:nvPicPr>
         <p:blipFill>
-          <a:blip r:embed="rId12"/>
+          <a:blip r:embed="rId13"/>
           <a:stretch>
             <a:fillRect/>
           </a:stretch>
@@ -7342,18 +12258,2010 @@
   <p:clrMapOvr>
     <a:masterClrMapping/>
   </p:clrMapOvr>
-  <mc:AlternateContent xmlns:mc="http://schemas.openxmlformats.org/markup-compatibility/2006">
-    <mc:Choice xmlns:p15="http://schemas.microsoft.com/office/powerpoint/2012/main" Requires="p15">
+  <mc:AlternateContent xmlns:mc="http://schemas.openxmlformats.org/markup-compatibility/2006" xmlns:p15="http://schemas.microsoft.com/office/powerpoint/2012/main">
+    <mc:Choice Requires="p15">
       <p:transition xmlns:p14="http://schemas.microsoft.com/office/powerpoint/2010/main" spd="slow" p14:dur="2000">
         <p15:prstTrans prst="origami"/>
       </p:transition>
     </mc:Choice>
-    <mc:Fallback>
+    <mc:Fallback xmlns="">
       <p:transition spd="slow">
         <p:fade/>
       </p:transition>
     </mc:Fallback>
   </mc:AlternateContent>
+</p:sld>
+</file>
+
+<file path=ppt/slides/slide9.xml><?xml version="1.0" encoding="utf-8"?>
+<p:sld xmlns:a="http://schemas.openxmlformats.org/drawingml/2006/main" xmlns:r="http://schemas.openxmlformats.org/officeDocument/2006/relationships" xmlns:p="http://schemas.openxmlformats.org/presentationml/2006/main">
+  <p:cSld>
+    <p:spTree>
+      <p:nvGrpSpPr>
+        <p:cNvPr id="1" name=""/>
+        <p:cNvGrpSpPr/>
+        <p:nvPr/>
+      </p:nvGrpSpPr>
+      <p:grpSpPr>
+        <a:xfrm>
+          <a:off x="0" y="0"/>
+          <a:ext cx="0" cy="0"/>
+          <a:chOff x="0" y="0"/>
+          <a:chExt cx="0" cy="0"/>
+        </a:xfrm>
+      </p:grpSpPr>
+      <p:grpSp>
+        <p:nvGrpSpPr>
+          <p:cNvPr id="55" name="Group 54">
+            <a:extLst>
+              <a:ext uri="{FF2B5EF4-FFF2-40B4-BE49-F238E27FC236}">
+                <a16:creationId xmlns:a16="http://schemas.microsoft.com/office/drawing/2014/main" id="{43FF046A-FB57-44FC-BF38-8BD5BE755A05}"/>
+              </a:ext>
+            </a:extLst>
+          </p:cNvPr>
+          <p:cNvGrpSpPr/>
+          <p:nvPr/>
+        </p:nvGrpSpPr>
+        <p:grpSpPr>
+          <a:xfrm>
+            <a:off x="522514" y="1"/>
+            <a:ext cx="11263087" cy="3429000"/>
+            <a:chOff x="522514" y="1"/>
+            <a:chExt cx="11263087" cy="3429000"/>
+          </a:xfrm>
+        </p:grpSpPr>
+        <p:grpSp>
+          <p:nvGrpSpPr>
+            <p:cNvPr id="36" name="Group 35">
+              <a:extLst>
+                <a:ext uri="{FF2B5EF4-FFF2-40B4-BE49-F238E27FC236}">
+                  <a16:creationId xmlns:a16="http://schemas.microsoft.com/office/drawing/2014/main" id="{5CBC10C6-B10F-4B3A-A992-0E2056D842DD}"/>
+                </a:ext>
+              </a:extLst>
+            </p:cNvPr>
+            <p:cNvGrpSpPr/>
+            <p:nvPr/>
+          </p:nvGrpSpPr>
+          <p:grpSpPr>
+            <a:xfrm>
+              <a:off x="522514" y="1"/>
+              <a:ext cx="2467429" cy="3429000"/>
+              <a:chOff x="522514" y="1"/>
+              <a:chExt cx="2467429" cy="3429000"/>
+            </a:xfrm>
+          </p:grpSpPr>
+          <p:sp>
+            <p:nvSpPr>
+              <p:cNvPr id="3" name="Arrow: Pentagon 2">
+                <a:extLst>
+                  <a:ext uri="{FF2B5EF4-FFF2-40B4-BE49-F238E27FC236}">
+                    <a16:creationId xmlns:a16="http://schemas.microsoft.com/office/drawing/2014/main" id="{9F9665FF-1037-46B4-9D8E-BF293BBFB8E8}"/>
+                  </a:ext>
+                </a:extLst>
+              </p:cNvPr>
+              <p:cNvSpPr/>
+              <p:nvPr/>
+            </p:nvSpPr>
+            <p:spPr>
+              <a:xfrm rot="5400000">
+                <a:off x="49055" y="488116"/>
+                <a:ext cx="3429000" cy="2452769"/>
+              </a:xfrm>
+              <a:prstGeom prst="homePlate">
+                <a:avLst>
+                  <a:gd name="adj" fmla="val 32839"/>
+                </a:avLst>
+              </a:prstGeom>
+              <a:solidFill>
+                <a:schemeClr val="accent1">
+                  <a:lumMod val="50000"/>
+                  <a:lumOff val="50000"/>
+                </a:schemeClr>
+              </a:solidFill>
+              <a:ln>
+                <a:noFill/>
+              </a:ln>
+            </p:spPr>
+            <p:style>
+              <a:lnRef idx="2">
+                <a:schemeClr val="accent1">
+                  <a:shade val="50000"/>
+                </a:schemeClr>
+              </a:lnRef>
+              <a:fillRef idx="1">
+                <a:schemeClr val="accent1"/>
+              </a:fillRef>
+              <a:effectRef idx="0">
+                <a:schemeClr val="accent1"/>
+              </a:effectRef>
+              <a:fontRef idx="minor">
+                <a:schemeClr val="lt1"/>
+              </a:fontRef>
+            </p:style>
+            <p:txBody>
+              <a:bodyPr rtlCol="0" anchor="ctr"/>
+              <a:lstStyle/>
+              <a:p>
+                <a:pPr algn="ctr"/>
+                <a:endParaRPr lang="en-US"/>
+              </a:p>
+            </p:txBody>
+          </p:sp>
+          <p:sp>
+            <p:nvSpPr>
+              <p:cNvPr id="4" name="Rectangle 3">
+                <a:extLst>
+                  <a:ext uri="{FF2B5EF4-FFF2-40B4-BE49-F238E27FC236}">
+                    <a16:creationId xmlns:a16="http://schemas.microsoft.com/office/drawing/2014/main" id="{259CC726-B24C-47F6-8578-F1AA0318F6DF}"/>
+                  </a:ext>
+                </a:extLst>
+              </p:cNvPr>
+              <p:cNvSpPr/>
+              <p:nvPr/>
+            </p:nvSpPr>
+            <p:spPr>
+              <a:xfrm>
+                <a:off x="522514" y="362857"/>
+                <a:ext cx="2467429" cy="290286"/>
+              </a:xfrm>
+              <a:prstGeom prst="rect">
+                <a:avLst/>
+              </a:prstGeom>
+              <a:solidFill>
+                <a:schemeClr val="bg1">
+                  <a:alpha val="34000"/>
+                </a:schemeClr>
+              </a:solidFill>
+              <a:ln>
+                <a:noFill/>
+              </a:ln>
+            </p:spPr>
+            <p:style>
+              <a:lnRef idx="2">
+                <a:schemeClr val="accent1">
+                  <a:shade val="50000"/>
+                </a:schemeClr>
+              </a:lnRef>
+              <a:fillRef idx="1">
+                <a:schemeClr val="accent1"/>
+              </a:fillRef>
+              <a:effectRef idx="0">
+                <a:schemeClr val="accent1"/>
+              </a:effectRef>
+              <a:fontRef idx="minor">
+                <a:schemeClr val="lt1"/>
+              </a:fontRef>
+            </p:style>
+            <p:txBody>
+              <a:bodyPr rtlCol="0" anchor="ctr"/>
+              <a:lstStyle/>
+              <a:p>
+                <a:pPr algn="ctr"/>
+                <a:endParaRPr lang="en-US"/>
+              </a:p>
+            </p:txBody>
+          </p:sp>
+          <p:grpSp>
+            <p:nvGrpSpPr>
+              <p:cNvPr id="5" name="Group 4">
+                <a:extLst>
+                  <a:ext uri="{FF2B5EF4-FFF2-40B4-BE49-F238E27FC236}">
+                    <a16:creationId xmlns:a16="http://schemas.microsoft.com/office/drawing/2014/main" id="{11740B37-62FF-472C-9506-CC572599006E}"/>
+                  </a:ext>
+                </a:extLst>
+              </p:cNvPr>
+              <p:cNvGrpSpPr/>
+              <p:nvPr/>
+            </p:nvGrpSpPr>
+            <p:grpSpPr>
+              <a:xfrm>
+                <a:off x="743462" y="1016000"/>
+                <a:ext cx="2040186" cy="1522398"/>
+                <a:chOff x="732043" y="1016000"/>
+                <a:chExt cx="2040186" cy="1522398"/>
+              </a:xfrm>
+            </p:grpSpPr>
+            <p:sp>
+              <p:nvSpPr>
+                <p:cNvPr id="34" name="TextBox 33">
+                  <a:extLst>
+                    <a:ext uri="{FF2B5EF4-FFF2-40B4-BE49-F238E27FC236}">
+                      <a16:creationId xmlns:a16="http://schemas.microsoft.com/office/drawing/2014/main" id="{B5CBD8F6-4EC0-44CC-9D9E-301BC06FA25B}"/>
+                    </a:ext>
+                  </a:extLst>
+                </p:cNvPr>
+                <p:cNvSpPr txBox="1"/>
+                <p:nvPr/>
+              </p:nvSpPr>
+              <p:spPr>
+                <a:xfrm>
+                  <a:off x="732043" y="1584291"/>
+                  <a:ext cx="2040186" cy="954107"/>
+                </a:xfrm>
+                <a:prstGeom prst="rect">
+                  <a:avLst/>
+                </a:prstGeom>
+                <a:noFill/>
+              </p:spPr>
+              <p:txBody>
+                <a:bodyPr wrap="square" rtlCol="0">
+                  <a:spAutoFit/>
+                </a:bodyPr>
+                <a:lstStyle/>
+                <a:p>
+                  <a:pPr lvl="0" algn="ctr"/>
+                  <a:r>
+                    <a:rPr lang="en-US" sz="1400" dirty="0">
+                      <a:solidFill>
+                        <a:schemeClr val="bg1"/>
+                      </a:solidFill>
+                      <a:latin typeface="Georgia Pro Light" panose="02040302050405020303" pitchFamily="18" charset="0"/>
+                    </a:rPr>
+                    <a:t>Covid-19 Articles have been the most liked, shared and commented on by far so far this year.</a:t>
+                  </a:r>
+                </a:p>
+              </p:txBody>
+            </p:sp>
+            <p:sp>
+              <p:nvSpPr>
+                <p:cNvPr id="35" name="TextBox 34">
+                  <a:extLst>
+                    <a:ext uri="{FF2B5EF4-FFF2-40B4-BE49-F238E27FC236}">
+                      <a16:creationId xmlns:a16="http://schemas.microsoft.com/office/drawing/2014/main" id="{A19D23A2-FB66-4B72-B59B-875391E2AD5C}"/>
+                    </a:ext>
+                  </a:extLst>
+                </p:cNvPr>
+                <p:cNvSpPr txBox="1"/>
+                <p:nvPr/>
+              </p:nvSpPr>
+              <p:spPr>
+                <a:xfrm>
+                  <a:off x="732043" y="1016000"/>
+                  <a:ext cx="2040186" cy="369332"/>
+                </a:xfrm>
+                <a:prstGeom prst="rect">
+                  <a:avLst/>
+                </a:prstGeom>
+                <a:noFill/>
+              </p:spPr>
+              <p:txBody>
+                <a:bodyPr wrap="square" rtlCol="0">
+                  <a:spAutoFit/>
+                </a:bodyPr>
+                <a:lstStyle/>
+                <a:p>
+                  <a:pPr lvl="0" algn="ctr"/>
+                  <a:r>
+                    <a:rPr lang="en-US" b="1" dirty="0">
+                      <a:solidFill>
+                        <a:schemeClr val="bg1"/>
+                      </a:solidFill>
+                      <a:latin typeface="Georgia" panose="02040502050405020303" pitchFamily="18" charset="0"/>
+                    </a:rPr>
+                    <a:t>Conclusion 1</a:t>
+                  </a:r>
+                </a:p>
+              </p:txBody>
+            </p:sp>
+          </p:grpSp>
+        </p:grpSp>
+        <p:grpSp>
+          <p:nvGrpSpPr>
+            <p:cNvPr id="37" name="Group 36">
+              <a:extLst>
+                <a:ext uri="{FF2B5EF4-FFF2-40B4-BE49-F238E27FC236}">
+                  <a16:creationId xmlns:a16="http://schemas.microsoft.com/office/drawing/2014/main" id="{873839FA-07F8-4575-8192-5E05508651D8}"/>
+                </a:ext>
+              </a:extLst>
+            </p:cNvPr>
+            <p:cNvGrpSpPr/>
+            <p:nvPr/>
+          </p:nvGrpSpPr>
+          <p:grpSpPr>
+            <a:xfrm>
+              <a:off x="3454400" y="1"/>
+              <a:ext cx="2467429" cy="3429000"/>
+              <a:chOff x="522514" y="1"/>
+              <a:chExt cx="2467429" cy="3429000"/>
+            </a:xfrm>
+          </p:grpSpPr>
+          <p:sp>
+            <p:nvSpPr>
+              <p:cNvPr id="38" name="Arrow: Pentagon 37">
+                <a:extLst>
+                  <a:ext uri="{FF2B5EF4-FFF2-40B4-BE49-F238E27FC236}">
+                    <a16:creationId xmlns:a16="http://schemas.microsoft.com/office/drawing/2014/main" id="{DEA24CB7-339D-48D6-B073-C7D4D5FCEB60}"/>
+                  </a:ext>
+                </a:extLst>
+              </p:cNvPr>
+              <p:cNvSpPr/>
+              <p:nvPr/>
+            </p:nvSpPr>
+            <p:spPr>
+              <a:xfrm rot="5400000">
+                <a:off x="49055" y="488116"/>
+                <a:ext cx="3429000" cy="2452769"/>
+              </a:xfrm>
+              <a:prstGeom prst="homePlate">
+                <a:avLst>
+                  <a:gd name="adj" fmla="val 32839"/>
+                </a:avLst>
+              </a:prstGeom>
+              <a:solidFill>
+                <a:srgbClr val="FFC000"/>
+              </a:solidFill>
+              <a:ln>
+                <a:noFill/>
+              </a:ln>
+            </p:spPr>
+            <p:style>
+              <a:lnRef idx="2">
+                <a:schemeClr val="accent1">
+                  <a:shade val="50000"/>
+                </a:schemeClr>
+              </a:lnRef>
+              <a:fillRef idx="1">
+                <a:schemeClr val="accent1"/>
+              </a:fillRef>
+              <a:effectRef idx="0">
+                <a:schemeClr val="accent1"/>
+              </a:effectRef>
+              <a:fontRef idx="minor">
+                <a:schemeClr val="lt1"/>
+              </a:fontRef>
+            </p:style>
+            <p:txBody>
+              <a:bodyPr rtlCol="0" anchor="ctr"/>
+              <a:lstStyle/>
+              <a:p>
+                <a:pPr algn="ctr"/>
+                <a:endParaRPr lang="en-US"/>
+              </a:p>
+            </p:txBody>
+          </p:sp>
+          <p:sp>
+            <p:nvSpPr>
+              <p:cNvPr id="39" name="Rectangle 38">
+                <a:extLst>
+                  <a:ext uri="{FF2B5EF4-FFF2-40B4-BE49-F238E27FC236}">
+                    <a16:creationId xmlns:a16="http://schemas.microsoft.com/office/drawing/2014/main" id="{DA0EB9F1-8E28-467B-BEEC-7118F812B92D}"/>
+                  </a:ext>
+                </a:extLst>
+              </p:cNvPr>
+              <p:cNvSpPr/>
+              <p:nvPr/>
+            </p:nvSpPr>
+            <p:spPr>
+              <a:xfrm>
+                <a:off x="522514" y="362857"/>
+                <a:ext cx="2467429" cy="290286"/>
+              </a:xfrm>
+              <a:prstGeom prst="rect">
+                <a:avLst/>
+              </a:prstGeom>
+              <a:solidFill>
+                <a:schemeClr val="bg1">
+                  <a:alpha val="34000"/>
+                </a:schemeClr>
+              </a:solidFill>
+              <a:ln>
+                <a:noFill/>
+              </a:ln>
+            </p:spPr>
+            <p:style>
+              <a:lnRef idx="2">
+                <a:schemeClr val="accent1">
+                  <a:shade val="50000"/>
+                </a:schemeClr>
+              </a:lnRef>
+              <a:fillRef idx="1">
+                <a:schemeClr val="accent1"/>
+              </a:fillRef>
+              <a:effectRef idx="0">
+                <a:schemeClr val="accent1"/>
+              </a:effectRef>
+              <a:fontRef idx="minor">
+                <a:schemeClr val="lt1"/>
+              </a:fontRef>
+            </p:style>
+            <p:txBody>
+              <a:bodyPr rtlCol="0" anchor="ctr"/>
+              <a:lstStyle/>
+              <a:p>
+                <a:pPr algn="ctr"/>
+                <a:endParaRPr lang="en-US"/>
+              </a:p>
+            </p:txBody>
+          </p:sp>
+          <p:grpSp>
+            <p:nvGrpSpPr>
+              <p:cNvPr id="40" name="Group 39">
+                <a:extLst>
+                  <a:ext uri="{FF2B5EF4-FFF2-40B4-BE49-F238E27FC236}">
+                    <a16:creationId xmlns:a16="http://schemas.microsoft.com/office/drawing/2014/main" id="{895DCB7C-8C14-42A6-9691-D56363AAED5C}"/>
+                  </a:ext>
+                </a:extLst>
+              </p:cNvPr>
+              <p:cNvGrpSpPr/>
+              <p:nvPr/>
+            </p:nvGrpSpPr>
+            <p:grpSpPr>
+              <a:xfrm>
+                <a:off x="743462" y="1016000"/>
+                <a:ext cx="2040186" cy="1953286"/>
+                <a:chOff x="732043" y="1016000"/>
+                <a:chExt cx="2040186" cy="1953286"/>
+              </a:xfrm>
+            </p:grpSpPr>
+            <p:sp>
+              <p:nvSpPr>
+                <p:cNvPr id="41" name="TextBox 40">
+                  <a:extLst>
+                    <a:ext uri="{FF2B5EF4-FFF2-40B4-BE49-F238E27FC236}">
+                      <a16:creationId xmlns:a16="http://schemas.microsoft.com/office/drawing/2014/main" id="{0859E440-C936-4C68-8106-42C0987E4877}"/>
+                    </a:ext>
+                  </a:extLst>
+                </p:cNvPr>
+                <p:cNvSpPr txBox="1"/>
+                <p:nvPr/>
+              </p:nvSpPr>
+              <p:spPr>
+                <a:xfrm>
+                  <a:off x="732043" y="1584291"/>
+                  <a:ext cx="2040186" cy="1384995"/>
+                </a:xfrm>
+                <a:prstGeom prst="rect">
+                  <a:avLst/>
+                </a:prstGeom>
+                <a:noFill/>
+              </p:spPr>
+              <p:txBody>
+                <a:bodyPr wrap="square" rtlCol="0">
+                  <a:spAutoFit/>
+                </a:bodyPr>
+                <a:lstStyle/>
+                <a:p>
+                  <a:pPr lvl="0" algn="ctr"/>
+                  <a:r>
+                    <a:rPr lang="en-US" sz="1400" dirty="0">
+                      <a:solidFill>
+                        <a:schemeClr val="bg1"/>
+                      </a:solidFill>
+                      <a:latin typeface="Georgia Pro Light" panose="02040302050405020303" pitchFamily="18" charset="0"/>
+                    </a:rPr>
+                    <a:t>Anger is the most common reaction by far to most articles. The exceptions are entertainment and Biden.</a:t>
+                  </a:r>
+                </a:p>
+              </p:txBody>
+            </p:sp>
+            <p:sp>
+              <p:nvSpPr>
+                <p:cNvPr id="42" name="TextBox 41">
+                  <a:extLst>
+                    <a:ext uri="{FF2B5EF4-FFF2-40B4-BE49-F238E27FC236}">
+                      <a16:creationId xmlns:a16="http://schemas.microsoft.com/office/drawing/2014/main" id="{566297DD-1932-49E8-B714-EA03A32798F9}"/>
+                    </a:ext>
+                  </a:extLst>
+                </p:cNvPr>
+                <p:cNvSpPr txBox="1"/>
+                <p:nvPr/>
+              </p:nvSpPr>
+              <p:spPr>
+                <a:xfrm>
+                  <a:off x="732043" y="1016000"/>
+                  <a:ext cx="2040186" cy="369332"/>
+                </a:xfrm>
+                <a:prstGeom prst="rect">
+                  <a:avLst/>
+                </a:prstGeom>
+                <a:noFill/>
+              </p:spPr>
+              <p:txBody>
+                <a:bodyPr wrap="square" rtlCol="0">
+                  <a:spAutoFit/>
+                </a:bodyPr>
+                <a:lstStyle/>
+                <a:p>
+                  <a:pPr lvl="0" algn="ctr"/>
+                  <a:r>
+                    <a:rPr lang="en-US" b="1" dirty="0">
+                      <a:solidFill>
+                        <a:schemeClr val="bg1"/>
+                      </a:solidFill>
+                      <a:latin typeface="Georgia" panose="02040502050405020303" pitchFamily="18" charset="0"/>
+                    </a:rPr>
+                    <a:t>Conclusion 2</a:t>
+                  </a:r>
+                </a:p>
+              </p:txBody>
+            </p:sp>
+          </p:grpSp>
+        </p:grpSp>
+        <p:grpSp>
+          <p:nvGrpSpPr>
+            <p:cNvPr id="43" name="Group 42">
+              <a:extLst>
+                <a:ext uri="{FF2B5EF4-FFF2-40B4-BE49-F238E27FC236}">
+                  <a16:creationId xmlns:a16="http://schemas.microsoft.com/office/drawing/2014/main" id="{F796C4A8-F24B-4851-BEB7-F7D0FCC9C684}"/>
+                </a:ext>
+              </a:extLst>
+            </p:cNvPr>
+            <p:cNvGrpSpPr/>
+            <p:nvPr/>
+          </p:nvGrpSpPr>
+          <p:grpSpPr>
+            <a:xfrm>
+              <a:off x="6386286" y="1"/>
+              <a:ext cx="2467429" cy="3429000"/>
+              <a:chOff x="522514" y="1"/>
+              <a:chExt cx="2467429" cy="3429000"/>
+            </a:xfrm>
+          </p:grpSpPr>
+          <p:sp>
+            <p:nvSpPr>
+              <p:cNvPr id="44" name="Arrow: Pentagon 43">
+                <a:extLst>
+                  <a:ext uri="{FF2B5EF4-FFF2-40B4-BE49-F238E27FC236}">
+                    <a16:creationId xmlns:a16="http://schemas.microsoft.com/office/drawing/2014/main" id="{70D47DC5-4A5C-429B-9D4C-1DC78BA4CD39}"/>
+                  </a:ext>
+                </a:extLst>
+              </p:cNvPr>
+              <p:cNvSpPr/>
+              <p:nvPr/>
+            </p:nvSpPr>
+            <p:spPr>
+              <a:xfrm rot="5400000">
+                <a:off x="49055" y="488116"/>
+                <a:ext cx="3429000" cy="2452769"/>
+              </a:xfrm>
+              <a:prstGeom prst="homePlate">
+                <a:avLst>
+                  <a:gd name="adj" fmla="val 32839"/>
+                </a:avLst>
+              </a:prstGeom>
+              <a:solidFill>
+                <a:srgbClr val="FF0000"/>
+              </a:solidFill>
+              <a:ln>
+                <a:noFill/>
+              </a:ln>
+            </p:spPr>
+            <p:style>
+              <a:lnRef idx="2">
+                <a:schemeClr val="accent1">
+                  <a:shade val="50000"/>
+                </a:schemeClr>
+              </a:lnRef>
+              <a:fillRef idx="1">
+                <a:schemeClr val="accent1"/>
+              </a:fillRef>
+              <a:effectRef idx="0">
+                <a:schemeClr val="accent1"/>
+              </a:effectRef>
+              <a:fontRef idx="minor">
+                <a:schemeClr val="lt1"/>
+              </a:fontRef>
+            </p:style>
+            <p:txBody>
+              <a:bodyPr rtlCol="0" anchor="ctr"/>
+              <a:lstStyle/>
+              <a:p>
+                <a:pPr algn="ctr"/>
+                <a:endParaRPr lang="en-US"/>
+              </a:p>
+            </p:txBody>
+          </p:sp>
+          <p:sp>
+            <p:nvSpPr>
+              <p:cNvPr id="45" name="Rectangle 44">
+                <a:extLst>
+                  <a:ext uri="{FF2B5EF4-FFF2-40B4-BE49-F238E27FC236}">
+                    <a16:creationId xmlns:a16="http://schemas.microsoft.com/office/drawing/2014/main" id="{43433E84-EF0B-4800-8B6C-2F8F9ABEFAB9}"/>
+                  </a:ext>
+                </a:extLst>
+              </p:cNvPr>
+              <p:cNvSpPr/>
+              <p:nvPr/>
+            </p:nvSpPr>
+            <p:spPr>
+              <a:xfrm>
+                <a:off x="522514" y="362857"/>
+                <a:ext cx="2467429" cy="290286"/>
+              </a:xfrm>
+              <a:prstGeom prst="rect">
+                <a:avLst/>
+              </a:prstGeom>
+              <a:solidFill>
+                <a:schemeClr val="bg1">
+                  <a:alpha val="34000"/>
+                </a:schemeClr>
+              </a:solidFill>
+              <a:ln>
+                <a:noFill/>
+              </a:ln>
+            </p:spPr>
+            <p:style>
+              <a:lnRef idx="2">
+                <a:schemeClr val="accent1">
+                  <a:shade val="50000"/>
+                </a:schemeClr>
+              </a:lnRef>
+              <a:fillRef idx="1">
+                <a:schemeClr val="accent1"/>
+              </a:fillRef>
+              <a:effectRef idx="0">
+                <a:schemeClr val="accent1"/>
+              </a:effectRef>
+              <a:fontRef idx="minor">
+                <a:schemeClr val="lt1"/>
+              </a:fontRef>
+            </p:style>
+            <p:txBody>
+              <a:bodyPr rtlCol="0" anchor="ctr"/>
+              <a:lstStyle/>
+              <a:p>
+                <a:pPr algn="ctr"/>
+                <a:endParaRPr lang="en-US"/>
+              </a:p>
+            </p:txBody>
+          </p:sp>
+          <p:grpSp>
+            <p:nvGrpSpPr>
+              <p:cNvPr id="46" name="Group 45">
+                <a:extLst>
+                  <a:ext uri="{FF2B5EF4-FFF2-40B4-BE49-F238E27FC236}">
+                    <a16:creationId xmlns:a16="http://schemas.microsoft.com/office/drawing/2014/main" id="{51B24B91-0F61-4DCA-B052-86A109AF0152}"/>
+                  </a:ext>
+                </a:extLst>
+              </p:cNvPr>
+              <p:cNvGrpSpPr/>
+              <p:nvPr/>
+            </p:nvGrpSpPr>
+            <p:grpSpPr>
+              <a:xfrm>
+                <a:off x="743462" y="1016000"/>
+                <a:ext cx="2040186" cy="1953286"/>
+                <a:chOff x="732043" y="1016000"/>
+                <a:chExt cx="2040186" cy="1953286"/>
+              </a:xfrm>
+            </p:grpSpPr>
+            <p:sp>
+              <p:nvSpPr>
+                <p:cNvPr id="47" name="TextBox 46">
+                  <a:extLst>
+                    <a:ext uri="{FF2B5EF4-FFF2-40B4-BE49-F238E27FC236}">
+                      <a16:creationId xmlns:a16="http://schemas.microsoft.com/office/drawing/2014/main" id="{419F198A-F144-423A-AA70-E9B012995AC0}"/>
+                    </a:ext>
+                  </a:extLst>
+                </p:cNvPr>
+                <p:cNvSpPr txBox="1"/>
+                <p:nvPr/>
+              </p:nvSpPr>
+              <p:spPr>
+                <a:xfrm>
+                  <a:off x="732043" y="1584291"/>
+                  <a:ext cx="2040186" cy="1384995"/>
+                </a:xfrm>
+                <a:prstGeom prst="rect">
+                  <a:avLst/>
+                </a:prstGeom>
+                <a:noFill/>
+              </p:spPr>
+              <p:txBody>
+                <a:bodyPr wrap="square" rtlCol="0">
+                  <a:spAutoFit/>
+                </a:bodyPr>
+                <a:lstStyle/>
+                <a:p>
+                  <a:pPr lvl="0" algn="ctr"/>
+                  <a:r>
+                    <a:rPr lang="en-US" sz="1400" dirty="0">
+                      <a:solidFill>
+                        <a:schemeClr val="bg1"/>
+                      </a:solidFill>
+                      <a:latin typeface="Georgia Pro Light" panose="02040302050405020303" pitchFamily="18" charset="0"/>
+                    </a:rPr>
+                    <a:t>Anger and </a:t>
+                  </a:r>
+                  <a:r>
+                    <a:rPr lang="en-US" sz="1400" dirty="0" err="1">
+                      <a:solidFill>
+                        <a:schemeClr val="bg1"/>
+                      </a:solidFill>
+                      <a:latin typeface="Georgia Pro Light" panose="02040302050405020303" pitchFamily="18" charset="0"/>
+                    </a:rPr>
+                    <a:t>Haha</a:t>
+                  </a:r>
+                  <a:r>
+                    <a:rPr lang="en-US" sz="1400" dirty="0">
+                      <a:solidFill>
+                        <a:schemeClr val="bg1"/>
+                      </a:solidFill>
+                      <a:latin typeface="Georgia Pro Light" panose="02040302050405020303" pitchFamily="18" charset="0"/>
+                    </a:rPr>
+                    <a:t> reactions make up around 70% of reactions to both Trump and Biden articles, but reversed.</a:t>
+                  </a:r>
+                </a:p>
+              </p:txBody>
+            </p:sp>
+            <p:sp>
+              <p:nvSpPr>
+                <p:cNvPr id="48" name="TextBox 47">
+                  <a:extLst>
+                    <a:ext uri="{FF2B5EF4-FFF2-40B4-BE49-F238E27FC236}">
+                      <a16:creationId xmlns:a16="http://schemas.microsoft.com/office/drawing/2014/main" id="{F706B3E7-AA61-4413-AA25-4E271EC203F0}"/>
+                    </a:ext>
+                  </a:extLst>
+                </p:cNvPr>
+                <p:cNvSpPr txBox="1"/>
+                <p:nvPr/>
+              </p:nvSpPr>
+              <p:spPr>
+                <a:xfrm>
+                  <a:off x="732043" y="1016000"/>
+                  <a:ext cx="2040186" cy="369332"/>
+                </a:xfrm>
+                <a:prstGeom prst="rect">
+                  <a:avLst/>
+                </a:prstGeom>
+                <a:noFill/>
+              </p:spPr>
+              <p:txBody>
+                <a:bodyPr wrap="square" rtlCol="0">
+                  <a:spAutoFit/>
+                </a:bodyPr>
+                <a:lstStyle/>
+                <a:p>
+                  <a:pPr lvl="0" algn="ctr"/>
+                  <a:r>
+                    <a:rPr lang="en-US" b="1" dirty="0">
+                      <a:solidFill>
+                        <a:schemeClr val="bg1"/>
+                      </a:solidFill>
+                      <a:latin typeface="Georgia" panose="02040502050405020303" pitchFamily="18" charset="0"/>
+                    </a:rPr>
+                    <a:t>Conclusion 3</a:t>
+                  </a:r>
+                </a:p>
+              </p:txBody>
+            </p:sp>
+          </p:grpSp>
+        </p:grpSp>
+        <p:grpSp>
+          <p:nvGrpSpPr>
+            <p:cNvPr id="49" name="Group 48">
+              <a:extLst>
+                <a:ext uri="{FF2B5EF4-FFF2-40B4-BE49-F238E27FC236}">
+                  <a16:creationId xmlns:a16="http://schemas.microsoft.com/office/drawing/2014/main" id="{5B560FAA-DC6F-4709-8F0C-890070D97EB6}"/>
+                </a:ext>
+              </a:extLst>
+            </p:cNvPr>
+            <p:cNvGrpSpPr/>
+            <p:nvPr/>
+          </p:nvGrpSpPr>
+          <p:grpSpPr>
+            <a:xfrm>
+              <a:off x="9318172" y="1"/>
+              <a:ext cx="2467429" cy="3429000"/>
+              <a:chOff x="522514" y="1"/>
+              <a:chExt cx="2467429" cy="3429000"/>
+            </a:xfrm>
+          </p:grpSpPr>
+          <p:sp>
+            <p:nvSpPr>
+              <p:cNvPr id="50" name="Arrow: Pentagon 49">
+                <a:extLst>
+                  <a:ext uri="{FF2B5EF4-FFF2-40B4-BE49-F238E27FC236}">
+                    <a16:creationId xmlns:a16="http://schemas.microsoft.com/office/drawing/2014/main" id="{FA5091AC-9767-4F5E-AB5D-156394B2150D}"/>
+                  </a:ext>
+                </a:extLst>
+              </p:cNvPr>
+              <p:cNvSpPr/>
+              <p:nvPr/>
+            </p:nvSpPr>
+            <p:spPr>
+              <a:xfrm rot="5400000">
+                <a:off x="49055" y="488116"/>
+                <a:ext cx="3429000" cy="2452769"/>
+              </a:xfrm>
+              <a:prstGeom prst="homePlate">
+                <a:avLst>
+                  <a:gd name="adj" fmla="val 32839"/>
+                </a:avLst>
+              </a:prstGeom>
+              <a:solidFill>
+                <a:srgbClr val="00B050"/>
+              </a:solidFill>
+              <a:ln>
+                <a:noFill/>
+              </a:ln>
+            </p:spPr>
+            <p:style>
+              <a:lnRef idx="2">
+                <a:schemeClr val="accent1">
+                  <a:shade val="50000"/>
+                </a:schemeClr>
+              </a:lnRef>
+              <a:fillRef idx="1">
+                <a:schemeClr val="accent1"/>
+              </a:fillRef>
+              <a:effectRef idx="0">
+                <a:schemeClr val="accent1"/>
+              </a:effectRef>
+              <a:fontRef idx="minor">
+                <a:schemeClr val="lt1"/>
+              </a:fontRef>
+            </p:style>
+            <p:txBody>
+              <a:bodyPr rtlCol="0" anchor="ctr"/>
+              <a:lstStyle/>
+              <a:p>
+                <a:pPr algn="ctr"/>
+                <a:endParaRPr lang="en-US"/>
+              </a:p>
+            </p:txBody>
+          </p:sp>
+          <p:sp>
+            <p:nvSpPr>
+              <p:cNvPr id="51" name="Rectangle 50">
+                <a:extLst>
+                  <a:ext uri="{FF2B5EF4-FFF2-40B4-BE49-F238E27FC236}">
+                    <a16:creationId xmlns:a16="http://schemas.microsoft.com/office/drawing/2014/main" id="{6E245C0E-E866-43C7-B06E-19E54177A432}"/>
+                  </a:ext>
+                </a:extLst>
+              </p:cNvPr>
+              <p:cNvSpPr/>
+              <p:nvPr/>
+            </p:nvSpPr>
+            <p:spPr>
+              <a:xfrm>
+                <a:off x="522514" y="362857"/>
+                <a:ext cx="2467429" cy="290286"/>
+              </a:xfrm>
+              <a:prstGeom prst="rect">
+                <a:avLst/>
+              </a:prstGeom>
+              <a:solidFill>
+                <a:schemeClr val="bg1">
+                  <a:alpha val="34000"/>
+                </a:schemeClr>
+              </a:solidFill>
+              <a:ln>
+                <a:noFill/>
+              </a:ln>
+            </p:spPr>
+            <p:style>
+              <a:lnRef idx="2">
+                <a:schemeClr val="accent1">
+                  <a:shade val="50000"/>
+                </a:schemeClr>
+              </a:lnRef>
+              <a:fillRef idx="1">
+                <a:schemeClr val="accent1"/>
+              </a:fillRef>
+              <a:effectRef idx="0">
+                <a:schemeClr val="accent1"/>
+              </a:effectRef>
+              <a:fontRef idx="minor">
+                <a:schemeClr val="lt1"/>
+              </a:fontRef>
+            </p:style>
+            <p:txBody>
+              <a:bodyPr rtlCol="0" anchor="ctr"/>
+              <a:lstStyle/>
+              <a:p>
+                <a:pPr algn="ctr"/>
+                <a:endParaRPr lang="en-US"/>
+              </a:p>
+            </p:txBody>
+          </p:sp>
+          <p:grpSp>
+            <p:nvGrpSpPr>
+              <p:cNvPr id="52" name="Group 51">
+                <a:extLst>
+                  <a:ext uri="{FF2B5EF4-FFF2-40B4-BE49-F238E27FC236}">
+                    <a16:creationId xmlns:a16="http://schemas.microsoft.com/office/drawing/2014/main" id="{56337CAA-506E-4CB4-A95F-FDC64F5A37F2}"/>
+                  </a:ext>
+                </a:extLst>
+              </p:cNvPr>
+              <p:cNvGrpSpPr/>
+              <p:nvPr/>
+            </p:nvGrpSpPr>
+            <p:grpSpPr>
+              <a:xfrm>
+                <a:off x="743462" y="1016000"/>
+                <a:ext cx="2040186" cy="1737842"/>
+                <a:chOff x="732043" y="1016000"/>
+                <a:chExt cx="2040186" cy="1737842"/>
+              </a:xfrm>
+            </p:grpSpPr>
+            <p:sp>
+              <p:nvSpPr>
+                <p:cNvPr id="53" name="TextBox 52">
+                  <a:extLst>
+                    <a:ext uri="{FF2B5EF4-FFF2-40B4-BE49-F238E27FC236}">
+                      <a16:creationId xmlns:a16="http://schemas.microsoft.com/office/drawing/2014/main" id="{D5E4A91D-E92E-4578-BABF-60A5DC4BEFE0}"/>
+                    </a:ext>
+                  </a:extLst>
+                </p:cNvPr>
+                <p:cNvSpPr txBox="1"/>
+                <p:nvPr/>
+              </p:nvSpPr>
+              <p:spPr>
+                <a:xfrm>
+                  <a:off x="732043" y="1584291"/>
+                  <a:ext cx="2040186" cy="1169551"/>
+                </a:xfrm>
+                <a:prstGeom prst="rect">
+                  <a:avLst/>
+                </a:prstGeom>
+                <a:noFill/>
+              </p:spPr>
+              <p:txBody>
+                <a:bodyPr wrap="square" rtlCol="0">
+                  <a:spAutoFit/>
+                </a:bodyPr>
+                <a:lstStyle/>
+                <a:p>
+                  <a:pPr lvl="0" algn="ctr"/>
+                  <a:r>
+                    <a:rPr lang="en-US" sz="1400" dirty="0">
+                      <a:solidFill>
+                        <a:schemeClr val="bg1"/>
+                      </a:solidFill>
+                      <a:latin typeface="Georgia Pro Light" panose="02040302050405020303" pitchFamily="18" charset="0"/>
+                    </a:rPr>
+                    <a:t>There is not a significant relationship between emotional reactions to an article and number of shares.</a:t>
+                  </a:r>
+                </a:p>
+              </p:txBody>
+            </p:sp>
+            <p:sp>
+              <p:nvSpPr>
+                <p:cNvPr id="54" name="TextBox 53">
+                  <a:extLst>
+                    <a:ext uri="{FF2B5EF4-FFF2-40B4-BE49-F238E27FC236}">
+                      <a16:creationId xmlns:a16="http://schemas.microsoft.com/office/drawing/2014/main" id="{C21CC090-3D11-42E0-93A3-4A40D093BFA0}"/>
+                    </a:ext>
+                  </a:extLst>
+                </p:cNvPr>
+                <p:cNvSpPr txBox="1"/>
+                <p:nvPr/>
+              </p:nvSpPr>
+              <p:spPr>
+                <a:xfrm>
+                  <a:off x="732043" y="1016000"/>
+                  <a:ext cx="2040186" cy="369332"/>
+                </a:xfrm>
+                <a:prstGeom prst="rect">
+                  <a:avLst/>
+                </a:prstGeom>
+                <a:noFill/>
+              </p:spPr>
+              <p:txBody>
+                <a:bodyPr wrap="square" rtlCol="0">
+                  <a:spAutoFit/>
+                </a:bodyPr>
+                <a:lstStyle/>
+                <a:p>
+                  <a:pPr lvl="0" algn="ctr"/>
+                  <a:r>
+                    <a:rPr lang="en-US" b="1" dirty="0">
+                      <a:solidFill>
+                        <a:schemeClr val="bg1"/>
+                      </a:solidFill>
+                      <a:latin typeface="Georgia" panose="02040502050405020303" pitchFamily="18" charset="0"/>
+                    </a:rPr>
+                    <a:t>Conclusion 4</a:t>
+                  </a:r>
+                </a:p>
+              </p:txBody>
+            </p:sp>
+          </p:grpSp>
+        </p:grpSp>
+      </p:grpSp>
+      <p:grpSp>
+        <p:nvGrpSpPr>
+          <p:cNvPr id="58" name="Group 57">
+            <a:extLst>
+              <a:ext uri="{FF2B5EF4-FFF2-40B4-BE49-F238E27FC236}">
+                <a16:creationId xmlns:a16="http://schemas.microsoft.com/office/drawing/2014/main" id="{782FD04E-3C8A-428F-B604-B15AC21D0174}"/>
+              </a:ext>
+            </a:extLst>
+          </p:cNvPr>
+          <p:cNvGrpSpPr/>
+          <p:nvPr/>
+        </p:nvGrpSpPr>
+        <p:grpSpPr>
+          <a:xfrm>
+            <a:off x="1382520" y="3569904"/>
+            <a:ext cx="747416" cy="711200"/>
+            <a:chOff x="1404293" y="3627960"/>
+            <a:chExt cx="747416" cy="711200"/>
+          </a:xfrm>
+        </p:grpSpPr>
+        <p:sp>
+          <p:nvSpPr>
+            <p:cNvPr id="56" name="Oval 55">
+              <a:extLst>
+                <a:ext uri="{FF2B5EF4-FFF2-40B4-BE49-F238E27FC236}">
+                  <a16:creationId xmlns:a16="http://schemas.microsoft.com/office/drawing/2014/main" id="{BC54BA17-67CD-4360-89CC-BFD91A8C83BC}"/>
+                </a:ext>
+              </a:extLst>
+            </p:cNvPr>
+            <p:cNvSpPr/>
+            <p:nvPr/>
+          </p:nvSpPr>
+          <p:spPr>
+            <a:xfrm>
+              <a:off x="1422401" y="3627960"/>
+              <a:ext cx="711200" cy="711200"/>
+            </a:xfrm>
+            <a:prstGeom prst="ellipse">
+              <a:avLst/>
+            </a:prstGeom>
+            <a:solidFill>
+              <a:schemeClr val="accent1">
+                <a:lumMod val="50000"/>
+                <a:lumOff val="50000"/>
+              </a:schemeClr>
+            </a:solidFill>
+            <a:ln>
+              <a:noFill/>
+            </a:ln>
+            <a:effectLst>
+              <a:outerShdw blurRad="50800" dist="38100" dir="2700000" algn="tl" rotWithShape="0">
+                <a:prstClr val="black">
+                  <a:alpha val="40000"/>
+                </a:prstClr>
+              </a:outerShdw>
+            </a:effectLst>
+          </p:spPr>
+          <p:style>
+            <a:lnRef idx="2">
+              <a:schemeClr val="accent1">
+                <a:shade val="50000"/>
+              </a:schemeClr>
+            </a:lnRef>
+            <a:fillRef idx="1">
+              <a:schemeClr val="accent1"/>
+            </a:fillRef>
+            <a:effectRef idx="0">
+              <a:schemeClr val="accent1"/>
+            </a:effectRef>
+            <a:fontRef idx="minor">
+              <a:schemeClr val="lt1"/>
+            </a:fontRef>
+          </p:style>
+          <p:txBody>
+            <a:bodyPr rtlCol="0" anchor="ctr"/>
+            <a:lstStyle/>
+            <a:p>
+              <a:pPr algn="ctr"/>
+              <a:endParaRPr lang="en-US"/>
+            </a:p>
+          </p:txBody>
+        </p:sp>
+        <p:sp>
+          <p:nvSpPr>
+            <p:cNvPr id="57" name="TextBox 56">
+              <a:extLst>
+                <a:ext uri="{FF2B5EF4-FFF2-40B4-BE49-F238E27FC236}">
+                  <a16:creationId xmlns:a16="http://schemas.microsoft.com/office/drawing/2014/main" id="{53D0325D-C9A2-4B82-8891-10F853E524B1}"/>
+                </a:ext>
+              </a:extLst>
+            </p:cNvPr>
+            <p:cNvSpPr txBox="1"/>
+            <p:nvPr/>
+          </p:nvSpPr>
+          <p:spPr>
+            <a:xfrm>
+              <a:off x="1404293" y="3798894"/>
+              <a:ext cx="747416" cy="369332"/>
+            </a:xfrm>
+            <a:prstGeom prst="rect">
+              <a:avLst/>
+            </a:prstGeom>
+            <a:noFill/>
+          </p:spPr>
+          <p:txBody>
+            <a:bodyPr wrap="square" rtlCol="0">
+              <a:spAutoFit/>
+            </a:bodyPr>
+            <a:lstStyle/>
+            <a:p>
+              <a:pPr algn="ctr"/>
+              <a:r>
+                <a:rPr lang="en-US" b="1" dirty="0">
+                  <a:solidFill>
+                    <a:schemeClr val="bg1"/>
+                  </a:solidFill>
+                  <a:latin typeface="Georgia Pro Light" panose="02040302050405020303" pitchFamily="18" charset="0"/>
+                </a:rPr>
+                <a:t>01</a:t>
+              </a:r>
+            </a:p>
+          </p:txBody>
+        </p:sp>
+      </p:grpSp>
+      <p:grpSp>
+        <p:nvGrpSpPr>
+          <p:cNvPr id="59" name="Group 58">
+            <a:extLst>
+              <a:ext uri="{FF2B5EF4-FFF2-40B4-BE49-F238E27FC236}">
+                <a16:creationId xmlns:a16="http://schemas.microsoft.com/office/drawing/2014/main" id="{10AAFD1E-C476-42C4-8241-3849A2EB4C00}"/>
+              </a:ext>
+            </a:extLst>
+          </p:cNvPr>
+          <p:cNvGrpSpPr/>
+          <p:nvPr/>
+        </p:nvGrpSpPr>
+        <p:grpSpPr>
+          <a:xfrm>
+            <a:off x="4350185" y="3569904"/>
+            <a:ext cx="693970" cy="711200"/>
+            <a:chOff x="1422401" y="3627960"/>
+            <a:chExt cx="711200" cy="711200"/>
+          </a:xfrm>
+          <a:solidFill>
+            <a:srgbClr val="FFC000"/>
+          </a:solidFill>
+        </p:grpSpPr>
+        <p:sp>
+          <p:nvSpPr>
+            <p:cNvPr id="60" name="Oval 59">
+              <a:extLst>
+                <a:ext uri="{FF2B5EF4-FFF2-40B4-BE49-F238E27FC236}">
+                  <a16:creationId xmlns:a16="http://schemas.microsoft.com/office/drawing/2014/main" id="{578BEEA3-3AAF-45AF-82CE-E629C693C2E0}"/>
+                </a:ext>
+              </a:extLst>
+            </p:cNvPr>
+            <p:cNvSpPr/>
+            <p:nvPr/>
+          </p:nvSpPr>
+          <p:spPr>
+            <a:xfrm>
+              <a:off x="1422401" y="3627960"/>
+              <a:ext cx="711200" cy="711200"/>
+            </a:xfrm>
+            <a:prstGeom prst="ellipse">
+              <a:avLst/>
+            </a:prstGeom>
+            <a:grpFill/>
+            <a:ln>
+              <a:noFill/>
+            </a:ln>
+            <a:effectLst>
+              <a:outerShdw blurRad="50800" dist="38100" dir="2700000" algn="tl" rotWithShape="0">
+                <a:prstClr val="black">
+                  <a:alpha val="40000"/>
+                </a:prstClr>
+              </a:outerShdw>
+            </a:effectLst>
+          </p:spPr>
+          <p:style>
+            <a:lnRef idx="2">
+              <a:schemeClr val="accent1">
+                <a:shade val="50000"/>
+              </a:schemeClr>
+            </a:lnRef>
+            <a:fillRef idx="1">
+              <a:schemeClr val="accent1"/>
+            </a:fillRef>
+            <a:effectRef idx="0">
+              <a:schemeClr val="accent1"/>
+            </a:effectRef>
+            <a:fontRef idx="minor">
+              <a:schemeClr val="lt1"/>
+            </a:fontRef>
+          </p:style>
+          <p:txBody>
+            <a:bodyPr rtlCol="0" anchor="ctr"/>
+            <a:lstStyle/>
+            <a:p>
+              <a:pPr algn="ctr"/>
+              <a:endParaRPr lang="en-US"/>
+            </a:p>
+          </p:txBody>
+        </p:sp>
+        <p:sp>
+          <p:nvSpPr>
+            <p:cNvPr id="61" name="TextBox 60">
+              <a:extLst>
+                <a:ext uri="{FF2B5EF4-FFF2-40B4-BE49-F238E27FC236}">
+                  <a16:creationId xmlns:a16="http://schemas.microsoft.com/office/drawing/2014/main" id="{007D698E-BF95-48AF-B0A9-6BCA6979E185}"/>
+                </a:ext>
+              </a:extLst>
+            </p:cNvPr>
+            <p:cNvSpPr txBox="1"/>
+            <p:nvPr/>
+          </p:nvSpPr>
+          <p:spPr>
+            <a:xfrm>
+              <a:off x="1524132" y="3798894"/>
+              <a:ext cx="521686" cy="369332"/>
+            </a:xfrm>
+            <a:prstGeom prst="rect">
+              <a:avLst/>
+            </a:prstGeom>
+            <a:grpFill/>
+          </p:spPr>
+          <p:txBody>
+            <a:bodyPr wrap="square" rtlCol="0">
+              <a:spAutoFit/>
+            </a:bodyPr>
+            <a:lstStyle/>
+            <a:p>
+              <a:pPr algn="ctr"/>
+              <a:r>
+                <a:rPr lang="en-US" b="1" dirty="0">
+                  <a:solidFill>
+                    <a:schemeClr val="bg1"/>
+                  </a:solidFill>
+                  <a:latin typeface="Georgia Pro Light" panose="02040302050405020303" pitchFamily="18" charset="0"/>
+                </a:rPr>
+                <a:t>02</a:t>
+              </a:r>
+            </a:p>
+          </p:txBody>
+        </p:sp>
+      </p:grpSp>
+      <p:grpSp>
+        <p:nvGrpSpPr>
+          <p:cNvPr id="62" name="Group 61">
+            <a:extLst>
+              <a:ext uri="{FF2B5EF4-FFF2-40B4-BE49-F238E27FC236}">
+                <a16:creationId xmlns:a16="http://schemas.microsoft.com/office/drawing/2014/main" id="{688C4F10-EB22-43DB-A18F-1DB4F64D26C4}"/>
+              </a:ext>
+            </a:extLst>
+          </p:cNvPr>
+          <p:cNvGrpSpPr/>
+          <p:nvPr/>
+        </p:nvGrpSpPr>
+        <p:grpSpPr>
+          <a:xfrm>
+            <a:off x="7271727" y="3569904"/>
+            <a:ext cx="711200" cy="711200"/>
+            <a:chOff x="1422401" y="3627960"/>
+            <a:chExt cx="711200" cy="711200"/>
+          </a:xfrm>
+          <a:solidFill>
+            <a:srgbClr val="FF0000"/>
+          </a:solidFill>
+        </p:grpSpPr>
+        <p:sp>
+          <p:nvSpPr>
+            <p:cNvPr id="63" name="Oval 62">
+              <a:extLst>
+                <a:ext uri="{FF2B5EF4-FFF2-40B4-BE49-F238E27FC236}">
+                  <a16:creationId xmlns:a16="http://schemas.microsoft.com/office/drawing/2014/main" id="{07E7B046-0FEB-4D2C-A2FD-47FC019B695D}"/>
+                </a:ext>
+              </a:extLst>
+            </p:cNvPr>
+            <p:cNvSpPr/>
+            <p:nvPr/>
+          </p:nvSpPr>
+          <p:spPr>
+            <a:xfrm>
+              <a:off x="1422401" y="3627960"/>
+              <a:ext cx="711200" cy="711200"/>
+            </a:xfrm>
+            <a:prstGeom prst="ellipse">
+              <a:avLst/>
+            </a:prstGeom>
+            <a:grpFill/>
+            <a:ln>
+              <a:noFill/>
+            </a:ln>
+            <a:effectLst>
+              <a:outerShdw blurRad="50800" dist="38100" dir="2700000" algn="tl" rotWithShape="0">
+                <a:prstClr val="black">
+                  <a:alpha val="40000"/>
+                </a:prstClr>
+              </a:outerShdw>
+            </a:effectLst>
+          </p:spPr>
+          <p:style>
+            <a:lnRef idx="2">
+              <a:schemeClr val="accent1">
+                <a:shade val="50000"/>
+              </a:schemeClr>
+            </a:lnRef>
+            <a:fillRef idx="1">
+              <a:schemeClr val="accent1"/>
+            </a:fillRef>
+            <a:effectRef idx="0">
+              <a:schemeClr val="accent1"/>
+            </a:effectRef>
+            <a:fontRef idx="minor">
+              <a:schemeClr val="lt1"/>
+            </a:fontRef>
+          </p:style>
+          <p:txBody>
+            <a:bodyPr rtlCol="0" anchor="ctr"/>
+            <a:lstStyle/>
+            <a:p>
+              <a:pPr algn="ctr"/>
+              <a:endParaRPr lang="en-US"/>
+            </a:p>
+          </p:txBody>
+        </p:sp>
+        <p:sp>
+          <p:nvSpPr>
+            <p:cNvPr id="64" name="TextBox 63">
+              <a:extLst>
+                <a:ext uri="{FF2B5EF4-FFF2-40B4-BE49-F238E27FC236}">
+                  <a16:creationId xmlns:a16="http://schemas.microsoft.com/office/drawing/2014/main" id="{1C2EA2D8-BCBE-4A06-A23C-96F77F3DB13D}"/>
+                </a:ext>
+              </a:extLst>
+            </p:cNvPr>
+            <p:cNvSpPr txBox="1"/>
+            <p:nvPr/>
+          </p:nvSpPr>
+          <p:spPr>
+            <a:xfrm>
+              <a:off x="1550715" y="3798894"/>
+              <a:ext cx="471340" cy="369332"/>
+            </a:xfrm>
+            <a:prstGeom prst="rect">
+              <a:avLst/>
+            </a:prstGeom>
+            <a:grpFill/>
+          </p:spPr>
+          <p:txBody>
+            <a:bodyPr wrap="square" rtlCol="0">
+              <a:spAutoFit/>
+            </a:bodyPr>
+            <a:lstStyle/>
+            <a:p>
+              <a:pPr algn="ctr"/>
+              <a:r>
+                <a:rPr lang="en-US" b="1" dirty="0">
+                  <a:solidFill>
+                    <a:schemeClr val="bg1"/>
+                  </a:solidFill>
+                  <a:latin typeface="Georgia Pro Light" panose="02040302050405020303" pitchFamily="18" charset="0"/>
+                </a:rPr>
+                <a:t>03</a:t>
+              </a:r>
+            </a:p>
+          </p:txBody>
+        </p:sp>
+      </p:grpSp>
+      <p:grpSp>
+        <p:nvGrpSpPr>
+          <p:cNvPr id="65" name="Group 64">
+            <a:extLst>
+              <a:ext uri="{FF2B5EF4-FFF2-40B4-BE49-F238E27FC236}">
+                <a16:creationId xmlns:a16="http://schemas.microsoft.com/office/drawing/2014/main" id="{518A406B-F105-4100-A8EC-7E5DC0F06793}"/>
+              </a:ext>
+            </a:extLst>
+          </p:cNvPr>
+          <p:cNvGrpSpPr/>
+          <p:nvPr/>
+        </p:nvGrpSpPr>
+        <p:grpSpPr>
+          <a:xfrm>
+            <a:off x="10185505" y="3569904"/>
+            <a:ext cx="747416" cy="711200"/>
+            <a:chOff x="1404293" y="3627960"/>
+            <a:chExt cx="747416" cy="711200"/>
+          </a:xfrm>
+        </p:grpSpPr>
+        <p:sp>
+          <p:nvSpPr>
+            <p:cNvPr id="66" name="Oval 65">
+              <a:extLst>
+                <a:ext uri="{FF2B5EF4-FFF2-40B4-BE49-F238E27FC236}">
+                  <a16:creationId xmlns:a16="http://schemas.microsoft.com/office/drawing/2014/main" id="{18353B85-06C7-4B2C-A7A9-FFDB238BB6B0}"/>
+                </a:ext>
+              </a:extLst>
+            </p:cNvPr>
+            <p:cNvSpPr/>
+            <p:nvPr/>
+          </p:nvSpPr>
+          <p:spPr>
+            <a:xfrm>
+              <a:off x="1422401" y="3627960"/>
+              <a:ext cx="711200" cy="711200"/>
+            </a:xfrm>
+            <a:prstGeom prst="ellipse">
+              <a:avLst/>
+            </a:prstGeom>
+            <a:solidFill>
+              <a:schemeClr val="accent5"/>
+            </a:solidFill>
+            <a:ln>
+              <a:noFill/>
+            </a:ln>
+            <a:effectLst>
+              <a:outerShdw blurRad="50800" dist="38100" dir="2700000" algn="tl" rotWithShape="0">
+                <a:prstClr val="black">
+                  <a:alpha val="40000"/>
+                </a:prstClr>
+              </a:outerShdw>
+            </a:effectLst>
+          </p:spPr>
+          <p:style>
+            <a:lnRef idx="2">
+              <a:schemeClr val="accent1">
+                <a:shade val="50000"/>
+              </a:schemeClr>
+            </a:lnRef>
+            <a:fillRef idx="1">
+              <a:schemeClr val="accent1"/>
+            </a:fillRef>
+            <a:effectRef idx="0">
+              <a:schemeClr val="accent1"/>
+            </a:effectRef>
+            <a:fontRef idx="minor">
+              <a:schemeClr val="lt1"/>
+            </a:fontRef>
+          </p:style>
+          <p:txBody>
+            <a:bodyPr rtlCol="0" anchor="ctr"/>
+            <a:lstStyle/>
+            <a:p>
+              <a:pPr algn="ctr"/>
+              <a:endParaRPr lang="en-US"/>
+            </a:p>
+          </p:txBody>
+        </p:sp>
+        <p:sp>
+          <p:nvSpPr>
+            <p:cNvPr id="67" name="TextBox 66">
+              <a:extLst>
+                <a:ext uri="{FF2B5EF4-FFF2-40B4-BE49-F238E27FC236}">
+                  <a16:creationId xmlns:a16="http://schemas.microsoft.com/office/drawing/2014/main" id="{81C19891-E75E-42AC-BC04-73780815335A}"/>
+                </a:ext>
+              </a:extLst>
+            </p:cNvPr>
+            <p:cNvSpPr txBox="1"/>
+            <p:nvPr/>
+          </p:nvSpPr>
+          <p:spPr>
+            <a:xfrm>
+              <a:off x="1404293" y="3798894"/>
+              <a:ext cx="747416" cy="369332"/>
+            </a:xfrm>
+            <a:prstGeom prst="rect">
+              <a:avLst/>
+            </a:prstGeom>
+            <a:noFill/>
+          </p:spPr>
+          <p:txBody>
+            <a:bodyPr wrap="square" rtlCol="0">
+              <a:spAutoFit/>
+            </a:bodyPr>
+            <a:lstStyle/>
+            <a:p>
+              <a:pPr algn="ctr"/>
+              <a:r>
+                <a:rPr lang="en-US" b="1" dirty="0">
+                  <a:solidFill>
+                    <a:schemeClr val="bg1"/>
+                  </a:solidFill>
+                  <a:latin typeface="Georgia Pro Light" panose="02040302050405020303" pitchFamily="18" charset="0"/>
+                </a:rPr>
+                <a:t>04</a:t>
+              </a:r>
+            </a:p>
+          </p:txBody>
+        </p:sp>
+      </p:grpSp>
+      <p:sp>
+        <p:nvSpPr>
+          <p:cNvPr id="68" name="TextBox 67">
+            <a:extLst>
+              <a:ext uri="{FF2B5EF4-FFF2-40B4-BE49-F238E27FC236}">
+                <a16:creationId xmlns:a16="http://schemas.microsoft.com/office/drawing/2014/main" id="{3A1D2634-A160-454F-AF85-4D228E6A0B89}"/>
+              </a:ext>
+            </a:extLst>
+          </p:cNvPr>
+          <p:cNvSpPr txBox="1"/>
+          <p:nvPr/>
+        </p:nvSpPr>
+        <p:spPr>
+          <a:xfrm>
+            <a:off x="209985" y="5241835"/>
+            <a:ext cx="5886016" cy="1200329"/>
+          </a:xfrm>
+          <a:prstGeom prst="rect">
+            <a:avLst/>
+          </a:prstGeom>
+          <a:noFill/>
+        </p:spPr>
+        <p:txBody>
+          <a:bodyPr wrap="square" rtlCol="0">
+            <a:spAutoFit/>
+          </a:bodyPr>
+          <a:lstStyle/>
+          <a:p>
+            <a:r>
+              <a:rPr lang="en-US" sz="3600" dirty="0">
+                <a:latin typeface="Segoe UI" panose="020B0502040204020203" pitchFamily="34" charset="0"/>
+                <a:cs typeface="Segoe UI" panose="020B0502040204020203" pitchFamily="34" charset="0"/>
+              </a:rPr>
+              <a:t>Conclusions for Likes and</a:t>
+            </a:r>
+          </a:p>
+          <a:p>
+            <a:r>
+              <a:rPr lang="en-US" sz="3600" dirty="0">
+                <a:latin typeface="Segoe UI" panose="020B0502040204020203" pitchFamily="34" charset="0"/>
+                <a:cs typeface="Segoe UI" panose="020B0502040204020203" pitchFamily="34" charset="0"/>
+              </a:rPr>
+              <a:t>Emotional Reaction Analysis</a:t>
+            </a:r>
+          </a:p>
+        </p:txBody>
+      </p:sp>
+      <p:pic>
+        <p:nvPicPr>
+          <p:cNvPr id="8" name="Picture 7" descr="A close up of a toy&#10;&#10;Description automatically generated">
+            <a:extLst>
+              <a:ext uri="{FF2B5EF4-FFF2-40B4-BE49-F238E27FC236}">
+                <a16:creationId xmlns:a16="http://schemas.microsoft.com/office/drawing/2014/main" id="{D2CF0519-4117-4A3B-A8C2-03FF21CFCF29}"/>
+              </a:ext>
+            </a:extLst>
+          </p:cNvPr>
+          <p:cNvPicPr>
+            <a:picLocks noChangeAspect="1"/>
+          </p:cNvPicPr>
+          <p:nvPr/>
+        </p:nvPicPr>
+        <p:blipFill>
+          <a:blip r:embed="rId2"/>
+          <a:stretch>
+            <a:fillRect/>
+          </a:stretch>
+        </p:blipFill>
+        <p:spPr>
+          <a:xfrm>
+            <a:off x="7282512" y="4281104"/>
+            <a:ext cx="3632301" cy="2520026"/>
+          </a:xfrm>
+          <a:prstGeom prst="rect">
+            <a:avLst/>
+          </a:prstGeom>
+        </p:spPr>
+      </p:pic>
+    </p:spTree>
+    <p:extLst>
+      <p:ext uri="{BB962C8B-B14F-4D97-AF65-F5344CB8AC3E}">
+        <p14:creationId xmlns:p14="http://schemas.microsoft.com/office/powerpoint/2010/main" val="26827181"/>
+      </p:ext>
+    </p:extLst>
+  </p:cSld>
+  <p:clrMapOvr>
+    <a:masterClrMapping/>
+  </p:clrMapOvr>
+  <p:timing>
+    <p:tnLst>
+      <p:par>
+        <p:cTn id="1" dur="indefinite" restart="never" nodeType="tmRoot">
+          <p:childTnLst>
+            <p:seq concurrent="1" nextAc="seek">
+              <p:cTn id="2" dur="indefinite" nodeType="mainSeq">
+                <p:childTnLst>
+                  <p:par>
+                    <p:cTn id="3" fill="hold">
+                      <p:stCondLst>
+                        <p:cond delay="indefinite"/>
+                      </p:stCondLst>
+                      <p:childTnLst>
+                        <p:par>
+                          <p:cTn id="4" fill="hold">
+                            <p:stCondLst>
+                              <p:cond delay="0"/>
+                            </p:stCondLst>
+                            <p:childTnLst>
+                              <p:par>
+                                <p:cTn id="5" presetID="42" presetClass="entr" presetSubtype="0" fill="hold" nodeType="clickEffect">
+                                  <p:stCondLst>
+                                    <p:cond delay="0"/>
+                                  </p:stCondLst>
+                                  <p:childTnLst>
+                                    <p:set>
+                                      <p:cBhvr>
+                                        <p:cTn id="6" dur="1" fill="hold">
+                                          <p:stCondLst>
+                                            <p:cond delay="0"/>
+                                          </p:stCondLst>
+                                        </p:cTn>
+                                        <p:tgtEl>
+                                          <p:spTgt spid="58"/>
+                                        </p:tgtEl>
+                                        <p:attrNameLst>
+                                          <p:attrName>style.visibility</p:attrName>
+                                        </p:attrNameLst>
+                                      </p:cBhvr>
+                                      <p:to>
+                                        <p:strVal val="visible"/>
+                                      </p:to>
+                                    </p:set>
+                                    <p:animEffect transition="in" filter="fade">
+                                      <p:cBhvr>
+                                        <p:cTn id="7" dur="1000"/>
+                                        <p:tgtEl>
+                                          <p:spTgt spid="58"/>
+                                        </p:tgtEl>
+                                      </p:cBhvr>
+                                    </p:animEffect>
+                                    <p:anim calcmode="lin" valueType="num">
+                                      <p:cBhvr>
+                                        <p:cTn id="8" dur="1000" fill="hold"/>
+                                        <p:tgtEl>
+                                          <p:spTgt spid="58"/>
+                                        </p:tgtEl>
+                                        <p:attrNameLst>
+                                          <p:attrName>ppt_x</p:attrName>
+                                        </p:attrNameLst>
+                                      </p:cBhvr>
+                                      <p:tavLst>
+                                        <p:tav tm="0">
+                                          <p:val>
+                                            <p:strVal val="#ppt_x"/>
+                                          </p:val>
+                                        </p:tav>
+                                        <p:tav tm="100000">
+                                          <p:val>
+                                            <p:strVal val="#ppt_x"/>
+                                          </p:val>
+                                        </p:tav>
+                                      </p:tavLst>
+                                    </p:anim>
+                                    <p:anim calcmode="lin" valueType="num">
+                                      <p:cBhvr>
+                                        <p:cTn id="9" dur="1000" fill="hold"/>
+                                        <p:tgtEl>
+                                          <p:spTgt spid="58"/>
+                                        </p:tgtEl>
+                                        <p:attrNameLst>
+                                          <p:attrName>ppt_y</p:attrName>
+                                        </p:attrNameLst>
+                                      </p:cBhvr>
+                                      <p:tavLst>
+                                        <p:tav tm="0">
+                                          <p:val>
+                                            <p:strVal val="#ppt_y+.1"/>
+                                          </p:val>
+                                        </p:tav>
+                                        <p:tav tm="100000">
+                                          <p:val>
+                                            <p:strVal val="#ppt_y"/>
+                                          </p:val>
+                                        </p:tav>
+                                      </p:tavLst>
+                                    </p:anim>
+                                  </p:childTnLst>
+                                </p:cTn>
+                              </p:par>
+                            </p:childTnLst>
+                          </p:cTn>
+                        </p:par>
+                      </p:childTnLst>
+                    </p:cTn>
+                  </p:par>
+                  <p:par>
+                    <p:cTn id="10" fill="hold">
+                      <p:stCondLst>
+                        <p:cond delay="indefinite"/>
+                      </p:stCondLst>
+                      <p:childTnLst>
+                        <p:par>
+                          <p:cTn id="11" fill="hold">
+                            <p:stCondLst>
+                              <p:cond delay="0"/>
+                            </p:stCondLst>
+                            <p:childTnLst>
+                              <p:par>
+                                <p:cTn id="12" presetID="42" presetClass="entr" presetSubtype="0" fill="hold" nodeType="clickEffect">
+                                  <p:stCondLst>
+                                    <p:cond delay="0"/>
+                                  </p:stCondLst>
+                                  <p:childTnLst>
+                                    <p:set>
+                                      <p:cBhvr>
+                                        <p:cTn id="13" dur="1" fill="hold">
+                                          <p:stCondLst>
+                                            <p:cond delay="0"/>
+                                          </p:stCondLst>
+                                        </p:cTn>
+                                        <p:tgtEl>
+                                          <p:spTgt spid="59"/>
+                                        </p:tgtEl>
+                                        <p:attrNameLst>
+                                          <p:attrName>style.visibility</p:attrName>
+                                        </p:attrNameLst>
+                                      </p:cBhvr>
+                                      <p:to>
+                                        <p:strVal val="visible"/>
+                                      </p:to>
+                                    </p:set>
+                                    <p:animEffect transition="in" filter="fade">
+                                      <p:cBhvr>
+                                        <p:cTn id="14" dur="1000"/>
+                                        <p:tgtEl>
+                                          <p:spTgt spid="59"/>
+                                        </p:tgtEl>
+                                      </p:cBhvr>
+                                    </p:animEffect>
+                                    <p:anim calcmode="lin" valueType="num">
+                                      <p:cBhvr>
+                                        <p:cTn id="15" dur="1000" fill="hold"/>
+                                        <p:tgtEl>
+                                          <p:spTgt spid="59"/>
+                                        </p:tgtEl>
+                                        <p:attrNameLst>
+                                          <p:attrName>ppt_x</p:attrName>
+                                        </p:attrNameLst>
+                                      </p:cBhvr>
+                                      <p:tavLst>
+                                        <p:tav tm="0">
+                                          <p:val>
+                                            <p:strVal val="#ppt_x"/>
+                                          </p:val>
+                                        </p:tav>
+                                        <p:tav tm="100000">
+                                          <p:val>
+                                            <p:strVal val="#ppt_x"/>
+                                          </p:val>
+                                        </p:tav>
+                                      </p:tavLst>
+                                    </p:anim>
+                                    <p:anim calcmode="lin" valueType="num">
+                                      <p:cBhvr>
+                                        <p:cTn id="16" dur="1000" fill="hold"/>
+                                        <p:tgtEl>
+                                          <p:spTgt spid="59"/>
+                                        </p:tgtEl>
+                                        <p:attrNameLst>
+                                          <p:attrName>ppt_y</p:attrName>
+                                        </p:attrNameLst>
+                                      </p:cBhvr>
+                                      <p:tavLst>
+                                        <p:tav tm="0">
+                                          <p:val>
+                                            <p:strVal val="#ppt_y+.1"/>
+                                          </p:val>
+                                        </p:tav>
+                                        <p:tav tm="100000">
+                                          <p:val>
+                                            <p:strVal val="#ppt_y"/>
+                                          </p:val>
+                                        </p:tav>
+                                      </p:tavLst>
+                                    </p:anim>
+                                  </p:childTnLst>
+                                </p:cTn>
+                              </p:par>
+                            </p:childTnLst>
+                          </p:cTn>
+                        </p:par>
+                      </p:childTnLst>
+                    </p:cTn>
+                  </p:par>
+                  <p:par>
+                    <p:cTn id="17" fill="hold">
+                      <p:stCondLst>
+                        <p:cond delay="indefinite"/>
+                      </p:stCondLst>
+                      <p:childTnLst>
+                        <p:par>
+                          <p:cTn id="18" fill="hold">
+                            <p:stCondLst>
+                              <p:cond delay="0"/>
+                            </p:stCondLst>
+                            <p:childTnLst>
+                              <p:par>
+                                <p:cTn id="19" presetID="42" presetClass="entr" presetSubtype="0" fill="hold" nodeType="clickEffect">
+                                  <p:stCondLst>
+                                    <p:cond delay="0"/>
+                                  </p:stCondLst>
+                                  <p:childTnLst>
+                                    <p:set>
+                                      <p:cBhvr>
+                                        <p:cTn id="20" dur="1" fill="hold">
+                                          <p:stCondLst>
+                                            <p:cond delay="0"/>
+                                          </p:stCondLst>
+                                        </p:cTn>
+                                        <p:tgtEl>
+                                          <p:spTgt spid="62"/>
+                                        </p:tgtEl>
+                                        <p:attrNameLst>
+                                          <p:attrName>style.visibility</p:attrName>
+                                        </p:attrNameLst>
+                                      </p:cBhvr>
+                                      <p:to>
+                                        <p:strVal val="visible"/>
+                                      </p:to>
+                                    </p:set>
+                                    <p:animEffect transition="in" filter="fade">
+                                      <p:cBhvr>
+                                        <p:cTn id="21" dur="1000"/>
+                                        <p:tgtEl>
+                                          <p:spTgt spid="62"/>
+                                        </p:tgtEl>
+                                      </p:cBhvr>
+                                    </p:animEffect>
+                                    <p:anim calcmode="lin" valueType="num">
+                                      <p:cBhvr>
+                                        <p:cTn id="22" dur="1000" fill="hold"/>
+                                        <p:tgtEl>
+                                          <p:spTgt spid="62"/>
+                                        </p:tgtEl>
+                                        <p:attrNameLst>
+                                          <p:attrName>ppt_x</p:attrName>
+                                        </p:attrNameLst>
+                                      </p:cBhvr>
+                                      <p:tavLst>
+                                        <p:tav tm="0">
+                                          <p:val>
+                                            <p:strVal val="#ppt_x"/>
+                                          </p:val>
+                                        </p:tav>
+                                        <p:tav tm="100000">
+                                          <p:val>
+                                            <p:strVal val="#ppt_x"/>
+                                          </p:val>
+                                        </p:tav>
+                                      </p:tavLst>
+                                    </p:anim>
+                                    <p:anim calcmode="lin" valueType="num">
+                                      <p:cBhvr>
+                                        <p:cTn id="23" dur="1000" fill="hold"/>
+                                        <p:tgtEl>
+                                          <p:spTgt spid="62"/>
+                                        </p:tgtEl>
+                                        <p:attrNameLst>
+                                          <p:attrName>ppt_y</p:attrName>
+                                        </p:attrNameLst>
+                                      </p:cBhvr>
+                                      <p:tavLst>
+                                        <p:tav tm="0">
+                                          <p:val>
+                                            <p:strVal val="#ppt_y+.1"/>
+                                          </p:val>
+                                        </p:tav>
+                                        <p:tav tm="100000">
+                                          <p:val>
+                                            <p:strVal val="#ppt_y"/>
+                                          </p:val>
+                                        </p:tav>
+                                      </p:tavLst>
+                                    </p:anim>
+                                  </p:childTnLst>
+                                </p:cTn>
+                              </p:par>
+                            </p:childTnLst>
+                          </p:cTn>
+                        </p:par>
+                      </p:childTnLst>
+                    </p:cTn>
+                  </p:par>
+                  <p:par>
+                    <p:cTn id="24" fill="hold">
+                      <p:stCondLst>
+                        <p:cond delay="indefinite"/>
+                      </p:stCondLst>
+                      <p:childTnLst>
+                        <p:par>
+                          <p:cTn id="25" fill="hold">
+                            <p:stCondLst>
+                              <p:cond delay="0"/>
+                            </p:stCondLst>
+                            <p:childTnLst>
+                              <p:par>
+                                <p:cTn id="26" presetID="42" presetClass="entr" presetSubtype="0" fill="hold" nodeType="clickEffect">
+                                  <p:stCondLst>
+                                    <p:cond delay="0"/>
+                                  </p:stCondLst>
+                                  <p:childTnLst>
+                                    <p:set>
+                                      <p:cBhvr>
+                                        <p:cTn id="27" dur="1" fill="hold">
+                                          <p:stCondLst>
+                                            <p:cond delay="0"/>
+                                          </p:stCondLst>
+                                        </p:cTn>
+                                        <p:tgtEl>
+                                          <p:spTgt spid="65"/>
+                                        </p:tgtEl>
+                                        <p:attrNameLst>
+                                          <p:attrName>style.visibility</p:attrName>
+                                        </p:attrNameLst>
+                                      </p:cBhvr>
+                                      <p:to>
+                                        <p:strVal val="visible"/>
+                                      </p:to>
+                                    </p:set>
+                                    <p:animEffect transition="in" filter="fade">
+                                      <p:cBhvr>
+                                        <p:cTn id="28" dur="1000"/>
+                                        <p:tgtEl>
+                                          <p:spTgt spid="65"/>
+                                        </p:tgtEl>
+                                      </p:cBhvr>
+                                    </p:animEffect>
+                                    <p:anim calcmode="lin" valueType="num">
+                                      <p:cBhvr>
+                                        <p:cTn id="29" dur="1000" fill="hold"/>
+                                        <p:tgtEl>
+                                          <p:spTgt spid="65"/>
+                                        </p:tgtEl>
+                                        <p:attrNameLst>
+                                          <p:attrName>ppt_x</p:attrName>
+                                        </p:attrNameLst>
+                                      </p:cBhvr>
+                                      <p:tavLst>
+                                        <p:tav tm="0">
+                                          <p:val>
+                                            <p:strVal val="#ppt_x"/>
+                                          </p:val>
+                                        </p:tav>
+                                        <p:tav tm="100000">
+                                          <p:val>
+                                            <p:strVal val="#ppt_x"/>
+                                          </p:val>
+                                        </p:tav>
+                                      </p:tavLst>
+                                    </p:anim>
+                                    <p:anim calcmode="lin" valueType="num">
+                                      <p:cBhvr>
+                                        <p:cTn id="30" dur="1000" fill="hold"/>
+                                        <p:tgtEl>
+                                          <p:spTgt spid="65"/>
+                                        </p:tgtEl>
+                                        <p:attrNameLst>
+                                          <p:attrName>ppt_y</p:attrName>
+                                        </p:attrNameLst>
+                                      </p:cBhvr>
+                                      <p:tavLst>
+                                        <p:tav tm="0">
+                                          <p:val>
+                                            <p:strVal val="#ppt_y+.1"/>
+                                          </p:val>
+                                        </p:tav>
+                                        <p:tav tm="100000">
+                                          <p:val>
+                                            <p:strVal val="#ppt_y"/>
+                                          </p:val>
+                                        </p:tav>
+                                      </p:tavLst>
+                                    </p:anim>
+                                  </p:childTnLst>
+                                </p:cTn>
+                              </p:par>
+                            </p:childTnLst>
+                          </p:cTn>
+                        </p:par>
+                      </p:childTnLst>
+                    </p:cTn>
+                  </p:par>
+                </p:childTnLst>
+              </p:cTn>
+              <p:prevCondLst>
+                <p:cond evt="onPrev" delay="0">
+                  <p:tgtEl>
+                    <p:sldTgt/>
+                  </p:tgtEl>
+                </p:cond>
+              </p:prevCondLst>
+              <p:nextCondLst>
+                <p:cond evt="onNext" delay="0">
+                  <p:tgtEl>
+                    <p:sldTgt/>
+                  </p:tgtEl>
+                </p:cond>
+              </p:nextCondLst>
+            </p:seq>
+          </p:childTnLst>
+        </p:cTn>
+      </p:par>
+    </p:tnLst>
+  </p:timing>
 </p:sld>
 </file>
 
@@ -7830,6 +14738,301 @@
 <file path=ppt/theme/theme3.xml><?xml version="1.0" encoding="utf-8"?>
 <a:theme xmlns:a="http://schemas.openxmlformats.org/drawingml/2006/main" name="Office Theme">
   <a:themeElements>
+    <a:clrScheme name="bluee">
+      <a:dk1>
+        <a:sysClr val="windowText" lastClr="000000"/>
+      </a:dk1>
+      <a:lt1>
+        <a:sysClr val="window" lastClr="FFFFFF"/>
+      </a:lt1>
+      <a:dk2>
+        <a:srgbClr val="44546A"/>
+      </a:dk2>
+      <a:lt2>
+        <a:srgbClr val="E7E6E6"/>
+      </a:lt2>
+      <a:accent1>
+        <a:srgbClr val="084259"/>
+      </a:accent1>
+      <a:accent2>
+        <a:srgbClr val="0F8AA6"/>
+      </a:accent2>
+      <a:accent3>
+        <a:srgbClr val="0F97A6"/>
+      </a:accent3>
+      <a:accent4>
+        <a:srgbClr val="15BFBF"/>
+      </a:accent4>
+      <a:accent5>
+        <a:srgbClr val="12A697"/>
+      </a:accent5>
+      <a:accent6>
+        <a:srgbClr val="04D9D9"/>
+      </a:accent6>
+      <a:hlink>
+        <a:srgbClr val="0563C1"/>
+      </a:hlink>
+      <a:folHlink>
+        <a:srgbClr val="954F72"/>
+      </a:folHlink>
+    </a:clrScheme>
+    <a:fontScheme name="Office">
+      <a:majorFont>
+        <a:latin typeface="Calibri Light" panose="020F0302020204030204"/>
+        <a:ea typeface=""/>
+        <a:cs typeface=""/>
+        <a:font script="Jpan" typeface="游ゴシック Light"/>
+        <a:font script="Hang" typeface="맑은 고딕"/>
+        <a:font script="Hans" typeface="等线 Light"/>
+        <a:font script="Hant" typeface="新細明體"/>
+        <a:font script="Arab" typeface="Times New Roman"/>
+        <a:font script="Hebr" typeface="Times New Roman"/>
+        <a:font script="Thai" typeface="Angsana New"/>
+        <a:font script="Ethi" typeface="Nyala"/>
+        <a:font script="Beng" typeface="Vrinda"/>
+        <a:font script="Gujr" typeface="Shruti"/>
+        <a:font script="Khmr" typeface="MoolBoran"/>
+        <a:font script="Knda" typeface="Tunga"/>
+        <a:font script="Guru" typeface="Raavi"/>
+        <a:font script="Cans" typeface="Euphemia"/>
+        <a:font script="Cher" typeface="Plantagenet Cherokee"/>
+        <a:font script="Yiii" typeface="Microsoft Yi Baiti"/>
+        <a:font script="Tibt" typeface="Microsoft Himalaya"/>
+        <a:font script="Thaa" typeface="MV Boli"/>
+        <a:font script="Deva" typeface="Mangal"/>
+        <a:font script="Telu" typeface="Gautami"/>
+        <a:font script="Taml" typeface="Latha"/>
+        <a:font script="Syrc" typeface="Estrangelo Edessa"/>
+        <a:font script="Orya" typeface="Kalinga"/>
+        <a:font script="Mlym" typeface="Kartika"/>
+        <a:font script="Laoo" typeface="DokChampa"/>
+        <a:font script="Sinh" typeface="Iskoola Pota"/>
+        <a:font script="Mong" typeface="Mongolian Baiti"/>
+        <a:font script="Viet" typeface="Times New Roman"/>
+        <a:font script="Uigh" typeface="Microsoft Uighur"/>
+        <a:font script="Geor" typeface="Sylfaen"/>
+        <a:font script="Armn" typeface="Arial"/>
+        <a:font script="Bugi" typeface="Leelawadee UI"/>
+        <a:font script="Bopo" typeface="Microsoft JhengHei"/>
+        <a:font script="Java" typeface="Javanese Text"/>
+        <a:font script="Lisu" typeface="Segoe UI"/>
+        <a:font script="Mymr" typeface="Myanmar Text"/>
+        <a:font script="Nkoo" typeface="Ebrima"/>
+        <a:font script="Olck" typeface="Nirmala UI"/>
+        <a:font script="Osma" typeface="Ebrima"/>
+        <a:font script="Phag" typeface="Phagspa"/>
+        <a:font script="Syrn" typeface="Estrangelo Edessa"/>
+        <a:font script="Syrj" typeface="Estrangelo Edessa"/>
+        <a:font script="Syre" typeface="Estrangelo Edessa"/>
+        <a:font script="Sora" typeface="Nirmala UI"/>
+        <a:font script="Tale" typeface="Microsoft Tai Le"/>
+        <a:font script="Talu" typeface="Microsoft New Tai Lue"/>
+        <a:font script="Tfng" typeface="Ebrima"/>
+      </a:majorFont>
+      <a:minorFont>
+        <a:latin typeface="Calibri" panose="020F0502020204030204"/>
+        <a:ea typeface=""/>
+        <a:cs typeface=""/>
+        <a:font script="Jpan" typeface="游ゴシック"/>
+        <a:font script="Hang" typeface="맑은 고딕"/>
+        <a:font script="Hans" typeface="等线"/>
+        <a:font script="Hant" typeface="新細明體"/>
+        <a:font script="Arab" typeface="Arial"/>
+        <a:font script="Hebr" typeface="Arial"/>
+        <a:font script="Thai" typeface="Cordia New"/>
+        <a:font script="Ethi" typeface="Nyala"/>
+        <a:font script="Beng" typeface="Vrinda"/>
+        <a:font script="Gujr" typeface="Shruti"/>
+        <a:font script="Khmr" typeface="DaunPenh"/>
+        <a:font script="Knda" typeface="Tunga"/>
+        <a:font script="Guru" typeface="Raavi"/>
+        <a:font script="Cans" typeface="Euphemia"/>
+        <a:font script="Cher" typeface="Plantagenet Cherokee"/>
+        <a:font script="Yiii" typeface="Microsoft Yi Baiti"/>
+        <a:font script="Tibt" typeface="Microsoft Himalaya"/>
+        <a:font script="Thaa" typeface="MV Boli"/>
+        <a:font script="Deva" typeface="Mangal"/>
+        <a:font script="Telu" typeface="Gautami"/>
+        <a:font script="Taml" typeface="Latha"/>
+        <a:font script="Syrc" typeface="Estrangelo Edessa"/>
+        <a:font script="Orya" typeface="Kalinga"/>
+        <a:font script="Mlym" typeface="Kartika"/>
+        <a:font script="Laoo" typeface="DokChampa"/>
+        <a:font script="Sinh" typeface="Iskoola Pota"/>
+        <a:font script="Mong" typeface="Mongolian Baiti"/>
+        <a:font script="Viet" typeface="Arial"/>
+        <a:font script="Uigh" typeface="Microsoft Uighur"/>
+        <a:font script="Geor" typeface="Sylfaen"/>
+        <a:font script="Armn" typeface="Arial"/>
+        <a:font script="Bugi" typeface="Leelawadee UI"/>
+        <a:font script="Bopo" typeface="Microsoft JhengHei"/>
+        <a:font script="Java" typeface="Javanese Text"/>
+        <a:font script="Lisu" typeface="Segoe UI"/>
+        <a:font script="Mymr" typeface="Myanmar Text"/>
+        <a:font script="Nkoo" typeface="Ebrima"/>
+        <a:font script="Olck" typeface="Nirmala UI"/>
+        <a:font script="Osma" typeface="Ebrima"/>
+        <a:font script="Phag" typeface="Phagspa"/>
+        <a:font script="Syrn" typeface="Estrangelo Edessa"/>
+        <a:font script="Syrj" typeface="Estrangelo Edessa"/>
+        <a:font script="Syre" typeface="Estrangelo Edessa"/>
+        <a:font script="Sora" typeface="Nirmala UI"/>
+        <a:font script="Tale" typeface="Microsoft Tai Le"/>
+        <a:font script="Talu" typeface="Microsoft New Tai Lue"/>
+        <a:font script="Tfng" typeface="Ebrima"/>
+      </a:minorFont>
+    </a:fontScheme>
+    <a:fmtScheme name="Office">
+      <a:fillStyleLst>
+        <a:solidFill>
+          <a:schemeClr val="phClr"/>
+        </a:solidFill>
+        <a:gradFill rotWithShape="1">
+          <a:gsLst>
+            <a:gs pos="0">
+              <a:schemeClr val="phClr">
+                <a:lumMod val="110000"/>
+                <a:satMod val="105000"/>
+                <a:tint val="67000"/>
+              </a:schemeClr>
+            </a:gs>
+            <a:gs pos="50000">
+              <a:schemeClr val="phClr">
+                <a:lumMod val="105000"/>
+                <a:satMod val="103000"/>
+                <a:tint val="73000"/>
+              </a:schemeClr>
+            </a:gs>
+            <a:gs pos="100000">
+              <a:schemeClr val="phClr">
+                <a:lumMod val="105000"/>
+                <a:satMod val="109000"/>
+                <a:tint val="81000"/>
+              </a:schemeClr>
+            </a:gs>
+          </a:gsLst>
+          <a:lin ang="5400000" scaled="0"/>
+        </a:gradFill>
+        <a:gradFill rotWithShape="1">
+          <a:gsLst>
+            <a:gs pos="0">
+              <a:schemeClr val="phClr">
+                <a:satMod val="103000"/>
+                <a:lumMod val="102000"/>
+                <a:tint val="94000"/>
+              </a:schemeClr>
+            </a:gs>
+            <a:gs pos="50000">
+              <a:schemeClr val="phClr">
+                <a:satMod val="110000"/>
+                <a:lumMod val="100000"/>
+                <a:shade val="100000"/>
+              </a:schemeClr>
+            </a:gs>
+            <a:gs pos="100000">
+              <a:schemeClr val="phClr">
+                <a:lumMod val="99000"/>
+                <a:satMod val="120000"/>
+                <a:shade val="78000"/>
+              </a:schemeClr>
+            </a:gs>
+          </a:gsLst>
+          <a:lin ang="5400000" scaled="0"/>
+        </a:gradFill>
+      </a:fillStyleLst>
+      <a:lnStyleLst>
+        <a:ln w="6350" cap="flat" cmpd="sng" algn="ctr">
+          <a:solidFill>
+            <a:schemeClr val="phClr"/>
+          </a:solidFill>
+          <a:prstDash val="solid"/>
+          <a:miter lim="800000"/>
+        </a:ln>
+        <a:ln w="12700" cap="flat" cmpd="sng" algn="ctr">
+          <a:solidFill>
+            <a:schemeClr val="phClr"/>
+          </a:solidFill>
+          <a:prstDash val="solid"/>
+          <a:miter lim="800000"/>
+        </a:ln>
+        <a:ln w="19050" cap="flat" cmpd="sng" algn="ctr">
+          <a:solidFill>
+            <a:schemeClr val="phClr"/>
+          </a:solidFill>
+          <a:prstDash val="solid"/>
+          <a:miter lim="800000"/>
+        </a:ln>
+      </a:lnStyleLst>
+      <a:effectStyleLst>
+        <a:effectStyle>
+          <a:effectLst/>
+        </a:effectStyle>
+        <a:effectStyle>
+          <a:effectLst/>
+        </a:effectStyle>
+        <a:effectStyle>
+          <a:effectLst>
+            <a:outerShdw blurRad="57150" dist="19050" dir="5400000" algn="ctr" rotWithShape="0">
+              <a:srgbClr val="000000">
+                <a:alpha val="63000"/>
+              </a:srgbClr>
+            </a:outerShdw>
+          </a:effectLst>
+        </a:effectStyle>
+      </a:effectStyleLst>
+      <a:bgFillStyleLst>
+        <a:solidFill>
+          <a:schemeClr val="phClr"/>
+        </a:solidFill>
+        <a:solidFill>
+          <a:schemeClr val="phClr">
+            <a:tint val="95000"/>
+            <a:satMod val="170000"/>
+          </a:schemeClr>
+        </a:solidFill>
+        <a:gradFill rotWithShape="1">
+          <a:gsLst>
+            <a:gs pos="0">
+              <a:schemeClr val="phClr">
+                <a:tint val="93000"/>
+                <a:satMod val="150000"/>
+                <a:shade val="98000"/>
+                <a:lumMod val="102000"/>
+              </a:schemeClr>
+            </a:gs>
+            <a:gs pos="50000">
+              <a:schemeClr val="phClr">
+                <a:tint val="98000"/>
+                <a:satMod val="130000"/>
+                <a:shade val="90000"/>
+                <a:lumMod val="103000"/>
+              </a:schemeClr>
+            </a:gs>
+            <a:gs pos="100000">
+              <a:schemeClr val="phClr">
+                <a:shade val="63000"/>
+                <a:satMod val="120000"/>
+              </a:schemeClr>
+            </a:gs>
+          </a:gsLst>
+          <a:lin ang="5400000" scaled="0"/>
+        </a:gradFill>
+      </a:bgFillStyleLst>
+    </a:fmtScheme>
+  </a:themeElements>
+  <a:objectDefaults/>
+  <a:extraClrSchemeLst/>
+  <a:extLst>
+    <a:ext uri="{05A4C25C-085E-4340-85A3-A5531E510DB2}">
+      <thm15:themeFamily xmlns:thm15="http://schemas.microsoft.com/office/thememl/2012/main" name="Office Theme" id="{62F939B6-93AF-4DB8-9C6B-D6C7DFDC589F}" vid="{4A3C46E8-61CC-4603-A589-7422A47A8E4A}"/>
+    </a:ext>
+  </a:extLst>
+</a:theme>
+</file>
+
+<file path=ppt/theme/theme4.xml><?xml version="1.0" encoding="utf-8"?>
+<a:theme xmlns:a="http://schemas.openxmlformats.org/drawingml/2006/main" name="Office Theme">
+  <a:themeElements>
     <a:clrScheme name="Office">
       <a:dk1>
         <a:sysClr val="windowText" lastClr="000000"/>

--- a/Group 9 - Facebook News Article Analysis.pptx
+++ b/Group 9 - Facebook News Article Analysis.pptx
@@ -11747,23 +11747,23 @@
               </a:lnSpc>
             </a:pPr>
             <a:r>
-              <a:rPr lang="en-US" sz="4400" dirty="0">
+              <a:rPr lang="en-US" sz="3200" dirty="0">
                 <a:solidFill>
                   <a:srgbClr val="FFFFFF"/>
                 </a:solidFill>
                 <a:latin typeface="Segoe UI Semibold" panose="020B0702040204020203" pitchFamily="34" charset="0"/>
                 <a:cs typeface="Segoe UI Semibold" panose="020B0702040204020203" pitchFamily="34" charset="0"/>
               </a:rPr>
-              <a:t>Facebook News Article analysis by Category </a:t>
+              <a:t>Popularity of Articles on Facebook</a:t>
             </a:r>
             <a:br>
-              <a:rPr lang="en-US" sz="4400" dirty="0">
+              <a:rPr lang="en-US" sz="3200" dirty="0">
                 <a:solidFill>
                   <a:srgbClr val="FFFFFF"/>
                 </a:solidFill>
               </a:rPr>
             </a:br>
-            <a:endParaRPr lang="en-US" sz="4400" dirty="0">
+            <a:endParaRPr lang="en-US" sz="3200" dirty="0">
               <a:solidFill>
                 <a:srgbClr val="FFFFFF"/>
               </a:solidFill>
@@ -13594,13 +13594,13 @@
   <p:clrMapOvr>
     <a:masterClrMapping/>
   </p:clrMapOvr>
-  <mc:AlternateContent xmlns:mc="http://schemas.openxmlformats.org/markup-compatibility/2006">
-    <mc:Choice xmlns:p14="http://schemas.microsoft.com/office/powerpoint/2010/main" Requires="p14">
+  <mc:AlternateContent xmlns:mc="http://schemas.openxmlformats.org/markup-compatibility/2006" xmlns:p14="http://schemas.microsoft.com/office/powerpoint/2010/main">
+    <mc:Choice Requires="p14">
       <p:transition spd="slow" p14:dur="1600">
         <p14:conveyor dir="l"/>
       </p:transition>
     </mc:Choice>
-    <mc:Fallback>
+    <mc:Fallback xmlns="">
       <p:transition spd="slow">
         <p:fade/>
       </p:transition>
@@ -14287,7 +14287,7 @@
         <p:spPr>
           <a:xfrm>
             <a:off x="4844538" y="4270848"/>
-            <a:ext cx="5600335" cy="2203854"/>
+            <a:ext cx="5600335" cy="2206950"/>
           </a:xfrm>
           <a:prstGeom prst="rect">
             <a:avLst/>
@@ -14325,14 +14325,47 @@
               <a:buFont typeface="Courier New" panose="02070309020205020404" pitchFamily="49" charset="0"/>
               <a:buChar char="o"/>
             </a:pPr>
+            <a:endParaRPr lang="en-US" dirty="0">
+              <a:latin typeface="Open Sans" panose="020B0606030504020204" pitchFamily="34" charset="0"/>
+              <a:ea typeface="Open Sans" panose="020B0606030504020204" pitchFamily="34" charset="0"/>
+              <a:cs typeface="Open Sans" panose="020B0606030504020204" pitchFamily="34" charset="0"/>
+            </a:endParaRPr>
+          </a:p>
+          <a:p>
+            <a:pPr marL="285750" indent="-285750">
+              <a:buFont typeface="Courier New" panose="02070309020205020404" pitchFamily="49" charset="0"/>
+              <a:buChar char="o"/>
+            </a:pPr>
+            <a:endParaRPr lang="en-US" dirty="0">
+              <a:latin typeface="Open Sans" panose="020B0606030504020204" pitchFamily="34" charset="0"/>
+              <a:ea typeface="Open Sans" panose="020B0606030504020204" pitchFamily="34" charset="0"/>
+              <a:cs typeface="Open Sans" panose="020B0606030504020204" pitchFamily="34" charset="0"/>
+            </a:endParaRPr>
+          </a:p>
+          <a:p>
+            <a:pPr marL="285750" indent="-285750">
+              <a:buFont typeface="Courier New" panose="02070309020205020404" pitchFamily="49" charset="0"/>
+              <a:buChar char="o"/>
+            </a:pPr>
             <a:r>
               <a:rPr lang="en-US" dirty="0">
                 <a:latin typeface="Open Sans" panose="020B0606030504020204" pitchFamily="34" charset="0"/>
                 <a:ea typeface="Open Sans" panose="020B0606030504020204" pitchFamily="34" charset="0"/>
                 <a:cs typeface="Open Sans" panose="020B0606030504020204" pitchFamily="34" charset="0"/>
               </a:rPr>
-              <a:t>How many articles are considered clickbait based on their title?</a:t>
-            </a:r>
+              <a:t>Do results with clickbait titles have more success than those with representative titles?</a:t>
+            </a:r>
+          </a:p>
+          <a:p>
+            <a:pPr marL="285750" indent="-285750">
+              <a:buFont typeface="Courier New" panose="02070309020205020404" pitchFamily="49" charset="0"/>
+              <a:buChar char="o"/>
+            </a:pPr>
+            <a:endParaRPr lang="en-US" dirty="0">
+              <a:latin typeface="Open Sans" panose="020B0606030504020204" pitchFamily="34" charset="0"/>
+              <a:ea typeface="Open Sans" panose="020B0606030504020204" pitchFamily="34" charset="0"/>
+              <a:cs typeface="Open Sans" panose="020B0606030504020204" pitchFamily="34" charset="0"/>
+            </a:endParaRPr>
           </a:p>
           <a:p>
             <a:pPr marL="285750" indent="-285750">
@@ -14345,7 +14378,7 @@
                 <a:ea typeface="Open Sans" panose="020B0606030504020204" pitchFamily="34" charset="0"/>
                 <a:cs typeface="Open Sans" panose="020B0606030504020204" pitchFamily="34" charset="0"/>
               </a:rPr>
-              <a:t>Are their certain news sources that produce more clickbait?</a:t>
+              <a:t>Which news sources/platforms publish the most ‘clickbait-y’ content?</a:t>
             </a:r>
           </a:p>
         </p:txBody>
@@ -17255,7 +17288,7 @@
         </p:nvSpPr>
         <p:spPr>
           <a:xfrm>
-            <a:off x="4348926" y="1849540"/>
+            <a:off x="4241830" y="1769262"/>
             <a:ext cx="7105481" cy="2353797"/>
           </a:xfrm>
         </p:spPr>
@@ -17378,8 +17411,8 @@
         </p:blipFill>
         <p:spPr>
           <a:xfrm>
-            <a:off x="4348926" y="4113477"/>
-            <a:ext cx="7543127" cy="2643583"/>
+            <a:off x="4348926" y="4009782"/>
+            <a:ext cx="7543127" cy="2216397"/>
           </a:xfrm>
           <a:prstGeom prst="rect">
             <a:avLst/>
@@ -17404,13 +17437,13 @@
   <p:clrMapOvr>
     <a:masterClrMapping/>
   </p:clrMapOvr>
-  <mc:AlternateContent xmlns:mc="http://schemas.openxmlformats.org/markup-compatibility/2006">
-    <mc:Choice xmlns:p14="http://schemas.microsoft.com/office/powerpoint/2010/main" Requires="p14">
+  <mc:AlternateContent xmlns:mc="http://schemas.openxmlformats.org/markup-compatibility/2006" xmlns:p14="http://schemas.microsoft.com/office/powerpoint/2010/main">
+    <mc:Choice Requires="p14">
       <p:transition spd="slow" p14:dur="2000">
         <p14:glitter pattern="hexagon"/>
       </p:transition>
     </mc:Choice>
-    <mc:Fallback>
+    <mc:Fallback xmlns="">
       <p:transition spd="slow">
         <p:fade/>
       </p:transition>
@@ -17700,8 +17733,8 @@
         </p:nvSpPr>
         <p:spPr>
           <a:xfrm>
-            <a:off x="8029318" y="1303865"/>
-            <a:ext cx="3424739" cy="4852362"/>
+            <a:off x="7855293" y="2285994"/>
+            <a:ext cx="3424739" cy="3561354"/>
           </a:xfrm>
         </p:spPr>
         <p:txBody>
@@ -17737,10 +17770,10 @@
       </p:sp>
       <p:pic>
         <p:nvPicPr>
-          <p:cNvPr id="74" name="Picture 73" descr="A picture containing drawing&#10;&#10;Description automatically generated">
+          <p:cNvPr id="76" name="Picture 75" descr="A screenshot of a cell phone&#10;&#10;Description automatically generated">
             <a:extLst>
               <a:ext uri="{FF2B5EF4-FFF2-40B4-BE49-F238E27FC236}">
-                <a16:creationId xmlns:a16="http://schemas.microsoft.com/office/drawing/2014/main" id="{BA5769DA-8649-4B13-88F3-2D7E455E2317}"/>
+                <a16:creationId xmlns:a16="http://schemas.microsoft.com/office/drawing/2014/main" id="{E0970D52-7380-4A08-9229-97E63D573C9A}"/>
               </a:ext>
             </a:extLst>
           </p:cNvPr>
@@ -17757,8 +17790,8 @@
         </p:blipFill>
         <p:spPr>
           <a:xfrm>
-            <a:off x="8859298" y="568921"/>
-            <a:ext cx="1764780" cy="1469887"/>
+            <a:off x="23414" y="2285998"/>
+            <a:ext cx="7533561" cy="4572002"/>
           </a:xfrm>
           <a:prstGeom prst="rect">
             <a:avLst/>
@@ -17767,10 +17800,10 @@
       </p:pic>
       <p:pic>
         <p:nvPicPr>
-          <p:cNvPr id="76" name="Picture 75" descr="A screenshot of a cell phone&#10;&#10;Description automatically generated">
+          <p:cNvPr id="5" name="Picture 4" descr="A close up of a logo&#10;&#10;Description automatically generated">
             <a:extLst>
               <a:ext uri="{FF2B5EF4-FFF2-40B4-BE49-F238E27FC236}">
-                <a16:creationId xmlns:a16="http://schemas.microsoft.com/office/drawing/2014/main" id="{E0970D52-7380-4A08-9229-97E63D573C9A}"/>
+                <a16:creationId xmlns:a16="http://schemas.microsoft.com/office/drawing/2014/main" id="{CAF00CE1-34D5-479C-9156-CA902A8E4026}"/>
               </a:ext>
             </a:extLst>
           </p:cNvPr>
@@ -17787,8 +17820,8 @@
         </p:blipFill>
         <p:spPr>
           <a:xfrm>
-            <a:off x="23414" y="2285998"/>
-            <a:ext cx="7533561" cy="4572002"/>
+            <a:off x="8496099" y="569420"/>
+            <a:ext cx="2143125" cy="1716574"/>
           </a:xfrm>
           <a:prstGeom prst="rect">
             <a:avLst/>
